--- a/Postgresql.pptx
+++ b/Postgresql.pptx
@@ -34,6 +34,9 @@
     <p:sldId id="279" r:id="rId31"/>
     <p:sldId id="280" r:id="rId32"/>
     <p:sldId id="281" r:id="rId33"/>
+    <p:sldId id="282" r:id="rId34"/>
+    <p:sldId id="283" r:id="rId35"/>
+    <p:sldId id="284" r:id="rId36"/>
   </p:sldIdLst>
   <p:sldSz cx="13004800" cy="9753600"/>
   <p:notesSz cx="6858000" cy="9144000"/>
@@ -580,6 +583,241 @@
             <a:pPr/>
             <a:r>
               <a:t>MySQL ignore la contrainte Check par exemple</a:t>
+            </a:r>
+          </a:p>
+        </p:txBody>
+      </p:sp>
+    </p:spTree>
+  </p:cSld>
+  <p:clrMapOvr>
+    <a:masterClrMapping/>
+  </p:clrMapOvr>
+</p:notes>
+</file>
+
+<file path=ppt/notesSlides/notesSlide10.xml><?xml version="1.0" encoding="utf-8"?>
+<p:notes xmlns:a="http://schemas.openxmlformats.org/drawingml/2006/main" xmlns:r="http://schemas.openxmlformats.org/officeDocument/2006/relationships" xmlns:p="http://schemas.openxmlformats.org/presentationml/2006/main" xmlns:m="http://schemas.openxmlformats.org/officeDocument/2006/math" xmlns:a14="http://schemas.microsoft.com/office/drawing/2010/main" showMasterSp="1" showMasterPhAnim="1">
+  <p:cSld>
+    <p:spTree>
+      <p:nvGrpSpPr>
+        <p:cNvPr id="1" name=""/>
+        <p:cNvGrpSpPr/>
+        <p:nvPr/>
+      </p:nvGrpSpPr>
+      <p:grpSpPr>
+        <a:xfrm>
+          <a:off x="0" y="0"/>
+          <a:ext cx="0" cy="0"/>
+          <a:chOff x="0" y="0"/>
+          <a:chExt cx="0" cy="0"/>
+        </a:xfrm>
+      </p:grpSpPr>
+      <p:sp>
+        <p:nvSpPr>
+          <p:cNvPr id="305" name="Shape 305"/>
+          <p:cNvSpPr/>
+          <p:nvPr>
+            <p:ph type="sldImg"/>
+          </p:nvPr>
+        </p:nvSpPr>
+        <p:spPr>
+          <a:prstGeom prst="rect">
+            <a:avLst/>
+          </a:prstGeom>
+        </p:spPr>
+        <p:txBody>
+          <a:bodyPr/>
+          <a:lstStyle/>
+          <a:p>
+            <a:pPr/>
+          </a:p>
+        </p:txBody>
+      </p:sp>
+      <p:sp>
+        <p:nvSpPr>
+          <p:cNvPr id="306" name="Shape 306"/>
+          <p:cNvSpPr/>
+          <p:nvPr>
+            <p:ph type="body" sz="quarter" idx="1"/>
+          </p:nvPr>
+        </p:nvSpPr>
+        <p:spPr>
+          <a:prstGeom prst="rect">
+            <a:avLst/>
+          </a:prstGeom>
+        </p:spPr>
+        <p:txBody>
+          <a:bodyPr/>
+          <a:lstStyle/>
+          <a:p>
+            <a:pPr defTabSz="584200">
+              <a:lnSpc>
+                <a:spcPct val="100000"/>
+              </a:lnSpc>
+              <a:defRPr sz="1900">
+                <a:solidFill>
+                  <a:srgbClr val="5A5F5E"/>
+                </a:solidFill>
+                <a:latin typeface="Monaco"/>
+                <a:ea typeface="Monaco"/>
+                <a:cs typeface="Monaco"/>
+                <a:sym typeface="Monaco"/>
+              </a:defRPr>
+            </a:pPr>
+            <a:r>
+              <a:t>1/ select nom, prenom, email, inscription from utilisateur order by nom;</a:t>
+            </a:r>
+          </a:p>
+          <a:p>
+            <a:pPr defTabSz="584200">
+              <a:lnSpc>
+                <a:spcPct val="100000"/>
+              </a:lnSpc>
+              <a:defRPr sz="1900">
+                <a:solidFill>
+                  <a:srgbClr val="5A5F5E"/>
+                </a:solidFill>
+                <a:latin typeface="Monaco"/>
+                <a:ea typeface="Monaco"/>
+                <a:cs typeface="Monaco"/>
+                <a:sym typeface="Monaco"/>
+              </a:defRPr>
+            </a:pPr>
+            <a:r>
+              <a:t>2/ select COUNT(nom) from utilisateur WHERE nom = 'Doe';</a:t>
+            </a:r>
+          </a:p>
+          <a:p>
+            <a:pPr defTabSz="584200">
+              <a:lnSpc>
+                <a:spcPct val="100000"/>
+              </a:lnSpc>
+              <a:defRPr sz="1900">
+                <a:solidFill>
+                  <a:srgbClr val="5A5F5E"/>
+                </a:solidFill>
+                <a:latin typeface="Monaco"/>
+                <a:ea typeface="Monaco"/>
+                <a:cs typeface="Monaco"/>
+                <a:sym typeface="Monaco"/>
+              </a:defRPr>
+            </a:pPr>
+            <a:r>
+              <a:t>3/ select nom, prenom, COUNT(nom) AS homonyme from utilisateur GROUP BY nom, prenom;</a:t>
+            </a:r>
+          </a:p>
+          <a:p>
+            <a:pPr defTabSz="584200">
+              <a:lnSpc>
+                <a:spcPct val="100000"/>
+              </a:lnSpc>
+              <a:defRPr sz="1900">
+                <a:solidFill>
+                  <a:srgbClr val="5A5F5E"/>
+                </a:solidFill>
+                <a:latin typeface="Monaco"/>
+                <a:ea typeface="Monaco"/>
+                <a:cs typeface="Monaco"/>
+                <a:sym typeface="Monaco"/>
+              </a:defRPr>
+            </a:pPr>
+            <a:r>
+              <a:t>4/ select distinct nom from utilisateur;</a:t>
+            </a:r>
+          </a:p>
+          <a:p>
+            <a:pPr defTabSz="584200">
+              <a:lnSpc>
+                <a:spcPct val="100000"/>
+              </a:lnSpc>
+              <a:defRPr sz="1900">
+                <a:solidFill>
+                  <a:srgbClr val="5A5F5E"/>
+                </a:solidFill>
+                <a:latin typeface="Monaco"/>
+                <a:ea typeface="Monaco"/>
+                <a:cs typeface="Monaco"/>
+                <a:sym typeface="Monaco"/>
+              </a:defRPr>
+            </a:pPr>
+            <a:r>
+              <a:t>5/ select distinct on (nom, prenom) nom, prenom from utilisateur;</a:t>
+            </a:r>
+          </a:p>
+          <a:p>
+            <a:pPr defTabSz="584200">
+              <a:lnSpc>
+                <a:spcPct val="100000"/>
+              </a:lnSpc>
+              <a:defRPr sz="1900">
+                <a:solidFill>
+                  <a:srgbClr val="5A5F5E"/>
+                </a:solidFill>
+                <a:latin typeface="Monaco"/>
+                <a:ea typeface="Monaco"/>
+                <a:cs typeface="Monaco"/>
+                <a:sym typeface="Monaco"/>
+              </a:defRPr>
+            </a:pPr>
+            <a:r>
+              <a:t>6/ select * from utilisateur order by inscription desc;</a:t>
+            </a:r>
+          </a:p>
+          <a:p>
+            <a:pPr defTabSz="584200">
+              <a:lnSpc>
+                <a:spcPct val="100000"/>
+              </a:lnSpc>
+              <a:defRPr sz="1900">
+                <a:solidFill>
+                  <a:srgbClr val="5A5F5E"/>
+                </a:solidFill>
+                <a:latin typeface="Monaco"/>
+                <a:ea typeface="Monaco"/>
+                <a:cs typeface="Monaco"/>
+                <a:sym typeface="Monaco"/>
+              </a:defRPr>
+            </a:pPr>
+            <a:r>
+              <a:t>7/ select count(inscription) from utilisateur where inscription = current_date;</a:t>
+            </a:r>
+          </a:p>
+          <a:p>
+            <a:pPr defTabSz="584200">
+              <a:lnSpc>
+                <a:spcPct val="100000"/>
+              </a:lnSpc>
+              <a:defRPr sz="1900">
+                <a:solidFill>
+                  <a:srgbClr val="5A5F5E"/>
+                </a:solidFill>
+                <a:latin typeface="Monaco"/>
+                <a:ea typeface="Monaco"/>
+                <a:cs typeface="Monaco"/>
+                <a:sym typeface="Monaco"/>
+              </a:defRPr>
+            </a:pPr>
+            <a:r>
+              <a:t>8/ select count(nom) as inscriptions from utilisateur where inscription between '1990-01-01' and '1999-12-31';</a:t>
+            </a:r>
+          </a:p>
+          <a:p>
+            <a:pPr defTabSz="584200">
+              <a:lnSpc>
+                <a:spcPct val="100000"/>
+              </a:lnSpc>
+              <a:defRPr sz="1900">
+                <a:solidFill>
+                  <a:srgbClr val="5A5F5E"/>
+                </a:solidFill>
+                <a:latin typeface="Monaco"/>
+                <a:ea typeface="Monaco"/>
+                <a:cs typeface="Monaco"/>
+                <a:sym typeface="Monaco"/>
+              </a:defRPr>
+            </a:pPr>
+            <a:r>
+              <a:t>9/ select inscription, count(inscription) as nb from utilisateur group by inscription;</a:t>
             </a:r>
           </a:p>
         </p:txBody>
@@ -5365,11 +5603,11 @@
     </p:tnLst>
     <p:bldLst>
       <p:bldP build="whole" bldLvl="1" animBg="1" rev="0" advAuto="0" spid="186" grpId="2"/>
+      <p:bldP build="whole" bldLvl="1" animBg="1" rev="0" advAuto="0" spid="180" grpId="1"/>
       <p:bldP build="whole" bldLvl="1" animBg="1" rev="0" advAuto="0" spid="188" grpId="6"/>
       <p:bldP build="whole" bldLvl="1" animBg="1" rev="0" advAuto="0" spid="187" grpId="4"/>
+      <p:bldP build="whole" bldLvl="1" animBg="1" rev="0" advAuto="0" spid="184" grpId="5"/>
       <p:bldP build="whole" bldLvl="1" animBg="1" rev="0" advAuto="0" spid="182" grpId="3"/>
-      <p:bldP build="whole" bldLvl="1" animBg="1" rev="0" advAuto="0" spid="180" grpId="1"/>
-      <p:bldP build="whole" bldLvl="1" animBg="1" rev="0" advAuto="0" spid="184" grpId="5"/>
     </p:bldLst>
   </p:timing>
 </p:sld>
@@ -6044,11 +6282,11 @@
     </p:tnLst>
     <p:bldLst>
       <p:bldP build="whole" bldLvl="1" animBg="1" rev="0" advAuto="0" spid="194" grpId="5"/>
+      <p:bldP build="whole" bldLvl="1" animBg="1" rev="0" advAuto="0" spid="196" grpId="6"/>
+      <p:bldP build="whole" bldLvl="1" animBg="1" rev="0" advAuto="0" spid="195" grpId="2"/>
       <p:bldP build="whole" bldLvl="1" animBg="1" rev="0" advAuto="0" spid="193" grpId="3"/>
-      <p:bldP build="whole" bldLvl="1" animBg="1" rev="0" advAuto="0" spid="196" grpId="6"/>
+      <p:bldP build="whole" bldLvl="1" animBg="1" rev="0" advAuto="0" spid="192" grpId="1"/>
       <p:bldP build="whole" bldLvl="1" animBg="1" rev="0" advAuto="0" spid="194" grpId="4"/>
-      <p:bldP build="whole" bldLvl="1" animBg="1" rev="0" advAuto="0" spid="192" grpId="1"/>
-      <p:bldP build="whole" bldLvl="1" animBg="1" rev="0" advAuto="0" spid="195" grpId="2"/>
     </p:bldLst>
   </p:timing>
 </p:sld>
@@ -7643,11 +7881,11 @@
       </p:par>
     </p:tnLst>
     <p:bldLst>
-      <p:bldP build="whole" bldLvl="1" animBg="1" rev="0" advAuto="0" spid="206" grpId="4"/>
-      <p:bldP build="whole" bldLvl="1" animBg="1" rev="0" advAuto="0" spid="207" grpId="5"/>
-      <p:bldP build="whole" bldLvl="1" animBg="1" rev="0" advAuto="0" spid="205" grpId="3"/>
       <p:bldP build="whole" bldLvl="1" animBg="1" rev="0" advAuto="0" spid="204" grpId="1"/>
       <p:bldP build="whole" bldLvl="1" animBg="1" rev="0" advAuto="0" spid="204" grpId="2"/>
+      <p:bldP build="whole" bldLvl="1" animBg="1" rev="0" advAuto="0" spid="205" grpId="3"/>
+      <p:bldP build="whole" bldLvl="1" animBg="1" rev="0" advAuto="0" spid="207" grpId="5"/>
+      <p:bldP build="whole" bldLvl="1" animBg="1" rev="0" advAuto="0" spid="206" grpId="4"/>
     </p:bldLst>
   </p:timing>
 </p:sld>
@@ -8595,8 +8833,8 @@
     </p:tnLst>
     <p:bldLst>
       <p:bldP build="whole" bldLvl="1" animBg="1" rev="0" advAuto="0" spid="213" grpId="1"/>
+      <p:bldP build="whole" bldLvl="1" animBg="1" rev="0" advAuto="0" spid="215" grpId="3"/>
       <p:bldP build="whole" bldLvl="1" animBg="1" rev="0" advAuto="0" spid="214" grpId="2"/>
-      <p:bldP build="whole" bldLvl="1" animBg="1" rev="0" advAuto="0" spid="215" grpId="3"/>
     </p:bldLst>
   </p:timing>
 </p:sld>
@@ -9592,12 +9830,12 @@
       </p:par>
     </p:tnLst>
     <p:bldLst>
+      <p:bldP build="whole" bldLvl="1" animBg="1" rev="0" advAuto="0" spid="225" grpId="5"/>
       <p:bldP build="whole" bldLvl="1" animBg="1" rev="0" advAuto="0" spid="230" grpId="9"/>
+      <p:bldP build="whole" bldLvl="1" animBg="1" rev="0" advAuto="0" spid="229" grpId="3"/>
       <p:bldP build="whole" bldLvl="1" animBg="1" rev="0" advAuto="0" spid="226" grpId="1"/>
-      <p:bldP build="whole" bldLvl="1" animBg="1" rev="0" advAuto="0" spid="229" grpId="3"/>
       <p:bldP build="whole" bldLvl="1" animBg="1" rev="0" advAuto="0" spid="224" grpId="4"/>
       <p:bldP build="whole" bldLvl="1" animBg="1" rev="0" advAuto="0" spid="227" grpId="2"/>
-      <p:bldP build="whole" bldLvl="1" animBg="1" rev="0" advAuto="0" spid="225" grpId="5"/>
     </p:bldLst>
   </p:timing>
 </p:sld>
@@ -12334,16 +12572,16 @@
       </p:par>
     </p:tnLst>
     <p:bldLst>
-      <p:bldP build="whole" bldLvl="1" animBg="1" rev="0" advAuto="0" spid="245" grpId="6"/>
+      <p:bldP build="whole" bldLvl="1" animBg="1" rev="0" advAuto="0" spid="243" grpId="4"/>
+      <p:bldP build="whole" bldLvl="1" animBg="1" rev="0" advAuto="0" spid="245" grpId="7"/>
+      <p:bldP build="whole" bldLvl="1" animBg="1" rev="0" advAuto="0" spid="246" grpId="8"/>
+      <p:bldP build="whole" bldLvl="1" animBg="1" rev="0" advAuto="0" spid="246" grpId="9"/>
       <p:bldP build="whole" bldLvl="1" animBg="1" rev="0" advAuto="0" spid="242" grpId="2"/>
       <p:bldP build="whole" bldLvl="1" animBg="1" rev="0" advAuto="0" spid="242" grpId="3"/>
-      <p:bldP build="whole" bldLvl="1" animBg="1" rev="0" advAuto="0" spid="245" grpId="7"/>
+      <p:bldP build="whole" bldLvl="1" animBg="1" rev="0" advAuto="0" spid="240" grpId="1"/>
       <p:bldP build="whole" bldLvl="1" animBg="1" rev="0" advAuto="0" spid="248" grpId="10"/>
       <p:bldP build="whole" bldLvl="1" animBg="1" rev="0" advAuto="0" spid="247" grpId="5"/>
-      <p:bldP build="whole" bldLvl="1" animBg="1" rev="0" advAuto="0" spid="246" grpId="8"/>
-      <p:bldP build="whole" bldLvl="1" animBg="1" rev="0" advAuto="0" spid="246" grpId="9"/>
-      <p:bldP build="whole" bldLvl="1" animBg="1" rev="0" advAuto="0" spid="240" grpId="1"/>
-      <p:bldP build="whole" bldLvl="1" animBg="1" rev="0" advAuto="0" spid="243" grpId="4"/>
+      <p:bldP build="whole" bldLvl="1" animBg="1" rev="0" advAuto="0" spid="245" grpId="6"/>
     </p:bldLst>
   </p:timing>
 </p:sld>
@@ -15793,13 +16031,13 @@
       </p:par>
     </p:tnLst>
     <p:bldLst>
-      <p:bldP build="whole" bldLvl="1" animBg="1" rev="0" advAuto="0" spid="264" grpId="7"/>
-      <p:bldP build="whole" bldLvl="1" animBg="1" rev="0" advAuto="0" spid="266" grpId="1"/>
       <p:bldP build="whole" bldLvl="1" animBg="1" rev="0" advAuto="0" spid="263" grpId="5"/>
-      <p:bldP build="whole" bldLvl="1" animBg="1" rev="0" advAuto="0" spid="265" grpId="4"/>
       <p:bldP build="whole" bldLvl="1" animBg="1" rev="0" advAuto="0" spid="263" grpId="6"/>
       <p:bldP build="whole" bldLvl="1" animBg="1" rev="0" advAuto="0" spid="259" grpId="2"/>
       <p:bldP build="whole" bldLvl="1" animBg="1" rev="0" advAuto="0" spid="261" grpId="3"/>
+      <p:bldP build="whole" bldLvl="1" animBg="1" rev="0" advAuto="0" spid="264" grpId="7"/>
+      <p:bldP build="whole" bldLvl="1" animBg="1" rev="0" advAuto="0" spid="266" grpId="1"/>
+      <p:bldP build="whole" bldLvl="1" animBg="1" rev="0" advAuto="0" spid="265" grpId="4"/>
     </p:bldLst>
   </p:timing>
 </p:sld>
@@ -16603,11 +16841,11 @@
       </p:par>
     </p:tnLst>
     <p:bldLst>
+      <p:bldP build="whole" bldLvl="1" animBg="1" rev="0" advAuto="0" spid="277" grpId="3"/>
+      <p:bldP build="whole" bldLvl="1" animBg="1" rev="0" advAuto="0" spid="276" grpId="6"/>
+      <p:bldP build="whole" bldLvl="1" animBg="1" rev="0" advAuto="0" spid="271" grpId="1"/>
       <p:bldP build="whole" bldLvl="1" animBg="1" rev="0" advAuto="0" spid="275" grpId="4"/>
-      <p:bldP build="whole" bldLvl="1" animBg="1" rev="0" advAuto="0" spid="271" grpId="1"/>
       <p:bldP build="whole" bldLvl="1" animBg="1" rev="0" advAuto="0" spid="275" grpId="5"/>
-      <p:bldP build="whole" bldLvl="1" animBg="1" rev="0" advAuto="0" spid="276" grpId="6"/>
-      <p:bldP build="whole" bldLvl="1" animBg="1" rev="0" advAuto="0" spid="277" grpId="3"/>
       <p:bldP build="whole" bldLvl="1" animBg="1" rev="0" advAuto="0" spid="273" grpId="2"/>
     </p:bldLst>
   </p:timing>
@@ -18047,9 +18285,9 @@
       </p:par>
     </p:tnLst>
     <p:bldLst>
-      <p:bldP build="whole" bldLvl="1" animBg="1" rev="0" advAuto="0" spid="296" grpId="2"/>
       <p:bldP build="whole" bldLvl="1" animBg="1" rev="0" advAuto="0" spid="298" grpId="3"/>
       <p:bldP build="whole" bldLvl="1" animBg="1" rev="0" advAuto="0" spid="295" grpId="1"/>
+      <p:bldP build="whole" bldLvl="1" animBg="1" rev="0" advAuto="0" spid="296" grpId="2"/>
     </p:bldLst>
   </p:timing>
 </p:sld>
@@ -18191,6 +18429,2072 @@
                 <a:sym typeface="Gill Sans SemiBold"/>
               </a:rPr>
               <a:t>postgresql-26</a:t>
+            </a:r>
+          </a:p>
+        </p:txBody>
+      </p:sp>
+    </p:spTree>
+  </p:cSld>
+  <p:clrMapOvr>
+    <a:masterClrMapping/>
+  </p:clrMapOvr>
+  <p:transition xmlns:p14="http://schemas.microsoft.com/office/powerpoint/2010/main" spd="med" advClick="1"/>
+</p:sld>
+</file>
+
+<file path=ppt/slides/slide27.xml><?xml version="1.0" encoding="utf-8"?>
+<p:sld xmlns:a="http://schemas.openxmlformats.org/drawingml/2006/main" xmlns:r="http://schemas.openxmlformats.org/officeDocument/2006/relationships" xmlns:p="http://schemas.openxmlformats.org/presentationml/2006/main" xmlns:m="http://schemas.openxmlformats.org/officeDocument/2006/math" xmlns:a14="http://schemas.microsoft.com/office/drawing/2010/main" showMasterSp="1" showMasterPhAnim="1">
+  <p:cSld>
+    <p:spTree>
+      <p:nvGrpSpPr>
+        <p:cNvPr id="1" name=""/>
+        <p:cNvGrpSpPr/>
+        <p:nvPr/>
+      </p:nvGrpSpPr>
+      <p:grpSpPr>
+        <a:xfrm>
+          <a:off x="0" y="0"/>
+          <a:ext cx="0" cy="0"/>
+          <a:chOff x="0" y="0"/>
+          <a:chExt cx="0" cy="0"/>
+        </a:xfrm>
+      </p:grpSpPr>
+      <p:sp>
+        <p:nvSpPr>
+          <p:cNvPr id="308" name="Requêtage SQL"/>
+          <p:cNvSpPr txBox="1"/>
+          <p:nvPr/>
+        </p:nvSpPr>
+        <p:spPr>
+          <a:xfrm>
+            <a:off x="1270000" y="-12700"/>
+            <a:ext cx="10464800" cy="1282700"/>
+          </a:xfrm>
+          <a:prstGeom prst="rect">
+            <a:avLst/>
+          </a:prstGeom>
+          <a:ln w="12700">
+            <a:miter lim="400000"/>
+          </a:ln>
+          <a:extLst>
+            <a:ext uri="{C572A759-6A51-4108-AA02-DFA0A04FC94B}">
+              <ma14:wrappingTextBoxFlag xmlns:ma14="http://schemas.microsoft.com/office/mac/drawingml/2011/main" val="1"/>
+            </a:ext>
+          </a:extLst>
+        </p:spPr>
+        <p:txBody>
+          <a:bodyPr lIns="50800" tIns="50800" rIns="50800" bIns="50800" anchor="ctr">
+            <a:normAutofit fontScale="100000" lnSpcReduction="0"/>
+          </a:bodyPr>
+          <a:lstStyle>
+            <a:lvl1pPr>
+              <a:defRPr sz="2600"/>
+            </a:lvl1pPr>
+          </a:lstStyle>
+          <a:p>
+            <a:pPr/>
+            <a:r>
+              <a:t>Requêtage SQL</a:t>
+            </a:r>
+          </a:p>
+        </p:txBody>
+      </p:sp>
+      <p:sp>
+        <p:nvSpPr>
+          <p:cNvPr id="309" name="Récupérer des données"/>
+          <p:cNvSpPr txBox="1"/>
+          <p:nvPr/>
+        </p:nvSpPr>
+        <p:spPr>
+          <a:xfrm>
+            <a:off x="4311054" y="1598450"/>
+            <a:ext cx="4382692" cy="622301"/>
+          </a:xfrm>
+          <a:prstGeom prst="rect">
+            <a:avLst/>
+          </a:prstGeom>
+          <a:ln w="12700">
+            <a:miter lim="400000"/>
+          </a:ln>
+          <a:extLst>
+            <a:ext uri="{C572A759-6A51-4108-AA02-DFA0A04FC94B}">
+              <ma14:wrappingTextBoxFlag xmlns:ma14="http://schemas.microsoft.com/office/mac/drawingml/2011/main" val="1"/>
+            </a:ext>
+          </a:extLst>
+        </p:spPr>
+        <p:txBody>
+          <a:bodyPr wrap="none" lIns="50800" tIns="50800" rIns="50800" bIns="50800" anchor="ctr">
+            <a:spAutoFit/>
+          </a:bodyPr>
+          <a:lstStyle>
+            <a:lvl1pPr algn="l"/>
+          </a:lstStyle>
+          <a:p>
+            <a:pPr/>
+            <a:r>
+              <a:t>Récupérer des données</a:t>
+            </a:r>
+          </a:p>
+        </p:txBody>
+      </p:sp>
+      <p:sp>
+        <p:nvSpPr>
+          <p:cNvPr id="310" name="SELECT [colonne1], [colonne2], etc…"/>
+          <p:cNvSpPr txBox="1"/>
+          <p:nvPr/>
+        </p:nvSpPr>
+        <p:spPr>
+          <a:xfrm>
+            <a:off x="427869" y="3320600"/>
+            <a:ext cx="12149062" cy="1481610"/>
+          </a:xfrm>
+          <a:prstGeom prst="rect">
+            <a:avLst/>
+          </a:prstGeom>
+          <a:ln w="12700">
+            <a:miter lim="400000"/>
+          </a:ln>
+          <a:extLst>
+            <a:ext uri="{C572A759-6A51-4108-AA02-DFA0A04FC94B}">
+              <ma14:wrappingTextBoxFlag xmlns:ma14="http://schemas.microsoft.com/office/mac/drawingml/2011/main" val="1"/>
+            </a:ext>
+          </a:extLst>
+        </p:spPr>
+        <p:txBody>
+          <a:bodyPr lIns="50800" tIns="50800" rIns="50800" bIns="50800">
+            <a:spAutoFit/>
+          </a:bodyPr>
+          <a:lstStyle/>
+          <a:p>
+            <a:pPr algn="l">
+              <a:defRPr sz="2800">
+                <a:solidFill>
+                  <a:srgbClr val="5A5F5E"/>
+                </a:solidFill>
+                <a:latin typeface="Monaco"/>
+                <a:ea typeface="Monaco"/>
+                <a:cs typeface="Monaco"/>
+                <a:sym typeface="Monaco"/>
+              </a:defRPr>
+            </a:pPr>
+            <a:r>
+              <a:t>SELECT [colonne1], [colonne2], etc</a:t>
+            </a:r>
+          </a:p>
+          <a:p>
+            <a:pPr algn="l">
+              <a:defRPr sz="2800">
+                <a:solidFill>
+                  <a:srgbClr val="5A5F5E"/>
+                </a:solidFill>
+                <a:latin typeface="Monaco"/>
+                <a:ea typeface="Monaco"/>
+                <a:cs typeface="Monaco"/>
+                <a:sym typeface="Monaco"/>
+              </a:defRPr>
+            </a:pPr>
+            <a:r>
+              <a:t>FROM [table]</a:t>
+            </a:r>
+          </a:p>
+          <a:p>
+            <a:pPr algn="l">
+              <a:defRPr sz="2800">
+                <a:solidFill>
+                  <a:srgbClr val="5A5F5E"/>
+                </a:solidFill>
+                <a:latin typeface="Monaco"/>
+                <a:ea typeface="Monaco"/>
+                <a:cs typeface="Monaco"/>
+                <a:sym typeface="Monaco"/>
+              </a:defRPr>
+            </a:pPr>
+            <a:r>
+              <a:t>WHERE [colonne1] LIKE [valeur];</a:t>
+            </a:r>
+          </a:p>
+        </p:txBody>
+      </p:sp>
+      <p:sp>
+        <p:nvSpPr>
+          <p:cNvPr id="311" name="SELECT nom, path…"/>
+          <p:cNvSpPr txBox="1"/>
+          <p:nvPr/>
+        </p:nvSpPr>
+        <p:spPr>
+          <a:xfrm>
+            <a:off x="427869" y="3320600"/>
+            <a:ext cx="5022380" cy="1481610"/>
+          </a:xfrm>
+          <a:prstGeom prst="rect">
+            <a:avLst/>
+          </a:prstGeom>
+          <a:ln w="12700">
+            <a:miter lim="400000"/>
+          </a:ln>
+          <a:extLst>
+            <a:ext uri="{C572A759-6A51-4108-AA02-DFA0A04FC94B}">
+              <ma14:wrappingTextBoxFlag xmlns:ma14="http://schemas.microsoft.com/office/mac/drawingml/2011/main" val="1"/>
+            </a:ext>
+          </a:extLst>
+        </p:spPr>
+        <p:txBody>
+          <a:bodyPr wrap="none" lIns="50800" tIns="50800" rIns="50800" bIns="50800">
+            <a:spAutoFit/>
+          </a:bodyPr>
+          <a:lstStyle/>
+          <a:p>
+            <a:pPr algn="l">
+              <a:defRPr sz="2800">
+                <a:solidFill>
+                  <a:srgbClr val="5A5F5E"/>
+                </a:solidFill>
+                <a:latin typeface="Monaco"/>
+                <a:ea typeface="Monaco"/>
+                <a:cs typeface="Monaco"/>
+                <a:sym typeface="Monaco"/>
+              </a:defRPr>
+            </a:pPr>
+            <a:r>
+              <a:t>SELECT nom, path</a:t>
+            </a:r>
+          </a:p>
+          <a:p>
+            <a:pPr algn="l">
+              <a:defRPr sz="2800">
+                <a:solidFill>
+                  <a:srgbClr val="5A5F5E"/>
+                </a:solidFill>
+                <a:latin typeface="Monaco"/>
+                <a:ea typeface="Monaco"/>
+                <a:cs typeface="Monaco"/>
+                <a:sym typeface="Monaco"/>
+              </a:defRPr>
+            </a:pPr>
+            <a:r>
+              <a:t>FROM docs</a:t>
+            </a:r>
+          </a:p>
+          <a:p>
+            <a:pPr algn="l">
+              <a:defRPr sz="2800">
+                <a:solidFill>
+                  <a:srgbClr val="5A5F5E"/>
+                </a:solidFill>
+                <a:latin typeface="Monaco"/>
+                <a:ea typeface="Monaco"/>
+                <a:cs typeface="Monaco"/>
+                <a:sym typeface="Monaco"/>
+              </a:defRPr>
+            </a:pPr>
+            <a:r>
+              <a:t>WHERE nom LIKE 'test%';</a:t>
+            </a:r>
+          </a:p>
+        </p:txBody>
+      </p:sp>
+      <p:sp>
+        <p:nvSpPr>
+          <p:cNvPr id="312" name="Rechercher un pattern simple"/>
+          <p:cNvSpPr txBox="1"/>
+          <p:nvPr/>
+        </p:nvSpPr>
+        <p:spPr>
+          <a:xfrm>
+            <a:off x="409980" y="2676201"/>
+            <a:ext cx="5445994" cy="622301"/>
+          </a:xfrm>
+          <a:prstGeom prst="rect">
+            <a:avLst/>
+          </a:prstGeom>
+          <a:ln w="12700">
+            <a:miter lim="400000"/>
+          </a:ln>
+          <a:extLst>
+            <a:ext uri="{C572A759-6A51-4108-AA02-DFA0A04FC94B}">
+              <ma14:wrappingTextBoxFlag xmlns:ma14="http://schemas.microsoft.com/office/mac/drawingml/2011/main" val="1"/>
+            </a:ext>
+          </a:extLst>
+        </p:spPr>
+        <p:txBody>
+          <a:bodyPr wrap="none" lIns="50800" tIns="50800" rIns="50800" bIns="50800" anchor="ctr">
+            <a:spAutoFit/>
+          </a:bodyPr>
+          <a:lstStyle>
+            <a:lvl1pPr algn="l"/>
+          </a:lstStyle>
+          <a:p>
+            <a:pPr/>
+            <a:r>
+              <a:t>Rechercher un pattern simple</a:t>
+            </a:r>
+          </a:p>
+        </p:txBody>
+      </p:sp>
+      <p:graphicFrame>
+        <p:nvGraphicFramePr>
+          <p:cNvPr id="313" name="Tableau"/>
+          <p:cNvGraphicFramePr/>
+          <p:nvPr/>
+        </p:nvGraphicFramePr>
+        <p:xfrm>
+          <a:off x="547859" y="5205307"/>
+          <a:ext cx="11468101" cy="8216901"/>
+        </p:xfrm>
+        <a:graphic xmlns:a="http://schemas.openxmlformats.org/drawingml/2006/main">
+          <a:graphicData uri="http://schemas.openxmlformats.org/drawingml/2006/table">
+            <a:tbl>
+              <a:tblPr firstCol="0" firstRow="0" lastCol="0" lastRow="0" bandCol="0" bandRow="0" rtl="0">
+                <a:tableStyleId>{4C3C2611-4C71-4FC5-86AE-919BDF0F9419}</a:tableStyleId>
+              </a:tblPr>
+              <a:tblGrid>
+                <a:gridCol w="2366576"/>
+                <a:gridCol w="9460946"/>
+              </a:tblGrid>
+              <a:tr h="508000">
+                <a:tc>
+                  <a:txBody>
+                    <a:bodyPr/>
+                    <a:lstStyle/>
+                    <a:p>
+                      <a:pPr algn="l">
+                        <a:defRPr>
+                          <a:solidFill>
+                            <a:srgbClr val="000000"/>
+                          </a:solidFill>
+                        </a:defRPr>
+                      </a:pPr>
+                      <a:r>
+                        <a:rPr sz="2600">
+                          <a:solidFill>
+                            <a:srgbClr val="5A5F5E"/>
+                          </a:solidFill>
+                          <a:latin typeface="Monaco"/>
+                          <a:ea typeface="Monaco"/>
+                          <a:cs typeface="Monaco"/>
+                          <a:sym typeface="Monaco"/>
+                        </a:rPr>
+                        <a:t>LIKE</a:t>
+                      </a:r>
+                    </a:p>
+                  </a:txBody>
+                  <a:tcPr marL="50800" marR="50800" marT="50800" marB="50800" anchor="t" anchorCtr="0" horzOverflow="overflow">
+                    <a:lnL w="0">
+                      <a:miter lim="400000"/>
+                    </a:lnL>
+                    <a:lnR w="0">
+                      <a:miter lim="400000"/>
+                    </a:lnR>
+                    <a:lnT w="12700">
+                      <a:solidFill>
+                        <a:srgbClr val="5A5F5E"/>
+                      </a:solidFill>
+                      <a:miter lim="400000"/>
+                    </a:lnT>
+                    <a:lnB w="12700">
+                      <a:solidFill>
+                        <a:srgbClr val="5A5F5E"/>
+                      </a:solidFill>
+                      <a:miter lim="400000"/>
+                    </a:lnB>
+                  </a:tcPr>
+                </a:tc>
+                <a:tc>
+                  <a:txBody>
+                    <a:bodyPr/>
+                    <a:lstStyle/>
+                    <a:p>
+                      <a:pPr algn="l">
+                        <a:defRPr>
+                          <a:solidFill>
+                            <a:srgbClr val="000000"/>
+                          </a:solidFill>
+                        </a:defRPr>
+                      </a:pPr>
+                      <a:r>
+                        <a:rPr sz="3000">
+                          <a:solidFill>
+                            <a:srgbClr val="5A5F5E"/>
+                          </a:solidFill>
+                        </a:rPr>
+                        <a:t>Retourne les éléments qui match</a:t>
+                      </a:r>
+                    </a:p>
+                  </a:txBody>
+                  <a:tcPr marL="50800" marR="50800" marT="50800" marB="50800" anchor="t" anchorCtr="0" horzOverflow="overflow">
+                    <a:lnL w="0">
+                      <a:miter lim="400000"/>
+                    </a:lnL>
+                    <a:lnR w="0">
+                      <a:miter lim="400000"/>
+                    </a:lnR>
+                    <a:lnT w="12700">
+                      <a:solidFill>
+                        <a:srgbClr val="5A5F5E"/>
+                      </a:solidFill>
+                      <a:miter lim="400000"/>
+                    </a:lnT>
+                    <a:lnB w="12700">
+                      <a:solidFill>
+                        <a:srgbClr val="5A5F5E"/>
+                      </a:solidFill>
+                      <a:miter lim="400000"/>
+                    </a:lnB>
+                  </a:tcPr>
+                </a:tc>
+              </a:tr>
+              <a:tr h="508000">
+                <a:tc>
+                  <a:txBody>
+                    <a:bodyPr/>
+                    <a:lstStyle/>
+                    <a:p>
+                      <a:pPr algn="l">
+                        <a:defRPr>
+                          <a:solidFill>
+                            <a:srgbClr val="000000"/>
+                          </a:solidFill>
+                        </a:defRPr>
+                      </a:pPr>
+                      <a:r>
+                        <a:rPr sz="2600">
+                          <a:solidFill>
+                            <a:srgbClr val="5A5F5E"/>
+                          </a:solidFill>
+                          <a:latin typeface="Monaco"/>
+                          <a:ea typeface="Monaco"/>
+                          <a:cs typeface="Monaco"/>
+                          <a:sym typeface="Monaco"/>
+                        </a:rPr>
+                        <a:t>NOT LIKE</a:t>
+                      </a:r>
+                    </a:p>
+                  </a:txBody>
+                  <a:tcPr marL="50800" marR="50800" marT="50800" marB="50800" anchor="t" anchorCtr="0" horzOverflow="overflow">
+                    <a:lnL w="0">
+                      <a:miter lim="400000"/>
+                    </a:lnL>
+                    <a:lnR w="0">
+                      <a:miter lim="400000"/>
+                    </a:lnR>
+                    <a:lnT w="12700">
+                      <a:solidFill>
+                        <a:srgbClr val="5A5F5E"/>
+                      </a:solidFill>
+                      <a:miter lim="400000"/>
+                    </a:lnT>
+                    <a:lnB w="12700">
+                      <a:solidFill>
+                        <a:srgbClr val="5A5F5E"/>
+                      </a:solidFill>
+                      <a:miter lim="400000"/>
+                    </a:lnB>
+                  </a:tcPr>
+                </a:tc>
+                <a:tc>
+                  <a:txBody>
+                    <a:bodyPr/>
+                    <a:lstStyle/>
+                    <a:p>
+                      <a:pPr algn="l">
+                        <a:defRPr>
+                          <a:solidFill>
+                            <a:srgbClr val="000000"/>
+                          </a:solidFill>
+                        </a:defRPr>
+                      </a:pPr>
+                      <a:r>
+                        <a:rPr sz="3000">
+                          <a:solidFill>
+                            <a:srgbClr val="5A5F5E"/>
+                          </a:solidFill>
+                        </a:rPr>
+                        <a:t>Retourne les éléments qui ne match pas</a:t>
+                      </a:r>
+                    </a:p>
+                  </a:txBody>
+                  <a:tcPr marL="50800" marR="50800" marT="50800" marB="50800" anchor="t" anchorCtr="0" horzOverflow="overflow">
+                    <a:lnL w="0">
+                      <a:miter lim="400000"/>
+                    </a:lnL>
+                    <a:lnR w="0">
+                      <a:miter lim="400000"/>
+                    </a:lnR>
+                    <a:lnT w="12700">
+                      <a:solidFill>
+                        <a:srgbClr val="5A5F5E"/>
+                      </a:solidFill>
+                      <a:miter lim="400000"/>
+                    </a:lnT>
+                    <a:lnB w="12700">
+                      <a:solidFill>
+                        <a:srgbClr val="5A5F5E"/>
+                      </a:solidFill>
+                      <a:miter lim="400000"/>
+                    </a:lnB>
+                  </a:tcPr>
+                </a:tc>
+              </a:tr>
+              <a:tr h="508000">
+                <a:tc>
+                  <a:txBody>
+                    <a:bodyPr/>
+                    <a:lstStyle/>
+                    <a:p>
+                      <a:pPr algn="l">
+                        <a:defRPr>
+                          <a:solidFill>
+                            <a:srgbClr val="000000"/>
+                          </a:solidFill>
+                        </a:defRPr>
+                      </a:pPr>
+                      <a:r>
+                        <a:rPr sz="2600">
+                          <a:solidFill>
+                            <a:srgbClr val="5A5F5E"/>
+                          </a:solidFill>
+                          <a:latin typeface="Monaco"/>
+                          <a:ea typeface="Monaco"/>
+                          <a:cs typeface="Monaco"/>
+                          <a:sym typeface="Monaco"/>
+                        </a:rPr>
+                        <a:t>%</a:t>
+                      </a:r>
+                    </a:p>
+                  </a:txBody>
+                  <a:tcPr marL="50800" marR="50800" marT="50800" marB="50800" anchor="t" anchorCtr="0" horzOverflow="overflow">
+                    <a:lnL w="0">
+                      <a:miter lim="400000"/>
+                    </a:lnL>
+                    <a:lnR w="0">
+                      <a:miter lim="400000"/>
+                    </a:lnR>
+                    <a:lnT w="12700">
+                      <a:solidFill>
+                        <a:srgbClr val="5A5F5E"/>
+                      </a:solidFill>
+                      <a:miter lim="400000"/>
+                    </a:lnT>
+                    <a:lnB w="12700">
+                      <a:solidFill>
+                        <a:srgbClr val="5A5F5E"/>
+                      </a:solidFill>
+                      <a:miter lim="400000"/>
+                    </a:lnB>
+                  </a:tcPr>
+                </a:tc>
+                <a:tc>
+                  <a:txBody>
+                    <a:bodyPr/>
+                    <a:lstStyle/>
+                    <a:p>
+                      <a:pPr algn="l">
+                        <a:defRPr>
+                          <a:solidFill>
+                            <a:srgbClr val="000000"/>
+                          </a:solidFill>
+                        </a:defRPr>
+                      </a:pPr>
+                      <a:r>
+                        <a:rPr sz="3000">
+                          <a:solidFill>
+                            <a:srgbClr val="5A5F5E"/>
+                          </a:solidFill>
+                        </a:rPr>
+                        <a:t>Aucun, un ou plusieurs caractères</a:t>
+                      </a:r>
+                    </a:p>
+                  </a:txBody>
+                  <a:tcPr marL="50800" marR="50800" marT="50800" marB="50800" anchor="t" anchorCtr="0" horzOverflow="overflow">
+                    <a:lnL w="0">
+                      <a:miter lim="400000"/>
+                    </a:lnL>
+                    <a:lnR w="0">
+                      <a:miter lim="400000"/>
+                    </a:lnR>
+                    <a:lnT w="12700">
+                      <a:solidFill>
+                        <a:srgbClr val="5A5F5E"/>
+                      </a:solidFill>
+                      <a:miter lim="400000"/>
+                    </a:lnT>
+                    <a:lnB w="12700">
+                      <a:solidFill>
+                        <a:srgbClr val="5A5F5E"/>
+                      </a:solidFill>
+                      <a:miter lim="400000"/>
+                    </a:lnB>
+                  </a:tcPr>
+                </a:tc>
+              </a:tr>
+              <a:tr h="508000">
+                <a:tc>
+                  <a:txBody>
+                    <a:bodyPr/>
+                    <a:lstStyle/>
+                    <a:p>
+                      <a:pPr algn="l">
+                        <a:defRPr>
+                          <a:solidFill>
+                            <a:srgbClr val="000000"/>
+                          </a:solidFill>
+                        </a:defRPr>
+                      </a:pPr>
+                      <a:r>
+                        <a:rPr sz="2600">
+                          <a:solidFill>
+                            <a:srgbClr val="5A5F5E"/>
+                          </a:solidFill>
+                          <a:latin typeface="Monaco"/>
+                          <a:ea typeface="Monaco"/>
+                          <a:cs typeface="Monaco"/>
+                          <a:sym typeface="Monaco"/>
+                        </a:rPr>
+                        <a:t>_</a:t>
+                      </a:r>
+                    </a:p>
+                  </a:txBody>
+                  <a:tcPr marL="50800" marR="50800" marT="50800" marB="50800" anchor="t" anchorCtr="0" horzOverflow="overflow">
+                    <a:lnL w="0">
+                      <a:miter lim="400000"/>
+                    </a:lnL>
+                    <a:lnR w="0">
+                      <a:miter lim="400000"/>
+                    </a:lnR>
+                    <a:lnT w="12700">
+                      <a:solidFill>
+                        <a:srgbClr val="5A5F5E"/>
+                      </a:solidFill>
+                      <a:miter lim="400000"/>
+                    </a:lnT>
+                    <a:lnB w="12700">
+                      <a:solidFill>
+                        <a:srgbClr val="5A5F5E"/>
+                      </a:solidFill>
+                      <a:miter lim="400000"/>
+                    </a:lnB>
+                  </a:tcPr>
+                </a:tc>
+                <a:tc>
+                  <a:txBody>
+                    <a:bodyPr/>
+                    <a:lstStyle/>
+                    <a:p>
+                      <a:pPr algn="l">
+                        <a:defRPr>
+                          <a:solidFill>
+                            <a:srgbClr val="000000"/>
+                          </a:solidFill>
+                        </a:defRPr>
+                      </a:pPr>
+                      <a:r>
+                        <a:rPr sz="3000">
+                          <a:solidFill>
+                            <a:srgbClr val="5A5F5E"/>
+                          </a:solidFill>
+                        </a:rPr>
+                        <a:t>Un caractère</a:t>
+                      </a:r>
+                    </a:p>
+                  </a:txBody>
+                  <a:tcPr marL="50800" marR="50800" marT="50800" marB="50800" anchor="t" anchorCtr="0" horzOverflow="overflow">
+                    <a:lnL w="0">
+                      <a:miter lim="400000"/>
+                    </a:lnL>
+                    <a:lnR w="0">
+                      <a:miter lim="400000"/>
+                    </a:lnR>
+                    <a:lnT w="12700">
+                      <a:solidFill>
+                        <a:srgbClr val="5A5F5E"/>
+                      </a:solidFill>
+                      <a:miter lim="400000"/>
+                    </a:lnT>
+                    <a:lnB w="12700">
+                      <a:solidFill>
+                        <a:srgbClr val="5A5F5E"/>
+                      </a:solidFill>
+                      <a:miter lim="400000"/>
+                    </a:lnB>
+                  </a:tcPr>
+                </a:tc>
+              </a:tr>
+              <a:tr h="508000">
+                <a:tc>
+                  <a:txBody>
+                    <a:bodyPr/>
+                    <a:lstStyle/>
+                    <a:p>
+                      <a:pPr algn="l">
+                        <a:defRPr>
+                          <a:solidFill>
+                            <a:srgbClr val="000000"/>
+                          </a:solidFill>
+                        </a:defRPr>
+                      </a:pPr>
+                      <a:r>
+                        <a:rPr sz="2600">
+                          <a:solidFill>
+                            <a:srgbClr val="5A5F5E"/>
+                          </a:solidFill>
+                          <a:latin typeface="Monaco"/>
+                          <a:ea typeface="Monaco"/>
+                          <a:cs typeface="Monaco"/>
+                          <a:sym typeface="Monaco"/>
+                        </a:rPr>
+                        <a:t>ILIKE</a:t>
+                      </a:r>
+                    </a:p>
+                  </a:txBody>
+                  <a:tcPr marL="50800" marR="50800" marT="50800" marB="50800" anchor="t" anchorCtr="0" horzOverflow="overflow">
+                    <a:lnL w="0">
+                      <a:miter lim="400000"/>
+                    </a:lnL>
+                    <a:lnR w="0">
+                      <a:miter lim="400000"/>
+                    </a:lnR>
+                    <a:lnT w="12700">
+                      <a:solidFill>
+                        <a:srgbClr val="5A5F5E"/>
+                      </a:solidFill>
+                      <a:miter lim="400000"/>
+                    </a:lnT>
+                    <a:lnB w="12700">
+                      <a:solidFill>
+                        <a:srgbClr val="5A5F5E"/>
+                      </a:solidFill>
+                      <a:miter lim="400000"/>
+                    </a:lnB>
+                  </a:tcPr>
+                </a:tc>
+                <a:tc>
+                  <a:txBody>
+                    <a:bodyPr/>
+                    <a:lstStyle/>
+                    <a:p>
+                      <a:pPr algn="l">
+                        <a:defRPr>
+                          <a:solidFill>
+                            <a:srgbClr val="000000"/>
+                          </a:solidFill>
+                        </a:defRPr>
+                      </a:pPr>
+                      <a:r>
+                        <a:rPr sz="3000">
+                          <a:solidFill>
+                            <a:srgbClr val="5A5F5E"/>
+                          </a:solidFill>
+                        </a:rPr>
+                        <a:t>LIKE case sensitive</a:t>
+                      </a:r>
+                    </a:p>
+                  </a:txBody>
+                  <a:tcPr marL="50800" marR="50800" marT="50800" marB="50800" anchor="t" anchorCtr="0" horzOverflow="overflow">
+                    <a:lnL w="0">
+                      <a:miter lim="400000"/>
+                    </a:lnL>
+                    <a:lnR w="0">
+                      <a:miter lim="400000"/>
+                    </a:lnR>
+                    <a:lnT w="12700">
+                      <a:solidFill>
+                        <a:srgbClr val="5A5F5E"/>
+                      </a:solidFill>
+                      <a:miter lim="400000"/>
+                    </a:lnT>
+                    <a:lnB w="12700">
+                      <a:solidFill>
+                        <a:srgbClr val="5A5F5E"/>
+                      </a:solidFill>
+                      <a:miter lim="400000"/>
+                    </a:lnB>
+                  </a:tcPr>
+                </a:tc>
+              </a:tr>
+              <a:tr h="508000">
+                <a:tc>
+                  <a:txBody>
+                    <a:bodyPr/>
+                    <a:lstStyle/>
+                    <a:p>
+                      <a:pPr algn="l">
+                        <a:defRPr>
+                          <a:solidFill>
+                            <a:srgbClr val="000000"/>
+                          </a:solidFill>
+                        </a:defRPr>
+                      </a:pPr>
+                      <a:r>
+                        <a:rPr sz="2600">
+                          <a:solidFill>
+                            <a:srgbClr val="5A5F5E"/>
+                          </a:solidFill>
+                          <a:latin typeface="Monaco"/>
+                          <a:ea typeface="Monaco"/>
+                          <a:cs typeface="Monaco"/>
+                          <a:sym typeface="Monaco"/>
+                        </a:rPr>
+                        <a:t>NOT ILIKE</a:t>
+                      </a:r>
+                    </a:p>
+                  </a:txBody>
+                  <a:tcPr marL="50800" marR="50800" marT="50800" marB="50800" anchor="t" anchorCtr="0" horzOverflow="overflow">
+                    <a:lnL w="0">
+                      <a:miter lim="400000"/>
+                    </a:lnL>
+                    <a:lnR w="0">
+                      <a:miter lim="400000"/>
+                    </a:lnR>
+                    <a:lnT w="12700">
+                      <a:solidFill>
+                        <a:srgbClr val="5A5F5E"/>
+                      </a:solidFill>
+                      <a:miter lim="400000"/>
+                    </a:lnT>
+                    <a:lnB w="12700">
+                      <a:solidFill>
+                        <a:srgbClr val="5A5F5E"/>
+                      </a:solidFill>
+                      <a:miter lim="400000"/>
+                    </a:lnB>
+                  </a:tcPr>
+                </a:tc>
+                <a:tc>
+                  <a:txBody>
+                    <a:bodyPr/>
+                    <a:lstStyle/>
+                    <a:p>
+                      <a:pPr algn="l">
+                        <a:defRPr>
+                          <a:solidFill>
+                            <a:srgbClr val="000000"/>
+                          </a:solidFill>
+                        </a:defRPr>
+                      </a:pPr>
+                      <a:r>
+                        <a:rPr sz="3000">
+                          <a:solidFill>
+                            <a:srgbClr val="5A5F5E"/>
+                          </a:solidFill>
+                        </a:rPr>
+                        <a:t>NOT LIKE case sensitive</a:t>
+                      </a:r>
+                    </a:p>
+                  </a:txBody>
+                  <a:tcPr marL="50800" marR="50800" marT="50800" marB="50800" anchor="t" anchorCtr="0" horzOverflow="overflow">
+                    <a:lnL w="0">
+                      <a:miter lim="400000"/>
+                    </a:lnL>
+                    <a:lnR w="0">
+                      <a:miter lim="400000"/>
+                    </a:lnR>
+                    <a:lnT w="12700">
+                      <a:solidFill>
+                        <a:srgbClr val="5A5F5E"/>
+                      </a:solidFill>
+                      <a:miter lim="400000"/>
+                    </a:lnT>
+                    <a:lnB w="12700">
+                      <a:solidFill>
+                        <a:srgbClr val="5A5F5E"/>
+                      </a:solidFill>
+                      <a:miter lim="400000"/>
+                    </a:lnB>
+                  </a:tcPr>
+                </a:tc>
+              </a:tr>
+            </a:tbl>
+          </a:graphicData>
+        </a:graphic>
+      </p:graphicFrame>
+    </p:spTree>
+  </p:cSld>
+  <p:clrMapOvr>
+    <a:masterClrMapping/>
+  </p:clrMapOvr>
+  <p:transition xmlns:p14="http://schemas.microsoft.com/office/powerpoint/2010/main" spd="med" advClick="1"/>
+  <p:timing>
+    <p:tnLst>
+      <p:par>
+        <p:cTn id="1" nodeType="tmRoot" restart="never" dur="indefinite" fill="hold">
+          <p:childTnLst>
+            <p:seq concurrent="1" prevAc="none" nextAc="seek">
+              <p:cTn id="2" nodeType="mainSeq" dur="indefinite" fill="hold">
+                <p:childTnLst>
+                  <p:par>
+                    <p:cTn id="3" fill="hold">
+                      <p:stCondLst>
+                        <p:cond delay="indefinite"/>
+                      </p:stCondLst>
+                      <p:childTnLst>
+                        <p:par>
+                          <p:cTn id="4" fill="hold">
+                            <p:stCondLst>
+                              <p:cond delay="0"/>
+                            </p:stCondLst>
+                            <p:childTnLst>
+                              <p:par>
+                                <p:cTn id="5" presetClass="emph" nodeType="clickEffect" presetID="9" grpId="1" fill="hold">
+                                  <p:stCondLst>
+                                    <p:cond delay="0"/>
+                                  </p:stCondLst>
+                                  <p:childTnLst>
+                                    <p:set>
+                                      <p:cBhvr>
+                                        <p:cTn id="6" dur="indefinite" fill="hold"/>
+                                        <p:tgtEl>
+                                          <p:spTgt spid="310"/>
+                                        </p:tgtEl>
+                                        <p:attrNameLst>
+                                          <p:attrName>style.opacity</p:attrName>
+                                        </p:attrNameLst>
+                                      </p:cBhvr>
+                                      <p:to>
+                                        <p:strVal val="0.00"/>
+                                      </p:to>
+                                    </p:set>
+                                    <p:animEffect filter="image" prLst="opacity: 0.00; ">
+                                      <p:cBhvr>
+                                        <p:cTn id="7" dur="indefinite" fill="hold"/>
+                                        <p:tgtEl>
+                                          <p:spTgt spid="310"/>
+                                        </p:tgtEl>
+                                      </p:cBhvr>
+                                    </p:animEffect>
+                                  </p:childTnLst>
+                                </p:cTn>
+                              </p:par>
+                            </p:childTnLst>
+                          </p:cTn>
+                        </p:par>
+                        <p:par>
+                          <p:cTn id="8" fill="hold">
+                            <p:stCondLst>
+                              <p:cond delay="300"/>
+                            </p:stCondLst>
+                            <p:childTnLst>
+                              <p:par>
+                                <p:cTn id="9" presetClass="entr" nodeType="afterEffect" presetID="9" grpId="2" fill="hold">
+                                  <p:stCondLst>
+                                    <p:cond delay="0"/>
+                                  </p:stCondLst>
+                                  <p:iterate type="el" backwards="0">
+                                    <p:tmAbs val="0"/>
+                                  </p:iterate>
+                                  <p:childTnLst>
+                                    <p:set>
+                                      <p:cBhvr>
+                                        <p:cTn id="10" fill="hold"/>
+                                        <p:tgtEl>
+                                          <p:spTgt spid="311"/>
+                                        </p:tgtEl>
+                                        <p:attrNameLst>
+                                          <p:attrName>style.visibility</p:attrName>
+                                        </p:attrNameLst>
+                                      </p:cBhvr>
+                                      <p:to>
+                                        <p:strVal val="visible"/>
+                                      </p:to>
+                                    </p:set>
+                                    <p:animEffect filter="dissolve" transition="in">
+                                      <p:cBhvr>
+                                        <p:cTn id="11" dur="300"/>
+                                        <p:tgtEl>
+                                          <p:spTgt spid="311"/>
+                                        </p:tgtEl>
+                                      </p:cBhvr>
+                                    </p:animEffect>
+                                  </p:childTnLst>
+                                </p:cTn>
+                              </p:par>
+                            </p:childTnLst>
+                          </p:cTn>
+                        </p:par>
+                      </p:childTnLst>
+                    </p:cTn>
+                  </p:par>
+                  <p:par>
+                    <p:cTn id="12" fill="hold">
+                      <p:stCondLst>
+                        <p:cond delay="indefinite"/>
+                      </p:stCondLst>
+                      <p:childTnLst>
+                        <p:par>
+                          <p:cTn id="13" fill="hold">
+                            <p:stCondLst>
+                              <p:cond delay="0"/>
+                            </p:stCondLst>
+                            <p:childTnLst>
+                              <p:par>
+                                <p:cTn id="14" presetClass="entr" nodeType="clickEffect" presetID="9" grpId="3" fill="hold">
+                                  <p:stCondLst>
+                                    <p:cond delay="0"/>
+                                  </p:stCondLst>
+                                  <p:iterate type="el" backwards="0">
+                                    <p:tmAbs val="0"/>
+                                  </p:iterate>
+                                  <p:childTnLst>
+                                    <p:set>
+                                      <p:cBhvr>
+                                        <p:cTn id="15" fill="hold"/>
+                                        <p:tgtEl>
+                                          <p:spTgt spid="313"/>
+                                        </p:tgtEl>
+                                        <p:attrNameLst>
+                                          <p:attrName>style.visibility</p:attrName>
+                                        </p:attrNameLst>
+                                      </p:cBhvr>
+                                      <p:to>
+                                        <p:strVal val="visible"/>
+                                      </p:to>
+                                    </p:set>
+                                    <p:animEffect filter="dissolve" transition="in">
+                                      <p:cBhvr>
+                                        <p:cTn id="16" dur="300"/>
+                                        <p:tgtEl>
+                                          <p:spTgt spid="313"/>
+                                        </p:tgtEl>
+                                      </p:cBhvr>
+                                    </p:animEffect>
+                                  </p:childTnLst>
+                                </p:cTn>
+                              </p:par>
+                            </p:childTnLst>
+                          </p:cTn>
+                        </p:par>
+                      </p:childTnLst>
+                    </p:cTn>
+                  </p:par>
+                </p:childTnLst>
+              </p:cTn>
+              <p:prevCondLst>
+                <p:cond evt="onPrev">
+                  <p:tgtEl>
+                    <p:sldTgt/>
+                  </p:tgtEl>
+                </p:cond>
+              </p:prevCondLst>
+              <p:nextCondLst>
+                <p:cond evt="onNext">
+                  <p:tgtEl>
+                    <p:sldTgt/>
+                  </p:tgtEl>
+                </p:cond>
+              </p:nextCondLst>
+            </p:seq>
+          </p:childTnLst>
+        </p:cTn>
+      </p:par>
+    </p:tnLst>
+    <p:bldLst>
+      <p:bldP build="whole" bldLvl="1" animBg="1" rev="0" advAuto="0" spid="313" grpId="3"/>
+      <p:bldP build="whole" bldLvl="1" animBg="1" rev="0" advAuto="0" spid="311" grpId="2"/>
+      <p:bldP build="whole" bldLvl="1" animBg="1" rev="0" advAuto="0" spid="310" grpId="1"/>
+    </p:bldLst>
+  </p:timing>
+</p:sld>
+</file>
+
+<file path=ppt/slides/slide28.xml><?xml version="1.0" encoding="utf-8"?>
+<p:sld xmlns:a="http://schemas.openxmlformats.org/drawingml/2006/main" xmlns:r="http://schemas.openxmlformats.org/officeDocument/2006/relationships" xmlns:p="http://schemas.openxmlformats.org/presentationml/2006/main" xmlns:m="http://schemas.openxmlformats.org/officeDocument/2006/math" xmlns:a14="http://schemas.microsoft.com/office/drawing/2010/main" showMasterSp="1" showMasterPhAnim="1">
+  <p:cSld>
+    <p:spTree>
+      <p:nvGrpSpPr>
+        <p:cNvPr id="1" name=""/>
+        <p:cNvGrpSpPr/>
+        <p:nvPr/>
+      </p:nvGrpSpPr>
+      <p:grpSpPr>
+        <a:xfrm>
+          <a:off x="0" y="0"/>
+          <a:ext cx="0" cy="0"/>
+          <a:chOff x="0" y="0"/>
+          <a:chExt cx="0" cy="0"/>
+        </a:xfrm>
+      </p:grpSpPr>
+      <p:sp>
+        <p:nvSpPr>
+          <p:cNvPr id="315" name="Requêtage SQL"/>
+          <p:cNvSpPr txBox="1"/>
+          <p:nvPr/>
+        </p:nvSpPr>
+        <p:spPr>
+          <a:xfrm>
+            <a:off x="1270000" y="-12700"/>
+            <a:ext cx="10464800" cy="1282700"/>
+          </a:xfrm>
+          <a:prstGeom prst="rect">
+            <a:avLst/>
+          </a:prstGeom>
+          <a:ln w="12700">
+            <a:miter lim="400000"/>
+          </a:ln>
+          <a:extLst>
+            <a:ext uri="{C572A759-6A51-4108-AA02-DFA0A04FC94B}">
+              <ma14:wrappingTextBoxFlag xmlns:ma14="http://schemas.microsoft.com/office/mac/drawingml/2011/main" val="1"/>
+            </a:ext>
+          </a:extLst>
+        </p:spPr>
+        <p:txBody>
+          <a:bodyPr lIns="50800" tIns="50800" rIns="50800" bIns="50800" anchor="ctr">
+            <a:normAutofit fontScale="100000" lnSpcReduction="0"/>
+          </a:bodyPr>
+          <a:lstStyle>
+            <a:lvl1pPr>
+              <a:defRPr sz="2600"/>
+            </a:lvl1pPr>
+          </a:lstStyle>
+          <a:p>
+            <a:pPr/>
+            <a:r>
+              <a:t>Requêtage SQL</a:t>
+            </a:r>
+          </a:p>
+        </p:txBody>
+      </p:sp>
+      <p:sp>
+        <p:nvSpPr>
+          <p:cNvPr id="316" name="Récupérer des données"/>
+          <p:cNvSpPr txBox="1"/>
+          <p:nvPr/>
+        </p:nvSpPr>
+        <p:spPr>
+          <a:xfrm>
+            <a:off x="4311054" y="1598450"/>
+            <a:ext cx="4382692" cy="622301"/>
+          </a:xfrm>
+          <a:prstGeom prst="rect">
+            <a:avLst/>
+          </a:prstGeom>
+          <a:ln w="12700">
+            <a:miter lim="400000"/>
+          </a:ln>
+          <a:extLst>
+            <a:ext uri="{C572A759-6A51-4108-AA02-DFA0A04FC94B}">
+              <ma14:wrappingTextBoxFlag xmlns:ma14="http://schemas.microsoft.com/office/mac/drawingml/2011/main" val="1"/>
+            </a:ext>
+          </a:extLst>
+        </p:spPr>
+        <p:txBody>
+          <a:bodyPr wrap="none" lIns="50800" tIns="50800" rIns="50800" bIns="50800" anchor="ctr">
+            <a:spAutoFit/>
+          </a:bodyPr>
+          <a:lstStyle>
+            <a:lvl1pPr algn="l"/>
+          </a:lstStyle>
+          <a:p>
+            <a:pPr/>
+            <a:r>
+              <a:t>Récupérer des données</a:t>
+            </a:r>
+          </a:p>
+        </p:txBody>
+      </p:sp>
+      <p:graphicFrame>
+        <p:nvGraphicFramePr>
+          <p:cNvPr id="317" name="Tableau"/>
+          <p:cNvGraphicFramePr/>
+          <p:nvPr/>
+        </p:nvGraphicFramePr>
+        <p:xfrm>
+          <a:off x="547859" y="2749550"/>
+          <a:ext cx="11468101" cy="8216900"/>
+        </p:xfrm>
+        <a:graphic xmlns:a="http://schemas.openxmlformats.org/drawingml/2006/main">
+          <a:graphicData uri="http://schemas.openxmlformats.org/drawingml/2006/table">
+            <a:tbl>
+              <a:tblPr firstCol="0" firstRow="0" lastCol="0" lastRow="0" bandCol="0" bandRow="0" rtl="0">
+                <a:tableStyleId>{4C3C2611-4C71-4FC5-86AE-919BDF0F9419}</a:tableStyleId>
+              </a:tblPr>
+              <a:tblGrid>
+                <a:gridCol w="2366576"/>
+                <a:gridCol w="9918805"/>
+              </a:tblGrid>
+              <a:tr h="508000">
+                <a:tc>
+                  <a:txBody>
+                    <a:bodyPr/>
+                    <a:lstStyle/>
+                    <a:p>
+                      <a:pPr algn="l">
+                        <a:defRPr>
+                          <a:solidFill>
+                            <a:srgbClr val="000000"/>
+                          </a:solidFill>
+                        </a:defRPr>
+                      </a:pPr>
+                      <a:r>
+                        <a:rPr sz="2600">
+                          <a:solidFill>
+                            <a:srgbClr val="5A5F5E"/>
+                          </a:solidFill>
+                          <a:latin typeface="Monaco"/>
+                          <a:ea typeface="Monaco"/>
+                          <a:cs typeface="Monaco"/>
+                          <a:sym typeface="Monaco"/>
+                        </a:rPr>
+                        <a:t>%test</a:t>
+                      </a:r>
+                    </a:p>
+                  </a:txBody>
+                  <a:tcPr marL="50800" marR="50800" marT="50800" marB="50800" anchor="t" anchorCtr="0" horzOverflow="overflow">
+                    <a:lnL w="0">
+                      <a:miter lim="400000"/>
+                    </a:lnL>
+                    <a:lnR w="0">
+                      <a:miter lim="400000"/>
+                    </a:lnR>
+                    <a:lnT w="12700">
+                      <a:solidFill>
+                        <a:srgbClr val="5A5F5E"/>
+                      </a:solidFill>
+                      <a:miter lim="400000"/>
+                    </a:lnT>
+                    <a:lnB w="12700">
+                      <a:solidFill>
+                        <a:srgbClr val="5A5F5E"/>
+                      </a:solidFill>
+                      <a:miter lim="400000"/>
+                    </a:lnB>
+                  </a:tcPr>
+                </a:tc>
+                <a:tc>
+                  <a:txBody>
+                    <a:bodyPr/>
+                    <a:lstStyle/>
+                    <a:p>
+                      <a:pPr algn="l">
+                        <a:defRPr>
+                          <a:solidFill>
+                            <a:srgbClr val="000000"/>
+                          </a:solidFill>
+                        </a:defRPr>
+                      </a:pPr>
+                      <a:r>
+                        <a:rPr sz="3000">
+                          <a:solidFill>
+                            <a:srgbClr val="5A5F5E"/>
+                          </a:solidFill>
+                        </a:rPr>
+                        <a:t>Valeur se terminant par 'test'</a:t>
+                      </a:r>
+                    </a:p>
+                  </a:txBody>
+                  <a:tcPr marL="50800" marR="50800" marT="50800" marB="50800" anchor="t" anchorCtr="0" horzOverflow="overflow">
+                    <a:lnL w="0">
+                      <a:miter lim="400000"/>
+                    </a:lnL>
+                    <a:lnR w="0">
+                      <a:miter lim="400000"/>
+                    </a:lnR>
+                    <a:lnT w="12700">
+                      <a:solidFill>
+                        <a:srgbClr val="5A5F5E"/>
+                      </a:solidFill>
+                      <a:miter lim="400000"/>
+                    </a:lnT>
+                    <a:lnB w="12700">
+                      <a:solidFill>
+                        <a:srgbClr val="5A5F5E"/>
+                      </a:solidFill>
+                      <a:miter lim="400000"/>
+                    </a:lnB>
+                  </a:tcPr>
+                </a:tc>
+              </a:tr>
+              <a:tr h="508000">
+                <a:tc>
+                  <a:txBody>
+                    <a:bodyPr/>
+                    <a:lstStyle/>
+                    <a:p>
+                      <a:pPr algn="l">
+                        <a:defRPr>
+                          <a:solidFill>
+                            <a:srgbClr val="000000"/>
+                          </a:solidFill>
+                        </a:defRPr>
+                      </a:pPr>
+                      <a:r>
+                        <a:rPr sz="2600">
+                          <a:solidFill>
+                            <a:srgbClr val="5A5F5E"/>
+                          </a:solidFill>
+                          <a:latin typeface="Monaco"/>
+                          <a:ea typeface="Monaco"/>
+                          <a:cs typeface="Monaco"/>
+                          <a:sym typeface="Monaco"/>
+                        </a:rPr>
+                        <a:t>test%</a:t>
+                      </a:r>
+                    </a:p>
+                  </a:txBody>
+                  <a:tcPr marL="50800" marR="50800" marT="50800" marB="50800" anchor="t" anchorCtr="0" horzOverflow="overflow">
+                    <a:lnL w="0">
+                      <a:miter lim="400000"/>
+                    </a:lnL>
+                    <a:lnR w="0">
+                      <a:miter lim="400000"/>
+                    </a:lnR>
+                    <a:lnT w="12700">
+                      <a:solidFill>
+                        <a:srgbClr val="5A5F5E"/>
+                      </a:solidFill>
+                      <a:miter lim="400000"/>
+                    </a:lnT>
+                    <a:lnB w="12700">
+                      <a:solidFill>
+                        <a:srgbClr val="5A5F5E"/>
+                      </a:solidFill>
+                      <a:miter lim="400000"/>
+                    </a:lnB>
+                  </a:tcPr>
+                </a:tc>
+                <a:tc>
+                  <a:txBody>
+                    <a:bodyPr/>
+                    <a:lstStyle/>
+                    <a:p>
+                      <a:pPr algn="l">
+                        <a:defRPr>
+                          <a:solidFill>
+                            <a:srgbClr val="000000"/>
+                          </a:solidFill>
+                        </a:defRPr>
+                      </a:pPr>
+                      <a:r>
+                        <a:rPr sz="3000">
+                          <a:solidFill>
+                            <a:srgbClr val="5A5F5E"/>
+                          </a:solidFill>
+                        </a:rPr>
+                        <a:t>Valeur se commençant par 'test'</a:t>
+                      </a:r>
+                    </a:p>
+                  </a:txBody>
+                  <a:tcPr marL="50800" marR="50800" marT="50800" marB="50800" anchor="t" anchorCtr="0" horzOverflow="overflow">
+                    <a:lnL w="0">
+                      <a:miter lim="400000"/>
+                    </a:lnL>
+                    <a:lnR w="0">
+                      <a:miter lim="400000"/>
+                    </a:lnR>
+                    <a:lnT w="12700">
+                      <a:solidFill>
+                        <a:srgbClr val="5A5F5E"/>
+                      </a:solidFill>
+                      <a:miter lim="400000"/>
+                    </a:lnT>
+                    <a:lnB w="12700">
+                      <a:solidFill>
+                        <a:srgbClr val="5A5F5E"/>
+                      </a:solidFill>
+                      <a:miter lim="400000"/>
+                    </a:lnB>
+                  </a:tcPr>
+                </a:tc>
+              </a:tr>
+              <a:tr h="508000">
+                <a:tc>
+                  <a:txBody>
+                    <a:bodyPr/>
+                    <a:lstStyle/>
+                    <a:p>
+                      <a:pPr algn="l">
+                        <a:defRPr>
+                          <a:solidFill>
+                            <a:srgbClr val="000000"/>
+                          </a:solidFill>
+                        </a:defRPr>
+                      </a:pPr>
+                      <a:r>
+                        <a:rPr sz="2600">
+                          <a:solidFill>
+                            <a:srgbClr val="5A5F5E"/>
+                          </a:solidFill>
+                          <a:latin typeface="Monaco"/>
+                          <a:ea typeface="Monaco"/>
+                          <a:cs typeface="Monaco"/>
+                          <a:sym typeface="Monaco"/>
+                        </a:rPr>
+                        <a:t>%test%</a:t>
+                      </a:r>
+                    </a:p>
+                  </a:txBody>
+                  <a:tcPr marL="50800" marR="50800" marT="50800" marB="50800" anchor="t" anchorCtr="0" horzOverflow="overflow">
+                    <a:lnL w="0">
+                      <a:miter lim="400000"/>
+                    </a:lnL>
+                    <a:lnR w="0">
+                      <a:miter lim="400000"/>
+                    </a:lnR>
+                    <a:lnT w="12700">
+                      <a:solidFill>
+                        <a:srgbClr val="5A5F5E"/>
+                      </a:solidFill>
+                      <a:miter lim="400000"/>
+                    </a:lnT>
+                    <a:lnB w="12700">
+                      <a:solidFill>
+                        <a:srgbClr val="5A5F5E"/>
+                      </a:solidFill>
+                      <a:miter lim="400000"/>
+                    </a:lnB>
+                  </a:tcPr>
+                </a:tc>
+                <a:tc>
+                  <a:txBody>
+                    <a:bodyPr/>
+                    <a:lstStyle/>
+                    <a:p>
+                      <a:pPr algn="l">
+                        <a:defRPr>
+                          <a:solidFill>
+                            <a:srgbClr val="000000"/>
+                          </a:solidFill>
+                        </a:defRPr>
+                      </a:pPr>
+                      <a:r>
+                        <a:rPr sz="3000">
+                          <a:solidFill>
+                            <a:srgbClr val="5A5F5E"/>
+                          </a:solidFill>
+                        </a:rPr>
+                        <a:t>Valeur contenant 'test'</a:t>
+                      </a:r>
+                    </a:p>
+                  </a:txBody>
+                  <a:tcPr marL="50800" marR="50800" marT="50800" marB="50800" anchor="t" anchorCtr="0" horzOverflow="overflow">
+                    <a:lnL w="0">
+                      <a:miter lim="400000"/>
+                    </a:lnL>
+                    <a:lnR w="0">
+                      <a:miter lim="400000"/>
+                    </a:lnR>
+                    <a:lnT w="12700">
+                      <a:solidFill>
+                        <a:srgbClr val="5A5F5E"/>
+                      </a:solidFill>
+                      <a:miter lim="400000"/>
+                    </a:lnT>
+                    <a:lnB w="12700">
+                      <a:solidFill>
+                        <a:srgbClr val="5A5F5E"/>
+                      </a:solidFill>
+                      <a:miter lim="400000"/>
+                    </a:lnB>
+                  </a:tcPr>
+                </a:tc>
+              </a:tr>
+              <a:tr h="508000">
+                <a:tc>
+                  <a:txBody>
+                    <a:bodyPr/>
+                    <a:lstStyle/>
+                    <a:p>
+                      <a:pPr algn="l">
+                        <a:defRPr>
+                          <a:solidFill>
+                            <a:srgbClr val="000000"/>
+                          </a:solidFill>
+                        </a:defRPr>
+                      </a:pPr>
+                      <a:r>
+                        <a:rPr sz="2600">
+                          <a:solidFill>
+                            <a:srgbClr val="5A5F5E"/>
+                          </a:solidFill>
+                          <a:latin typeface="Monaco"/>
+                          <a:ea typeface="Monaco"/>
+                          <a:cs typeface="Monaco"/>
+                          <a:sym typeface="Monaco"/>
+                        </a:rPr>
+                        <a:t>_test</a:t>
+                      </a:r>
+                    </a:p>
+                  </a:txBody>
+                  <a:tcPr marL="50800" marR="50800" marT="50800" marB="50800" anchor="t" anchorCtr="0" horzOverflow="overflow">
+                    <a:lnL w="0">
+                      <a:miter lim="400000"/>
+                    </a:lnL>
+                    <a:lnR w="0">
+                      <a:miter lim="400000"/>
+                    </a:lnR>
+                    <a:lnT w="12700">
+                      <a:solidFill>
+                        <a:srgbClr val="5A5F5E"/>
+                      </a:solidFill>
+                      <a:miter lim="400000"/>
+                    </a:lnT>
+                    <a:lnB w="12700">
+                      <a:solidFill>
+                        <a:srgbClr val="5A5F5E"/>
+                      </a:solidFill>
+                      <a:miter lim="400000"/>
+                    </a:lnB>
+                  </a:tcPr>
+                </a:tc>
+                <a:tc>
+                  <a:txBody>
+                    <a:bodyPr/>
+                    <a:lstStyle/>
+                    <a:p>
+                      <a:pPr algn="l">
+                        <a:defRPr>
+                          <a:solidFill>
+                            <a:srgbClr val="000000"/>
+                          </a:solidFill>
+                        </a:defRPr>
+                      </a:pPr>
+                      <a:r>
+                        <a:rPr sz="3000">
+                          <a:solidFill>
+                            <a:srgbClr val="5A5F5E"/>
+                          </a:solidFill>
+                        </a:rPr>
+                        <a:t>Valeur ayant un caractère devant 'test'</a:t>
+                      </a:r>
+                    </a:p>
+                  </a:txBody>
+                  <a:tcPr marL="50800" marR="50800" marT="50800" marB="50800" anchor="t" anchorCtr="0" horzOverflow="overflow">
+                    <a:lnL w="0">
+                      <a:miter lim="400000"/>
+                    </a:lnL>
+                    <a:lnR w="0">
+                      <a:miter lim="400000"/>
+                    </a:lnR>
+                    <a:lnT w="12700">
+                      <a:solidFill>
+                        <a:srgbClr val="5A5F5E"/>
+                      </a:solidFill>
+                      <a:miter lim="400000"/>
+                    </a:lnT>
+                    <a:lnB w="12700">
+                      <a:solidFill>
+                        <a:srgbClr val="5A5F5E"/>
+                      </a:solidFill>
+                      <a:miter lim="400000"/>
+                    </a:lnB>
+                  </a:tcPr>
+                </a:tc>
+              </a:tr>
+              <a:tr h="508000">
+                <a:tc>
+                  <a:txBody>
+                    <a:bodyPr/>
+                    <a:lstStyle/>
+                    <a:p>
+                      <a:pPr algn="l">
+                        <a:defRPr>
+                          <a:solidFill>
+                            <a:srgbClr val="000000"/>
+                          </a:solidFill>
+                        </a:defRPr>
+                      </a:pPr>
+                      <a:r>
+                        <a:rPr sz="2600">
+                          <a:solidFill>
+                            <a:srgbClr val="5A5F5E"/>
+                          </a:solidFill>
+                          <a:latin typeface="Monaco"/>
+                          <a:ea typeface="Monaco"/>
+                          <a:cs typeface="Monaco"/>
+                          <a:sym typeface="Monaco"/>
+                        </a:rPr>
+                        <a:t>test_</a:t>
+                      </a:r>
+                    </a:p>
+                  </a:txBody>
+                  <a:tcPr marL="50800" marR="50800" marT="50800" marB="50800" anchor="t" anchorCtr="0" horzOverflow="overflow">
+                    <a:lnL w="0">
+                      <a:miter lim="400000"/>
+                    </a:lnL>
+                    <a:lnR w="0">
+                      <a:miter lim="400000"/>
+                    </a:lnR>
+                    <a:lnT w="12700">
+                      <a:solidFill>
+                        <a:srgbClr val="5A5F5E"/>
+                      </a:solidFill>
+                      <a:miter lim="400000"/>
+                    </a:lnT>
+                    <a:lnB w="12700">
+                      <a:solidFill>
+                        <a:srgbClr val="5A5F5E"/>
+                      </a:solidFill>
+                      <a:miter lim="400000"/>
+                    </a:lnB>
+                  </a:tcPr>
+                </a:tc>
+                <a:tc>
+                  <a:txBody>
+                    <a:bodyPr/>
+                    <a:lstStyle/>
+                    <a:p>
+                      <a:pPr algn="l">
+                        <a:defRPr>
+                          <a:solidFill>
+                            <a:srgbClr val="000000"/>
+                          </a:solidFill>
+                        </a:defRPr>
+                      </a:pPr>
+                      <a:r>
+                        <a:rPr sz="3000">
+                          <a:solidFill>
+                            <a:srgbClr val="5A5F5E"/>
+                          </a:solidFill>
+                        </a:rPr>
+                        <a:t>Valeur ayant un caractère derrière 'test'</a:t>
+                      </a:r>
+                    </a:p>
+                  </a:txBody>
+                  <a:tcPr marL="50800" marR="50800" marT="50800" marB="50800" anchor="t" anchorCtr="0" horzOverflow="overflow">
+                    <a:lnL w="0">
+                      <a:miter lim="400000"/>
+                    </a:lnL>
+                    <a:lnR w="0">
+                      <a:miter lim="400000"/>
+                    </a:lnR>
+                    <a:lnT w="12700">
+                      <a:solidFill>
+                        <a:srgbClr val="5A5F5E"/>
+                      </a:solidFill>
+                      <a:miter lim="400000"/>
+                    </a:lnT>
+                    <a:lnB w="12700">
+                      <a:solidFill>
+                        <a:srgbClr val="5A5F5E"/>
+                      </a:solidFill>
+                      <a:miter lim="400000"/>
+                    </a:lnB>
+                  </a:tcPr>
+                </a:tc>
+              </a:tr>
+              <a:tr h="508000">
+                <a:tc>
+                  <a:txBody>
+                    <a:bodyPr/>
+                    <a:lstStyle/>
+                    <a:p>
+                      <a:pPr algn="l">
+                        <a:defRPr>
+                          <a:solidFill>
+                            <a:srgbClr val="000000"/>
+                          </a:solidFill>
+                        </a:defRPr>
+                      </a:pPr>
+                      <a:r>
+                        <a:rPr sz="2600">
+                          <a:solidFill>
+                            <a:srgbClr val="5A5F5E"/>
+                          </a:solidFill>
+                          <a:latin typeface="Monaco"/>
+                          <a:ea typeface="Monaco"/>
+                          <a:cs typeface="Monaco"/>
+                          <a:sym typeface="Monaco"/>
+                        </a:rPr>
+                        <a:t>t_st</a:t>
+                      </a:r>
+                    </a:p>
+                  </a:txBody>
+                  <a:tcPr marL="50800" marR="50800" marT="50800" marB="50800" anchor="t" anchorCtr="0" horzOverflow="overflow">
+                    <a:lnL w="0">
+                      <a:miter lim="400000"/>
+                    </a:lnL>
+                    <a:lnR w="0">
+                      <a:miter lim="400000"/>
+                    </a:lnR>
+                    <a:lnT w="12700">
+                      <a:solidFill>
+                        <a:srgbClr val="5A5F5E"/>
+                      </a:solidFill>
+                      <a:miter lim="400000"/>
+                    </a:lnT>
+                    <a:lnB w="12700">
+                      <a:solidFill>
+                        <a:srgbClr val="5A5F5E"/>
+                      </a:solidFill>
+                      <a:miter lim="400000"/>
+                    </a:lnB>
+                  </a:tcPr>
+                </a:tc>
+                <a:tc>
+                  <a:txBody>
+                    <a:bodyPr/>
+                    <a:lstStyle/>
+                    <a:p>
+                      <a:pPr algn="l">
+                        <a:defRPr>
+                          <a:solidFill>
+                            <a:srgbClr val="000000"/>
+                          </a:solidFill>
+                        </a:defRPr>
+                      </a:pPr>
+                      <a:r>
+                        <a:rPr sz="3000">
+                          <a:solidFill>
+                            <a:srgbClr val="5A5F5E"/>
+                          </a:solidFill>
+                        </a:rPr>
+                        <a:t>Valeur commençant par ’t’ et se terminant par 'st' avec un caractère entre les deux</a:t>
+                      </a:r>
+                    </a:p>
+                  </a:txBody>
+                  <a:tcPr marL="50800" marR="50800" marT="50800" marB="50800" anchor="t" anchorCtr="0" horzOverflow="overflow">
+                    <a:lnL w="0">
+                      <a:miter lim="400000"/>
+                    </a:lnL>
+                    <a:lnR w="0">
+                      <a:miter lim="400000"/>
+                    </a:lnR>
+                    <a:lnT w="12700">
+                      <a:solidFill>
+                        <a:srgbClr val="5A5F5E"/>
+                      </a:solidFill>
+                      <a:miter lim="400000"/>
+                    </a:lnT>
+                    <a:lnB w="12700">
+                      <a:solidFill>
+                        <a:srgbClr val="5A5F5E"/>
+                      </a:solidFill>
+                      <a:miter lim="400000"/>
+                    </a:lnB>
+                  </a:tcPr>
+                </a:tc>
+              </a:tr>
+              <a:tr h="508000">
+                <a:tc>
+                  <a:txBody>
+                    <a:bodyPr/>
+                    <a:lstStyle/>
+                    <a:p>
+                      <a:pPr algn="l">
+                        <a:defRPr>
+                          <a:solidFill>
+                            <a:srgbClr val="000000"/>
+                          </a:solidFill>
+                        </a:defRPr>
+                      </a:pPr>
+                      <a:r>
+                        <a:rPr sz="2600">
+                          <a:solidFill>
+                            <a:srgbClr val="5A5F5E"/>
+                          </a:solidFill>
+                          <a:latin typeface="Monaco"/>
+                          <a:ea typeface="Monaco"/>
+                          <a:cs typeface="Monaco"/>
+                          <a:sym typeface="Monaco"/>
+                        </a:rPr>
+                        <a:t>t%_%st</a:t>
+                      </a:r>
+                    </a:p>
+                  </a:txBody>
+                  <a:tcPr marL="50800" marR="50800" marT="50800" marB="50800" anchor="t" anchorCtr="0" horzOverflow="overflow">
+                    <a:lnL w="0">
+                      <a:miter lim="400000"/>
+                    </a:lnL>
+                    <a:lnR w="0">
+                      <a:miter lim="400000"/>
+                    </a:lnR>
+                    <a:lnT w="12700">
+                      <a:solidFill>
+                        <a:srgbClr val="5A5F5E"/>
+                      </a:solidFill>
+                      <a:miter lim="400000"/>
+                    </a:lnT>
+                    <a:lnB w="12700">
+                      <a:solidFill>
+                        <a:srgbClr val="5A5F5E"/>
+                      </a:solidFill>
+                      <a:miter lim="400000"/>
+                    </a:lnB>
+                  </a:tcPr>
+                </a:tc>
+                <a:tc>
+                  <a:txBody>
+                    <a:bodyPr/>
+                    <a:lstStyle/>
+                    <a:p>
+                      <a:pPr algn="l">
+                        <a:defRPr>
+                          <a:solidFill>
+                            <a:srgbClr val="000000"/>
+                          </a:solidFill>
+                        </a:defRPr>
+                      </a:pPr>
+                      <a:r>
+                        <a:rPr sz="3000">
+                          <a:solidFill>
+                            <a:srgbClr val="5A5F5E"/>
+                          </a:solidFill>
+                        </a:rPr>
+                        <a:t>Valeur commençant par ’t’ et se terminant par 'st' avec X caractères entre</a:t>
+                      </a:r>
+                    </a:p>
+                  </a:txBody>
+                  <a:tcPr marL="50800" marR="50800" marT="50800" marB="50800" anchor="t" anchorCtr="0" horzOverflow="overflow">
+                    <a:lnL w="0">
+                      <a:miter lim="400000"/>
+                    </a:lnL>
+                    <a:lnR w="0">
+                      <a:miter lim="400000"/>
+                    </a:lnR>
+                    <a:lnT w="12700">
+                      <a:solidFill>
+                        <a:srgbClr val="5A5F5E"/>
+                      </a:solidFill>
+                      <a:miter lim="400000"/>
+                    </a:lnT>
+                    <a:lnB w="12700">
+                      <a:solidFill>
+                        <a:srgbClr val="5A5F5E"/>
+                      </a:solidFill>
+                      <a:miter lim="400000"/>
+                    </a:lnB>
+                  </a:tcPr>
+                </a:tc>
+              </a:tr>
+              <a:tr h="508000">
+                <a:tc>
+                  <a:txBody>
+                    <a:bodyPr/>
+                    <a:lstStyle/>
+                    <a:p>
+                      <a:pPr algn="l">
+                        <a:defRPr>
+                          <a:solidFill>
+                            <a:srgbClr val="000000"/>
+                          </a:solidFill>
+                        </a:defRPr>
+                      </a:pPr>
+                      <a:r>
+                        <a:rPr sz="2600">
+                          <a:solidFill>
+                            <a:srgbClr val="5A5F5E"/>
+                          </a:solidFill>
+                          <a:latin typeface="Monaco"/>
+                          <a:ea typeface="Monaco"/>
+                          <a:cs typeface="Monaco"/>
+                          <a:sym typeface="Monaco"/>
+                        </a:rPr>
+                        <a:t>t_st%</a:t>
+                      </a:r>
+                    </a:p>
+                  </a:txBody>
+                  <a:tcPr marL="50800" marR="50800" marT="50800" marB="50800" anchor="t" anchorCtr="0" horzOverflow="overflow">
+                    <a:lnL w="0">
+                      <a:miter lim="400000"/>
+                    </a:lnL>
+                    <a:lnR w="0">
+                      <a:miter lim="400000"/>
+                    </a:lnR>
+                    <a:lnT w="12700">
+                      <a:solidFill>
+                        <a:srgbClr val="5A5F5E"/>
+                      </a:solidFill>
+                      <a:miter lim="400000"/>
+                    </a:lnT>
+                    <a:lnB w="12700">
+                      <a:solidFill>
+                        <a:srgbClr val="5A5F5E"/>
+                      </a:solidFill>
+                      <a:miter lim="400000"/>
+                    </a:lnB>
+                  </a:tcPr>
+                </a:tc>
+                <a:tc>
+                  <a:txBody>
+                    <a:bodyPr/>
+                    <a:lstStyle/>
+                    <a:p>
+                      <a:pPr algn="l">
+                        <a:defRPr>
+                          <a:solidFill>
+                            <a:srgbClr val="000000"/>
+                          </a:solidFill>
+                        </a:defRPr>
+                      </a:pPr>
+                      <a:r>
+                        <a:rPr sz="3000">
+                          <a:solidFill>
+                            <a:srgbClr val="5A5F5E"/>
+                          </a:solidFill>
+                        </a:rPr>
+                        <a:t>Valeur commençant par ’t’, suivi d’un caractère et de 'st'</a:t>
+                      </a:r>
+                    </a:p>
+                  </a:txBody>
+                  <a:tcPr marL="50800" marR="50800" marT="50800" marB="50800" anchor="t" anchorCtr="0" horzOverflow="overflow">
+                    <a:lnL w="0">
+                      <a:miter lim="400000"/>
+                    </a:lnL>
+                    <a:lnR w="0">
+                      <a:miter lim="400000"/>
+                    </a:lnR>
+                    <a:lnT w="12700">
+                      <a:solidFill>
+                        <a:srgbClr val="5A5F5E"/>
+                      </a:solidFill>
+                      <a:miter lim="400000"/>
+                    </a:lnT>
+                    <a:lnB w="12700">
+                      <a:solidFill>
+                        <a:srgbClr val="5A5F5E"/>
+                      </a:solidFill>
+                      <a:miter lim="400000"/>
+                    </a:lnB>
+                  </a:tcPr>
+                </a:tc>
+              </a:tr>
+            </a:tbl>
+          </a:graphicData>
+        </a:graphic>
+      </p:graphicFrame>
+    </p:spTree>
+  </p:cSld>
+  <p:clrMapOvr>
+    <a:masterClrMapping/>
+  </p:clrMapOvr>
+  <p:transition xmlns:p14="http://schemas.microsoft.com/office/powerpoint/2010/main" spd="med" advClick="1"/>
+</p:sld>
+</file>
+
+<file path=ppt/slides/slide29.xml><?xml version="1.0" encoding="utf-8"?>
+<p:sld xmlns:a="http://schemas.openxmlformats.org/drawingml/2006/main" xmlns:r="http://schemas.openxmlformats.org/officeDocument/2006/relationships" xmlns:p="http://schemas.openxmlformats.org/presentationml/2006/main" xmlns:m="http://schemas.openxmlformats.org/officeDocument/2006/math" xmlns:a14="http://schemas.microsoft.com/office/drawing/2010/main" showMasterSp="1" showMasterPhAnim="1">
+  <p:cSld>
+    <p:spTree>
+      <p:nvGrpSpPr>
+        <p:cNvPr id="1" name=""/>
+        <p:cNvGrpSpPr/>
+        <p:nvPr/>
+      </p:nvGrpSpPr>
+      <p:grpSpPr>
+        <a:xfrm>
+          <a:off x="0" y="0"/>
+          <a:ext cx="0" cy="0"/>
+          <a:chOff x="0" y="0"/>
+          <a:chExt cx="0" cy="0"/>
+        </a:xfrm>
+      </p:grpSpPr>
+      <p:sp>
+        <p:nvSpPr>
+          <p:cNvPr id="319" name="Requêtage SQL"/>
+          <p:cNvSpPr txBox="1"/>
+          <p:nvPr/>
+        </p:nvSpPr>
+        <p:spPr>
+          <a:xfrm>
+            <a:off x="1270000" y="-12700"/>
+            <a:ext cx="10464800" cy="1282700"/>
+          </a:xfrm>
+          <a:prstGeom prst="rect">
+            <a:avLst/>
+          </a:prstGeom>
+          <a:ln w="12700">
+            <a:miter lim="400000"/>
+          </a:ln>
+          <a:extLst>
+            <a:ext uri="{C572A759-6A51-4108-AA02-DFA0A04FC94B}">
+              <ma14:wrappingTextBoxFlag xmlns:ma14="http://schemas.microsoft.com/office/mac/drawingml/2011/main" val="1"/>
+            </a:ext>
+          </a:extLst>
+        </p:spPr>
+        <p:txBody>
+          <a:bodyPr lIns="50800" tIns="50800" rIns="50800" bIns="50800" anchor="ctr">
+            <a:normAutofit fontScale="100000" lnSpcReduction="0"/>
+          </a:bodyPr>
+          <a:lstStyle>
+            <a:lvl1pPr>
+              <a:defRPr sz="2600"/>
+            </a:lvl1pPr>
+          </a:lstStyle>
+          <a:p>
+            <a:pPr/>
+            <a:r>
+              <a:t>Requêtage SQL</a:t>
+            </a:r>
+          </a:p>
+        </p:txBody>
+      </p:sp>
+      <p:sp>
+        <p:nvSpPr>
+          <p:cNvPr id="320" name="Un peu de pratique"/>
+          <p:cNvSpPr txBox="1"/>
+          <p:nvPr/>
+        </p:nvSpPr>
+        <p:spPr>
+          <a:xfrm>
+            <a:off x="4672930" y="1732851"/>
+            <a:ext cx="3658940" cy="622301"/>
+          </a:xfrm>
+          <a:prstGeom prst="rect">
+            <a:avLst/>
+          </a:prstGeom>
+          <a:ln w="12700">
+            <a:miter lim="400000"/>
+          </a:ln>
+          <a:extLst>
+            <a:ext uri="{C572A759-6A51-4108-AA02-DFA0A04FC94B}">
+              <ma14:wrappingTextBoxFlag xmlns:ma14="http://schemas.microsoft.com/office/mac/drawingml/2011/main" val="1"/>
+            </a:ext>
+          </a:extLst>
+        </p:spPr>
+        <p:txBody>
+          <a:bodyPr wrap="none" lIns="50800" tIns="50800" rIns="50800" bIns="50800" anchor="ctr">
+            <a:spAutoFit/>
+          </a:bodyPr>
+          <a:lstStyle>
+            <a:lvl1pPr algn="l"/>
+          </a:lstStyle>
+          <a:p>
+            <a:pPr/>
+            <a:r>
+              <a:t>Un peu de pratique</a:t>
+            </a:r>
+          </a:p>
+        </p:txBody>
+      </p:sp>
+      <p:sp>
+        <p:nvSpPr>
+          <p:cNvPr id="321" name="http://bit.ly/postgresql-29"/>
+          <p:cNvSpPr txBox="1"/>
+          <p:nvPr/>
+        </p:nvSpPr>
+        <p:spPr>
+          <a:xfrm>
+            <a:off x="4095737" y="4552950"/>
+            <a:ext cx="4813326" cy="647701"/>
+          </a:xfrm>
+          <a:prstGeom prst="rect">
+            <a:avLst/>
+          </a:prstGeom>
+          <a:ln w="12700">
+            <a:miter lim="400000"/>
+          </a:ln>
+          <a:extLst>
+            <a:ext uri="{C572A759-6A51-4108-AA02-DFA0A04FC94B}">
+              <ma14:wrappingTextBoxFlag xmlns:ma14="http://schemas.microsoft.com/office/mac/drawingml/2011/main" val="1"/>
+            </a:ext>
+          </a:extLst>
+        </p:spPr>
+        <p:txBody>
+          <a:bodyPr wrap="none" lIns="50800" tIns="50800" rIns="50800" bIns="50800" anchor="ctr">
+            <a:spAutoFit/>
+          </a:bodyPr>
+          <a:lstStyle/>
+          <a:p>
+            <a:pPr/>
+            <a:r>
+              <a:t>http://bit.ly/</a:t>
+            </a:r>
+            <a:r>
+              <a:rPr>
+                <a:latin typeface="Gill Sans SemiBold"/>
+                <a:ea typeface="Gill Sans SemiBold"/>
+                <a:cs typeface="Gill Sans SemiBold"/>
+                <a:sym typeface="Gill Sans SemiBold"/>
+              </a:rPr>
+              <a:t>postgresql-29</a:t>
             </a:r>
           </a:p>
         </p:txBody>
@@ -18894,11 +21198,11 @@
       </p:par>
     </p:tnLst>
     <p:bldLst>
+      <p:bldP build="whole" bldLvl="1" animBg="1" rev="0" advAuto="0" spid="129" grpId="2"/>
+      <p:bldP build="whole" bldLvl="1" animBg="1" rev="0" advAuto="0" spid="130" grpId="3"/>
       <p:bldP build="whole" bldLvl="1" animBg="1" rev="0" advAuto="0" spid="131" grpId="4"/>
+      <p:bldP build="whole" bldLvl="1" animBg="1" rev="0" advAuto="0" spid="128" grpId="1"/>
       <p:bldP build="whole" bldLvl="1" animBg="1" rev="0" advAuto="0" spid="133" grpId="5"/>
-      <p:bldP build="whole" bldLvl="1" animBg="1" rev="0" advAuto="0" spid="130" grpId="3"/>
-      <p:bldP build="whole" bldLvl="1" animBg="1" rev="0" advAuto="0" spid="129" grpId="2"/>
-      <p:bldP build="whole" bldLvl="1" animBg="1" rev="0" advAuto="0" spid="128" grpId="1"/>
     </p:bldLst>
   </p:timing>
 </p:sld>
@@ -20551,12 +22855,12 @@
       </p:par>
     </p:tnLst>
     <p:bldLst>
-      <p:bldP build="whole" bldLvl="1" animBg="1" rev="0" advAuto="0" spid="140" grpId="7"/>
       <p:bldP build="whole" bldLvl="1" animBg="1" rev="0" advAuto="0" spid="137" grpId="1"/>
       <p:bldP build="whole" bldLvl="1" animBg="1" rev="0" advAuto="0" spid="139" grpId="2"/>
       <p:bldP build="whole" bldLvl="1" animBg="1" rev="0" advAuto="0" spid="137" grpId="3"/>
       <p:bldP build="whole" bldLvl="1" animBg="1" rev="0" advAuto="0" spid="139" grpId="4"/>
       <p:bldP build="whole" bldLvl="1" animBg="1" rev="0" advAuto="0" spid="138" grpId="6"/>
+      <p:bldP build="whole" bldLvl="1" animBg="1" rev="0" advAuto="0" spid="140" grpId="7"/>
     </p:bldLst>
   </p:timing>
 </p:sld>
@@ -21696,8 +24000,8 @@
     </p:tnLst>
     <p:bldLst>
       <p:bldP build="whole" bldLvl="1" animBg="1" rev="0" advAuto="0" spid="147" grpId="5"/>
+      <p:bldP build="whole" bldLvl="1" animBg="1" rev="0" advAuto="0" spid="145" grpId="1"/>
       <p:bldP build="whole" bldLvl="1" animBg="1" rev="0" advAuto="0" spid="147" grpId="6"/>
-      <p:bldP build="whole" bldLvl="1" animBg="1" rev="0" advAuto="0" spid="145" grpId="1"/>
       <p:bldP build="whole" bldLvl="1" animBg="1" rev="0" advAuto="0" spid="146" grpId="7"/>
     </p:bldLst>
   </p:timing>
@@ -23105,8 +25409,8 @@
     <p:bldLst>
       <p:bldP build="whole" bldLvl="1" animBg="1" rev="0" advAuto="0" spid="156" grpId="1"/>
       <p:bldP build="whole" bldLvl="1" animBg="1" rev="0" advAuto="0" spid="156" grpId="2"/>
+      <p:bldP build="whole" bldLvl="1" animBg="1" rev="0" advAuto="0" spid="159" grpId="4"/>
       <p:bldP build="whole" bldLvl="1" animBg="1" rev="0" advAuto="0" spid="158" grpId="3"/>
-      <p:bldP build="whole" bldLvl="1" animBg="1" rev="0" advAuto="0" spid="159" grpId="4"/>
     </p:bldLst>
   </p:timing>
 </p:sld>
@@ -23860,12 +26164,12 @@
       </p:par>
     </p:tnLst>
     <p:bldLst>
+      <p:bldP build="whole" bldLvl="1" animBg="1" rev="0" advAuto="0" spid="166" grpId="4"/>
+      <p:bldP build="whole" bldLvl="1" animBg="1" rev="0" advAuto="0" spid="169" grpId="5"/>
+      <p:bldP build="whole" bldLvl="1" animBg="1" rev="0" advAuto="0" spid="170" grpId="7"/>
+      <p:bldP build="whole" bldLvl="1" animBg="1" rev="0" advAuto="0" spid="167" grpId="6"/>
       <p:bldP build="whole" bldLvl="1" animBg="1" rev="0" advAuto="0" spid="165" grpId="2"/>
-      <p:bldP build="whole" bldLvl="1" animBg="1" rev="0" advAuto="0" spid="169" grpId="5"/>
-      <p:bldP build="whole" bldLvl="1" animBg="1" rev="0" advAuto="0" spid="167" grpId="6"/>
-      <p:bldP build="whole" bldLvl="1" animBg="1" rev="0" advAuto="0" spid="170" grpId="7"/>
       <p:bldP build="whole" bldLvl="1" animBg="1" rev="0" advAuto="0" spid="168" grpId="3"/>
-      <p:bldP build="whole" bldLvl="1" animBg="1" rev="0" advAuto="0" spid="166" grpId="4"/>
     </p:bldLst>
   </p:timing>
 </p:sld>

--- a/Postgresql.pptx
+++ b/Postgresql.pptx
@@ -818,6 +818,127 @@
             </a:pPr>
             <a:r>
               <a:t>9/ select inscription, count(inscription) as nb from utilisateur group by inscription;</a:t>
+            </a:r>
+          </a:p>
+        </p:txBody>
+      </p:sp>
+    </p:spTree>
+  </p:cSld>
+  <p:clrMapOvr>
+    <a:masterClrMapping/>
+  </p:clrMapOvr>
+</p:notes>
+</file>
+
+<file path=ppt/notesSlides/notesSlide11.xml><?xml version="1.0" encoding="utf-8"?>
+<p:notes xmlns:a="http://schemas.openxmlformats.org/drawingml/2006/main" xmlns:r="http://schemas.openxmlformats.org/officeDocument/2006/relationships" xmlns:p="http://schemas.openxmlformats.org/presentationml/2006/main" xmlns:m="http://schemas.openxmlformats.org/officeDocument/2006/math" xmlns:a14="http://schemas.microsoft.com/office/drawing/2010/main" showMasterSp="1" showMasterPhAnim="1">
+  <p:cSld>
+    <p:spTree>
+      <p:nvGrpSpPr>
+        <p:cNvPr id="1" name=""/>
+        <p:cNvGrpSpPr/>
+        <p:nvPr/>
+      </p:nvGrpSpPr>
+      <p:grpSpPr>
+        <a:xfrm>
+          <a:off x="0" y="0"/>
+          <a:ext cx="0" cy="0"/>
+          <a:chOff x="0" y="0"/>
+          <a:chExt cx="0" cy="0"/>
+        </a:xfrm>
+      </p:grpSpPr>
+      <p:sp>
+        <p:nvSpPr>
+          <p:cNvPr id="322" name="Shape 322"/>
+          <p:cNvSpPr/>
+          <p:nvPr>
+            <p:ph type="sldImg"/>
+          </p:nvPr>
+        </p:nvSpPr>
+        <p:spPr>
+          <a:prstGeom prst="rect">
+            <a:avLst/>
+          </a:prstGeom>
+        </p:spPr>
+        <p:txBody>
+          <a:bodyPr/>
+          <a:lstStyle/>
+          <a:p>
+            <a:pPr/>
+          </a:p>
+        </p:txBody>
+      </p:sp>
+      <p:sp>
+        <p:nvSpPr>
+          <p:cNvPr id="323" name="Shape 323"/>
+          <p:cNvSpPr/>
+          <p:nvPr>
+            <p:ph type="body" sz="quarter" idx="1"/>
+          </p:nvPr>
+        </p:nvSpPr>
+        <p:spPr>
+          <a:prstGeom prst="rect">
+            <a:avLst/>
+          </a:prstGeom>
+        </p:spPr>
+        <p:txBody>
+          <a:bodyPr/>
+          <a:lstStyle/>
+          <a:p>
+            <a:pPr defTabSz="584200">
+              <a:lnSpc>
+                <a:spcPct val="100000"/>
+              </a:lnSpc>
+              <a:defRPr sz="1900">
+                <a:solidFill>
+                  <a:srgbClr val="5A5F5E"/>
+                </a:solidFill>
+                <a:latin typeface="Monaco"/>
+                <a:ea typeface="Monaco"/>
+                <a:cs typeface="Monaco"/>
+                <a:sym typeface="Monaco"/>
+              </a:defRPr>
+            </a:pPr>
+            <a:r>
+              <a:t>1/ SELECT * FROM utilisateur WHERE email LIKE '%@gmail%';</a:t>
+            </a:r>
+          </a:p>
+          <a:p>
+            <a:pPr defTabSz="584200">
+              <a:lnSpc>
+                <a:spcPct val="100000"/>
+              </a:lnSpc>
+              <a:defRPr sz="1900">
+                <a:solidFill>
+                  <a:srgbClr val="5A5F5E"/>
+                </a:solidFill>
+                <a:latin typeface="Monaco"/>
+                <a:ea typeface="Monaco"/>
+                <a:cs typeface="Monaco"/>
+                <a:sym typeface="Monaco"/>
+              </a:defRPr>
+            </a:pPr>
+            <a:r>
+              <a:t>2/ SELECT count(email) as nb FROM utilisateur WHERE email LIKE '%@gmail%';</a:t>
+            </a:r>
+          </a:p>
+          <a:p>
+            <a:pPr defTabSz="584200">
+              <a:lnSpc>
+                <a:spcPct val="100000"/>
+              </a:lnSpc>
+              <a:defRPr sz="1900">
+                <a:solidFill>
+                  <a:srgbClr val="5A5F5E"/>
+                </a:solidFill>
+                <a:latin typeface="Monaco"/>
+                <a:ea typeface="Monaco"/>
+                <a:cs typeface="Monaco"/>
+                <a:sym typeface="Monaco"/>
+              </a:defRPr>
+            </a:pPr>
+            <a:r>
+              <a:t>3/ SELECT * FROM utilisateur WHERE email NOT LIKE '%_@_%._%';</a:t>
             </a:r>
           </a:p>
         </p:txBody>
@@ -5602,12 +5723,12 @@
       </p:par>
     </p:tnLst>
     <p:bldLst>
+      <p:bldP build="whole" bldLvl="1" animBg="1" rev="0" advAuto="0" spid="187" grpId="4"/>
+      <p:bldP build="whole" bldLvl="1" animBg="1" rev="0" advAuto="0" spid="184" grpId="5"/>
+      <p:bldP build="whole" bldLvl="1" animBg="1" rev="0" advAuto="0" spid="188" grpId="6"/>
+      <p:bldP build="whole" bldLvl="1" animBg="1" rev="0" advAuto="0" spid="182" grpId="3"/>
       <p:bldP build="whole" bldLvl="1" animBg="1" rev="0" advAuto="0" spid="186" grpId="2"/>
       <p:bldP build="whole" bldLvl="1" animBg="1" rev="0" advAuto="0" spid="180" grpId="1"/>
-      <p:bldP build="whole" bldLvl="1" animBg="1" rev="0" advAuto="0" spid="188" grpId="6"/>
-      <p:bldP build="whole" bldLvl="1" animBg="1" rev="0" advAuto="0" spid="187" grpId="4"/>
-      <p:bldP build="whole" bldLvl="1" animBg="1" rev="0" advAuto="0" spid="184" grpId="5"/>
-      <p:bldP build="whole" bldLvl="1" animBg="1" rev="0" advAuto="0" spid="182" grpId="3"/>
     </p:bldLst>
   </p:timing>
 </p:sld>
@@ -6281,12 +6402,12 @@
       </p:par>
     </p:tnLst>
     <p:bldLst>
-      <p:bldP build="whole" bldLvl="1" animBg="1" rev="0" advAuto="0" spid="194" grpId="5"/>
       <p:bldP build="whole" bldLvl="1" animBg="1" rev="0" advAuto="0" spid="196" grpId="6"/>
       <p:bldP build="whole" bldLvl="1" animBg="1" rev="0" advAuto="0" spid="195" grpId="2"/>
       <p:bldP build="whole" bldLvl="1" animBg="1" rev="0" advAuto="0" spid="193" grpId="3"/>
       <p:bldP build="whole" bldLvl="1" animBg="1" rev="0" advAuto="0" spid="192" grpId="1"/>
       <p:bldP build="whole" bldLvl="1" animBg="1" rev="0" advAuto="0" spid="194" grpId="4"/>
+      <p:bldP build="whole" bldLvl="1" animBg="1" rev="0" advAuto="0" spid="194" grpId="5"/>
     </p:bldLst>
   </p:timing>
 </p:sld>
@@ -7881,10 +8002,10 @@
       </p:par>
     </p:tnLst>
     <p:bldLst>
+      <p:bldP build="whole" bldLvl="1" animBg="1" rev="0" advAuto="0" spid="207" grpId="5"/>
       <p:bldP build="whole" bldLvl="1" animBg="1" rev="0" advAuto="0" spid="204" grpId="1"/>
       <p:bldP build="whole" bldLvl="1" animBg="1" rev="0" advAuto="0" spid="204" grpId="2"/>
       <p:bldP build="whole" bldLvl="1" animBg="1" rev="0" advAuto="0" spid="205" grpId="3"/>
-      <p:bldP build="whole" bldLvl="1" animBg="1" rev="0" advAuto="0" spid="207" grpId="5"/>
       <p:bldP build="whole" bldLvl="1" animBg="1" rev="0" advAuto="0" spid="206" grpId="4"/>
     </p:bldLst>
   </p:timing>
@@ -9830,12 +9951,12 @@
       </p:par>
     </p:tnLst>
     <p:bldLst>
-      <p:bldP build="whole" bldLvl="1" animBg="1" rev="0" advAuto="0" spid="225" grpId="5"/>
+      <p:bldP build="whole" bldLvl="1" animBg="1" rev="0" advAuto="0" spid="229" grpId="3"/>
       <p:bldP build="whole" bldLvl="1" animBg="1" rev="0" advAuto="0" spid="230" grpId="9"/>
-      <p:bldP build="whole" bldLvl="1" animBg="1" rev="0" advAuto="0" spid="229" grpId="3"/>
-      <p:bldP build="whole" bldLvl="1" animBg="1" rev="0" advAuto="0" spid="226" grpId="1"/>
       <p:bldP build="whole" bldLvl="1" animBg="1" rev="0" advAuto="0" spid="224" grpId="4"/>
       <p:bldP build="whole" bldLvl="1" animBg="1" rev="0" advAuto="0" spid="227" grpId="2"/>
+      <p:bldP build="whole" bldLvl="1" animBg="1" rev="0" advAuto="0" spid="226" grpId="1"/>
+      <p:bldP build="whole" bldLvl="1" animBg="1" rev="0" advAuto="0" spid="225" grpId="5"/>
     </p:bldLst>
   </p:timing>
 </p:sld>
@@ -12572,16 +12693,16 @@
       </p:par>
     </p:tnLst>
     <p:bldLst>
+      <p:bldP build="whole" bldLvl="1" animBg="1" rev="0" advAuto="0" spid="240" grpId="1"/>
+      <p:bldP build="whole" bldLvl="1" animBg="1" rev="0" advAuto="0" spid="242" grpId="2"/>
+      <p:bldP build="whole" bldLvl="1" animBg="1" rev="0" advAuto="0" spid="242" grpId="3"/>
       <p:bldP build="whole" bldLvl="1" animBg="1" rev="0" advAuto="0" spid="243" grpId="4"/>
-      <p:bldP build="whole" bldLvl="1" animBg="1" rev="0" advAuto="0" spid="245" grpId="7"/>
       <p:bldP build="whole" bldLvl="1" animBg="1" rev="0" advAuto="0" spid="246" grpId="8"/>
       <p:bldP build="whole" bldLvl="1" animBg="1" rev="0" advAuto="0" spid="246" grpId="9"/>
-      <p:bldP build="whole" bldLvl="1" animBg="1" rev="0" advAuto="0" spid="242" grpId="2"/>
-      <p:bldP build="whole" bldLvl="1" animBg="1" rev="0" advAuto="0" spid="242" grpId="3"/>
-      <p:bldP build="whole" bldLvl="1" animBg="1" rev="0" advAuto="0" spid="240" grpId="1"/>
       <p:bldP build="whole" bldLvl="1" animBg="1" rev="0" advAuto="0" spid="248" grpId="10"/>
+      <p:bldP build="whole" bldLvl="1" animBg="1" rev="0" advAuto="0" spid="245" grpId="6"/>
+      <p:bldP build="whole" bldLvl="1" animBg="1" rev="0" advAuto="0" spid="245" grpId="7"/>
       <p:bldP build="whole" bldLvl="1" animBg="1" rev="0" advAuto="0" spid="247" grpId="5"/>
-      <p:bldP build="whole" bldLvl="1" animBg="1" rev="0" advAuto="0" spid="245" grpId="6"/>
     </p:bldLst>
   </p:timing>
 </p:sld>
@@ -16031,13 +16152,13 @@
       </p:par>
     </p:tnLst>
     <p:bldLst>
-      <p:bldP build="whole" bldLvl="1" animBg="1" rev="0" advAuto="0" spid="263" grpId="5"/>
-      <p:bldP build="whole" bldLvl="1" animBg="1" rev="0" advAuto="0" spid="263" grpId="6"/>
-      <p:bldP build="whole" bldLvl="1" animBg="1" rev="0" advAuto="0" spid="259" grpId="2"/>
+      <p:bldP build="whole" bldLvl="1" animBg="1" rev="0" advAuto="0" spid="264" grpId="7"/>
       <p:bldP build="whole" bldLvl="1" animBg="1" rev="0" advAuto="0" spid="261" grpId="3"/>
-      <p:bldP build="whole" bldLvl="1" animBg="1" rev="0" advAuto="0" spid="264" grpId="7"/>
       <p:bldP build="whole" bldLvl="1" animBg="1" rev="0" advAuto="0" spid="266" grpId="1"/>
       <p:bldP build="whole" bldLvl="1" animBg="1" rev="0" advAuto="0" spid="265" grpId="4"/>
+      <p:bldP build="whole" bldLvl="1" animBg="1" rev="0" advAuto="0" spid="263" grpId="5"/>
+      <p:bldP build="whole" bldLvl="1" animBg="1" rev="0" advAuto="0" spid="259" grpId="2"/>
+      <p:bldP build="whole" bldLvl="1" animBg="1" rev="0" advAuto="0" spid="263" grpId="6"/>
     </p:bldLst>
   </p:timing>
 </p:sld>
@@ -16841,12 +16962,12 @@
       </p:par>
     </p:tnLst>
     <p:bldLst>
-      <p:bldP build="whole" bldLvl="1" animBg="1" rev="0" advAuto="0" spid="277" grpId="3"/>
+      <p:bldP build="whole" bldLvl="1" animBg="1" rev="0" advAuto="0" spid="275" grpId="5"/>
       <p:bldP build="whole" bldLvl="1" animBg="1" rev="0" advAuto="0" spid="276" grpId="6"/>
       <p:bldP build="whole" bldLvl="1" animBg="1" rev="0" advAuto="0" spid="271" grpId="1"/>
+      <p:bldP build="whole" bldLvl="1" animBg="1" rev="0" advAuto="0" spid="277" grpId="3"/>
+      <p:bldP build="whole" bldLvl="1" animBg="1" rev="0" advAuto="0" spid="273" grpId="2"/>
       <p:bldP build="whole" bldLvl="1" animBg="1" rev="0" advAuto="0" spid="275" grpId="4"/>
-      <p:bldP build="whole" bldLvl="1" animBg="1" rev="0" advAuto="0" spid="275" grpId="5"/>
-      <p:bldP build="whole" bldLvl="1" animBg="1" rev="0" advAuto="0" spid="273" grpId="2"/>
     </p:bldLst>
   </p:timing>
 </p:sld>
@@ -17769,13 +17890,13 @@
       </p:par>
     </p:tnLst>
     <p:bldLst>
-      <p:bldP build="whole" bldLvl="1" animBg="1" rev="0" advAuto="0" spid="287" grpId="6"/>
+      <p:bldP build="whole" bldLvl="1" animBg="1" rev="0" advAuto="0" spid="289" grpId="7"/>
       <p:bldP build="whole" bldLvl="1" animBg="1" rev="0" advAuto="0" spid="282" grpId="1"/>
       <p:bldP build="whole" bldLvl="1" animBg="1" rev="0" advAuto="0" spid="284" grpId="2"/>
+      <p:bldP build="whole" bldLvl="1" animBg="1" rev="0" advAuto="0" spid="288" grpId="3"/>
+      <p:bldP build="whole" bldLvl="1" animBg="1" rev="0" advAuto="0" spid="287" grpId="6"/>
       <p:bldP build="whole" bldLvl="1" animBg="1" rev="0" advAuto="0" spid="286" grpId="4"/>
       <p:bldP build="whole" bldLvl="1" animBg="1" rev="0" advAuto="0" spid="286" grpId="5"/>
-      <p:bldP build="whole" bldLvl="1" animBg="1" rev="0" advAuto="0" spid="288" grpId="3"/>
-      <p:bldP build="whole" bldLvl="1" animBg="1" rev="0" advAuto="0" spid="289" grpId="7"/>
     </p:bldLst>
   </p:timing>
 </p:sld>
@@ -18285,9 +18406,9 @@
       </p:par>
     </p:tnLst>
     <p:bldLst>
-      <p:bldP build="whole" bldLvl="1" animBg="1" rev="0" advAuto="0" spid="298" grpId="3"/>
       <p:bldP build="whole" bldLvl="1" animBg="1" rev="0" advAuto="0" spid="295" grpId="1"/>
       <p:bldP build="whole" bldLvl="1" animBg="1" rev="0" advAuto="0" spid="296" grpId="2"/>
+      <p:bldP build="whole" bldLvl="1" animBg="1" rev="0" advAuto="0" spid="298" grpId="3"/>
     </p:bldLst>
   </p:timing>
 </p:sld>
@@ -19487,9 +19608,9 @@
       </p:par>
     </p:tnLst>
     <p:bldLst>
-      <p:bldP build="whole" bldLvl="1" animBg="1" rev="0" advAuto="0" spid="313" grpId="3"/>
       <p:bldP build="whole" bldLvl="1" animBg="1" rev="0" advAuto="0" spid="311" grpId="2"/>
       <p:bldP build="whole" bldLvl="1" animBg="1" rev="0" advAuto="0" spid="310" grpId="1"/>
+      <p:bldP build="whole" bldLvl="1" animBg="1" rev="0" advAuto="0" spid="313" grpId="3"/>
     </p:bldLst>
   </p:timing>
 </p:sld>
@@ -21198,11 +21319,11 @@
       </p:par>
     </p:tnLst>
     <p:bldLst>
+      <p:bldP build="whole" bldLvl="1" animBg="1" rev="0" advAuto="0" spid="133" grpId="5"/>
       <p:bldP build="whole" bldLvl="1" animBg="1" rev="0" advAuto="0" spid="129" grpId="2"/>
       <p:bldP build="whole" bldLvl="1" animBg="1" rev="0" advAuto="0" spid="130" grpId="3"/>
+      <p:bldP build="whole" bldLvl="1" animBg="1" rev="0" advAuto="0" spid="128" grpId="1"/>
       <p:bldP build="whole" bldLvl="1" animBg="1" rev="0" advAuto="0" spid="131" grpId="4"/>
-      <p:bldP build="whole" bldLvl="1" animBg="1" rev="0" advAuto="0" spid="128" grpId="1"/>
-      <p:bldP build="whole" bldLvl="1" animBg="1" rev="0" advAuto="0" spid="133" grpId="5"/>
     </p:bldLst>
   </p:timing>
 </p:sld>
@@ -22856,11 +22977,11 @@
     </p:tnLst>
     <p:bldLst>
       <p:bldP build="whole" bldLvl="1" animBg="1" rev="0" advAuto="0" spid="137" grpId="1"/>
+      <p:bldP build="whole" bldLvl="1" animBg="1" rev="0" advAuto="0" spid="138" grpId="6"/>
+      <p:bldP build="whole" bldLvl="1" animBg="1" rev="0" advAuto="0" spid="137" grpId="3"/>
+      <p:bldP build="whole" bldLvl="1" animBg="1" rev="0" advAuto="0" spid="140" grpId="7"/>
       <p:bldP build="whole" bldLvl="1" animBg="1" rev="0" advAuto="0" spid="139" grpId="2"/>
-      <p:bldP build="whole" bldLvl="1" animBg="1" rev="0" advAuto="0" spid="137" grpId="3"/>
       <p:bldP build="whole" bldLvl="1" animBg="1" rev="0" advAuto="0" spid="139" grpId="4"/>
-      <p:bldP build="whole" bldLvl="1" animBg="1" rev="0" advAuto="0" spid="138" grpId="6"/>
-      <p:bldP build="whole" bldLvl="1" animBg="1" rev="0" advAuto="0" spid="140" grpId="7"/>
     </p:bldLst>
   </p:timing>
 </p:sld>
@@ -23999,8 +24120,8 @@
       </p:par>
     </p:tnLst>
     <p:bldLst>
+      <p:bldP build="whole" bldLvl="1" animBg="1" rev="0" advAuto="0" spid="145" grpId="1"/>
       <p:bldP build="whole" bldLvl="1" animBg="1" rev="0" advAuto="0" spid="147" grpId="5"/>
-      <p:bldP build="whole" bldLvl="1" animBg="1" rev="0" advAuto="0" spid="145" grpId="1"/>
       <p:bldP build="whole" bldLvl="1" animBg="1" rev="0" advAuto="0" spid="147" grpId="6"/>
       <p:bldP build="whole" bldLvl="1" animBg="1" rev="0" advAuto="0" spid="146" grpId="7"/>
     </p:bldLst>
@@ -25407,9 +25528,9 @@
       </p:par>
     </p:tnLst>
     <p:bldLst>
+      <p:bldP build="whole" bldLvl="1" animBg="1" rev="0" advAuto="0" spid="159" grpId="4"/>
       <p:bldP build="whole" bldLvl="1" animBg="1" rev="0" advAuto="0" spid="156" grpId="1"/>
       <p:bldP build="whole" bldLvl="1" animBg="1" rev="0" advAuto="0" spid="156" grpId="2"/>
-      <p:bldP build="whole" bldLvl="1" animBg="1" rev="0" advAuto="0" spid="159" grpId="4"/>
       <p:bldP build="whole" bldLvl="1" animBg="1" rev="0" advAuto="0" spid="158" grpId="3"/>
     </p:bldLst>
   </p:timing>
@@ -26164,12 +26285,12 @@
       </p:par>
     </p:tnLst>
     <p:bldLst>
+      <p:bldP build="whole" bldLvl="1" animBg="1" rev="0" advAuto="0" spid="170" grpId="7"/>
+      <p:bldP build="whole" bldLvl="1" animBg="1" rev="0" advAuto="0" spid="168" grpId="3"/>
+      <p:bldP build="whole" bldLvl="1" animBg="1" rev="0" advAuto="0" spid="165" grpId="2"/>
+      <p:bldP build="whole" bldLvl="1" animBg="1" rev="0" advAuto="0" spid="167" grpId="6"/>
       <p:bldP build="whole" bldLvl="1" animBg="1" rev="0" advAuto="0" spid="166" grpId="4"/>
       <p:bldP build="whole" bldLvl="1" animBg="1" rev="0" advAuto="0" spid="169" grpId="5"/>
-      <p:bldP build="whole" bldLvl="1" animBg="1" rev="0" advAuto="0" spid="170" grpId="7"/>
-      <p:bldP build="whole" bldLvl="1" animBg="1" rev="0" advAuto="0" spid="167" grpId="6"/>
-      <p:bldP build="whole" bldLvl="1" animBg="1" rev="0" advAuto="0" spid="165" grpId="2"/>
-      <p:bldP build="whole" bldLvl="1" animBg="1" rev="0" advAuto="0" spid="168" grpId="3"/>
     </p:bldLst>
   </p:timing>
 </p:sld>

--- a/Postgresql.pptx
+++ b/Postgresql.pptx
@@ -5724,11 +5724,11 @@
     </p:tnLst>
     <p:bldLst>
       <p:bldP build="whole" bldLvl="1" animBg="1" rev="0" advAuto="0" spid="187" grpId="4"/>
-      <p:bldP build="whole" bldLvl="1" animBg="1" rev="0" advAuto="0" spid="184" grpId="5"/>
-      <p:bldP build="whole" bldLvl="1" animBg="1" rev="0" advAuto="0" spid="188" grpId="6"/>
-      <p:bldP build="whole" bldLvl="1" animBg="1" rev="0" advAuto="0" spid="182" grpId="3"/>
       <p:bldP build="whole" bldLvl="1" animBg="1" rev="0" advAuto="0" spid="186" grpId="2"/>
       <p:bldP build="whole" bldLvl="1" animBg="1" rev="0" advAuto="0" spid="180" grpId="1"/>
+      <p:bldP build="whole" bldLvl="1" animBg="1" rev="0" advAuto="0" spid="188" grpId="6"/>
+      <p:bldP build="whole" bldLvl="1" animBg="1" rev="0" advAuto="0" spid="184" grpId="5"/>
+      <p:bldP build="whole" bldLvl="1" animBg="1" rev="0" advAuto="0" spid="182" grpId="3"/>
     </p:bldLst>
   </p:timing>
 </p:sld>
@@ -6402,12 +6402,12 @@
       </p:par>
     </p:tnLst>
     <p:bldLst>
+      <p:bldP build="whole" bldLvl="1" animBg="1" rev="0" advAuto="0" spid="192" grpId="1"/>
+      <p:bldP build="whole" bldLvl="1" animBg="1" rev="0" advAuto="0" spid="194" grpId="5"/>
+      <p:bldP build="whole" bldLvl="1" animBg="1" rev="0" advAuto="0" spid="193" grpId="3"/>
       <p:bldP build="whole" bldLvl="1" animBg="1" rev="0" advAuto="0" spid="196" grpId="6"/>
       <p:bldP build="whole" bldLvl="1" animBg="1" rev="0" advAuto="0" spid="195" grpId="2"/>
-      <p:bldP build="whole" bldLvl="1" animBg="1" rev="0" advAuto="0" spid="193" grpId="3"/>
-      <p:bldP build="whole" bldLvl="1" animBg="1" rev="0" advAuto="0" spid="192" grpId="1"/>
       <p:bldP build="whole" bldLvl="1" animBg="1" rev="0" advAuto="0" spid="194" grpId="4"/>
-      <p:bldP build="whole" bldLvl="1" animBg="1" rev="0" advAuto="0" spid="194" grpId="5"/>
     </p:bldLst>
   </p:timing>
 </p:sld>
@@ -8003,10 +8003,10 @@
     </p:tnLst>
     <p:bldLst>
       <p:bldP build="whole" bldLvl="1" animBg="1" rev="0" advAuto="0" spid="207" grpId="5"/>
+      <p:bldP build="whole" bldLvl="1" animBg="1" rev="0" advAuto="0" spid="206" grpId="4"/>
+      <p:bldP build="whole" bldLvl="1" animBg="1" rev="0" advAuto="0" spid="205" grpId="3"/>
+      <p:bldP build="whole" bldLvl="1" animBg="1" rev="0" advAuto="0" spid="204" grpId="2"/>
       <p:bldP build="whole" bldLvl="1" animBg="1" rev="0" advAuto="0" spid="204" grpId="1"/>
-      <p:bldP build="whole" bldLvl="1" animBg="1" rev="0" advAuto="0" spid="204" grpId="2"/>
-      <p:bldP build="whole" bldLvl="1" animBg="1" rev="0" advAuto="0" spid="205" grpId="3"/>
-      <p:bldP build="whole" bldLvl="1" animBg="1" rev="0" advAuto="0" spid="206" grpId="4"/>
     </p:bldLst>
   </p:timing>
 </p:sld>
@@ -8953,8 +8953,8 @@
       </p:par>
     </p:tnLst>
     <p:bldLst>
+      <p:bldP build="whole" bldLvl="1" animBg="1" rev="0" advAuto="0" spid="215" grpId="3"/>
       <p:bldP build="whole" bldLvl="1" animBg="1" rev="0" advAuto="0" spid="213" grpId="1"/>
-      <p:bldP build="whole" bldLvl="1" animBg="1" rev="0" advAuto="0" spid="215" grpId="3"/>
       <p:bldP build="whole" bldLvl="1" animBg="1" rev="0" advAuto="0" spid="214" grpId="2"/>
     </p:bldLst>
   </p:timing>
@@ -9951,12 +9951,12 @@
       </p:par>
     </p:tnLst>
     <p:bldLst>
+      <p:bldP build="whole" bldLvl="1" animBg="1" rev="0" advAuto="0" spid="225" grpId="5"/>
       <p:bldP build="whole" bldLvl="1" animBg="1" rev="0" advAuto="0" spid="229" grpId="3"/>
+      <p:bldP build="whole" bldLvl="1" animBg="1" rev="0" advAuto="0" spid="226" grpId="1"/>
+      <p:bldP build="whole" bldLvl="1" animBg="1" rev="0" advAuto="0" spid="227" grpId="2"/>
+      <p:bldP build="whole" bldLvl="1" animBg="1" rev="0" advAuto="0" spid="224" grpId="4"/>
       <p:bldP build="whole" bldLvl="1" animBg="1" rev="0" advAuto="0" spid="230" grpId="9"/>
-      <p:bldP build="whole" bldLvl="1" animBg="1" rev="0" advAuto="0" spid="224" grpId="4"/>
-      <p:bldP build="whole" bldLvl="1" animBg="1" rev="0" advAuto="0" spid="227" grpId="2"/>
-      <p:bldP build="whole" bldLvl="1" animBg="1" rev="0" advAuto="0" spid="226" grpId="1"/>
-      <p:bldP build="whole" bldLvl="1" animBg="1" rev="0" advAuto="0" spid="225" grpId="5"/>
     </p:bldLst>
   </p:timing>
 </p:sld>
@@ -12693,16 +12693,16 @@
       </p:par>
     </p:tnLst>
     <p:bldLst>
+      <p:bldP build="whole" bldLvl="1" animBg="1" rev="0" advAuto="0" spid="247" grpId="5"/>
       <p:bldP build="whole" bldLvl="1" animBg="1" rev="0" advAuto="0" spid="240" grpId="1"/>
+      <p:bldP build="whole" bldLvl="1" animBg="1" rev="0" advAuto="0" spid="245" grpId="6"/>
       <p:bldP build="whole" bldLvl="1" animBg="1" rev="0" advAuto="0" spid="242" grpId="2"/>
       <p:bldP build="whole" bldLvl="1" animBg="1" rev="0" advAuto="0" spid="242" grpId="3"/>
-      <p:bldP build="whole" bldLvl="1" animBg="1" rev="0" advAuto="0" spid="243" grpId="4"/>
+      <p:bldP build="whole" bldLvl="1" animBg="1" rev="0" advAuto="0" spid="245" grpId="7"/>
       <p:bldP build="whole" bldLvl="1" animBg="1" rev="0" advAuto="0" spid="246" grpId="8"/>
       <p:bldP build="whole" bldLvl="1" animBg="1" rev="0" advAuto="0" spid="246" grpId="9"/>
       <p:bldP build="whole" bldLvl="1" animBg="1" rev="0" advAuto="0" spid="248" grpId="10"/>
-      <p:bldP build="whole" bldLvl="1" animBg="1" rev="0" advAuto="0" spid="245" grpId="6"/>
-      <p:bldP build="whole" bldLvl="1" animBg="1" rev="0" advAuto="0" spid="245" grpId="7"/>
-      <p:bldP build="whole" bldLvl="1" animBg="1" rev="0" advAuto="0" spid="247" grpId="5"/>
+      <p:bldP build="whole" bldLvl="1" animBg="1" rev="0" advAuto="0" spid="243" grpId="4"/>
     </p:bldLst>
   </p:timing>
 </p:sld>
@@ -16152,13 +16152,13 @@
       </p:par>
     </p:tnLst>
     <p:bldLst>
+      <p:bldP build="whole" bldLvl="1" animBg="1" rev="0" advAuto="0" spid="259" grpId="2"/>
+      <p:bldP build="whole" bldLvl="1" animBg="1" rev="0" advAuto="0" spid="263" grpId="5"/>
+      <p:bldP build="whole" bldLvl="1" animBg="1" rev="0" advAuto="0" spid="263" grpId="6"/>
       <p:bldP build="whole" bldLvl="1" animBg="1" rev="0" advAuto="0" spid="264" grpId="7"/>
+      <p:bldP build="whole" bldLvl="1" animBg="1" rev="0" advAuto="0" spid="265" grpId="4"/>
       <p:bldP build="whole" bldLvl="1" animBg="1" rev="0" advAuto="0" spid="261" grpId="3"/>
       <p:bldP build="whole" bldLvl="1" animBg="1" rev="0" advAuto="0" spid="266" grpId="1"/>
-      <p:bldP build="whole" bldLvl="1" animBg="1" rev="0" advAuto="0" spid="265" grpId="4"/>
-      <p:bldP build="whole" bldLvl="1" animBg="1" rev="0" advAuto="0" spid="263" grpId="5"/>
-      <p:bldP build="whole" bldLvl="1" animBg="1" rev="0" advAuto="0" spid="259" grpId="2"/>
-      <p:bldP build="whole" bldLvl="1" animBg="1" rev="0" advAuto="0" spid="263" grpId="6"/>
     </p:bldLst>
   </p:timing>
 </p:sld>
@@ -16962,12 +16962,12 @@
       </p:par>
     </p:tnLst>
     <p:bldLst>
+      <p:bldP build="whole" bldLvl="1" animBg="1" rev="0" advAuto="0" spid="273" grpId="2"/>
+      <p:bldP build="whole" bldLvl="1" animBg="1" rev="0" advAuto="0" spid="271" grpId="1"/>
+      <p:bldP build="whole" bldLvl="1" animBg="1" rev="0" advAuto="0" spid="276" grpId="6"/>
+      <p:bldP build="whole" bldLvl="1" animBg="1" rev="0" advAuto="0" spid="277" grpId="3"/>
+      <p:bldP build="whole" bldLvl="1" animBg="1" rev="0" advAuto="0" spid="275" grpId="4"/>
       <p:bldP build="whole" bldLvl="1" animBg="1" rev="0" advAuto="0" spid="275" grpId="5"/>
-      <p:bldP build="whole" bldLvl="1" animBg="1" rev="0" advAuto="0" spid="276" grpId="6"/>
-      <p:bldP build="whole" bldLvl="1" animBg="1" rev="0" advAuto="0" spid="271" grpId="1"/>
-      <p:bldP build="whole" bldLvl="1" animBg="1" rev="0" advAuto="0" spid="277" grpId="3"/>
-      <p:bldP build="whole" bldLvl="1" animBg="1" rev="0" advAuto="0" spid="273" grpId="2"/>
-      <p:bldP build="whole" bldLvl="1" animBg="1" rev="0" advAuto="0" spid="275" grpId="4"/>
     </p:bldLst>
   </p:timing>
 </p:sld>
@@ -17890,13 +17890,13 @@
       </p:par>
     </p:tnLst>
     <p:bldLst>
-      <p:bldP build="whole" bldLvl="1" animBg="1" rev="0" advAuto="0" spid="289" grpId="7"/>
-      <p:bldP build="whole" bldLvl="1" animBg="1" rev="0" advAuto="0" spid="282" grpId="1"/>
+      <p:bldP build="whole" bldLvl="1" animBg="1" rev="0" advAuto="0" spid="288" grpId="3"/>
       <p:bldP build="whole" bldLvl="1" animBg="1" rev="0" advAuto="0" spid="284" grpId="2"/>
-      <p:bldP build="whole" bldLvl="1" animBg="1" rev="0" advAuto="0" spid="288" grpId="3"/>
-      <p:bldP build="whole" bldLvl="1" animBg="1" rev="0" advAuto="0" spid="287" grpId="6"/>
       <p:bldP build="whole" bldLvl="1" animBg="1" rev="0" advAuto="0" spid="286" grpId="4"/>
       <p:bldP build="whole" bldLvl="1" animBg="1" rev="0" advAuto="0" spid="286" grpId="5"/>
+      <p:bldP build="whole" bldLvl="1" animBg="1" rev="0" advAuto="0" spid="289" grpId="7"/>
+      <p:bldP build="whole" bldLvl="1" animBg="1" rev="0" advAuto="0" spid="287" grpId="6"/>
+      <p:bldP build="whole" bldLvl="1" animBg="1" rev="0" advAuto="0" spid="282" grpId="1"/>
     </p:bldLst>
   </p:timing>
 </p:sld>
@@ -18406,9 +18406,9 @@
       </p:par>
     </p:tnLst>
     <p:bldLst>
+      <p:bldP build="whole" bldLvl="1" animBg="1" rev="0" advAuto="0" spid="298" grpId="3"/>
+      <p:bldP build="whole" bldLvl="1" animBg="1" rev="0" advAuto="0" spid="296" grpId="2"/>
       <p:bldP build="whole" bldLvl="1" animBg="1" rev="0" advAuto="0" spid="295" grpId="1"/>
-      <p:bldP build="whole" bldLvl="1" animBg="1" rev="0" advAuto="0" spid="296" grpId="2"/>
-      <p:bldP build="whole" bldLvl="1" animBg="1" rev="0" advAuto="0" spid="298" grpId="3"/>
     </p:bldLst>
   </p:timing>
 </p:sld>
@@ -19608,9 +19608,9 @@
       </p:par>
     </p:tnLst>
     <p:bldLst>
+      <p:bldP build="whole" bldLvl="1" animBg="1" rev="0" advAuto="0" spid="313" grpId="3"/>
       <p:bldP build="whole" bldLvl="1" animBg="1" rev="0" advAuto="0" spid="311" grpId="2"/>
       <p:bldP build="whole" bldLvl="1" animBg="1" rev="0" advAuto="0" spid="310" grpId="1"/>
-      <p:bldP build="whole" bldLvl="1" animBg="1" rev="0" advAuto="0" spid="313" grpId="3"/>
     </p:bldLst>
   </p:timing>
 </p:sld>
@@ -21319,11 +21319,11 @@
       </p:par>
     </p:tnLst>
     <p:bldLst>
-      <p:bldP build="whole" bldLvl="1" animBg="1" rev="0" advAuto="0" spid="133" grpId="5"/>
-      <p:bldP build="whole" bldLvl="1" animBg="1" rev="0" advAuto="0" spid="129" grpId="2"/>
       <p:bldP build="whole" bldLvl="1" animBg="1" rev="0" advAuto="0" spid="130" grpId="3"/>
       <p:bldP build="whole" bldLvl="1" animBg="1" rev="0" advAuto="0" spid="128" grpId="1"/>
+      <p:bldP build="whole" bldLvl="1" animBg="1" rev="0" advAuto="0" spid="133" grpId="5"/>
       <p:bldP build="whole" bldLvl="1" animBg="1" rev="0" advAuto="0" spid="131" grpId="4"/>
+      <p:bldP build="whole" bldLvl="1" animBg="1" rev="0" advAuto="0" spid="129" grpId="2"/>
     </p:bldLst>
   </p:timing>
 </p:sld>
@@ -22976,12 +22976,12 @@
       </p:par>
     </p:tnLst>
     <p:bldLst>
-      <p:bldP build="whole" bldLvl="1" animBg="1" rev="0" advAuto="0" spid="137" grpId="1"/>
-      <p:bldP build="whole" bldLvl="1" animBg="1" rev="0" advAuto="0" spid="138" grpId="6"/>
-      <p:bldP build="whole" bldLvl="1" animBg="1" rev="0" advAuto="0" spid="137" grpId="3"/>
       <p:bldP build="whole" bldLvl="1" animBg="1" rev="0" advAuto="0" spid="140" grpId="7"/>
       <p:bldP build="whole" bldLvl="1" animBg="1" rev="0" advAuto="0" spid="139" grpId="2"/>
+      <p:bldP build="whole" bldLvl="1" animBg="1" rev="0" advAuto="0" spid="137" grpId="1"/>
+      <p:bldP build="whole" bldLvl="1" animBg="1" rev="0" advAuto="0" spid="137" grpId="3"/>
       <p:bldP build="whole" bldLvl="1" animBg="1" rev="0" advAuto="0" spid="139" grpId="4"/>
+      <p:bldP build="whole" bldLvl="1" animBg="1" rev="0" advAuto="0" spid="138" grpId="6"/>
     </p:bldLst>
   </p:timing>
 </p:sld>
@@ -24120,10 +24120,10 @@
       </p:par>
     </p:tnLst>
     <p:bldLst>
+      <p:bldP build="whole" bldLvl="1" animBg="1" rev="0" advAuto="0" spid="146" grpId="7"/>
       <p:bldP build="whole" bldLvl="1" animBg="1" rev="0" advAuto="0" spid="145" grpId="1"/>
       <p:bldP build="whole" bldLvl="1" animBg="1" rev="0" advAuto="0" spid="147" grpId="5"/>
       <p:bldP build="whole" bldLvl="1" animBg="1" rev="0" advAuto="0" spid="147" grpId="6"/>
-      <p:bldP build="whole" bldLvl="1" animBg="1" rev="0" advAuto="0" spid="146" grpId="7"/>
     </p:bldLst>
   </p:timing>
 </p:sld>
@@ -25528,10 +25528,10 @@
       </p:par>
     </p:tnLst>
     <p:bldLst>
-      <p:bldP build="whole" bldLvl="1" animBg="1" rev="0" advAuto="0" spid="159" grpId="4"/>
       <p:bldP build="whole" bldLvl="1" animBg="1" rev="0" advAuto="0" spid="156" grpId="1"/>
       <p:bldP build="whole" bldLvl="1" animBg="1" rev="0" advAuto="0" spid="156" grpId="2"/>
       <p:bldP build="whole" bldLvl="1" animBg="1" rev="0" advAuto="0" spid="158" grpId="3"/>
+      <p:bldP build="whole" bldLvl="1" animBg="1" rev="0" advAuto="0" spid="159" grpId="4"/>
     </p:bldLst>
   </p:timing>
 </p:sld>
@@ -26285,12 +26285,12 @@
       </p:par>
     </p:tnLst>
     <p:bldLst>
+      <p:bldP build="whole" bldLvl="1" animBg="1" rev="0" advAuto="0" spid="166" grpId="4"/>
+      <p:bldP build="whole" bldLvl="1" animBg="1" rev="0" advAuto="0" spid="167" grpId="6"/>
+      <p:bldP build="whole" bldLvl="1" animBg="1" rev="0" advAuto="0" spid="168" grpId="3"/>
+      <p:bldP build="whole" bldLvl="1" animBg="1" rev="0" advAuto="0" spid="169" grpId="5"/>
+      <p:bldP build="whole" bldLvl="1" animBg="1" rev="0" advAuto="0" spid="165" grpId="2"/>
       <p:bldP build="whole" bldLvl="1" animBg="1" rev="0" advAuto="0" spid="170" grpId="7"/>
-      <p:bldP build="whole" bldLvl="1" animBg="1" rev="0" advAuto="0" spid="168" grpId="3"/>
-      <p:bldP build="whole" bldLvl="1" animBg="1" rev="0" advAuto="0" spid="165" grpId="2"/>
-      <p:bldP build="whole" bldLvl="1" animBg="1" rev="0" advAuto="0" spid="167" grpId="6"/>
-      <p:bldP build="whole" bldLvl="1" animBg="1" rev="0" advAuto="0" spid="166" grpId="4"/>
-      <p:bldP build="whole" bldLvl="1" animBg="1" rev="0" advAuto="0" spid="169" grpId="5"/>
     </p:bldLst>
   </p:timing>
 </p:sld>

--- a/Postgresql.pptx
+++ b/Postgresql.pptx
@@ -57,6 +57,10 @@
     <p:sldId id="302" r:id="rId54"/>
     <p:sldId id="303" r:id="rId55"/>
     <p:sldId id="304" r:id="rId56"/>
+    <p:sldId id="305" r:id="rId57"/>
+    <p:sldId id="306" r:id="rId58"/>
+    <p:sldId id="307" r:id="rId59"/>
+    <p:sldId id="308" r:id="rId60"/>
   </p:sldIdLst>
   <p:sldSz cx="13004800" cy="9753600"/>
   <p:notesSz cx="6858000" cy="9144000"/>
@@ -2006,6 +2010,520 @@
             <a:pPr/>
             <a:r>
               <a:t>CREATE TABLE tcontenucommande(id SERIAL PRIMARY KEY, id_commande int REFERENCES commande(id), id_produit int REFERENCES produit(id), qte int DEFAULT 0);</a:t>
+            </a:r>
+          </a:p>
+        </p:txBody>
+      </p:sp>
+    </p:spTree>
+  </p:cSld>
+  <p:clrMapOvr>
+    <a:masterClrMapping/>
+  </p:clrMapOvr>
+</p:notes>
+</file>
+
+<file path=ppt/notesSlides/notesSlide23.xml><?xml version="1.0" encoding="utf-8"?>
+<p:notes xmlns:a="http://schemas.openxmlformats.org/drawingml/2006/main" xmlns:r="http://schemas.openxmlformats.org/officeDocument/2006/relationships" xmlns:p="http://schemas.openxmlformats.org/presentationml/2006/main" xmlns:m="http://schemas.openxmlformats.org/officeDocument/2006/math" xmlns:a14="http://schemas.microsoft.com/office/drawing/2010/main" showMasterSp="1" showMasterPhAnim="1">
+  <p:cSld>
+    <p:spTree>
+      <p:nvGrpSpPr>
+        <p:cNvPr id="1" name=""/>
+        <p:cNvGrpSpPr/>
+        <p:nvPr/>
+      </p:nvGrpSpPr>
+      <p:grpSpPr>
+        <a:xfrm>
+          <a:off x="0" y="0"/>
+          <a:ext cx="0" cy="0"/>
+          <a:chOff x="0" y="0"/>
+          <a:chExt cx="0" cy="0"/>
+        </a:xfrm>
+      </p:grpSpPr>
+      <p:sp>
+        <p:nvSpPr>
+          <p:cNvPr id="469" name="Shape 469"/>
+          <p:cNvSpPr/>
+          <p:nvPr>
+            <p:ph type="sldImg"/>
+          </p:nvPr>
+        </p:nvSpPr>
+        <p:spPr>
+          <a:prstGeom prst="rect">
+            <a:avLst/>
+          </a:prstGeom>
+        </p:spPr>
+        <p:txBody>
+          <a:bodyPr/>
+          <a:lstStyle/>
+          <a:p>
+            <a:pPr/>
+          </a:p>
+        </p:txBody>
+      </p:sp>
+      <p:sp>
+        <p:nvSpPr>
+          <p:cNvPr id="470" name="Shape 470"/>
+          <p:cNvSpPr/>
+          <p:nvPr>
+            <p:ph type="body" sz="quarter" idx="1"/>
+          </p:nvPr>
+        </p:nvSpPr>
+        <p:spPr>
+          <a:prstGeom prst="rect">
+            <a:avLst/>
+          </a:prstGeom>
+        </p:spPr>
+        <p:txBody>
+          <a:bodyPr/>
+          <a:lstStyle/>
+          <a:p>
+            <a:pPr defTabSz="584200">
+              <a:lnSpc>
+                <a:spcPct val="100000"/>
+              </a:lnSpc>
+              <a:defRPr sz="1900">
+                <a:solidFill>
+                  <a:srgbClr val="5A5F5E"/>
+                </a:solidFill>
+                <a:latin typeface="Monaco"/>
+                <a:ea typeface="Monaco"/>
+                <a:cs typeface="Monaco"/>
+                <a:sym typeface="Monaco"/>
+              </a:defRPr>
+            </a:pPr>
+          </a:p>
+          <a:p>
+            <a:pPr defTabSz="584200">
+              <a:lnSpc>
+                <a:spcPct val="100000"/>
+              </a:lnSpc>
+              <a:defRPr sz="1900">
+                <a:solidFill>
+                  <a:srgbClr val="5A5F5E"/>
+                </a:solidFill>
+                <a:latin typeface="Monaco"/>
+                <a:ea typeface="Monaco"/>
+                <a:cs typeface="Monaco"/>
+                <a:sym typeface="Monaco"/>
+              </a:defRPr>
+            </a:pPr>
+          </a:p>
+          <a:p>
+            <a:pPr defTabSz="584200">
+              <a:lnSpc>
+                <a:spcPct val="100000"/>
+              </a:lnSpc>
+              <a:defRPr sz="1900">
+                <a:solidFill>
+                  <a:srgbClr val="5A5F5E"/>
+                </a:solidFill>
+                <a:latin typeface="Monaco"/>
+                <a:ea typeface="Monaco"/>
+                <a:cs typeface="Monaco"/>
+                <a:sym typeface="Monaco"/>
+              </a:defRPr>
+            </a:pPr>
+          </a:p>
+          <a:p>
+            <a:pPr defTabSz="584200">
+              <a:lnSpc>
+                <a:spcPct val="100000"/>
+              </a:lnSpc>
+              <a:defRPr sz="1900">
+                <a:solidFill>
+                  <a:srgbClr val="5A5F5E"/>
+                </a:solidFill>
+                <a:latin typeface="Monaco"/>
+                <a:ea typeface="Monaco"/>
+                <a:cs typeface="Monaco"/>
+                <a:sym typeface="Monaco"/>
+              </a:defRPr>
+            </a:pPr>
+            <a:r>
+              <a:t>1/ SELECT * FROM utilisateur u INNER JOIN commande c ON u.id = c.id_utilisateur;</a:t>
+            </a:r>
+          </a:p>
+          <a:p>
+            <a:pPr defTabSz="584200">
+              <a:lnSpc>
+                <a:spcPct val="100000"/>
+              </a:lnSpc>
+              <a:defRPr sz="1900">
+                <a:solidFill>
+                  <a:srgbClr val="5A5F5E"/>
+                </a:solidFill>
+                <a:latin typeface="Monaco"/>
+                <a:ea typeface="Monaco"/>
+                <a:cs typeface="Monaco"/>
+                <a:sym typeface="Monaco"/>
+              </a:defRPr>
+            </a:pPr>
+            <a:r>
+              <a:t>2/ SELECT distinct on (nom, prenom) nom, prenom, email, inscription FROM utilisateur u INNER JOIN commande c ON u.id = c.id_utilisateur;</a:t>
+            </a:r>
+          </a:p>
+          <a:p>
+            <a:pPr defTabSz="584200">
+              <a:lnSpc>
+                <a:spcPct val="100000"/>
+              </a:lnSpc>
+              <a:defRPr sz="1900">
+                <a:solidFill>
+                  <a:srgbClr val="5A5F5E"/>
+                </a:solidFill>
+                <a:latin typeface="Monaco"/>
+                <a:ea typeface="Monaco"/>
+                <a:cs typeface="Monaco"/>
+                <a:sym typeface="Monaco"/>
+              </a:defRPr>
+            </a:pPr>
+            <a:r>
+              <a:t>3/ SELECT count(distinct u.id) FROM utilisateur u INNER JOIN commande c ON u.id = c.id_utilisateur;</a:t>
+            </a:r>
+          </a:p>
+          <a:p>
+            <a:pPr defTabSz="584200">
+              <a:lnSpc>
+                <a:spcPct val="100000"/>
+              </a:lnSpc>
+              <a:defRPr sz="1900">
+                <a:solidFill>
+                  <a:srgbClr val="5A5F5E"/>
+                </a:solidFill>
+                <a:latin typeface="Monaco"/>
+                <a:ea typeface="Monaco"/>
+                <a:cs typeface="Monaco"/>
+                <a:sym typeface="Monaco"/>
+              </a:defRPr>
+            </a:pPr>
+            <a:r>
+              <a:t>4/ SELECT nom, prenom, count(nom) as nb FROM utilisateur u INNER JOIN commande c ON u.id = c.id_utilisateur GROUP BY nom, prenom;</a:t>
+            </a:r>
+          </a:p>
+          <a:p>
+            <a:pPr defTabSz="584200">
+              <a:lnSpc>
+                <a:spcPct val="100000"/>
+              </a:lnSpc>
+              <a:defRPr sz="1900">
+                <a:solidFill>
+                  <a:srgbClr val="5A5F5E"/>
+                </a:solidFill>
+                <a:latin typeface="Monaco"/>
+                <a:ea typeface="Monaco"/>
+                <a:cs typeface="Monaco"/>
+                <a:sym typeface="Monaco"/>
+              </a:defRPr>
+            </a:pPr>
+            <a:r>
+              <a:t>5/ SELECT nom, prenom FROM utilisateur u LEFT JOIN commande c ON u.id = c.id_utilisateur WHERE c.id IS NULL;</a:t>
+            </a:r>
+          </a:p>
+          <a:p>
+            <a:pPr defTabSz="584200">
+              <a:lnSpc>
+                <a:spcPct val="100000"/>
+              </a:lnSpc>
+              <a:defRPr sz="1900">
+                <a:solidFill>
+                  <a:srgbClr val="5A5F5E"/>
+                </a:solidFill>
+                <a:latin typeface="Monaco"/>
+                <a:ea typeface="Monaco"/>
+                <a:cs typeface="Monaco"/>
+                <a:sym typeface="Monaco"/>
+              </a:defRPr>
+            </a:pPr>
+            <a:r>
+              <a:t>6/ SELECT * FROM utilisateur u INNER JOIN commande c ON u.id = c.id_utilisateur WHERE c.date = current_date;</a:t>
+            </a:r>
+          </a:p>
+          <a:p>
+            <a:pPr defTabSz="584200">
+              <a:lnSpc>
+                <a:spcPct val="100000"/>
+              </a:lnSpc>
+              <a:defRPr sz="1900">
+                <a:solidFill>
+                  <a:srgbClr val="5A5F5E"/>
+                </a:solidFill>
+                <a:latin typeface="Monaco"/>
+                <a:ea typeface="Monaco"/>
+                <a:cs typeface="Monaco"/>
+                <a:sym typeface="Monaco"/>
+              </a:defRPr>
+            </a:pPr>
+            <a:r>
+              <a:t>7/ SELECT p.nom FROM produit p LEFT JOIN contenucommande cc ON cc.id_produit = p.id WHERE cc.id IS NULL;</a:t>
+            </a:r>
+          </a:p>
+          <a:p>
+            <a:pPr defTabSz="584200">
+              <a:lnSpc>
+                <a:spcPct val="100000"/>
+              </a:lnSpc>
+              <a:defRPr sz="1900">
+                <a:solidFill>
+                  <a:srgbClr val="5A5F5E"/>
+                </a:solidFill>
+                <a:latin typeface="Monaco"/>
+                <a:ea typeface="Monaco"/>
+                <a:cs typeface="Monaco"/>
+                <a:sym typeface="Monaco"/>
+              </a:defRPr>
+            </a:pPr>
+            <a:r>
+              <a:t>8/ SELECT u.nom, u.prenom, p.nom, cc.qte FROM produit p INNER JOIN contenucommande cc ON p.id = cc.id_produit INNER JOIN commande c ON cc.id_commande = c.id INNER JOIN utilisateur u ON u.id = c.id_utilisateur WHERE u.nom = 'Bezos';</a:t>
+            </a:r>
+          </a:p>
+          <a:p>
+            <a:pPr defTabSz="584200">
+              <a:lnSpc>
+                <a:spcPct val="100000"/>
+              </a:lnSpc>
+              <a:defRPr sz="1900">
+                <a:solidFill>
+                  <a:srgbClr val="5A5F5E"/>
+                </a:solidFill>
+                <a:latin typeface="Monaco"/>
+                <a:ea typeface="Monaco"/>
+                <a:cs typeface="Monaco"/>
+                <a:sym typeface="Monaco"/>
+              </a:defRPr>
+            </a:pPr>
+            <a:r>
+              <a:t>9/ SELECT u.nom, u.prenom, p.nom, cc.qte FROM produit p INNER JOIN contenucommande cc ON p.id = cc.id_produit INNER JOIN commande c ON cc.id_commande = c.id INNER JOIN utilisateur u ON u.id = c.id_utilisateur WHERE c.id = (SELECT c.id FROM commande c INNER JOIN utilisateur u ON u.id = c.id_utilisateur WHERE u.nom = 'Torvalds' ORDER BY c.date asc LIMIT 1);</a:t>
+            </a:r>
+          </a:p>
+        </p:txBody>
+      </p:sp>
+    </p:spTree>
+  </p:cSld>
+  <p:clrMapOvr>
+    <a:masterClrMapping/>
+  </p:clrMapOvr>
+</p:notes>
+</file>
+
+<file path=ppt/notesSlides/notesSlide24.xml><?xml version="1.0" encoding="utf-8"?>
+<p:notes xmlns:a="http://schemas.openxmlformats.org/drawingml/2006/main" xmlns:r="http://schemas.openxmlformats.org/officeDocument/2006/relationships" xmlns:p="http://schemas.openxmlformats.org/presentationml/2006/main" xmlns:m="http://schemas.openxmlformats.org/officeDocument/2006/math" xmlns:a14="http://schemas.microsoft.com/office/drawing/2010/main" showMasterSp="1" showMasterPhAnim="1">
+  <p:cSld>
+    <p:spTree>
+      <p:nvGrpSpPr>
+        <p:cNvPr id="1" name=""/>
+        <p:cNvGrpSpPr/>
+        <p:nvPr/>
+      </p:nvGrpSpPr>
+      <p:grpSpPr>
+        <a:xfrm>
+          <a:off x="0" y="0"/>
+          <a:ext cx="0" cy="0"/>
+          <a:chOff x="0" y="0"/>
+          <a:chExt cx="0" cy="0"/>
+        </a:xfrm>
+      </p:grpSpPr>
+      <p:sp>
+        <p:nvSpPr>
+          <p:cNvPr id="478" name="Shape 478"/>
+          <p:cNvSpPr/>
+          <p:nvPr>
+            <p:ph type="sldImg"/>
+          </p:nvPr>
+        </p:nvSpPr>
+        <p:spPr>
+          <a:prstGeom prst="rect">
+            <a:avLst/>
+          </a:prstGeom>
+        </p:spPr>
+        <p:txBody>
+          <a:bodyPr/>
+          <a:lstStyle/>
+          <a:p>
+            <a:pPr/>
+          </a:p>
+        </p:txBody>
+      </p:sp>
+      <p:sp>
+        <p:nvSpPr>
+          <p:cNvPr id="479" name="Shape 479"/>
+          <p:cNvSpPr/>
+          <p:nvPr>
+            <p:ph type="body" sz="quarter" idx="1"/>
+          </p:nvPr>
+        </p:nvSpPr>
+        <p:spPr>
+          <a:prstGeom prst="rect">
+            <a:avLst/>
+          </a:prstGeom>
+        </p:spPr>
+        <p:txBody>
+          <a:bodyPr/>
+          <a:lstStyle/>
+          <a:p>
+            <a:pPr/>
+            <a:r>
+              <a:t>Avec opt2, pas obligé de mettre dans GROUP BY les colonnes calculés</a:t>
+            </a:r>
+          </a:p>
+        </p:txBody>
+      </p:sp>
+    </p:spTree>
+  </p:cSld>
+  <p:clrMapOvr>
+    <a:masterClrMapping/>
+  </p:clrMapOvr>
+</p:notes>
+</file>
+
+<file path=ppt/notesSlides/notesSlide25.xml><?xml version="1.0" encoding="utf-8"?>
+<p:notes xmlns:a="http://schemas.openxmlformats.org/drawingml/2006/main" xmlns:r="http://schemas.openxmlformats.org/officeDocument/2006/relationships" xmlns:p="http://schemas.openxmlformats.org/presentationml/2006/main" xmlns:m="http://schemas.openxmlformats.org/officeDocument/2006/math" xmlns:a14="http://schemas.microsoft.com/office/drawing/2010/main" showMasterSp="1" showMasterPhAnim="1">
+  <p:cSld>
+    <p:spTree>
+      <p:nvGrpSpPr>
+        <p:cNvPr id="1" name=""/>
+        <p:cNvGrpSpPr/>
+        <p:nvPr/>
+      </p:nvGrpSpPr>
+      <p:grpSpPr>
+        <a:xfrm>
+          <a:off x="0" y="0"/>
+          <a:ext cx="0" cy="0"/>
+          <a:chOff x="0" y="0"/>
+          <a:chExt cx="0" cy="0"/>
+        </a:xfrm>
+      </p:grpSpPr>
+      <p:sp>
+        <p:nvSpPr>
+          <p:cNvPr id="486" name="Shape 486"/>
+          <p:cNvSpPr/>
+          <p:nvPr>
+            <p:ph type="sldImg"/>
+          </p:nvPr>
+        </p:nvSpPr>
+        <p:spPr>
+          <a:prstGeom prst="rect">
+            <a:avLst/>
+          </a:prstGeom>
+        </p:spPr>
+        <p:txBody>
+          <a:bodyPr/>
+          <a:lstStyle/>
+          <a:p>
+            <a:pPr/>
+          </a:p>
+        </p:txBody>
+      </p:sp>
+      <p:sp>
+        <p:nvSpPr>
+          <p:cNvPr id="487" name="Shape 487"/>
+          <p:cNvSpPr/>
+          <p:nvPr>
+            <p:ph type="body" sz="quarter" idx="1"/>
+          </p:nvPr>
+        </p:nvSpPr>
+        <p:spPr>
+          <a:prstGeom prst="rect">
+            <a:avLst/>
+          </a:prstGeom>
+        </p:spPr>
+        <p:txBody>
+          <a:bodyPr/>
+          <a:lstStyle/>
+          <a:p>
+            <a:pPr/>
+            <a:r>
+              <a:t>https://www.postgresql.org/docs/9.5/functions-aggregate.html</a:t>
+            </a:r>
+          </a:p>
+        </p:txBody>
+      </p:sp>
+    </p:spTree>
+  </p:cSld>
+  <p:clrMapOvr>
+    <a:masterClrMapping/>
+  </p:clrMapOvr>
+</p:notes>
+</file>
+
+<file path=ppt/notesSlides/notesSlide26.xml><?xml version="1.0" encoding="utf-8"?>
+<p:notes xmlns:a="http://schemas.openxmlformats.org/drawingml/2006/main" xmlns:r="http://schemas.openxmlformats.org/officeDocument/2006/relationships" xmlns:p="http://schemas.openxmlformats.org/presentationml/2006/main" xmlns:m="http://schemas.openxmlformats.org/officeDocument/2006/math" xmlns:a14="http://schemas.microsoft.com/office/drawing/2010/main" showMasterSp="1" showMasterPhAnim="1">
+  <p:cSld>
+    <p:spTree>
+      <p:nvGrpSpPr>
+        <p:cNvPr id="1" name=""/>
+        <p:cNvGrpSpPr/>
+        <p:nvPr/>
+      </p:nvGrpSpPr>
+      <p:grpSpPr>
+        <a:xfrm>
+          <a:off x="0" y="0"/>
+          <a:ext cx="0" cy="0"/>
+          <a:chOff x="0" y="0"/>
+          <a:chExt cx="0" cy="0"/>
+        </a:xfrm>
+      </p:grpSpPr>
+      <p:sp>
+        <p:nvSpPr>
+          <p:cNvPr id="492" name="Shape 492"/>
+          <p:cNvSpPr/>
+          <p:nvPr>
+            <p:ph type="sldImg"/>
+          </p:nvPr>
+        </p:nvSpPr>
+        <p:spPr>
+          <a:prstGeom prst="rect">
+            <a:avLst/>
+          </a:prstGeom>
+        </p:spPr>
+        <p:txBody>
+          <a:bodyPr/>
+          <a:lstStyle/>
+          <a:p>
+            <a:pPr/>
+          </a:p>
+        </p:txBody>
+      </p:sp>
+      <p:sp>
+        <p:nvSpPr>
+          <p:cNvPr id="493" name="Shape 493"/>
+          <p:cNvSpPr/>
+          <p:nvPr>
+            <p:ph type="body" sz="quarter" idx="1"/>
+          </p:nvPr>
+        </p:nvSpPr>
+        <p:spPr>
+          <a:prstGeom prst="rect">
+            <a:avLst/>
+          </a:prstGeom>
+        </p:spPr>
+        <p:txBody>
+          <a:bodyPr/>
+          <a:lstStyle/>
+          <a:p>
+            <a:pPr/>
+            <a:r>
+              <a:rPr u="sng">
+                <a:hlinkClick r:id="rId3" invalidUrl="" action="" tgtFrame="" tooltip="" history="1" highlightClick="0" endSnd="0"/>
+              </a:rPr>
+              <a:t>https://www.postgresqltutorial.com/postgresql-date-functions/postgresql-extract/</a:t>
+            </a:r>
+          </a:p>
+          <a:p>
+            <a:pPr/>
+            <a:r>
+              <a:rPr u="sng">
+                <a:hlinkClick r:id="rId4" invalidUrl="" action="" tgtFrame="" tooltip="" history="1" highlightClick="0" endSnd="0"/>
+              </a:rPr>
+              <a:t>https://www.postgresqltutorial.com/postgresql-string-functions/postgresql-concat-function/</a:t>
+            </a:r>
+          </a:p>
+          <a:p>
+            <a:pPr/>
+            <a:r>
+              <a:rPr u="sng">
+                <a:hlinkClick r:id="rId5" invalidUrl="" action="" tgtFrame="" tooltip="" history="1" highlightClick="0" endSnd="0"/>
+              </a:rPr>
+              <a:t>https://www.postgresqltutorial.com/postgresql-aggregate-functions/postgresql-string_agg-function/</a:t>
             </a:r>
           </a:p>
         </p:txBody>
@@ -6684,12 +7202,12 @@
       </p:par>
     </p:tnLst>
     <p:bldLst>
+      <p:bldP build="whole" bldLvl="1" animBg="1" rev="0" advAuto="0" spid="182" grpId="1"/>
+      <p:bldP build="whole" bldLvl="1" animBg="1" rev="0" advAuto="0" spid="186" grpId="5"/>
+      <p:bldP build="whole" bldLvl="1" animBg="1" rev="0" advAuto="0" spid="190" grpId="6"/>
       <p:bldP build="whole" bldLvl="1" animBg="1" rev="0" advAuto="0" spid="188" grpId="2"/>
       <p:bldP build="whole" bldLvl="1" animBg="1" rev="0" advAuto="0" spid="189" grpId="4"/>
       <p:bldP build="whole" bldLvl="1" animBg="1" rev="0" advAuto="0" spid="184" grpId="3"/>
-      <p:bldP build="whole" bldLvl="1" animBg="1" rev="0" advAuto="0" spid="186" grpId="5"/>
-      <p:bldP build="whole" bldLvl="1" animBg="1" rev="0" advAuto="0" spid="190" grpId="6"/>
-      <p:bldP build="whole" bldLvl="1" animBg="1" rev="0" advAuto="0" spid="182" grpId="1"/>
     </p:bldLst>
   </p:timing>
 </p:sld>
@@ -7363,12 +7881,12 @@
       </p:par>
     </p:tnLst>
     <p:bldLst>
+      <p:bldP build="whole" bldLvl="1" animBg="1" rev="0" advAuto="0" spid="197" grpId="2"/>
+      <p:bldP build="whole" bldLvl="1" animBg="1" rev="0" advAuto="0" spid="196" grpId="4"/>
       <p:bldP build="whole" bldLvl="1" animBg="1" rev="0" advAuto="0" spid="196" grpId="5"/>
-      <p:bldP build="whole" bldLvl="1" animBg="1" rev="0" advAuto="0" spid="197" grpId="2"/>
-      <p:bldP build="whole" bldLvl="1" animBg="1" rev="0" advAuto="0" spid="194" grpId="1"/>
       <p:bldP build="whole" bldLvl="1" animBg="1" rev="0" advAuto="0" spid="198" grpId="6"/>
       <p:bldP build="whole" bldLvl="1" animBg="1" rev="0" advAuto="0" spid="195" grpId="3"/>
-      <p:bldP build="whole" bldLvl="1" animBg="1" rev="0" advAuto="0" spid="196" grpId="4"/>
+      <p:bldP build="whole" bldLvl="1" animBg="1" rev="0" advAuto="0" spid="194" grpId="1"/>
     </p:bldLst>
   </p:timing>
 </p:sld>
@@ -8963,10 +9481,10 @@
       </p:par>
     </p:tnLst>
     <p:bldLst>
+      <p:bldP build="whole" bldLvl="1" animBg="1" rev="0" advAuto="0" spid="209" grpId="3"/>
+      <p:bldP build="whole" bldLvl="1" animBg="1" rev="0" advAuto="0" spid="210" grpId="4"/>
       <p:bldP build="whole" bldLvl="1" animBg="1" rev="0" advAuto="0" spid="208" grpId="1"/>
       <p:bldP build="whole" bldLvl="1" animBg="1" rev="0" advAuto="0" spid="208" grpId="2"/>
-      <p:bldP build="whole" bldLvl="1" animBg="1" rev="0" advAuto="0" spid="209" grpId="3"/>
-      <p:bldP build="whole" bldLvl="1" animBg="1" rev="0" advAuto="0" spid="210" grpId="4"/>
       <p:bldP build="whole" bldLvl="1" animBg="1" rev="0" advAuto="0" spid="211" grpId="5"/>
     </p:bldLst>
   </p:timing>
@@ -9914,9 +10432,9 @@
       </p:par>
     </p:tnLst>
     <p:bldLst>
+      <p:bldP build="whole" bldLvl="1" animBg="1" rev="0" advAuto="0" spid="219" grpId="3"/>
       <p:bldP build="whole" bldLvl="1" animBg="1" rev="0" advAuto="0" spid="217" grpId="1"/>
       <p:bldP build="whole" bldLvl="1" animBg="1" rev="0" advAuto="0" spid="218" grpId="2"/>
-      <p:bldP build="whole" bldLvl="1" animBg="1" rev="0" advAuto="0" spid="219" grpId="3"/>
     </p:bldLst>
   </p:timing>
 </p:sld>
@@ -10912,12 +11430,12 @@
       </p:par>
     </p:tnLst>
     <p:bldLst>
+      <p:bldP build="whole" bldLvl="1" animBg="1" rev="0" advAuto="0" spid="230" grpId="1"/>
       <p:bldP build="whole" bldLvl="1" animBg="1" rev="0" advAuto="0" spid="229" grpId="5"/>
-      <p:bldP build="whole" bldLvl="1" animBg="1" rev="0" advAuto="0" spid="233" grpId="3"/>
-      <p:bldP build="whole" bldLvl="1" animBg="1" rev="0" advAuto="0" spid="230" grpId="1"/>
       <p:bldP build="whole" bldLvl="1" animBg="1" rev="0" advAuto="0" spid="234" grpId="9"/>
       <p:bldP build="whole" bldLvl="1" animBg="1" rev="0" advAuto="0" spid="231" grpId="2"/>
       <p:bldP build="whole" bldLvl="1" animBg="1" rev="0" advAuto="0" spid="228" grpId="4"/>
+      <p:bldP build="whole" bldLvl="1" animBg="1" rev="0" advAuto="0" spid="233" grpId="3"/>
     </p:bldLst>
   </p:timing>
 </p:sld>
@@ -13654,16 +14172,16 @@
       </p:par>
     </p:tnLst>
     <p:bldLst>
+      <p:bldP build="whole" bldLvl="1" animBg="1" rev="0" advAuto="0" spid="249" grpId="6"/>
+      <p:bldP build="whole" bldLvl="1" animBg="1" rev="0" advAuto="0" spid="246" grpId="2"/>
       <p:bldP build="whole" bldLvl="1" animBg="1" rev="0" advAuto="0" spid="246" grpId="3"/>
+      <p:bldP build="whole" bldLvl="1" animBg="1" rev="0" advAuto="0" spid="249" grpId="7"/>
       <p:bldP build="whole" bldLvl="1" animBg="1" rev="0" advAuto="0" spid="250" grpId="8"/>
+      <p:bldP build="whole" bldLvl="1" animBg="1" rev="0" advAuto="0" spid="250" grpId="9"/>
       <p:bldP build="whole" bldLvl="1" animBg="1" rev="0" advAuto="0" spid="244" grpId="1"/>
       <p:bldP build="whole" bldLvl="1" animBg="1" rev="0" advAuto="0" spid="251" grpId="5"/>
-      <p:bldP build="whole" bldLvl="1" animBg="1" rev="0" advAuto="0" spid="250" grpId="9"/>
+      <p:bldP build="whole" bldLvl="1" animBg="1" rev="0" advAuto="0" spid="247" grpId="4"/>
       <p:bldP build="whole" bldLvl="1" animBg="1" rev="0" advAuto="0" spid="252" grpId="10"/>
-      <p:bldP build="whole" bldLvl="1" animBg="1" rev="0" advAuto="0" spid="249" grpId="6"/>
-      <p:bldP build="whole" bldLvl="1" animBg="1" rev="0" advAuto="0" spid="247" grpId="4"/>
-      <p:bldP build="whole" bldLvl="1" animBg="1" rev="0" advAuto="0" spid="249" grpId="7"/>
-      <p:bldP build="whole" bldLvl="1" animBg="1" rev="0" advAuto="0" spid="246" grpId="2"/>
     </p:bldLst>
   </p:timing>
 </p:sld>
@@ -14030,8 +14548,8 @@
       </p:par>
     </p:tnLst>
     <p:bldLst>
+      <p:bldP build="whole" bldLvl="1" animBg="1" rev="0" advAuto="0" spid="124" grpId="2"/>
       <p:bldP build="whole" bldLvl="1" animBg="1" rev="0" advAuto="0" spid="123" grpId="1"/>
-      <p:bldP build="whole" bldLvl="1" animBg="1" rev="0" advAuto="0" spid="124" grpId="2"/>
     </p:bldLst>
   </p:timing>
 </p:sld>
@@ -17113,13 +17631,13 @@
       </p:par>
     </p:tnLst>
     <p:bldLst>
+      <p:bldP build="whole" bldLvl="1" animBg="1" rev="0" advAuto="0" spid="267" grpId="6"/>
+      <p:bldP build="whole" bldLvl="1" animBg="1" rev="0" advAuto="0" spid="263" grpId="2"/>
       <p:bldP build="whole" bldLvl="1" animBg="1" rev="0" advAuto="0" spid="269" grpId="4"/>
-      <p:bldP build="whole" bldLvl="1" animBg="1" rev="0" advAuto="0" spid="263" grpId="2"/>
+      <p:bldP build="whole" bldLvl="1" animBg="1" rev="0" advAuto="0" spid="268" grpId="7"/>
+      <p:bldP build="whole" bldLvl="1" animBg="1" rev="0" advAuto="0" spid="265" grpId="3"/>
+      <p:bldP build="whole" bldLvl="1" animBg="1" rev="0" advAuto="0" spid="267" grpId="5"/>
       <p:bldP build="whole" bldLvl="1" animBg="1" rev="0" advAuto="0" spid="270" grpId="1"/>
-      <p:bldP build="whole" bldLvl="1" animBg="1" rev="0" advAuto="0" spid="267" grpId="5"/>
-      <p:bldP build="whole" bldLvl="1" animBg="1" rev="0" advAuto="0" spid="267" grpId="6"/>
-      <p:bldP build="whole" bldLvl="1" animBg="1" rev="0" advAuto="0" spid="265" grpId="3"/>
-      <p:bldP build="whole" bldLvl="1" animBg="1" rev="0" advAuto="0" spid="268" grpId="7"/>
     </p:bldLst>
   </p:timing>
 </p:sld>
@@ -17923,12 +18441,12 @@
       </p:par>
     </p:tnLst>
     <p:bldLst>
-      <p:bldP build="whole" bldLvl="1" animBg="1" rev="0" advAuto="0" spid="279" grpId="4"/>
-      <p:bldP build="whole" bldLvl="1" animBg="1" rev="0" advAuto="0" spid="277" grpId="2"/>
-      <p:bldP build="whole" bldLvl="1" animBg="1" rev="0" advAuto="0" spid="281" grpId="3"/>
-      <p:bldP build="whole" bldLvl="1" animBg="1" rev="0" advAuto="0" spid="279" grpId="5"/>
       <p:bldP build="whole" bldLvl="1" animBg="1" rev="0" advAuto="0" spid="280" grpId="6"/>
       <p:bldP build="whole" bldLvl="1" animBg="1" rev="0" advAuto="0" spid="275" grpId="1"/>
+      <p:bldP build="whole" bldLvl="1" animBg="1" rev="0" advAuto="0" spid="279" grpId="4"/>
+      <p:bldP build="whole" bldLvl="1" animBg="1" rev="0" advAuto="0" spid="279" grpId="5"/>
+      <p:bldP build="whole" bldLvl="1" animBg="1" rev="0" advAuto="0" spid="281" grpId="3"/>
+      <p:bldP build="whole" bldLvl="1" animBg="1" rev="0" advAuto="0" spid="277" grpId="2"/>
     </p:bldLst>
   </p:timing>
 </p:sld>
@@ -18851,13 +19369,13 @@
       </p:par>
     </p:tnLst>
     <p:bldLst>
+      <p:bldP build="whole" bldLvl="1" animBg="1" rev="0" advAuto="0" spid="291" grpId="6"/>
+      <p:bldP build="whole" bldLvl="1" animBg="1" rev="0" advAuto="0" spid="293" grpId="7"/>
+      <p:bldP build="whole" bldLvl="1" animBg="1" rev="0" advAuto="0" spid="286" grpId="1"/>
       <p:bldP build="whole" bldLvl="1" animBg="1" rev="0" advAuto="0" spid="288" grpId="2"/>
       <p:bldP build="whole" bldLvl="1" animBg="1" rev="0" advAuto="0" spid="290" grpId="4"/>
+      <p:bldP build="whole" bldLvl="1" animBg="1" rev="0" advAuto="0" spid="292" grpId="3"/>
       <p:bldP build="whole" bldLvl="1" animBg="1" rev="0" advAuto="0" spid="290" grpId="5"/>
-      <p:bldP build="whole" bldLvl="1" animBg="1" rev="0" advAuto="0" spid="291" grpId="6"/>
-      <p:bldP build="whole" bldLvl="1" animBg="1" rev="0" advAuto="0" spid="292" grpId="3"/>
-      <p:bldP build="whole" bldLvl="1" animBg="1" rev="0" advAuto="0" spid="293" grpId="7"/>
-      <p:bldP build="whole" bldLvl="1" animBg="1" rev="0" advAuto="0" spid="286" grpId="1"/>
     </p:bldLst>
   </p:timing>
 </p:sld>
@@ -19367,8 +19885,8 @@
       </p:par>
     </p:tnLst>
     <p:bldLst>
+      <p:bldP build="whole" bldLvl="1" animBg="1" rev="0" advAuto="0" spid="300" grpId="2"/>
       <p:bldP build="whole" bldLvl="1" animBg="1" rev="0" advAuto="0" spid="302" grpId="3"/>
-      <p:bldP build="whole" bldLvl="1" animBg="1" rev="0" advAuto="0" spid="300" grpId="2"/>
       <p:bldP build="whole" bldLvl="1" animBg="1" rev="0" advAuto="0" spid="299" grpId="1"/>
     </p:bldLst>
   </p:timing>
@@ -20569,9 +21087,9 @@
       </p:par>
     </p:tnLst>
     <p:bldLst>
+      <p:bldP build="whole" bldLvl="1" animBg="1" rev="0" advAuto="0" spid="314" grpId="1"/>
+      <p:bldP build="whole" bldLvl="1" animBg="1" rev="0" advAuto="0" spid="317" grpId="3"/>
       <p:bldP build="whole" bldLvl="1" animBg="1" rev="0" advAuto="0" spid="315" grpId="2"/>
-      <p:bldP build="whole" bldLvl="1" animBg="1" rev="0" advAuto="0" spid="317" grpId="3"/>
-      <p:bldP build="whole" bldLvl="1" animBg="1" rev="0" advAuto="0" spid="314" grpId="1"/>
     </p:bldLst>
   </p:timing>
 </p:sld>
@@ -22280,8 +22798,8 @@
       </p:par>
     </p:tnLst>
     <p:bldLst>
+      <p:bldP build="whole" bldLvl="1" animBg="1" rev="0" advAuto="0" spid="129" grpId="2"/>
       <p:bldP build="whole" bldLvl="1" animBg="1" rev="0" advAuto="0" spid="130" grpId="3"/>
-      <p:bldP build="whole" bldLvl="1" animBg="1" rev="0" advAuto="0" spid="129" grpId="2"/>
       <p:bldP build="whole" bldLvl="1" animBg="1" rev="0" advAuto="0" spid="128" grpId="1"/>
       <p:bldP build="whole" bldLvl="1" animBg="1" rev="0" advAuto="0" spid="133" grpId="5"/>
       <p:bldP build="whole" bldLvl="1" animBg="1" rev="0" advAuto="0" spid="131" grpId="4"/>
@@ -23303,9 +23821,9 @@
       </p:par>
     </p:tnLst>
     <p:bldLst>
-      <p:bldP build="whole" bldLvl="1" animBg="1" rev="0" advAuto="0" spid="332" grpId="2"/>
       <p:bldP build="whole" bldLvl="1" animBg="1" rev="0" advAuto="0" spid="334" grpId="3"/>
       <p:bldP build="whole" bldLvl="1" animBg="1" rev="0" advAuto="0" spid="331" grpId="1"/>
+      <p:bldP build="whole" bldLvl="1" animBg="1" rev="0" advAuto="0" spid="332" grpId="2"/>
     </p:bldLst>
   </p:timing>
 </p:sld>
@@ -23698,8 +24216,8 @@
       </p:par>
     </p:tnLst>
     <p:bldLst>
+      <p:bldP build="whole" bldLvl="1" animBg="1" rev="0" advAuto="0" spid="341" grpId="1"/>
       <p:bldP build="whole" bldLvl="1" animBg="1" rev="0" advAuto="0" spid="342" grpId="2"/>
-      <p:bldP build="whole" bldLvl="1" animBg="1" rev="0" advAuto="0" spid="341" grpId="1"/>
     </p:bldLst>
   </p:timing>
 </p:sld>
@@ -26777,9 +27295,9 @@
       </p:par>
     </p:tnLst>
     <p:bldLst>
-      <p:bldP build="whole" bldLvl="1" animBg="1" rev="0" advAuto="0" spid="386" grpId="2"/>
       <p:bldP build="whole" bldLvl="1" animBg="1" rev="0" advAuto="0" spid="388" grpId="4"/>
       <p:bldP build="whole" bldLvl="1" animBg="1" rev="0" advAuto="0" spid="387" grpId="3"/>
+      <p:bldP build="whole" bldLvl="1" animBg="1" rev="0" advAuto="0" spid="386" grpId="2"/>
     </p:bldLst>
   </p:timing>
 </p:sld>
@@ -30142,16 +30660,16 @@
       </p:par>
     </p:tnLst>
     <p:bldLst>
+      <p:bldP build="whole" bldLvl="1" animBg="1" rev="0" advAuto="0" spid="403" grpId="4"/>
+      <p:bldP build="whole" bldLvl="1" animBg="1" rev="0" advAuto="0" spid="402" grpId="10"/>
+      <p:bldP build="whole" bldLvl="1" animBg="1" rev="0" advAuto="0" spid="401" grpId="9"/>
+      <p:bldP build="whole" bldLvl="1" animBg="1" rev="0" advAuto="0" spid="398" grpId="6"/>
       <p:bldP build="whole" bldLvl="1" animBg="1" rev="0" advAuto="0" spid="394" grpId="3"/>
-      <p:bldP build="whole" bldLvl="1" animBg="1" rev="0" advAuto="0" spid="401" grpId="9"/>
-      <p:bldP build="whole" bldLvl="1" animBg="1" rev="0" advAuto="0" spid="397" grpId="1"/>
-      <p:bldP build="whole" bldLvl="1" animBg="1" rev="0" advAuto="0" spid="404" grpId="8"/>
+      <p:bldP build="whole" bldLvl="1" animBg="1" rev="0" advAuto="0" spid="395" grpId="5"/>
       <p:bldP build="whole" bldLvl="1" animBg="1" rev="0" advAuto="0" spid="401" grpId="2"/>
       <p:bldP build="whole" bldLvl="1" animBg="1" rev="0" advAuto="0" spid="400" grpId="7"/>
-      <p:bldP build="whole" bldLvl="1" animBg="1" rev="0" advAuto="0" spid="398" grpId="6"/>
-      <p:bldP build="whole" bldLvl="1" animBg="1" rev="0" advAuto="0" spid="403" grpId="4"/>
-      <p:bldP build="whole" bldLvl="1" animBg="1" rev="0" advAuto="0" spid="395" grpId="5"/>
-      <p:bldP build="whole" bldLvl="1" animBg="1" rev="0" advAuto="0" spid="402" grpId="10"/>
+      <p:bldP build="whole" bldLvl="1" animBg="1" rev="0" advAuto="0" spid="404" grpId="8"/>
+      <p:bldP build="whole" bldLvl="1" animBg="1" rev="0" advAuto="0" spid="397" grpId="1"/>
     </p:bldLst>
   </p:timing>
 </p:sld>
@@ -31804,12 +32322,12 @@
       </p:par>
     </p:tnLst>
     <p:bldLst>
-      <p:bldP build="whole" bldLvl="1" animBg="1" rev="0" advAuto="0" spid="137" grpId="3"/>
+      <p:bldP build="whole" bldLvl="1" animBg="1" rev="0" advAuto="0" spid="139" grpId="2"/>
       <p:bldP build="whole" bldLvl="1" animBg="1" rev="0" advAuto="0" spid="139" grpId="4"/>
       <p:bldP build="whole" bldLvl="1" animBg="1" rev="0" advAuto="0" spid="138" grpId="6"/>
+      <p:bldP build="whole" bldLvl="1" animBg="1" rev="0" advAuto="0" spid="140" grpId="7"/>
       <p:bldP build="whole" bldLvl="1" animBg="1" rev="0" advAuto="0" spid="137" grpId="1"/>
-      <p:bldP build="whole" bldLvl="1" animBg="1" rev="0" advAuto="0" spid="140" grpId="7"/>
-      <p:bldP build="whole" bldLvl="1" animBg="1" rev="0" advAuto="0" spid="139" grpId="2"/>
+      <p:bldP build="whole" bldLvl="1" animBg="1" rev="0" advAuto="0" spid="137" grpId="3"/>
     </p:bldLst>
   </p:timing>
 </p:sld>
@@ -32549,12 +33067,12 @@
       </p:par>
     </p:tnLst>
     <p:bldLst>
+      <p:bldP build="whole" bldLvl="1" animBg="1" rev="0" advAuto="0" spid="413" grpId="1"/>
+      <p:bldP build="whole" bldLvl="1" animBg="1" rev="0" advAuto="0" spid="415" grpId="2"/>
+      <p:bldP build="whole" bldLvl="1" animBg="1" rev="0" advAuto="0" spid="410" grpId="4"/>
       <p:bldP build="whole" bldLvl="1" animBg="1" rev="0" advAuto="0" spid="411" grpId="3"/>
       <p:bldP build="whole" bldLvl="1" animBg="1" rev="0" advAuto="0" spid="410" grpId="5"/>
       <p:bldP build="whole" bldLvl="1" animBg="1" rev="0" advAuto="0" spid="412" grpId="6"/>
-      <p:bldP build="whole" bldLvl="1" animBg="1" rev="0" advAuto="0" spid="413" grpId="1"/>
-      <p:bldP build="whole" bldLvl="1" animBg="1" rev="0" advAuto="0" spid="415" grpId="2"/>
-      <p:bldP build="whole" bldLvl="1" animBg="1" rev="0" advAuto="0" spid="410" grpId="4"/>
     </p:bldLst>
   </p:timing>
 </p:sld>
@@ -38962,6 +39480,2759 @@
 </p:sld>
 </file>
 
+<file path=ppt/slides/slide50.xml><?xml version="1.0" encoding="utf-8"?>
+<p:sld xmlns:a="http://schemas.openxmlformats.org/drawingml/2006/main" xmlns:r="http://schemas.openxmlformats.org/officeDocument/2006/relationships" xmlns:p="http://schemas.openxmlformats.org/presentationml/2006/main" xmlns:m="http://schemas.openxmlformats.org/officeDocument/2006/math" xmlns:a14="http://schemas.microsoft.com/office/drawing/2010/main" showMasterSp="1" showMasterPhAnim="1">
+  <p:cSld>
+    <p:spTree>
+      <p:nvGrpSpPr>
+        <p:cNvPr id="1" name=""/>
+        <p:cNvGrpSpPr/>
+        <p:nvPr/>
+      </p:nvGrpSpPr>
+      <p:grpSpPr>
+        <a:xfrm>
+          <a:off x="0" y="0"/>
+          <a:ext cx="0" cy="0"/>
+          <a:chOff x="0" y="0"/>
+          <a:chExt cx="0" cy="0"/>
+        </a:xfrm>
+      </p:grpSpPr>
+      <p:sp>
+        <p:nvSpPr>
+          <p:cNvPr id="472" name="Requêtage SQL"/>
+          <p:cNvSpPr txBox="1"/>
+          <p:nvPr/>
+        </p:nvSpPr>
+        <p:spPr>
+          <a:xfrm>
+            <a:off x="1270000" y="-12700"/>
+            <a:ext cx="10464800" cy="1282700"/>
+          </a:xfrm>
+          <a:prstGeom prst="rect">
+            <a:avLst/>
+          </a:prstGeom>
+          <a:ln w="12700">
+            <a:miter lim="400000"/>
+          </a:ln>
+          <a:extLst>
+            <a:ext uri="{C572A759-6A51-4108-AA02-DFA0A04FC94B}">
+              <ma14:wrappingTextBoxFlag xmlns:ma14="http://schemas.microsoft.com/office/mac/drawingml/2011/main" val="1"/>
+            </a:ext>
+          </a:extLst>
+        </p:spPr>
+        <p:txBody>
+          <a:bodyPr lIns="50800" tIns="50800" rIns="50800" bIns="50800" anchor="ctr">
+            <a:normAutofit fontScale="100000" lnSpcReduction="0"/>
+          </a:bodyPr>
+          <a:lstStyle>
+            <a:lvl1pPr>
+              <a:defRPr sz="2600"/>
+            </a:lvl1pPr>
+          </a:lstStyle>
+          <a:p>
+            <a:pPr/>
+            <a:r>
+              <a:t>Requêtage SQL</a:t>
+            </a:r>
+          </a:p>
+        </p:txBody>
+      </p:sp>
+      <p:sp>
+        <p:nvSpPr>
+          <p:cNvPr id="473" name="Effectuer des calculs dans la requête"/>
+          <p:cNvSpPr txBox="1"/>
+          <p:nvPr/>
+        </p:nvSpPr>
+        <p:spPr>
+          <a:xfrm>
+            <a:off x="3213819" y="1570302"/>
+            <a:ext cx="6577162" cy="622301"/>
+          </a:xfrm>
+          <a:prstGeom prst="rect">
+            <a:avLst/>
+          </a:prstGeom>
+          <a:ln w="12700">
+            <a:miter lim="400000"/>
+          </a:ln>
+          <a:extLst>
+            <a:ext uri="{C572A759-6A51-4108-AA02-DFA0A04FC94B}">
+              <ma14:wrappingTextBoxFlag xmlns:ma14="http://schemas.microsoft.com/office/mac/drawingml/2011/main" val="1"/>
+            </a:ext>
+          </a:extLst>
+        </p:spPr>
+        <p:txBody>
+          <a:bodyPr wrap="none" lIns="50800" tIns="50800" rIns="50800" bIns="50800" anchor="ctr">
+            <a:spAutoFit/>
+          </a:bodyPr>
+          <a:lstStyle>
+            <a:lvl1pPr algn="l"/>
+          </a:lstStyle>
+          <a:p>
+            <a:pPr/>
+            <a:r>
+              <a:t>Effectuer des calculs dans la requête</a:t>
+            </a:r>
+          </a:p>
+        </p:txBody>
+      </p:sp>
+      <p:sp>
+        <p:nvSpPr>
+          <p:cNvPr id="474" name="SELECT [colonne1] * [colonne2], [colonne3]…"/>
+          <p:cNvSpPr txBox="1"/>
+          <p:nvPr/>
+        </p:nvSpPr>
+        <p:spPr>
+          <a:xfrm>
+            <a:off x="427869" y="3066600"/>
+            <a:ext cx="12149062" cy="1951510"/>
+          </a:xfrm>
+          <a:prstGeom prst="rect">
+            <a:avLst/>
+          </a:prstGeom>
+          <a:ln w="12700">
+            <a:miter lim="400000"/>
+          </a:ln>
+          <a:extLst>
+            <a:ext uri="{C572A759-6A51-4108-AA02-DFA0A04FC94B}">
+              <ma14:wrappingTextBoxFlag xmlns:ma14="http://schemas.microsoft.com/office/mac/drawingml/2011/main" val="1"/>
+            </a:ext>
+          </a:extLst>
+        </p:spPr>
+        <p:txBody>
+          <a:bodyPr lIns="50800" tIns="50800" rIns="50800" bIns="50800" anchor="b">
+            <a:spAutoFit/>
+          </a:bodyPr>
+          <a:lstStyle/>
+          <a:p>
+            <a:pPr algn="l">
+              <a:defRPr sz="2800">
+                <a:solidFill>
+                  <a:srgbClr val="5A5F5E"/>
+                </a:solidFill>
+                <a:latin typeface="Monaco"/>
+                <a:ea typeface="Monaco"/>
+                <a:cs typeface="Monaco"/>
+                <a:sym typeface="Monaco"/>
+              </a:defRPr>
+            </a:pPr>
+            <a:r>
+              <a:t>SELECT [colonne1] * [colonne2], [colonne3]</a:t>
+            </a:r>
+          </a:p>
+          <a:p>
+            <a:pPr algn="l">
+              <a:defRPr sz="2800">
+                <a:solidFill>
+                  <a:srgbClr val="5A5F5E"/>
+                </a:solidFill>
+                <a:latin typeface="Monaco"/>
+                <a:ea typeface="Monaco"/>
+                <a:cs typeface="Monaco"/>
+                <a:sym typeface="Monaco"/>
+              </a:defRPr>
+            </a:pPr>
+            <a:r>
+              <a:t>FROM [table]</a:t>
+            </a:r>
+          </a:p>
+          <a:p>
+            <a:pPr algn="l">
+              <a:defRPr sz="2800">
+                <a:solidFill>
+                  <a:srgbClr val="808785"/>
+                </a:solidFill>
+                <a:latin typeface="Monaco"/>
+                <a:ea typeface="Monaco"/>
+                <a:cs typeface="Monaco"/>
+                <a:sym typeface="Monaco"/>
+              </a:defRPr>
+            </a:pPr>
+            <a:r>
+              <a:t>WHERE [condition]</a:t>
+            </a:r>
+          </a:p>
+          <a:p>
+            <a:pPr algn="l">
+              <a:defRPr sz="2800">
+                <a:solidFill>
+                  <a:srgbClr val="808785"/>
+                </a:solidFill>
+                <a:latin typeface="Monaco"/>
+                <a:ea typeface="Monaco"/>
+                <a:cs typeface="Monaco"/>
+                <a:sym typeface="Monaco"/>
+              </a:defRPr>
+            </a:pPr>
+            <a:r>
+              <a:t>GROUP BY </a:t>
+            </a:r>
+            <a:r>
+              <a:rPr>
+                <a:solidFill>
+                  <a:srgbClr val="5A5F5E"/>
+                </a:solidFill>
+              </a:rPr>
+              <a:t>[colonne1]</a:t>
+            </a:r>
+            <a:r>
+              <a:t>, </a:t>
+            </a:r>
+            <a:r>
+              <a:rPr>
+                <a:solidFill>
+                  <a:srgbClr val="5A5F5E"/>
+                </a:solidFill>
+              </a:rPr>
+              <a:t>[colonne2]</a:t>
+            </a:r>
+            <a:r>
+              <a:t>, </a:t>
+            </a:r>
+            <a:r>
+              <a:rPr>
+                <a:solidFill>
+                  <a:srgbClr val="5A5F5E"/>
+                </a:solidFill>
+              </a:rPr>
+              <a:t>[colonne3]</a:t>
+            </a:r>
+            <a:r>
+              <a:t>;</a:t>
+            </a:r>
+          </a:p>
+        </p:txBody>
+      </p:sp>
+      <p:sp>
+        <p:nvSpPr>
+          <p:cNvPr id="475" name="- Option 1"/>
+          <p:cNvSpPr txBox="1"/>
+          <p:nvPr/>
+        </p:nvSpPr>
+        <p:spPr>
+          <a:xfrm>
+            <a:off x="409980" y="2422201"/>
+            <a:ext cx="2045346" cy="622301"/>
+          </a:xfrm>
+          <a:prstGeom prst="rect">
+            <a:avLst/>
+          </a:prstGeom>
+          <a:ln w="12700">
+            <a:miter lim="400000"/>
+          </a:ln>
+          <a:extLst>
+            <a:ext uri="{C572A759-6A51-4108-AA02-DFA0A04FC94B}">
+              <ma14:wrappingTextBoxFlag xmlns:ma14="http://schemas.microsoft.com/office/mac/drawingml/2011/main" val="1"/>
+            </a:ext>
+          </a:extLst>
+        </p:spPr>
+        <p:txBody>
+          <a:bodyPr wrap="none" lIns="50800" tIns="50800" rIns="50800" bIns="50800" anchor="ctr">
+            <a:spAutoFit/>
+          </a:bodyPr>
+          <a:lstStyle>
+            <a:lvl1pPr algn="l"/>
+          </a:lstStyle>
+          <a:p>
+            <a:pPr/>
+            <a:r>
+              <a:t>- Option 1</a:t>
+            </a:r>
+          </a:p>
+        </p:txBody>
+      </p:sp>
+      <p:sp>
+        <p:nvSpPr>
+          <p:cNvPr id="476" name="SELECT SUM([colonne1] * [colonne2]), [colonne3]…"/>
+          <p:cNvSpPr txBox="1"/>
+          <p:nvPr/>
+        </p:nvSpPr>
+        <p:spPr>
+          <a:xfrm>
+            <a:off x="427869" y="6241600"/>
+            <a:ext cx="12149062" cy="1951510"/>
+          </a:xfrm>
+          <a:prstGeom prst="rect">
+            <a:avLst/>
+          </a:prstGeom>
+          <a:ln w="12700">
+            <a:miter lim="400000"/>
+          </a:ln>
+          <a:extLst>
+            <a:ext uri="{C572A759-6A51-4108-AA02-DFA0A04FC94B}">
+              <ma14:wrappingTextBoxFlag xmlns:ma14="http://schemas.microsoft.com/office/mac/drawingml/2011/main" val="1"/>
+            </a:ext>
+          </a:extLst>
+        </p:spPr>
+        <p:txBody>
+          <a:bodyPr lIns="50800" tIns="50800" rIns="50800" bIns="50800">
+            <a:spAutoFit/>
+          </a:bodyPr>
+          <a:lstStyle/>
+          <a:p>
+            <a:pPr algn="l">
+              <a:defRPr sz="2800">
+                <a:solidFill>
+                  <a:srgbClr val="5A5F5E"/>
+                </a:solidFill>
+                <a:latin typeface="Monaco"/>
+                <a:ea typeface="Monaco"/>
+                <a:cs typeface="Monaco"/>
+                <a:sym typeface="Monaco"/>
+              </a:defRPr>
+            </a:pPr>
+            <a:r>
+              <a:t>SELECT SUM([colonne1] * [colonne2]), [colonne3]</a:t>
+            </a:r>
+          </a:p>
+          <a:p>
+            <a:pPr algn="l">
+              <a:defRPr sz="2800">
+                <a:solidFill>
+                  <a:srgbClr val="5A5F5E"/>
+                </a:solidFill>
+                <a:latin typeface="Monaco"/>
+                <a:ea typeface="Monaco"/>
+                <a:cs typeface="Monaco"/>
+                <a:sym typeface="Monaco"/>
+              </a:defRPr>
+            </a:pPr>
+            <a:r>
+              <a:t>FROM [table]</a:t>
+            </a:r>
+          </a:p>
+          <a:p>
+            <a:pPr algn="l">
+              <a:defRPr sz="2800">
+                <a:solidFill>
+                  <a:srgbClr val="808785"/>
+                </a:solidFill>
+                <a:latin typeface="Monaco"/>
+                <a:ea typeface="Monaco"/>
+                <a:cs typeface="Monaco"/>
+                <a:sym typeface="Monaco"/>
+              </a:defRPr>
+            </a:pPr>
+            <a:r>
+              <a:t>WHERE [condition]</a:t>
+            </a:r>
+          </a:p>
+          <a:p>
+            <a:pPr algn="l">
+              <a:defRPr sz="2800">
+                <a:solidFill>
+                  <a:srgbClr val="808785"/>
+                </a:solidFill>
+                <a:latin typeface="Monaco"/>
+                <a:ea typeface="Monaco"/>
+                <a:cs typeface="Monaco"/>
+                <a:sym typeface="Monaco"/>
+              </a:defRPr>
+            </a:pPr>
+            <a:r>
+              <a:t>GROUP BY </a:t>
+            </a:r>
+            <a:r>
+              <a:rPr>
+                <a:solidFill>
+                  <a:srgbClr val="5A5F5E"/>
+                </a:solidFill>
+              </a:rPr>
+              <a:t>[colonne3]</a:t>
+            </a:r>
+            <a:r>
+              <a:t>;</a:t>
+            </a:r>
+          </a:p>
+        </p:txBody>
+      </p:sp>
+      <p:sp>
+        <p:nvSpPr>
+          <p:cNvPr id="477" name="- Option 2"/>
+          <p:cNvSpPr txBox="1"/>
+          <p:nvPr/>
+        </p:nvSpPr>
+        <p:spPr>
+          <a:xfrm>
+            <a:off x="409980" y="5597201"/>
+            <a:ext cx="2045346" cy="622301"/>
+          </a:xfrm>
+          <a:prstGeom prst="rect">
+            <a:avLst/>
+          </a:prstGeom>
+          <a:ln w="12700">
+            <a:miter lim="400000"/>
+          </a:ln>
+          <a:extLst>
+            <a:ext uri="{C572A759-6A51-4108-AA02-DFA0A04FC94B}">
+              <ma14:wrappingTextBoxFlag xmlns:ma14="http://schemas.microsoft.com/office/mac/drawingml/2011/main" val="1"/>
+            </a:ext>
+          </a:extLst>
+        </p:spPr>
+        <p:txBody>
+          <a:bodyPr wrap="none" lIns="50800" tIns="50800" rIns="50800" bIns="50800" anchor="ctr">
+            <a:spAutoFit/>
+          </a:bodyPr>
+          <a:lstStyle>
+            <a:lvl1pPr algn="l"/>
+          </a:lstStyle>
+          <a:p>
+            <a:pPr/>
+            <a:r>
+              <a:t>- Option 2</a:t>
+            </a:r>
+          </a:p>
+        </p:txBody>
+      </p:sp>
+    </p:spTree>
+  </p:cSld>
+  <p:clrMapOvr>
+    <a:masterClrMapping/>
+  </p:clrMapOvr>
+  <p:transition xmlns:p14="http://schemas.microsoft.com/office/powerpoint/2010/main" spd="med" advClick="1"/>
+  <p:timing>
+    <p:tnLst>
+      <p:par>
+        <p:cTn id="1" nodeType="tmRoot" restart="never" dur="indefinite" fill="hold">
+          <p:childTnLst>
+            <p:seq concurrent="1" prevAc="none" nextAc="seek">
+              <p:cTn id="2" nodeType="mainSeq" dur="indefinite" fill="hold">
+                <p:childTnLst>
+                  <p:par>
+                    <p:cTn id="3" fill="hold">
+                      <p:stCondLst>
+                        <p:cond delay="indefinite"/>
+                      </p:stCondLst>
+                      <p:childTnLst>
+                        <p:par>
+                          <p:cTn id="4" fill="hold">
+                            <p:stCondLst>
+                              <p:cond delay="0"/>
+                            </p:stCondLst>
+                            <p:childTnLst>
+                              <p:par>
+                                <p:cTn id="5" presetClass="entr" nodeType="clickEffect" presetID="9" grpId="1" fill="hold">
+                                  <p:stCondLst>
+                                    <p:cond delay="0"/>
+                                  </p:stCondLst>
+                                  <p:iterate type="el" backwards="0">
+                                    <p:tmAbs val="0"/>
+                                  </p:iterate>
+                                  <p:childTnLst>
+                                    <p:set>
+                                      <p:cBhvr>
+                                        <p:cTn id="6" fill="hold"/>
+                                        <p:tgtEl>
+                                          <p:spTgt spid="476"/>
+                                        </p:tgtEl>
+                                        <p:attrNameLst>
+                                          <p:attrName>style.visibility</p:attrName>
+                                        </p:attrNameLst>
+                                      </p:cBhvr>
+                                      <p:to>
+                                        <p:strVal val="visible"/>
+                                      </p:to>
+                                    </p:set>
+                                    <p:animEffect filter="dissolve" transition="in">
+                                      <p:cBhvr>
+                                        <p:cTn id="7" dur="300"/>
+                                        <p:tgtEl>
+                                          <p:spTgt spid="476"/>
+                                        </p:tgtEl>
+                                      </p:cBhvr>
+                                    </p:animEffect>
+                                  </p:childTnLst>
+                                </p:cTn>
+                              </p:par>
+                            </p:childTnLst>
+                          </p:cTn>
+                        </p:par>
+                      </p:childTnLst>
+                    </p:cTn>
+                  </p:par>
+                </p:childTnLst>
+              </p:cTn>
+              <p:prevCondLst>
+                <p:cond evt="onPrev">
+                  <p:tgtEl>
+                    <p:sldTgt/>
+                  </p:tgtEl>
+                </p:cond>
+              </p:prevCondLst>
+              <p:nextCondLst>
+                <p:cond evt="onNext">
+                  <p:tgtEl>
+                    <p:sldTgt/>
+                  </p:tgtEl>
+                </p:cond>
+              </p:nextCondLst>
+            </p:seq>
+          </p:childTnLst>
+        </p:cTn>
+      </p:par>
+    </p:tnLst>
+    <p:bldLst>
+      <p:bldP build="whole" bldLvl="1" animBg="1" rev="0" advAuto="0" spid="476" grpId="1"/>
+    </p:bldLst>
+  </p:timing>
+</p:sld>
+</file>
+
+<file path=ppt/slides/slide51.xml><?xml version="1.0" encoding="utf-8"?>
+<p:sld xmlns:a="http://schemas.openxmlformats.org/drawingml/2006/main" xmlns:r="http://schemas.openxmlformats.org/officeDocument/2006/relationships" xmlns:p="http://schemas.openxmlformats.org/presentationml/2006/main" xmlns:m="http://schemas.openxmlformats.org/officeDocument/2006/math" xmlns:a14="http://schemas.microsoft.com/office/drawing/2010/main" showMasterSp="1" showMasterPhAnim="1">
+  <p:cSld>
+    <p:spTree>
+      <p:nvGrpSpPr>
+        <p:cNvPr id="1" name=""/>
+        <p:cNvGrpSpPr/>
+        <p:nvPr/>
+      </p:nvGrpSpPr>
+      <p:grpSpPr>
+        <a:xfrm>
+          <a:off x="0" y="0"/>
+          <a:ext cx="0" cy="0"/>
+          <a:chOff x="0" y="0"/>
+          <a:chExt cx="0" cy="0"/>
+        </a:xfrm>
+      </p:grpSpPr>
+      <p:sp>
+        <p:nvSpPr>
+          <p:cNvPr id="481" name="Requêtage SQL"/>
+          <p:cNvSpPr txBox="1"/>
+          <p:nvPr/>
+        </p:nvSpPr>
+        <p:spPr>
+          <a:xfrm>
+            <a:off x="1270000" y="-12700"/>
+            <a:ext cx="10464800" cy="1282700"/>
+          </a:xfrm>
+          <a:prstGeom prst="rect">
+            <a:avLst/>
+          </a:prstGeom>
+          <a:ln w="12700">
+            <a:miter lim="400000"/>
+          </a:ln>
+          <a:extLst>
+            <a:ext uri="{C572A759-6A51-4108-AA02-DFA0A04FC94B}">
+              <ma14:wrappingTextBoxFlag xmlns:ma14="http://schemas.microsoft.com/office/mac/drawingml/2011/main" val="1"/>
+            </a:ext>
+          </a:extLst>
+        </p:spPr>
+        <p:txBody>
+          <a:bodyPr lIns="50800" tIns="50800" rIns="50800" bIns="50800" anchor="ctr">
+            <a:normAutofit fontScale="100000" lnSpcReduction="0"/>
+          </a:bodyPr>
+          <a:lstStyle>
+            <a:lvl1pPr>
+              <a:defRPr sz="2600"/>
+            </a:lvl1pPr>
+          </a:lstStyle>
+          <a:p>
+            <a:pPr/>
+            <a:r>
+              <a:t>Requêtage SQL</a:t>
+            </a:r>
+          </a:p>
+        </p:txBody>
+      </p:sp>
+      <p:sp>
+        <p:nvSpPr>
+          <p:cNvPr id="482" name="Les fonctions d'agrégation"/>
+          <p:cNvSpPr txBox="1"/>
+          <p:nvPr/>
+        </p:nvSpPr>
+        <p:spPr>
+          <a:xfrm>
+            <a:off x="4116610" y="1837057"/>
+            <a:ext cx="4771580" cy="622301"/>
+          </a:xfrm>
+          <a:prstGeom prst="rect">
+            <a:avLst/>
+          </a:prstGeom>
+          <a:ln w="12700">
+            <a:miter lim="400000"/>
+          </a:ln>
+          <a:extLst>
+            <a:ext uri="{C572A759-6A51-4108-AA02-DFA0A04FC94B}">
+              <ma14:wrappingTextBoxFlag xmlns:ma14="http://schemas.microsoft.com/office/mac/drawingml/2011/main" val="1"/>
+            </a:ext>
+          </a:extLst>
+        </p:spPr>
+        <p:txBody>
+          <a:bodyPr wrap="none" lIns="50800" tIns="50800" rIns="50800" bIns="50800" anchor="ctr">
+            <a:spAutoFit/>
+          </a:bodyPr>
+          <a:lstStyle>
+            <a:lvl1pPr algn="l"/>
+          </a:lstStyle>
+          <a:p>
+            <a:pPr/>
+            <a:r>
+              <a:t>Les fonctions d'agrégation</a:t>
+            </a:r>
+          </a:p>
+        </p:txBody>
+      </p:sp>
+      <p:graphicFrame>
+        <p:nvGraphicFramePr>
+          <p:cNvPr id="483" name="Tableau"/>
+          <p:cNvGraphicFramePr/>
+          <p:nvPr/>
+        </p:nvGraphicFramePr>
+        <p:xfrm>
+          <a:off x="588638" y="2063734"/>
+          <a:ext cx="11468101" cy="8216901"/>
+        </p:xfrm>
+        <a:graphic xmlns:a="http://schemas.openxmlformats.org/drawingml/2006/main">
+          <a:graphicData uri="http://schemas.openxmlformats.org/drawingml/2006/table">
+            <a:tbl>
+              <a:tblPr firstCol="0" firstRow="0" lastCol="0" lastRow="0" bandCol="0" bandRow="0" rtl="0">
+                <a:tableStyleId>{4C3C2611-4C71-4FC5-86AE-919BDF0F9419}</a:tableStyleId>
+              </a:tblPr>
+              <a:tblGrid>
+                <a:gridCol w="4739057"/>
+                <a:gridCol w="7088465"/>
+              </a:tblGrid>
+              <a:tr h="508000">
+                <a:tc>
+                  <a:txBody>
+                    <a:bodyPr/>
+                    <a:lstStyle/>
+                    <a:p>
+                      <a:pPr algn="l">
+                        <a:defRPr>
+                          <a:solidFill>
+                            <a:srgbClr val="000000"/>
+                          </a:solidFill>
+                        </a:defRPr>
+                      </a:pPr>
+                      <a:r>
+                        <a:rPr sz="2600">
+                          <a:solidFill>
+                            <a:srgbClr val="5A5F5E"/>
+                          </a:solidFill>
+                          <a:latin typeface="Monaco"/>
+                          <a:ea typeface="Monaco"/>
+                          <a:cs typeface="Monaco"/>
+                          <a:sym typeface="Monaco"/>
+                        </a:rPr>
+                        <a:t>COUNT(colonne)</a:t>
+                      </a:r>
+                    </a:p>
+                  </a:txBody>
+                  <a:tcPr marL="50800" marR="50800" marT="50800" marB="50800" anchor="t" anchorCtr="0" horzOverflow="overflow">
+                    <a:lnL w="0">
+                      <a:miter lim="400000"/>
+                    </a:lnL>
+                    <a:lnR w="0">
+                      <a:miter lim="400000"/>
+                    </a:lnR>
+                    <a:lnT w="12700">
+                      <a:solidFill>
+                        <a:srgbClr val="5A5F5E"/>
+                      </a:solidFill>
+                      <a:miter lim="400000"/>
+                    </a:lnT>
+                    <a:lnB w="12700">
+                      <a:solidFill>
+                        <a:srgbClr val="5A5F5E"/>
+                      </a:solidFill>
+                      <a:miter lim="400000"/>
+                    </a:lnB>
+                  </a:tcPr>
+                </a:tc>
+                <a:tc>
+                  <a:txBody>
+                    <a:bodyPr/>
+                    <a:lstStyle/>
+                    <a:p>
+                      <a:pPr algn="l">
+                        <a:defRPr>
+                          <a:solidFill>
+                            <a:srgbClr val="000000"/>
+                          </a:solidFill>
+                        </a:defRPr>
+                      </a:pPr>
+                      <a:r>
+                        <a:rPr sz="3000">
+                          <a:solidFill>
+                            <a:srgbClr val="5A5F5E"/>
+                          </a:solidFill>
+                        </a:rPr>
+                        <a:t>Nombre de lignes qui ont été retournées par la condition</a:t>
+                      </a:r>
+                    </a:p>
+                  </a:txBody>
+                  <a:tcPr marL="50800" marR="50800" marT="50800" marB="50800" anchor="t" anchorCtr="0" horzOverflow="overflow">
+                    <a:lnL w="0">
+                      <a:miter lim="400000"/>
+                    </a:lnL>
+                    <a:lnR w="0">
+                      <a:miter lim="400000"/>
+                    </a:lnR>
+                    <a:lnT w="12700">
+                      <a:solidFill>
+                        <a:srgbClr val="5A5F5E"/>
+                      </a:solidFill>
+                      <a:miter lim="400000"/>
+                    </a:lnT>
+                    <a:lnB w="12700">
+                      <a:solidFill>
+                        <a:srgbClr val="5A5F5E"/>
+                      </a:solidFill>
+                      <a:miter lim="400000"/>
+                    </a:lnB>
+                  </a:tcPr>
+                </a:tc>
+              </a:tr>
+              <a:tr h="508000">
+                <a:tc>
+                  <a:txBody>
+                    <a:bodyPr/>
+                    <a:lstStyle/>
+                    <a:p>
+                      <a:pPr algn="l">
+                        <a:defRPr>
+                          <a:solidFill>
+                            <a:srgbClr val="000000"/>
+                          </a:solidFill>
+                        </a:defRPr>
+                      </a:pPr>
+                      <a:r>
+                        <a:rPr sz="2600">
+                          <a:solidFill>
+                            <a:srgbClr val="5A5F5E"/>
+                          </a:solidFill>
+                          <a:latin typeface="Monaco"/>
+                          <a:ea typeface="Monaco"/>
+                          <a:cs typeface="Monaco"/>
+                          <a:sym typeface="Monaco"/>
+                        </a:rPr>
+                        <a:t>SUM(colonne)</a:t>
+                      </a:r>
+                    </a:p>
+                  </a:txBody>
+                  <a:tcPr marL="50800" marR="50800" marT="50800" marB="50800" anchor="t" anchorCtr="0" horzOverflow="overflow">
+                    <a:lnL w="0">
+                      <a:miter lim="400000"/>
+                    </a:lnL>
+                    <a:lnR w="0">
+                      <a:miter lim="400000"/>
+                    </a:lnR>
+                    <a:lnT w="12700">
+                      <a:solidFill>
+                        <a:srgbClr val="5A5F5E"/>
+                      </a:solidFill>
+                      <a:miter lim="400000"/>
+                    </a:lnT>
+                    <a:lnB w="12700">
+                      <a:solidFill>
+                        <a:srgbClr val="5A5F5E"/>
+                      </a:solidFill>
+                      <a:miter lim="400000"/>
+                    </a:lnB>
+                  </a:tcPr>
+                </a:tc>
+                <a:tc>
+                  <a:txBody>
+                    <a:bodyPr/>
+                    <a:lstStyle/>
+                    <a:p>
+                      <a:pPr algn="l">
+                        <a:defRPr>
+                          <a:solidFill>
+                            <a:srgbClr val="000000"/>
+                          </a:solidFill>
+                        </a:defRPr>
+                      </a:pPr>
+                      <a:r>
+                        <a:rPr sz="3000">
+                          <a:solidFill>
+                            <a:srgbClr val="5A5F5E"/>
+                          </a:solidFill>
+                        </a:rPr>
+                        <a:t>Somme des valeurs de la colonne spécifiée</a:t>
+                      </a:r>
+                    </a:p>
+                  </a:txBody>
+                  <a:tcPr marL="50800" marR="50800" marT="50800" marB="50800" anchor="t" anchorCtr="0" horzOverflow="overflow">
+                    <a:lnL w="0">
+                      <a:miter lim="400000"/>
+                    </a:lnL>
+                    <a:lnR w="0">
+                      <a:miter lim="400000"/>
+                    </a:lnR>
+                    <a:lnT w="12700">
+                      <a:solidFill>
+                        <a:srgbClr val="5A5F5E"/>
+                      </a:solidFill>
+                      <a:miter lim="400000"/>
+                    </a:lnT>
+                    <a:lnB w="12700">
+                      <a:solidFill>
+                        <a:srgbClr val="5A5F5E"/>
+                      </a:solidFill>
+                      <a:miter lim="400000"/>
+                    </a:lnB>
+                  </a:tcPr>
+                </a:tc>
+              </a:tr>
+              <a:tr h="508000">
+                <a:tc>
+                  <a:txBody>
+                    <a:bodyPr/>
+                    <a:lstStyle/>
+                    <a:p>
+                      <a:pPr algn="l">
+                        <a:defRPr>
+                          <a:solidFill>
+                            <a:srgbClr val="000000"/>
+                          </a:solidFill>
+                        </a:defRPr>
+                      </a:pPr>
+                      <a:r>
+                        <a:rPr sz="2600">
+                          <a:solidFill>
+                            <a:srgbClr val="5A5F5E"/>
+                          </a:solidFill>
+                          <a:latin typeface="Monaco"/>
+                          <a:ea typeface="Monaco"/>
+                          <a:cs typeface="Monaco"/>
+                          <a:sym typeface="Monaco"/>
+                        </a:rPr>
+                        <a:t>AVG(colonne)</a:t>
+                      </a:r>
+                    </a:p>
+                  </a:txBody>
+                  <a:tcPr marL="50800" marR="50800" marT="50800" marB="50800" anchor="t" anchorCtr="0" horzOverflow="overflow">
+                    <a:lnL w="0">
+                      <a:miter lim="400000"/>
+                    </a:lnL>
+                    <a:lnR w="0">
+                      <a:miter lim="400000"/>
+                    </a:lnR>
+                    <a:lnT w="12700">
+                      <a:solidFill>
+                        <a:srgbClr val="5A5F5E"/>
+                      </a:solidFill>
+                      <a:miter lim="400000"/>
+                    </a:lnT>
+                    <a:lnB w="12700">
+                      <a:solidFill>
+                        <a:srgbClr val="5A5F5E"/>
+                      </a:solidFill>
+                      <a:miter lim="400000"/>
+                    </a:lnB>
+                  </a:tcPr>
+                </a:tc>
+                <a:tc>
+                  <a:txBody>
+                    <a:bodyPr/>
+                    <a:lstStyle/>
+                    <a:p>
+                      <a:pPr algn="l">
+                        <a:defRPr>
+                          <a:solidFill>
+                            <a:srgbClr val="000000"/>
+                          </a:solidFill>
+                        </a:defRPr>
+                      </a:pPr>
+                      <a:r>
+                        <a:rPr sz="3000">
+                          <a:solidFill>
+                            <a:srgbClr val="5A5F5E"/>
+                          </a:solidFill>
+                        </a:rPr>
+                        <a:t>Calcul la moyenne des valeurs de la colonne spécifiée</a:t>
+                      </a:r>
+                    </a:p>
+                  </a:txBody>
+                  <a:tcPr marL="50800" marR="50800" marT="50800" marB="50800" anchor="t" anchorCtr="0" horzOverflow="overflow">
+                    <a:lnL w="0">
+                      <a:miter lim="400000"/>
+                    </a:lnL>
+                    <a:lnR w="0">
+                      <a:miter lim="400000"/>
+                    </a:lnR>
+                    <a:lnT w="12700">
+                      <a:solidFill>
+                        <a:srgbClr val="5A5F5E"/>
+                      </a:solidFill>
+                      <a:miter lim="400000"/>
+                    </a:lnT>
+                    <a:lnB w="12700">
+                      <a:solidFill>
+                        <a:srgbClr val="5A5F5E"/>
+                      </a:solidFill>
+                      <a:miter lim="400000"/>
+                    </a:lnB>
+                  </a:tcPr>
+                </a:tc>
+              </a:tr>
+              <a:tr h="508000">
+                <a:tc>
+                  <a:txBody>
+                    <a:bodyPr/>
+                    <a:lstStyle/>
+                    <a:p>
+                      <a:pPr algn="l">
+                        <a:defRPr>
+                          <a:solidFill>
+                            <a:srgbClr val="000000"/>
+                          </a:solidFill>
+                        </a:defRPr>
+                      </a:pPr>
+                      <a:r>
+                        <a:rPr sz="2600">
+                          <a:solidFill>
+                            <a:srgbClr val="5A5F5E"/>
+                          </a:solidFill>
+                          <a:latin typeface="Monaco"/>
+                          <a:ea typeface="Monaco"/>
+                          <a:cs typeface="Monaco"/>
+                          <a:sym typeface="Monaco"/>
+                        </a:rPr>
+                        <a:t>MAX(colonne)</a:t>
+                      </a:r>
+                    </a:p>
+                  </a:txBody>
+                  <a:tcPr marL="50800" marR="50800" marT="50800" marB="50800" anchor="t" anchorCtr="0" horzOverflow="overflow">
+                    <a:lnL w="0">
+                      <a:miter lim="400000"/>
+                    </a:lnL>
+                    <a:lnR w="0">
+                      <a:miter lim="400000"/>
+                    </a:lnR>
+                    <a:lnT w="12700">
+                      <a:solidFill>
+                        <a:srgbClr val="5A5F5E"/>
+                      </a:solidFill>
+                      <a:miter lim="400000"/>
+                    </a:lnT>
+                    <a:lnB w="12700">
+                      <a:solidFill>
+                        <a:srgbClr val="5A5F5E"/>
+                      </a:solidFill>
+                      <a:miter lim="400000"/>
+                    </a:lnB>
+                  </a:tcPr>
+                </a:tc>
+                <a:tc>
+                  <a:txBody>
+                    <a:bodyPr/>
+                    <a:lstStyle/>
+                    <a:p>
+                      <a:pPr algn="l">
+                        <a:defRPr>
+                          <a:solidFill>
+                            <a:srgbClr val="000000"/>
+                          </a:solidFill>
+                        </a:defRPr>
+                      </a:pPr>
+                      <a:r>
+                        <a:rPr sz="3000">
+                          <a:solidFill>
+                            <a:srgbClr val="5A5F5E"/>
+                          </a:solidFill>
+                        </a:rPr>
+                        <a:t>Retourne la valeur maximale de la colonne spécifiée</a:t>
+                      </a:r>
+                    </a:p>
+                  </a:txBody>
+                  <a:tcPr marL="50800" marR="50800" marT="50800" marB="50800" anchor="t" anchorCtr="0" horzOverflow="overflow">
+                    <a:lnL w="0">
+                      <a:miter lim="400000"/>
+                    </a:lnL>
+                    <a:lnR w="0">
+                      <a:miter lim="400000"/>
+                    </a:lnR>
+                    <a:lnT w="12700">
+                      <a:solidFill>
+                        <a:srgbClr val="5A5F5E"/>
+                      </a:solidFill>
+                      <a:miter lim="400000"/>
+                    </a:lnT>
+                    <a:lnB w="12700">
+                      <a:solidFill>
+                        <a:srgbClr val="5A5F5E"/>
+                      </a:solidFill>
+                      <a:miter lim="400000"/>
+                    </a:lnB>
+                  </a:tcPr>
+                </a:tc>
+              </a:tr>
+              <a:tr h="508000">
+                <a:tc>
+                  <a:txBody>
+                    <a:bodyPr/>
+                    <a:lstStyle/>
+                    <a:p>
+                      <a:pPr algn="l">
+                        <a:defRPr>
+                          <a:solidFill>
+                            <a:srgbClr val="000000"/>
+                          </a:solidFill>
+                        </a:defRPr>
+                      </a:pPr>
+                      <a:r>
+                        <a:rPr sz="2600">
+                          <a:solidFill>
+                            <a:srgbClr val="5A5F5E"/>
+                          </a:solidFill>
+                          <a:latin typeface="Monaco"/>
+                          <a:ea typeface="Monaco"/>
+                          <a:cs typeface="Monaco"/>
+                          <a:sym typeface="Monaco"/>
+                        </a:rPr>
+                        <a:t>GREATEST(colonne1, colonne2)</a:t>
+                      </a:r>
+                    </a:p>
+                  </a:txBody>
+                  <a:tcPr marL="50800" marR="50800" marT="50800" marB="50800" anchor="t" anchorCtr="0" horzOverflow="overflow">
+                    <a:lnL w="0">
+                      <a:miter lim="400000"/>
+                    </a:lnL>
+                    <a:lnR w="0">
+                      <a:miter lim="400000"/>
+                    </a:lnR>
+                    <a:lnT w="12700">
+                      <a:solidFill>
+                        <a:srgbClr val="5A5F5E"/>
+                      </a:solidFill>
+                      <a:miter lim="400000"/>
+                    </a:lnT>
+                    <a:lnB w="12700">
+                      <a:solidFill>
+                        <a:srgbClr val="5A5F5E"/>
+                      </a:solidFill>
+                      <a:miter lim="400000"/>
+                    </a:lnB>
+                  </a:tcPr>
+                </a:tc>
+                <a:tc>
+                  <a:txBody>
+                    <a:bodyPr/>
+                    <a:lstStyle/>
+                    <a:p>
+                      <a:pPr algn="l">
+                        <a:defRPr>
+                          <a:solidFill>
+                            <a:srgbClr val="000000"/>
+                          </a:solidFill>
+                        </a:defRPr>
+                      </a:pPr>
+                      <a:r>
+                        <a:rPr sz="3000">
+                          <a:solidFill>
+                            <a:srgbClr val="5A5F5E"/>
+                          </a:solidFill>
+                        </a:rPr>
+                        <a:t>Retourne la valeur la plus haute parmi les colonnes spécifiées</a:t>
+                      </a:r>
+                    </a:p>
+                  </a:txBody>
+                  <a:tcPr marL="50800" marR="50800" marT="50800" marB="50800" anchor="t" anchorCtr="0" horzOverflow="overflow">
+                    <a:lnL w="0">
+                      <a:miter lim="400000"/>
+                    </a:lnL>
+                    <a:lnR w="0">
+                      <a:miter lim="400000"/>
+                    </a:lnR>
+                    <a:lnT w="12700">
+                      <a:solidFill>
+                        <a:srgbClr val="5A5F5E"/>
+                      </a:solidFill>
+                      <a:miter lim="400000"/>
+                    </a:lnT>
+                    <a:lnB w="12700">
+                      <a:solidFill>
+                        <a:srgbClr val="5A5F5E"/>
+                      </a:solidFill>
+                      <a:miter lim="400000"/>
+                    </a:lnB>
+                  </a:tcPr>
+                </a:tc>
+              </a:tr>
+              <a:tr h="508000">
+                <a:tc>
+                  <a:txBody>
+                    <a:bodyPr/>
+                    <a:lstStyle/>
+                    <a:p>
+                      <a:pPr algn="l">
+                        <a:defRPr>
+                          <a:solidFill>
+                            <a:srgbClr val="000000"/>
+                          </a:solidFill>
+                        </a:defRPr>
+                      </a:pPr>
+                      <a:r>
+                        <a:rPr sz="2600">
+                          <a:solidFill>
+                            <a:srgbClr val="5A5F5E"/>
+                          </a:solidFill>
+                          <a:latin typeface="Monaco"/>
+                          <a:ea typeface="Monaco"/>
+                          <a:cs typeface="Monaco"/>
+                          <a:sym typeface="Monaco"/>
+                        </a:rPr>
+                        <a:t>MIN(colonne)</a:t>
+                      </a:r>
+                    </a:p>
+                  </a:txBody>
+                  <a:tcPr marL="50800" marR="50800" marT="50800" marB="50800" anchor="t" anchorCtr="0" horzOverflow="overflow">
+                    <a:lnL w="0">
+                      <a:miter lim="400000"/>
+                    </a:lnL>
+                    <a:lnR w="0">
+                      <a:miter lim="400000"/>
+                    </a:lnR>
+                    <a:lnT w="12700">
+                      <a:solidFill>
+                        <a:srgbClr val="5A5F5E"/>
+                      </a:solidFill>
+                      <a:miter lim="400000"/>
+                    </a:lnT>
+                    <a:lnB w="12700">
+                      <a:solidFill>
+                        <a:srgbClr val="5A5F5E"/>
+                      </a:solidFill>
+                      <a:miter lim="400000"/>
+                    </a:lnB>
+                  </a:tcPr>
+                </a:tc>
+                <a:tc>
+                  <a:txBody>
+                    <a:bodyPr/>
+                    <a:lstStyle/>
+                    <a:p>
+                      <a:pPr algn="l">
+                        <a:defRPr>
+                          <a:solidFill>
+                            <a:srgbClr val="000000"/>
+                          </a:solidFill>
+                        </a:defRPr>
+                      </a:pPr>
+                      <a:r>
+                        <a:rPr sz="3000">
+                          <a:solidFill>
+                            <a:srgbClr val="5A5F5E"/>
+                          </a:solidFill>
+                        </a:rPr>
+                        <a:t>Retourne la valeur minimale de la colonne spécifiée</a:t>
+                      </a:r>
+                    </a:p>
+                  </a:txBody>
+                  <a:tcPr marL="50800" marR="50800" marT="50800" marB="50800" anchor="t" anchorCtr="0" horzOverflow="overflow">
+                    <a:lnL w="0">
+                      <a:miter lim="400000"/>
+                    </a:lnL>
+                    <a:lnR w="0">
+                      <a:miter lim="400000"/>
+                    </a:lnR>
+                    <a:lnT w="12700">
+                      <a:solidFill>
+                        <a:srgbClr val="5A5F5E"/>
+                      </a:solidFill>
+                      <a:miter lim="400000"/>
+                    </a:lnT>
+                    <a:lnB w="12700">
+                      <a:solidFill>
+                        <a:srgbClr val="5A5F5E"/>
+                      </a:solidFill>
+                      <a:miter lim="400000"/>
+                    </a:lnB>
+                  </a:tcPr>
+                </a:tc>
+              </a:tr>
+              <a:tr h="508000">
+                <a:tc>
+                  <a:txBody>
+                    <a:bodyPr/>
+                    <a:lstStyle/>
+                    <a:p>
+                      <a:pPr algn="l">
+                        <a:defRPr>
+                          <a:solidFill>
+                            <a:srgbClr val="000000"/>
+                          </a:solidFill>
+                        </a:defRPr>
+                      </a:pPr>
+                      <a:r>
+                        <a:rPr sz="2600">
+                          <a:solidFill>
+                            <a:srgbClr val="5A5F5E"/>
+                          </a:solidFill>
+                          <a:latin typeface="Monaco"/>
+                          <a:ea typeface="Monaco"/>
+                          <a:cs typeface="Monaco"/>
+                          <a:sym typeface="Monaco"/>
+                        </a:rPr>
+                        <a:t>LEAST(colonne1, colonne2)</a:t>
+                      </a:r>
+                    </a:p>
+                  </a:txBody>
+                  <a:tcPr marL="50800" marR="50800" marT="50800" marB="50800" anchor="t" anchorCtr="0" horzOverflow="overflow">
+                    <a:lnL w="0">
+                      <a:miter lim="400000"/>
+                    </a:lnL>
+                    <a:lnR w="0">
+                      <a:miter lim="400000"/>
+                    </a:lnR>
+                    <a:lnT w="12700">
+                      <a:solidFill>
+                        <a:srgbClr val="5A5F5E"/>
+                      </a:solidFill>
+                      <a:miter lim="400000"/>
+                    </a:lnT>
+                    <a:lnB w="12700">
+                      <a:solidFill>
+                        <a:srgbClr val="5A5F5E"/>
+                      </a:solidFill>
+                      <a:miter lim="400000"/>
+                    </a:lnB>
+                  </a:tcPr>
+                </a:tc>
+                <a:tc>
+                  <a:txBody>
+                    <a:bodyPr/>
+                    <a:lstStyle/>
+                    <a:p>
+                      <a:pPr algn="l">
+                        <a:defRPr>
+                          <a:solidFill>
+                            <a:srgbClr val="000000"/>
+                          </a:solidFill>
+                        </a:defRPr>
+                      </a:pPr>
+                      <a:r>
+                        <a:rPr sz="3000">
+                          <a:solidFill>
+                            <a:srgbClr val="5A5F5E"/>
+                          </a:solidFill>
+                        </a:rPr>
+                        <a:t>Retourne la valeur la plus basse parmi les colonnes spécifiées</a:t>
+                      </a:r>
+                    </a:p>
+                  </a:txBody>
+                  <a:tcPr marL="50800" marR="50800" marT="50800" marB="50800" anchor="t" anchorCtr="0" horzOverflow="overflow">
+                    <a:lnL w="0">
+                      <a:miter lim="400000"/>
+                    </a:lnL>
+                    <a:lnR w="0">
+                      <a:miter lim="400000"/>
+                    </a:lnR>
+                    <a:lnT w="12700">
+                      <a:solidFill>
+                        <a:srgbClr val="5A5F5E"/>
+                      </a:solidFill>
+                      <a:miter lim="400000"/>
+                    </a:lnT>
+                    <a:lnB w="12700">
+                      <a:solidFill>
+                        <a:srgbClr val="5A5F5E"/>
+                      </a:solidFill>
+                      <a:miter lim="400000"/>
+                    </a:lnB>
+                  </a:tcPr>
+                </a:tc>
+              </a:tr>
+            </a:tbl>
+          </a:graphicData>
+        </a:graphic>
+      </p:graphicFrame>
+      <p:sp>
+        <p:nvSpPr>
+          <p:cNvPr id="484" name="Une fonction d’agrégation effectue un calcul sur un ensemble de valeurs et retourne une seule valeur"/>
+          <p:cNvSpPr txBox="1"/>
+          <p:nvPr/>
+        </p:nvSpPr>
+        <p:spPr>
+          <a:xfrm>
+            <a:off x="516079" y="4279900"/>
+            <a:ext cx="11972641" cy="1193801"/>
+          </a:xfrm>
+          <a:prstGeom prst="rect">
+            <a:avLst/>
+          </a:prstGeom>
+          <a:ln w="12700">
+            <a:miter lim="400000"/>
+          </a:ln>
+          <a:extLst>
+            <a:ext uri="{C572A759-6A51-4108-AA02-DFA0A04FC94B}">
+              <ma14:wrappingTextBoxFlag xmlns:ma14="http://schemas.microsoft.com/office/mac/drawingml/2011/main" val="1"/>
+            </a:ext>
+          </a:extLst>
+        </p:spPr>
+        <p:txBody>
+          <a:bodyPr wrap="none" lIns="50800" tIns="50800" rIns="50800" bIns="50800" anchor="ctr">
+            <a:spAutoFit/>
+          </a:bodyPr>
+          <a:lstStyle/>
+          <a:p>
+            <a:pPr>
+              <a:spcBef>
+                <a:spcPts val="3800"/>
+              </a:spcBef>
+              <a:defRPr sz="3800"/>
+            </a:pPr>
+            <a:r>
+              <a:t>Une fonction d’agrégation effectue un</a:t>
+            </a:r>
+            <a:br/>
+            <a:r>
+              <a:rPr u="sng"/>
+              <a:t>calcul sur un ensemble de valeurs et retourne une seule valeur</a:t>
+            </a:r>
+          </a:p>
+        </p:txBody>
+      </p:sp>
+      <p:sp>
+        <p:nvSpPr>
+          <p:cNvPr id="485" name="Elles s’utilises dans les clauses SELECT et HAVING"/>
+          <p:cNvSpPr txBox="1"/>
+          <p:nvPr/>
+        </p:nvSpPr>
+        <p:spPr>
+          <a:xfrm>
+            <a:off x="1917340" y="5931202"/>
+            <a:ext cx="9170120" cy="622301"/>
+          </a:xfrm>
+          <a:prstGeom prst="rect">
+            <a:avLst/>
+          </a:prstGeom>
+          <a:ln w="12700">
+            <a:miter lim="400000"/>
+          </a:ln>
+          <a:extLst>
+            <a:ext uri="{C572A759-6A51-4108-AA02-DFA0A04FC94B}">
+              <ma14:wrappingTextBoxFlag xmlns:ma14="http://schemas.microsoft.com/office/mac/drawingml/2011/main" val="1"/>
+            </a:ext>
+          </a:extLst>
+        </p:spPr>
+        <p:txBody>
+          <a:bodyPr wrap="none" lIns="50800" tIns="50800" rIns="50800" bIns="50800" anchor="ctr">
+            <a:spAutoFit/>
+          </a:bodyPr>
+          <a:lstStyle/>
+          <a:p>
+            <a:pPr/>
+            <a:r>
+              <a:t>Elles s’utilises dans les clauses SELECT et HAVING</a:t>
+            </a:r>
+          </a:p>
+        </p:txBody>
+      </p:sp>
+    </p:spTree>
+  </p:cSld>
+  <p:clrMapOvr>
+    <a:masterClrMapping/>
+  </p:clrMapOvr>
+  <p:transition xmlns:p14="http://schemas.microsoft.com/office/powerpoint/2010/main" spd="med" advClick="1"/>
+  <p:timing>
+    <p:tnLst>
+      <p:par>
+        <p:cTn id="1" nodeType="tmRoot" restart="never" dur="indefinite" fill="hold">
+          <p:childTnLst>
+            <p:seq concurrent="1" prevAc="none" nextAc="seek">
+              <p:cTn id="2" nodeType="mainSeq" dur="indefinite" fill="hold">
+                <p:childTnLst>
+                  <p:par>
+                    <p:cTn id="3" fill="hold">
+                      <p:stCondLst>
+                        <p:cond delay="indefinite"/>
+                      </p:stCondLst>
+                      <p:childTnLst>
+                        <p:par>
+                          <p:cTn id="4" fill="hold">
+                            <p:stCondLst>
+                              <p:cond delay="0"/>
+                            </p:stCondLst>
+                            <p:childTnLst>
+                              <p:par>
+                                <p:cTn id="5" presetClass="entr" nodeType="clickEffect" presetID="9" grpId="1" fill="hold">
+                                  <p:stCondLst>
+                                    <p:cond delay="0"/>
+                                  </p:stCondLst>
+                                  <p:iterate type="el" backwards="0">
+                                    <p:tmAbs val="0"/>
+                                  </p:iterate>
+                                  <p:childTnLst>
+                                    <p:set>
+                                      <p:cBhvr>
+                                        <p:cTn id="6" fill="hold"/>
+                                        <p:tgtEl>
+                                          <p:spTgt spid="484"/>
+                                        </p:tgtEl>
+                                        <p:attrNameLst>
+                                          <p:attrName>style.visibility</p:attrName>
+                                        </p:attrNameLst>
+                                      </p:cBhvr>
+                                      <p:to>
+                                        <p:strVal val="visible"/>
+                                      </p:to>
+                                    </p:set>
+                                    <p:animEffect filter="dissolve" transition="in">
+                                      <p:cBhvr>
+                                        <p:cTn id="7" dur="300"/>
+                                        <p:tgtEl>
+                                          <p:spTgt spid="484"/>
+                                        </p:tgtEl>
+                                      </p:cBhvr>
+                                    </p:animEffect>
+                                  </p:childTnLst>
+                                </p:cTn>
+                              </p:par>
+                            </p:childTnLst>
+                          </p:cTn>
+                        </p:par>
+                      </p:childTnLst>
+                    </p:cTn>
+                  </p:par>
+                  <p:par>
+                    <p:cTn id="8" fill="hold">
+                      <p:stCondLst>
+                        <p:cond delay="indefinite"/>
+                      </p:stCondLst>
+                      <p:childTnLst>
+                        <p:par>
+                          <p:cTn id="9" fill="hold">
+                            <p:stCondLst>
+                              <p:cond delay="0"/>
+                            </p:stCondLst>
+                            <p:childTnLst>
+                              <p:par>
+                                <p:cTn id="10" presetClass="entr" nodeType="clickEffect" presetID="9" grpId="2" fill="hold">
+                                  <p:stCondLst>
+                                    <p:cond delay="0"/>
+                                  </p:stCondLst>
+                                  <p:iterate type="el" backwards="0">
+                                    <p:tmAbs val="0"/>
+                                  </p:iterate>
+                                  <p:childTnLst>
+                                    <p:set>
+                                      <p:cBhvr>
+                                        <p:cTn id="11" fill="hold"/>
+                                        <p:tgtEl>
+                                          <p:spTgt spid="485"/>
+                                        </p:tgtEl>
+                                        <p:attrNameLst>
+                                          <p:attrName>style.visibility</p:attrName>
+                                        </p:attrNameLst>
+                                      </p:cBhvr>
+                                      <p:to>
+                                        <p:strVal val="visible"/>
+                                      </p:to>
+                                    </p:set>
+                                    <p:animEffect filter="dissolve" transition="in">
+                                      <p:cBhvr>
+                                        <p:cTn id="12" dur="300"/>
+                                        <p:tgtEl>
+                                          <p:spTgt spid="485"/>
+                                        </p:tgtEl>
+                                      </p:cBhvr>
+                                    </p:animEffect>
+                                  </p:childTnLst>
+                                </p:cTn>
+                              </p:par>
+                            </p:childTnLst>
+                          </p:cTn>
+                        </p:par>
+                      </p:childTnLst>
+                    </p:cTn>
+                  </p:par>
+                  <p:par>
+                    <p:cTn id="13" fill="hold">
+                      <p:stCondLst>
+                        <p:cond delay="indefinite"/>
+                      </p:stCondLst>
+                      <p:childTnLst>
+                        <p:par>
+                          <p:cTn id="14" fill="hold">
+                            <p:stCondLst>
+                              <p:cond delay="0"/>
+                            </p:stCondLst>
+                            <p:childTnLst>
+                              <p:par>
+                                <p:cTn id="15" presetClass="path" nodeType="clickEffect" presetSubtype="0" presetID="-1" grpId="3" accel="50000" decel="50000" fill="hold">
+                                  <p:stCondLst>
+                                    <p:cond delay="0"/>
+                                  </p:stCondLst>
+                                  <p:childTnLst>
+                                    <p:animMotion path="M 0.000000 0.000000 L -0.000085 -0.064805" origin="layout" pathEditMode="relative">
+                                      <p:cBhvr>
+                                        <p:cTn id="16" dur="300" fill="hold"/>
+                                        <p:tgtEl>
+                                          <p:spTgt spid="482"/>
+                                        </p:tgtEl>
+                                        <p:attrNameLst>
+                                          <p:attrName>ppt_x</p:attrName>
+                                          <p:attrName>ppt_y</p:attrName>
+                                        </p:attrNameLst>
+                                      </p:cBhvr>
+                                    </p:animMotion>
+                                  </p:childTnLst>
+                                </p:cTn>
+                              </p:par>
+                            </p:childTnLst>
+                          </p:cTn>
+                        </p:par>
+                        <p:par>
+                          <p:cTn id="17" fill="hold">
+                            <p:stCondLst>
+                              <p:cond delay="0"/>
+                            </p:stCondLst>
+                            <p:childTnLst>
+                              <p:par>
+                                <p:cTn id="18" presetClass="emph" nodeType="withEffect" presetID="9" grpId="4" fill="hold">
+                                  <p:stCondLst>
+                                    <p:cond delay="0"/>
+                                  </p:stCondLst>
+                                  <p:childTnLst>
+                                    <p:set>
+                                      <p:cBhvr>
+                                        <p:cTn id="19" dur="indefinite" fill="hold"/>
+                                        <p:tgtEl>
+                                          <p:spTgt spid="484"/>
+                                        </p:tgtEl>
+                                        <p:attrNameLst>
+                                          <p:attrName>style.opacity</p:attrName>
+                                        </p:attrNameLst>
+                                      </p:cBhvr>
+                                      <p:to>
+                                        <p:strVal val="0.00"/>
+                                      </p:to>
+                                    </p:set>
+                                    <p:animEffect filter="image" prLst="opacity: 0.00; ">
+                                      <p:cBhvr>
+                                        <p:cTn id="20" dur="indefinite" fill="hold"/>
+                                        <p:tgtEl>
+                                          <p:spTgt spid="484"/>
+                                        </p:tgtEl>
+                                      </p:cBhvr>
+                                    </p:animEffect>
+                                  </p:childTnLst>
+                                </p:cTn>
+                              </p:par>
+                            </p:childTnLst>
+                          </p:cTn>
+                        </p:par>
+                        <p:par>
+                          <p:cTn id="21" fill="hold">
+                            <p:stCondLst>
+                              <p:cond delay="0"/>
+                            </p:stCondLst>
+                            <p:childTnLst>
+                              <p:par>
+                                <p:cTn id="22" presetClass="emph" nodeType="withEffect" presetID="9" grpId="5" fill="hold">
+                                  <p:stCondLst>
+                                    <p:cond delay="0"/>
+                                  </p:stCondLst>
+                                  <p:childTnLst>
+                                    <p:set>
+                                      <p:cBhvr>
+                                        <p:cTn id="23" dur="indefinite" fill="hold"/>
+                                        <p:tgtEl>
+                                          <p:spTgt spid="485"/>
+                                        </p:tgtEl>
+                                        <p:attrNameLst>
+                                          <p:attrName>style.opacity</p:attrName>
+                                        </p:attrNameLst>
+                                      </p:cBhvr>
+                                      <p:to>
+                                        <p:strVal val="0.00"/>
+                                      </p:to>
+                                    </p:set>
+                                    <p:animEffect filter="image" prLst="opacity: 0.00; ">
+                                      <p:cBhvr>
+                                        <p:cTn id="24" dur="indefinite" fill="hold"/>
+                                        <p:tgtEl>
+                                          <p:spTgt spid="485"/>
+                                        </p:tgtEl>
+                                      </p:cBhvr>
+                                    </p:animEffect>
+                                  </p:childTnLst>
+                                </p:cTn>
+                              </p:par>
+                            </p:childTnLst>
+                          </p:cTn>
+                        </p:par>
+                        <p:par>
+                          <p:cTn id="25" fill="hold">
+                            <p:stCondLst>
+                              <p:cond delay="300"/>
+                            </p:stCondLst>
+                            <p:childTnLst>
+                              <p:par>
+                                <p:cTn id="26" presetClass="entr" nodeType="afterEffect" presetID="9" grpId="6" fill="hold">
+                                  <p:stCondLst>
+                                    <p:cond delay="0"/>
+                                  </p:stCondLst>
+                                  <p:iterate type="el" backwards="0">
+                                    <p:tmAbs val="0"/>
+                                  </p:iterate>
+                                  <p:childTnLst>
+                                    <p:set>
+                                      <p:cBhvr>
+                                        <p:cTn id="27" fill="hold"/>
+                                        <p:tgtEl>
+                                          <p:spTgt spid="483"/>
+                                        </p:tgtEl>
+                                        <p:attrNameLst>
+                                          <p:attrName>style.visibility</p:attrName>
+                                        </p:attrNameLst>
+                                      </p:cBhvr>
+                                      <p:to>
+                                        <p:strVal val="visible"/>
+                                      </p:to>
+                                    </p:set>
+                                    <p:animEffect filter="dissolve" transition="in">
+                                      <p:cBhvr>
+                                        <p:cTn id="28" dur="300"/>
+                                        <p:tgtEl>
+                                          <p:spTgt spid="483"/>
+                                        </p:tgtEl>
+                                      </p:cBhvr>
+                                    </p:animEffect>
+                                  </p:childTnLst>
+                                </p:cTn>
+                              </p:par>
+                            </p:childTnLst>
+                          </p:cTn>
+                        </p:par>
+                      </p:childTnLst>
+                    </p:cTn>
+                  </p:par>
+                </p:childTnLst>
+              </p:cTn>
+              <p:prevCondLst>
+                <p:cond evt="onPrev">
+                  <p:tgtEl>
+                    <p:sldTgt/>
+                  </p:tgtEl>
+                </p:cond>
+              </p:prevCondLst>
+              <p:nextCondLst>
+                <p:cond evt="onNext">
+                  <p:tgtEl>
+                    <p:sldTgt/>
+                  </p:tgtEl>
+                </p:cond>
+              </p:nextCondLst>
+            </p:seq>
+          </p:childTnLst>
+        </p:cTn>
+      </p:par>
+    </p:tnLst>
+    <p:bldLst>
+      <p:bldP build="whole" bldLvl="1" animBg="1" rev="0" advAuto="0" spid="484" grpId="1"/>
+      <p:bldP build="whole" bldLvl="1" animBg="1" rev="0" advAuto="0" spid="483" grpId="6"/>
+      <p:bldP build="whole" bldLvl="1" animBg="1" rev="0" advAuto="0" spid="484" grpId="4"/>
+      <p:bldP build="whole" bldLvl="1" animBg="1" rev="0" advAuto="0" spid="485" grpId="5"/>
+      <p:bldP build="whole" bldLvl="1" animBg="1" rev="0" advAuto="0" spid="485" grpId="2"/>
+    </p:bldLst>
+  </p:timing>
+</p:sld>
+</file>
+
+<file path=ppt/slides/slide52.xml><?xml version="1.0" encoding="utf-8"?>
+<p:sld xmlns:a="http://schemas.openxmlformats.org/drawingml/2006/main" xmlns:r="http://schemas.openxmlformats.org/officeDocument/2006/relationships" xmlns:p="http://schemas.openxmlformats.org/presentationml/2006/main" xmlns:m="http://schemas.openxmlformats.org/officeDocument/2006/math" xmlns:a14="http://schemas.microsoft.com/office/drawing/2010/main" showMasterSp="1" showMasterPhAnim="1">
+  <p:cSld>
+    <p:spTree>
+      <p:nvGrpSpPr>
+        <p:cNvPr id="1" name=""/>
+        <p:cNvGrpSpPr/>
+        <p:nvPr/>
+      </p:nvGrpSpPr>
+      <p:grpSpPr>
+        <a:xfrm>
+          <a:off x="0" y="0"/>
+          <a:ext cx="0" cy="0"/>
+          <a:chOff x="0" y="0"/>
+          <a:chExt cx="0" cy="0"/>
+        </a:xfrm>
+      </p:grpSpPr>
+      <p:sp>
+        <p:nvSpPr>
+          <p:cNvPr id="489" name="Requêtage SQL"/>
+          <p:cNvSpPr txBox="1"/>
+          <p:nvPr/>
+        </p:nvSpPr>
+        <p:spPr>
+          <a:xfrm>
+            <a:off x="1270000" y="-12700"/>
+            <a:ext cx="10464800" cy="1282700"/>
+          </a:xfrm>
+          <a:prstGeom prst="rect">
+            <a:avLst/>
+          </a:prstGeom>
+          <a:ln w="12700">
+            <a:miter lim="400000"/>
+          </a:ln>
+          <a:extLst>
+            <a:ext uri="{C572A759-6A51-4108-AA02-DFA0A04FC94B}">
+              <ma14:wrappingTextBoxFlag xmlns:ma14="http://schemas.microsoft.com/office/mac/drawingml/2011/main" val="1"/>
+            </a:ext>
+          </a:extLst>
+        </p:spPr>
+        <p:txBody>
+          <a:bodyPr lIns="50800" tIns="50800" rIns="50800" bIns="50800" anchor="ctr">
+            <a:normAutofit fontScale="100000" lnSpcReduction="0"/>
+          </a:bodyPr>
+          <a:lstStyle>
+            <a:lvl1pPr>
+              <a:defRPr sz="2600"/>
+            </a:lvl1pPr>
+          </a:lstStyle>
+          <a:p>
+            <a:pPr/>
+            <a:r>
+              <a:t>Requêtage SQL</a:t>
+            </a:r>
+          </a:p>
+        </p:txBody>
+      </p:sp>
+      <p:sp>
+        <p:nvSpPr>
+          <p:cNvPr id="490" name="Autres fonctions"/>
+          <p:cNvSpPr txBox="1"/>
+          <p:nvPr/>
+        </p:nvSpPr>
+        <p:spPr>
+          <a:xfrm>
+            <a:off x="4842167" y="1400089"/>
+            <a:ext cx="3067126" cy="622301"/>
+          </a:xfrm>
+          <a:prstGeom prst="rect">
+            <a:avLst/>
+          </a:prstGeom>
+          <a:ln w="12700">
+            <a:miter lim="400000"/>
+          </a:ln>
+          <a:extLst>
+            <a:ext uri="{C572A759-6A51-4108-AA02-DFA0A04FC94B}">
+              <ma14:wrappingTextBoxFlag xmlns:ma14="http://schemas.microsoft.com/office/mac/drawingml/2011/main" val="1"/>
+            </a:ext>
+          </a:extLst>
+        </p:spPr>
+        <p:txBody>
+          <a:bodyPr wrap="none" lIns="50800" tIns="50800" rIns="50800" bIns="50800" anchor="ctr">
+            <a:spAutoFit/>
+          </a:bodyPr>
+          <a:lstStyle>
+            <a:lvl1pPr algn="l"/>
+          </a:lstStyle>
+          <a:p>
+            <a:pPr/>
+            <a:r>
+              <a:t>Autres fonctions</a:t>
+            </a:r>
+          </a:p>
+        </p:txBody>
+      </p:sp>
+      <p:graphicFrame>
+        <p:nvGraphicFramePr>
+          <p:cNvPr id="491" name="Tableau"/>
+          <p:cNvGraphicFramePr/>
+          <p:nvPr/>
+        </p:nvGraphicFramePr>
+        <p:xfrm>
+          <a:off x="588638" y="2429960"/>
+          <a:ext cx="11468101" cy="8216901"/>
+        </p:xfrm>
+        <a:graphic xmlns:a="http://schemas.openxmlformats.org/drawingml/2006/main">
+          <a:graphicData uri="http://schemas.openxmlformats.org/drawingml/2006/table">
+            <a:tbl>
+              <a:tblPr firstCol="0" firstRow="0" lastCol="0" lastRow="0" bandCol="0" bandRow="0" rtl="0">
+                <a:tableStyleId>{4C3C2611-4C71-4FC5-86AE-919BDF0F9419}</a:tableStyleId>
+              </a:tblPr>
+              <a:tblGrid>
+                <a:gridCol w="5227595"/>
+                <a:gridCol w="6599927"/>
+              </a:tblGrid>
+              <a:tr h="508000">
+                <a:tc>
+                  <a:txBody>
+                    <a:bodyPr/>
+                    <a:lstStyle/>
+                    <a:p>
+                      <a:pPr algn="l">
+                        <a:defRPr>
+                          <a:solidFill>
+                            <a:srgbClr val="000000"/>
+                          </a:solidFill>
+                        </a:defRPr>
+                      </a:pPr>
+                      <a:r>
+                        <a:rPr sz="2400">
+                          <a:solidFill>
+                            <a:srgbClr val="5A5F5E"/>
+                          </a:solidFill>
+                          <a:latin typeface="Monaco"/>
+                          <a:ea typeface="Monaco"/>
+                          <a:cs typeface="Monaco"/>
+                          <a:sym typeface="Monaco"/>
+                        </a:rPr>
+                        <a:t>EXTRACT([quoi] FROM [champ])</a:t>
+                      </a:r>
+                    </a:p>
+                  </a:txBody>
+                  <a:tcPr marL="50800" marR="50800" marT="50800" marB="50800" anchor="t" anchorCtr="0" horzOverflow="overflow">
+                    <a:lnL w="0">
+                      <a:miter lim="400000"/>
+                    </a:lnL>
+                    <a:lnR w="0">
+                      <a:miter lim="400000"/>
+                    </a:lnR>
+                    <a:lnT w="12700">
+                      <a:solidFill>
+                        <a:srgbClr val="5A5F5E"/>
+                      </a:solidFill>
+                      <a:miter lim="400000"/>
+                    </a:lnT>
+                    <a:lnB w="12700">
+                      <a:solidFill>
+                        <a:srgbClr val="5A5F5E"/>
+                      </a:solidFill>
+                      <a:miter lim="400000"/>
+                    </a:lnB>
+                  </a:tcPr>
+                </a:tc>
+                <a:tc>
+                  <a:txBody>
+                    <a:bodyPr/>
+                    <a:lstStyle/>
+                    <a:p>
+                      <a:pPr algn="l">
+                        <a:defRPr>
+                          <a:solidFill>
+                            <a:srgbClr val="000000"/>
+                          </a:solidFill>
+                        </a:defRPr>
+                      </a:pPr>
+                      <a:r>
+                        <a:rPr sz="2600">
+                          <a:solidFill>
+                            <a:srgbClr val="5A5F5E"/>
+                          </a:solidFill>
+                        </a:rPr>
+                        <a:t>Extrait une donnée d’un champ date/time</a:t>
+                      </a:r>
+                    </a:p>
+                  </a:txBody>
+                  <a:tcPr marL="50800" marR="50800" marT="50800" marB="50800" anchor="t" anchorCtr="0" horzOverflow="overflow">
+                    <a:lnL w="0">
+                      <a:miter lim="400000"/>
+                    </a:lnL>
+                    <a:lnR w="0">
+                      <a:miter lim="400000"/>
+                    </a:lnR>
+                    <a:lnT w="12700">
+                      <a:solidFill>
+                        <a:srgbClr val="5A5F5E"/>
+                      </a:solidFill>
+                      <a:miter lim="400000"/>
+                    </a:lnT>
+                    <a:lnB w="12700">
+                      <a:solidFill>
+                        <a:srgbClr val="5A5F5E"/>
+                      </a:solidFill>
+                      <a:miter lim="400000"/>
+                    </a:lnB>
+                  </a:tcPr>
+                </a:tc>
+              </a:tr>
+              <a:tr h="508000">
+                <a:tc>
+                  <a:txBody>
+                    <a:bodyPr/>
+                    <a:lstStyle/>
+                    <a:p>
+                      <a:pPr algn="l">
+                        <a:defRPr>
+                          <a:solidFill>
+                            <a:srgbClr val="000000"/>
+                          </a:solidFill>
+                        </a:defRPr>
+                      </a:pPr>
+                      <a:r>
+                        <a:rPr sz="2300">
+                          <a:solidFill>
+                            <a:srgbClr val="5A5F5E"/>
+                          </a:solidFill>
+                          <a:latin typeface="Monaco"/>
+                          <a:ea typeface="Monaco"/>
+                          <a:cs typeface="Monaco"/>
+                          <a:sym typeface="Monaco"/>
+                        </a:rPr>
+                        <a:t>EXTRACT(YEAR FROM birthday)</a:t>
+                      </a:r>
+                    </a:p>
+                  </a:txBody>
+                  <a:tcPr marL="50800" marR="50800" marT="50800" marB="50800" anchor="t" anchorCtr="0" horzOverflow="overflow">
+                    <a:lnL w="0">
+                      <a:miter lim="400000"/>
+                    </a:lnL>
+                    <a:lnR w="0">
+                      <a:miter lim="400000"/>
+                    </a:lnR>
+                    <a:lnT w="12700">
+                      <a:solidFill>
+                        <a:srgbClr val="5A5F5E"/>
+                      </a:solidFill>
+                      <a:miter lim="400000"/>
+                    </a:lnT>
+                    <a:lnB w="12700">
+                      <a:solidFill>
+                        <a:srgbClr val="5A5F5E"/>
+                      </a:solidFill>
+                      <a:miter lim="400000"/>
+                    </a:lnB>
+                  </a:tcPr>
+                </a:tc>
+                <a:tc>
+                  <a:txBody>
+                    <a:bodyPr/>
+                    <a:lstStyle/>
+                    <a:p>
+                      <a:pPr algn="l">
+                        <a:defRPr>
+                          <a:solidFill>
+                            <a:srgbClr val="000000"/>
+                          </a:solidFill>
+                        </a:defRPr>
+                      </a:pPr>
+                      <a:r>
+                        <a:rPr sz="2600">
+                          <a:solidFill>
+                            <a:srgbClr val="5A5F5E"/>
+                          </a:solidFill>
+                        </a:rPr>
+                        <a:t>Année (YYYY)</a:t>
+                      </a:r>
+                    </a:p>
+                  </a:txBody>
+                  <a:tcPr marL="50800" marR="50800" marT="50800" marB="50800" anchor="t" anchorCtr="0" horzOverflow="overflow">
+                    <a:lnL w="0">
+                      <a:miter lim="400000"/>
+                    </a:lnL>
+                    <a:lnR w="0">
+                      <a:miter lim="400000"/>
+                    </a:lnR>
+                    <a:lnT w="12700">
+                      <a:solidFill>
+                        <a:srgbClr val="5A5F5E"/>
+                      </a:solidFill>
+                      <a:miter lim="400000"/>
+                    </a:lnT>
+                    <a:lnB w="12700">
+                      <a:solidFill>
+                        <a:srgbClr val="5A5F5E"/>
+                      </a:solidFill>
+                      <a:miter lim="400000"/>
+                    </a:lnB>
+                  </a:tcPr>
+                </a:tc>
+              </a:tr>
+              <a:tr h="508000">
+                <a:tc>
+                  <a:txBody>
+                    <a:bodyPr/>
+                    <a:lstStyle/>
+                    <a:p>
+                      <a:pPr algn="l">
+                        <a:defRPr>
+                          <a:solidFill>
+                            <a:srgbClr val="000000"/>
+                          </a:solidFill>
+                        </a:defRPr>
+                      </a:pPr>
+                      <a:r>
+                        <a:rPr sz="2300">
+                          <a:solidFill>
+                            <a:srgbClr val="5A5F5E"/>
+                          </a:solidFill>
+                          <a:latin typeface="Monaco"/>
+                          <a:ea typeface="Monaco"/>
+                          <a:cs typeface="Monaco"/>
+                          <a:sym typeface="Monaco"/>
+                        </a:rPr>
+                        <a:t>EXTRACT(DAY FROM date)</a:t>
+                      </a:r>
+                    </a:p>
+                  </a:txBody>
+                  <a:tcPr marL="50800" marR="50800" marT="50800" marB="50800" anchor="t" anchorCtr="0" horzOverflow="overflow">
+                    <a:lnL w="0">
+                      <a:miter lim="400000"/>
+                    </a:lnL>
+                    <a:lnR w="0">
+                      <a:miter lim="400000"/>
+                    </a:lnR>
+                    <a:lnT w="12700">
+                      <a:solidFill>
+                        <a:srgbClr val="5A5F5E"/>
+                      </a:solidFill>
+                      <a:miter lim="400000"/>
+                    </a:lnT>
+                    <a:lnB w="12700">
+                      <a:solidFill>
+                        <a:srgbClr val="5A5F5E"/>
+                      </a:solidFill>
+                      <a:miter lim="400000"/>
+                    </a:lnB>
+                  </a:tcPr>
+                </a:tc>
+                <a:tc>
+                  <a:txBody>
+                    <a:bodyPr/>
+                    <a:lstStyle/>
+                    <a:p>
+                      <a:pPr algn="l">
+                        <a:defRPr>
+                          <a:solidFill>
+                            <a:srgbClr val="000000"/>
+                          </a:solidFill>
+                        </a:defRPr>
+                      </a:pPr>
+                      <a:r>
+                        <a:rPr sz="2600">
+                          <a:solidFill>
+                            <a:srgbClr val="5A5F5E"/>
+                          </a:solidFill>
+                        </a:rPr>
+                        <a:t>Jour du mois (1-31)</a:t>
+                      </a:r>
+                    </a:p>
+                  </a:txBody>
+                  <a:tcPr marL="50800" marR="50800" marT="50800" marB="50800" anchor="t" anchorCtr="0" horzOverflow="overflow">
+                    <a:lnL w="0">
+                      <a:miter lim="400000"/>
+                    </a:lnL>
+                    <a:lnR w="0">
+                      <a:miter lim="400000"/>
+                    </a:lnR>
+                    <a:lnT w="12700">
+                      <a:solidFill>
+                        <a:srgbClr val="5A5F5E"/>
+                      </a:solidFill>
+                      <a:miter lim="400000"/>
+                    </a:lnT>
+                    <a:lnB w="12700">
+                      <a:solidFill>
+                        <a:srgbClr val="5A5F5E"/>
+                      </a:solidFill>
+                      <a:miter lim="400000"/>
+                    </a:lnB>
+                  </a:tcPr>
+                </a:tc>
+              </a:tr>
+              <a:tr h="508000">
+                <a:tc>
+                  <a:txBody>
+                    <a:bodyPr/>
+                    <a:lstStyle/>
+                    <a:p>
+                      <a:pPr algn="l">
+                        <a:defRPr>
+                          <a:solidFill>
+                            <a:srgbClr val="000000"/>
+                          </a:solidFill>
+                        </a:defRPr>
+                      </a:pPr>
+                      <a:r>
+                        <a:rPr sz="2300">
+                          <a:solidFill>
+                            <a:srgbClr val="5A5F5E"/>
+                          </a:solidFill>
+                          <a:latin typeface="Monaco"/>
+                          <a:ea typeface="Monaco"/>
+                          <a:cs typeface="Monaco"/>
+                          <a:sym typeface="Monaco"/>
+                        </a:rPr>
+                        <a:t>EXTRACT(ISODOW FROM date)</a:t>
+                      </a:r>
+                    </a:p>
+                  </a:txBody>
+                  <a:tcPr marL="50800" marR="50800" marT="50800" marB="50800" anchor="t" anchorCtr="0" horzOverflow="overflow">
+                    <a:lnL w="0">
+                      <a:miter lim="400000"/>
+                    </a:lnL>
+                    <a:lnR w="0">
+                      <a:miter lim="400000"/>
+                    </a:lnR>
+                    <a:lnT w="12700">
+                      <a:solidFill>
+                        <a:srgbClr val="5A5F5E"/>
+                      </a:solidFill>
+                      <a:miter lim="400000"/>
+                    </a:lnT>
+                    <a:lnB w="0">
+                      <a:miter lim="400000"/>
+                    </a:lnB>
+                  </a:tcPr>
+                </a:tc>
+                <a:tc>
+                  <a:txBody>
+                    <a:bodyPr/>
+                    <a:lstStyle/>
+                    <a:p>
+                      <a:pPr algn="l">
+                        <a:defRPr>
+                          <a:solidFill>
+                            <a:srgbClr val="000000"/>
+                          </a:solidFill>
+                        </a:defRPr>
+                      </a:pPr>
+                      <a:r>
+                        <a:rPr sz="2600">
+                          <a:solidFill>
+                            <a:srgbClr val="5A5F5E"/>
+                          </a:solidFill>
+                        </a:rPr>
+                        <a:t>Jour de la semaine (lundi 1 - dimanche 7)</a:t>
+                      </a:r>
+                    </a:p>
+                  </a:txBody>
+                  <a:tcPr marL="50800" marR="50800" marT="50800" marB="50800" anchor="t" anchorCtr="0" horzOverflow="overflow">
+                    <a:lnL w="0">
+                      <a:miter lim="400000"/>
+                    </a:lnL>
+                    <a:lnR w="0">
+                      <a:miter lim="400000"/>
+                    </a:lnR>
+                    <a:lnT w="12700">
+                      <a:solidFill>
+                        <a:srgbClr val="5A5F5E"/>
+                      </a:solidFill>
+                      <a:miter lim="400000"/>
+                    </a:lnT>
+                    <a:lnB w="0">
+                      <a:miter lim="400000"/>
+                    </a:lnB>
+                  </a:tcPr>
+                </a:tc>
+              </a:tr>
+              <a:tr h="185198">
+                <a:tc>
+                  <a:txBody>
+                    <a:bodyPr/>
+                    <a:lstStyle/>
+                    <a:p>
+                      <a:pPr algn="l">
+                        <a:defRPr sz="1000">
+                          <a:latin typeface="Monaco"/>
+                          <a:ea typeface="Monaco"/>
+                          <a:cs typeface="Monaco"/>
+                          <a:sym typeface="Monaco"/>
+                        </a:defRPr>
+                      </a:pPr>
+                    </a:p>
+                  </a:txBody>
+                  <a:tcPr marL="50800" marR="50800" marT="50800" marB="50800" anchor="t" anchorCtr="0" horzOverflow="overflow">
+                    <a:lnL w="0">
+                      <a:miter lim="400000"/>
+                    </a:lnL>
+                    <a:lnR w="0">
+                      <a:miter lim="400000"/>
+                    </a:lnR>
+                    <a:lnT w="0">
+                      <a:miter lim="400000"/>
+                    </a:lnT>
+                    <a:lnB w="0">
+                      <a:miter lim="400000"/>
+                    </a:lnB>
+                  </a:tcPr>
+                </a:tc>
+                <a:tc>
+                  <a:txBody>
+                    <a:bodyPr/>
+                    <a:lstStyle/>
+                    <a:p>
+                      <a:pPr algn="l">
+                        <a:defRPr sz="1000"/>
+                      </a:pPr>
+                    </a:p>
+                  </a:txBody>
+                  <a:tcPr marL="50800" marR="50800" marT="50800" marB="50800" anchor="t" anchorCtr="0" horzOverflow="overflow">
+                    <a:lnL w="0">
+                      <a:miter lim="400000"/>
+                    </a:lnL>
+                    <a:lnR w="0">
+                      <a:miter lim="400000"/>
+                    </a:lnR>
+                    <a:lnT w="0">
+                      <a:miter lim="400000"/>
+                    </a:lnT>
+                    <a:lnB w="0">
+                      <a:miter lim="400000"/>
+                    </a:lnB>
+                  </a:tcPr>
+                </a:tc>
+              </a:tr>
+              <a:tr h="508000">
+                <a:tc>
+                  <a:txBody>
+                    <a:bodyPr/>
+                    <a:lstStyle/>
+                    <a:p>
+                      <a:pPr algn="l">
+                        <a:defRPr>
+                          <a:solidFill>
+                            <a:srgbClr val="000000"/>
+                          </a:solidFill>
+                        </a:defRPr>
+                      </a:pPr>
+                      <a:r>
+                        <a:rPr sz="2400">
+                          <a:solidFill>
+                            <a:srgbClr val="5A5F5E"/>
+                          </a:solidFill>
+                          <a:latin typeface="Monaco"/>
+                          <a:ea typeface="Monaco"/>
+                          <a:cs typeface="Monaco"/>
+                          <a:sym typeface="Monaco"/>
+                        </a:rPr>
+                        <a:t>CONCAT([champ1], [separateur], [champ2])</a:t>
+                      </a:r>
+                    </a:p>
+                  </a:txBody>
+                  <a:tcPr marL="50800" marR="50800" marT="50800" marB="50800" anchor="t" anchorCtr="0" horzOverflow="overflow">
+                    <a:lnL w="0">
+                      <a:miter lim="400000"/>
+                    </a:lnL>
+                    <a:lnR w="0">
+                      <a:miter lim="400000"/>
+                    </a:lnR>
+                    <a:lnT w="0">
+                      <a:miter lim="400000"/>
+                    </a:lnT>
+                    <a:lnB w="12700">
+                      <a:solidFill>
+                        <a:srgbClr val="5A5F5E"/>
+                      </a:solidFill>
+                      <a:miter lim="400000"/>
+                    </a:lnB>
+                  </a:tcPr>
+                </a:tc>
+                <a:tc>
+                  <a:txBody>
+                    <a:bodyPr/>
+                    <a:lstStyle/>
+                    <a:p>
+                      <a:pPr algn="l">
+                        <a:defRPr sz="2600"/>
+                      </a:pPr>
+                      <a:r>
+                        <a:t>Concatène des champs </a:t>
+                      </a:r>
+                      <a:r>
+                        <a:rPr u="sng"/>
+                        <a:t>d’un même enregistrement</a:t>
+                      </a:r>
+                      <a:r>
+                        <a:t> ensembles</a:t>
+                      </a:r>
+                    </a:p>
+                  </a:txBody>
+                  <a:tcPr marL="50800" marR="50800" marT="50800" marB="50800" anchor="t" anchorCtr="0" horzOverflow="overflow">
+                    <a:lnL w="0">
+                      <a:miter lim="400000"/>
+                    </a:lnL>
+                    <a:lnR w="0">
+                      <a:miter lim="400000"/>
+                    </a:lnR>
+                    <a:lnT w="0">
+                      <a:miter lim="400000"/>
+                    </a:lnT>
+                    <a:lnB w="12700">
+                      <a:solidFill>
+                        <a:srgbClr val="5A5F5E"/>
+                      </a:solidFill>
+                      <a:miter lim="400000"/>
+                    </a:lnB>
+                  </a:tcPr>
+                </a:tc>
+              </a:tr>
+              <a:tr h="508000">
+                <a:tc>
+                  <a:txBody>
+                    <a:bodyPr/>
+                    <a:lstStyle/>
+                    <a:p>
+                      <a:pPr algn="l">
+                        <a:defRPr>
+                          <a:solidFill>
+                            <a:srgbClr val="000000"/>
+                          </a:solidFill>
+                        </a:defRPr>
+                      </a:pPr>
+                      <a:r>
+                        <a:rPr sz="2400">
+                          <a:solidFill>
+                            <a:srgbClr val="5A5F5E"/>
+                          </a:solidFill>
+                          <a:latin typeface="Monaco"/>
+                          <a:ea typeface="Monaco"/>
+                          <a:cs typeface="Monaco"/>
+                          <a:sym typeface="Monaco"/>
+                        </a:rPr>
+                        <a:t>CONCAT(prenom, ' ', nom)</a:t>
+                      </a:r>
+                    </a:p>
+                  </a:txBody>
+                  <a:tcPr marL="50800" marR="50800" marT="50800" marB="50800" anchor="ctr" anchorCtr="0" horzOverflow="overflow">
+                    <a:lnL w="0">
+                      <a:miter lim="400000"/>
+                    </a:lnL>
+                    <a:lnR w="0">
+                      <a:miter lim="400000"/>
+                    </a:lnR>
+                    <a:lnT w="12700">
+                      <a:solidFill>
+                        <a:srgbClr val="5A5F5E"/>
+                      </a:solidFill>
+                      <a:miter lim="400000"/>
+                    </a:lnT>
+                    <a:lnB w="0">
+                      <a:miter lim="400000"/>
+                    </a:lnB>
+                  </a:tcPr>
+                </a:tc>
+                <a:tc>
+                  <a:txBody>
+                    <a:bodyPr/>
+                    <a:lstStyle/>
+                    <a:p>
+                      <a:pPr algn="l">
+                        <a:defRPr>
+                          <a:solidFill>
+                            <a:srgbClr val="000000"/>
+                          </a:solidFill>
+                        </a:defRPr>
+                      </a:pPr>
+                      <a:r>
+                        <a:rPr sz="2600">
+                          <a:solidFill>
+                            <a:srgbClr val="5A5F5E"/>
+                          </a:solidFill>
+                        </a:rPr>
+                        <a:t>Concatène les champs prenom et nom séparés par un espace</a:t>
+                      </a:r>
+                    </a:p>
+                  </a:txBody>
+                  <a:tcPr marL="50800" marR="50800" marT="50800" marB="50800" anchor="t" anchorCtr="0" horzOverflow="overflow">
+                    <a:lnL w="0">
+                      <a:miter lim="400000"/>
+                    </a:lnL>
+                    <a:lnR w="0">
+                      <a:miter lim="400000"/>
+                    </a:lnR>
+                    <a:lnT w="12700">
+                      <a:solidFill>
+                        <a:srgbClr val="5A5F5E"/>
+                      </a:solidFill>
+                      <a:miter lim="400000"/>
+                    </a:lnT>
+                    <a:lnB w="0">
+                      <a:miter lim="400000"/>
+                    </a:lnB>
+                  </a:tcPr>
+                </a:tc>
+              </a:tr>
+              <a:tr h="257156">
+                <a:tc>
+                  <a:txBody>
+                    <a:bodyPr/>
+                    <a:lstStyle/>
+                    <a:p>
+                      <a:pPr algn="l">
+                        <a:defRPr sz="1000">
+                          <a:latin typeface="Monaco"/>
+                          <a:ea typeface="Monaco"/>
+                          <a:cs typeface="Monaco"/>
+                          <a:sym typeface="Monaco"/>
+                        </a:defRPr>
+                      </a:pPr>
+                    </a:p>
+                  </a:txBody>
+                  <a:tcPr marL="50800" marR="50800" marT="50800" marB="50800" anchor="t" anchorCtr="0" horzOverflow="overflow">
+                    <a:lnL w="0">
+                      <a:miter lim="400000"/>
+                    </a:lnL>
+                    <a:lnR w="0">
+                      <a:miter lim="400000"/>
+                    </a:lnR>
+                    <a:lnT w="0">
+                      <a:miter lim="400000"/>
+                    </a:lnT>
+                    <a:lnB w="0">
+                      <a:miter lim="400000"/>
+                    </a:lnB>
+                  </a:tcPr>
+                </a:tc>
+                <a:tc>
+                  <a:txBody>
+                    <a:bodyPr/>
+                    <a:lstStyle/>
+                    <a:p>
+                      <a:pPr algn="l">
+                        <a:defRPr sz="1000"/>
+                      </a:pPr>
+                    </a:p>
+                  </a:txBody>
+                  <a:tcPr marL="50800" marR="50800" marT="50800" marB="50800" anchor="t" anchorCtr="0" horzOverflow="overflow">
+                    <a:lnL w="0">
+                      <a:miter lim="400000"/>
+                    </a:lnL>
+                    <a:lnR w="0">
+                      <a:miter lim="400000"/>
+                    </a:lnR>
+                    <a:lnT w="0">
+                      <a:miter lim="400000"/>
+                    </a:lnT>
+                    <a:lnB w="0">
+                      <a:miter lim="400000"/>
+                    </a:lnB>
+                  </a:tcPr>
+                </a:tc>
+              </a:tr>
+              <a:tr h="508000">
+                <a:tc>
+                  <a:txBody>
+                    <a:bodyPr/>
+                    <a:lstStyle/>
+                    <a:p>
+                      <a:pPr algn="l">
+                        <a:defRPr>
+                          <a:solidFill>
+                            <a:srgbClr val="000000"/>
+                          </a:solidFill>
+                        </a:defRPr>
+                      </a:pPr>
+                      <a:r>
+                        <a:rPr sz="2400">
+                          <a:solidFill>
+                            <a:srgbClr val="5A5F5E"/>
+                          </a:solidFill>
+                          <a:latin typeface="Monaco"/>
+                          <a:ea typeface="Monaco"/>
+                          <a:cs typeface="Monaco"/>
+                          <a:sym typeface="Monaco"/>
+                        </a:rPr>
+                        <a:t>STRING_AGG([champ], [separateur])</a:t>
+                      </a:r>
+                    </a:p>
+                  </a:txBody>
+                  <a:tcPr marL="50800" marR="50800" marT="50800" marB="50800" anchor="t" anchorCtr="0" horzOverflow="overflow">
+                    <a:lnL w="0">
+                      <a:miter lim="400000"/>
+                    </a:lnL>
+                    <a:lnR w="0">
+                      <a:miter lim="400000"/>
+                    </a:lnR>
+                    <a:lnT w="0">
+                      <a:miter lim="400000"/>
+                    </a:lnT>
+                    <a:lnB w="12700">
+                      <a:solidFill>
+                        <a:srgbClr val="5A5F5E"/>
+                      </a:solidFill>
+                      <a:miter lim="400000"/>
+                    </a:lnB>
+                  </a:tcPr>
+                </a:tc>
+                <a:tc>
+                  <a:txBody>
+                    <a:bodyPr/>
+                    <a:lstStyle/>
+                    <a:p>
+                      <a:pPr algn="l">
+                        <a:defRPr sz="2600"/>
+                      </a:pPr>
+                      <a:r>
+                        <a:t>Concatène ensemble le champ de </a:t>
+                      </a:r>
+                      <a:r>
+                        <a:rPr u="sng"/>
+                        <a:t>plusieurs enregistrements</a:t>
+                      </a:r>
+                      <a:r>
+                        <a:t>.</a:t>
+                      </a:r>
+                    </a:p>
+                  </a:txBody>
+                  <a:tcPr marL="50800" marR="50800" marT="50800" marB="50800" anchor="t" anchorCtr="0" horzOverflow="overflow">
+                    <a:lnL w="0">
+                      <a:miter lim="400000"/>
+                    </a:lnL>
+                    <a:lnR w="0">
+                      <a:miter lim="400000"/>
+                    </a:lnR>
+                    <a:lnT w="0">
+                      <a:miter lim="400000"/>
+                    </a:lnT>
+                    <a:lnB w="12700">
+                      <a:solidFill>
+                        <a:srgbClr val="5A5F5E"/>
+                      </a:solidFill>
+                      <a:miter lim="400000"/>
+                    </a:lnB>
+                  </a:tcPr>
+                </a:tc>
+              </a:tr>
+              <a:tr h="508000">
+                <a:tc>
+                  <a:txBody>
+                    <a:bodyPr/>
+                    <a:lstStyle/>
+                    <a:p>
+                      <a:pPr algn="l">
+                        <a:defRPr>
+                          <a:solidFill>
+                            <a:srgbClr val="000000"/>
+                          </a:solidFill>
+                        </a:defRPr>
+                      </a:pPr>
+                      <a:r>
+                        <a:rPr sz="2400">
+                          <a:solidFill>
+                            <a:srgbClr val="5A5F5E"/>
+                          </a:solidFill>
+                          <a:latin typeface="Monaco"/>
+                          <a:ea typeface="Monaco"/>
+                          <a:cs typeface="Monaco"/>
+                          <a:sym typeface="Monaco"/>
+                        </a:rPr>
+                        <a:t>STRING_AGG(nom, ', ')</a:t>
+                      </a:r>
+                    </a:p>
+                  </a:txBody>
+                  <a:tcPr marL="50800" marR="50800" marT="50800" marB="50800" anchor="t" anchorCtr="0" horzOverflow="overflow">
+                    <a:lnL w="0">
+                      <a:miter lim="400000"/>
+                    </a:lnL>
+                    <a:lnR w="0">
+                      <a:miter lim="400000"/>
+                    </a:lnR>
+                    <a:lnT w="12700">
+                      <a:solidFill>
+                        <a:srgbClr val="5A5F5E"/>
+                      </a:solidFill>
+                      <a:miter lim="400000"/>
+                    </a:lnT>
+                    <a:lnB w="12700">
+                      <a:solidFill>
+                        <a:srgbClr val="5A5F5E"/>
+                      </a:solidFill>
+                      <a:miter lim="400000"/>
+                    </a:lnB>
+                  </a:tcPr>
+                </a:tc>
+                <a:tc>
+                  <a:txBody>
+                    <a:bodyPr/>
+                    <a:lstStyle/>
+                    <a:p>
+                      <a:pPr algn="l">
+                        <a:defRPr>
+                          <a:solidFill>
+                            <a:srgbClr val="000000"/>
+                          </a:solidFill>
+                        </a:defRPr>
+                      </a:pPr>
+                      <a:r>
+                        <a:rPr sz="2600">
+                          <a:solidFill>
+                            <a:srgbClr val="5A5F5E"/>
+                          </a:solidFill>
+                        </a:rPr>
+                        <a:t>Concatène tous les noms séparés par une virgule</a:t>
+                      </a:r>
+                    </a:p>
+                  </a:txBody>
+                  <a:tcPr marL="50800" marR="50800" marT="50800" marB="50800" anchor="t" anchorCtr="0" horzOverflow="overflow">
+                    <a:lnL w="0">
+                      <a:miter lim="400000"/>
+                    </a:lnL>
+                    <a:lnR w="0">
+                      <a:miter lim="400000"/>
+                    </a:lnR>
+                    <a:lnT w="12700">
+                      <a:solidFill>
+                        <a:srgbClr val="5A5F5E"/>
+                      </a:solidFill>
+                      <a:miter lim="400000"/>
+                    </a:lnT>
+                    <a:lnB w="12700">
+                      <a:solidFill>
+                        <a:srgbClr val="5A5F5E"/>
+                      </a:solidFill>
+                      <a:miter lim="400000"/>
+                    </a:lnB>
+                  </a:tcPr>
+                </a:tc>
+              </a:tr>
+            </a:tbl>
+          </a:graphicData>
+        </a:graphic>
+      </p:graphicFrame>
+    </p:spTree>
+  </p:cSld>
+  <p:clrMapOvr>
+    <a:masterClrMapping/>
+  </p:clrMapOvr>
+  <p:transition xmlns:p14="http://schemas.microsoft.com/office/powerpoint/2010/main" spd="med" advClick="1"/>
+</p:sld>
+</file>
+
+<file path=ppt/slides/slide53.xml><?xml version="1.0" encoding="utf-8"?>
+<p:sld xmlns:a="http://schemas.openxmlformats.org/drawingml/2006/main" xmlns:r="http://schemas.openxmlformats.org/officeDocument/2006/relationships" xmlns:p="http://schemas.openxmlformats.org/presentationml/2006/main" xmlns:m="http://schemas.openxmlformats.org/officeDocument/2006/math" xmlns:a14="http://schemas.microsoft.com/office/drawing/2010/main" showMasterSp="1" showMasterPhAnim="1">
+  <p:cSld>
+    <p:spTree>
+      <p:nvGrpSpPr>
+        <p:cNvPr id="1" name=""/>
+        <p:cNvGrpSpPr/>
+        <p:nvPr/>
+      </p:nvGrpSpPr>
+      <p:grpSpPr>
+        <a:xfrm>
+          <a:off x="0" y="0"/>
+          <a:ext cx="0" cy="0"/>
+          <a:chOff x="0" y="0"/>
+          <a:chExt cx="0" cy="0"/>
+        </a:xfrm>
+      </p:grpSpPr>
+      <p:sp>
+        <p:nvSpPr>
+          <p:cNvPr id="495" name="Requêtage SQL"/>
+          <p:cNvSpPr txBox="1"/>
+          <p:nvPr/>
+        </p:nvSpPr>
+        <p:spPr>
+          <a:xfrm>
+            <a:off x="1270000" y="-12700"/>
+            <a:ext cx="10464800" cy="1282700"/>
+          </a:xfrm>
+          <a:prstGeom prst="rect">
+            <a:avLst/>
+          </a:prstGeom>
+          <a:ln w="12700">
+            <a:miter lim="400000"/>
+          </a:ln>
+          <a:extLst>
+            <a:ext uri="{C572A759-6A51-4108-AA02-DFA0A04FC94B}">
+              <ma14:wrappingTextBoxFlag xmlns:ma14="http://schemas.microsoft.com/office/mac/drawingml/2011/main" val="1"/>
+            </a:ext>
+          </a:extLst>
+        </p:spPr>
+        <p:txBody>
+          <a:bodyPr lIns="50800" tIns="50800" rIns="50800" bIns="50800" anchor="ctr">
+            <a:normAutofit fontScale="100000" lnSpcReduction="0"/>
+          </a:bodyPr>
+          <a:lstStyle>
+            <a:lvl1pPr>
+              <a:defRPr sz="2600"/>
+            </a:lvl1pPr>
+          </a:lstStyle>
+          <a:p>
+            <a:pPr/>
+            <a:r>
+              <a:t>Requêtage SQL</a:t>
+            </a:r>
+          </a:p>
+        </p:txBody>
+      </p:sp>
+      <p:sp>
+        <p:nvSpPr>
+          <p:cNvPr id="496" name="Un peu de pratique"/>
+          <p:cNvSpPr txBox="1"/>
+          <p:nvPr/>
+        </p:nvSpPr>
+        <p:spPr>
+          <a:xfrm>
+            <a:off x="4672930" y="1732851"/>
+            <a:ext cx="3658940" cy="622301"/>
+          </a:xfrm>
+          <a:prstGeom prst="rect">
+            <a:avLst/>
+          </a:prstGeom>
+          <a:ln w="12700">
+            <a:miter lim="400000"/>
+          </a:ln>
+          <a:extLst>
+            <a:ext uri="{C572A759-6A51-4108-AA02-DFA0A04FC94B}">
+              <ma14:wrappingTextBoxFlag xmlns:ma14="http://schemas.microsoft.com/office/mac/drawingml/2011/main" val="1"/>
+            </a:ext>
+          </a:extLst>
+        </p:spPr>
+        <p:txBody>
+          <a:bodyPr wrap="none" lIns="50800" tIns="50800" rIns="50800" bIns="50800" anchor="ctr">
+            <a:spAutoFit/>
+          </a:bodyPr>
+          <a:lstStyle>
+            <a:lvl1pPr algn="l"/>
+          </a:lstStyle>
+          <a:p>
+            <a:pPr/>
+            <a:r>
+              <a:t>Un peu de pratique</a:t>
+            </a:r>
+          </a:p>
+        </p:txBody>
+      </p:sp>
+      <p:sp>
+        <p:nvSpPr>
+          <p:cNvPr id="497" name="http://bit.ly/postgresql-53"/>
+          <p:cNvSpPr txBox="1"/>
+          <p:nvPr/>
+        </p:nvSpPr>
+        <p:spPr>
+          <a:xfrm>
+            <a:off x="4095737" y="4552950"/>
+            <a:ext cx="4813326" cy="647701"/>
+          </a:xfrm>
+          <a:prstGeom prst="rect">
+            <a:avLst/>
+          </a:prstGeom>
+          <a:ln w="12700">
+            <a:miter lim="400000"/>
+          </a:ln>
+          <a:extLst>
+            <a:ext uri="{C572A759-6A51-4108-AA02-DFA0A04FC94B}">
+              <ma14:wrappingTextBoxFlag xmlns:ma14="http://schemas.microsoft.com/office/mac/drawingml/2011/main" val="1"/>
+            </a:ext>
+          </a:extLst>
+        </p:spPr>
+        <p:txBody>
+          <a:bodyPr wrap="none" lIns="50800" tIns="50800" rIns="50800" bIns="50800" anchor="ctr">
+            <a:spAutoFit/>
+          </a:bodyPr>
+          <a:lstStyle/>
+          <a:p>
+            <a:pPr/>
+            <a:r>
+              <a:t>http://bit.ly/</a:t>
+            </a:r>
+            <a:r>
+              <a:rPr>
+                <a:latin typeface="Gill Sans SemiBold"/>
+                <a:ea typeface="Gill Sans SemiBold"/>
+                <a:cs typeface="Gill Sans SemiBold"/>
+                <a:sym typeface="Gill Sans SemiBold"/>
+              </a:rPr>
+              <a:t>postgresql-53</a:t>
+            </a:r>
+          </a:p>
+        </p:txBody>
+      </p:sp>
+    </p:spTree>
+  </p:cSld>
+  <p:clrMapOvr>
+    <a:masterClrMapping/>
+  </p:clrMapOvr>
+  <p:transition xmlns:p14="http://schemas.microsoft.com/office/powerpoint/2010/main" spd="med" advClick="1"/>
+</p:sld>
+</file>
+
 <file path=ppt/slides/slide6.xml><?xml version="1.0" encoding="utf-8"?>
 <p:sld xmlns:a="http://schemas.openxmlformats.org/drawingml/2006/main" xmlns:r="http://schemas.openxmlformats.org/officeDocument/2006/relationships" xmlns:p="http://schemas.openxmlformats.org/presentationml/2006/main" xmlns:m="http://schemas.openxmlformats.org/officeDocument/2006/math" xmlns:a14="http://schemas.microsoft.com/office/drawing/2010/main" showMasterSp="1" showMasterPhAnim="1">
   <p:cSld>
@@ -40362,9 +43633,9 @@
     </p:tnLst>
     <p:bldLst>
       <p:bldP build="whole" bldLvl="1" animBg="1" rev="0" advAuto="0" spid="158" grpId="3"/>
-      <p:bldP build="whole" bldLvl="1" animBg="1" rev="0" advAuto="0" spid="159" grpId="4"/>
       <p:bldP build="whole" bldLvl="1" animBg="1" rev="0" advAuto="0" spid="156" grpId="1"/>
       <p:bldP build="whole" bldLvl="1" animBg="1" rev="0" advAuto="0" spid="156" grpId="2"/>
+      <p:bldP build="whole" bldLvl="1" animBg="1" rev="0" advAuto="0" spid="159" grpId="4"/>
     </p:bldLst>
   </p:timing>
 </p:sld>
@@ -41118,12 +44389,12 @@
       </p:par>
     </p:tnLst>
     <p:bldLst>
-      <p:bldP build="whole" bldLvl="1" animBg="1" rev="0" advAuto="0" spid="170" grpId="7"/>
-      <p:bldP build="whole" bldLvl="1" animBg="1" rev="0" advAuto="0" spid="166" grpId="4"/>
       <p:bldP build="whole" bldLvl="1" animBg="1" rev="0" advAuto="0" spid="165" grpId="2"/>
       <p:bldP build="whole" bldLvl="1" animBg="1" rev="0" advAuto="0" spid="168" grpId="3"/>
+      <p:bldP build="whole" bldLvl="1" animBg="1" rev="0" advAuto="0" spid="166" grpId="4"/>
+      <p:bldP build="whole" bldLvl="1" animBg="1" rev="0" advAuto="0" spid="167" grpId="6"/>
+      <p:bldP build="whole" bldLvl="1" animBg="1" rev="0" advAuto="0" spid="170" grpId="7"/>
       <p:bldP build="whole" bldLvl="1" animBg="1" rev="0" advAuto="0" spid="169" grpId="5"/>
-      <p:bldP build="whole" bldLvl="1" animBg="1" rev="0" advAuto="0" spid="167" grpId="6"/>
     </p:bldLst>
   </p:timing>
 </p:sld>

--- a/Postgresql.pptx
+++ b/Postgresql.pptx
@@ -61,6 +61,17 @@
     <p:sldId id="306" r:id="rId58"/>
     <p:sldId id="307" r:id="rId59"/>
     <p:sldId id="308" r:id="rId60"/>
+    <p:sldId id="309" r:id="rId61"/>
+    <p:sldId id="310" r:id="rId62"/>
+    <p:sldId id="311" r:id="rId63"/>
+    <p:sldId id="312" r:id="rId64"/>
+    <p:sldId id="313" r:id="rId65"/>
+    <p:sldId id="314" r:id="rId66"/>
+    <p:sldId id="315" r:id="rId67"/>
+    <p:sldId id="316" r:id="rId68"/>
+    <p:sldId id="317" r:id="rId69"/>
+    <p:sldId id="318" r:id="rId70"/>
+    <p:sldId id="319" r:id="rId71"/>
   </p:sldIdLst>
   <p:sldSz cx="13004800" cy="9753600"/>
   <p:notesSz cx="6858000" cy="9144000"/>
@@ -2524,6 +2535,344 @@
                 <a:hlinkClick r:id="rId5" invalidUrl="" action="" tgtFrame="" tooltip="" history="1" highlightClick="0" endSnd="0"/>
               </a:rPr>
               <a:t>https://www.postgresqltutorial.com/postgresql-aggregate-functions/postgresql-string_agg-function/</a:t>
+            </a:r>
+          </a:p>
+        </p:txBody>
+      </p:sp>
+    </p:spTree>
+  </p:cSld>
+  <p:clrMapOvr>
+    <a:masterClrMapping/>
+  </p:clrMapOvr>
+</p:notes>
+</file>
+
+<file path=ppt/notesSlides/notesSlide27.xml><?xml version="1.0" encoding="utf-8"?>
+<p:notes xmlns:a="http://schemas.openxmlformats.org/drawingml/2006/main" xmlns:r="http://schemas.openxmlformats.org/officeDocument/2006/relationships" xmlns:p="http://schemas.openxmlformats.org/presentationml/2006/main" xmlns:m="http://schemas.openxmlformats.org/officeDocument/2006/math" xmlns:a14="http://schemas.microsoft.com/office/drawing/2010/main" showMasterSp="1" showMasterPhAnim="1">
+  <p:cSld>
+    <p:spTree>
+      <p:nvGrpSpPr>
+        <p:cNvPr id="1" name=""/>
+        <p:cNvGrpSpPr/>
+        <p:nvPr/>
+      </p:nvGrpSpPr>
+      <p:grpSpPr>
+        <a:xfrm>
+          <a:off x="0" y="0"/>
+          <a:ext cx="0" cy="0"/>
+          <a:chOff x="0" y="0"/>
+          <a:chExt cx="0" cy="0"/>
+        </a:xfrm>
+      </p:grpSpPr>
+      <p:sp>
+        <p:nvSpPr>
+          <p:cNvPr id="510" name="Shape 510"/>
+          <p:cNvSpPr/>
+          <p:nvPr>
+            <p:ph type="sldImg"/>
+          </p:nvPr>
+        </p:nvSpPr>
+        <p:spPr>
+          <a:prstGeom prst="rect">
+            <a:avLst/>
+          </a:prstGeom>
+        </p:spPr>
+        <p:txBody>
+          <a:bodyPr/>
+          <a:lstStyle/>
+          <a:p>
+            <a:pPr/>
+          </a:p>
+        </p:txBody>
+      </p:sp>
+      <p:sp>
+        <p:nvSpPr>
+          <p:cNvPr id="511" name="Shape 511"/>
+          <p:cNvSpPr/>
+          <p:nvPr>
+            <p:ph type="body" sz="quarter" idx="1"/>
+          </p:nvPr>
+        </p:nvSpPr>
+        <p:spPr>
+          <a:prstGeom prst="rect">
+            <a:avLst/>
+          </a:prstGeom>
+        </p:spPr>
+        <p:txBody>
+          <a:bodyPr/>
+          <a:lstStyle>
+            <a:lvl1pPr>
+              <a:defRPr u="sng">
+                <a:hlinkClick r:id="rId3" invalidUrl="" action="" tgtFrame="" tooltip="" history="1" highlightClick="0" endSnd="0"/>
+              </a:defRPr>
+            </a:lvl1pPr>
+          </a:lstStyle>
+          <a:p>
+            <a:pPr>
+              <a:defRPr u="none"/>
+            </a:pPr>
+            <a:r>
+              <a:rPr u="sng">
+                <a:hlinkClick r:id="rId3" invalidUrl="" action="" tgtFrame="" tooltip="" history="1" highlightClick="0" endSnd="0"/>
+              </a:rPr>
+              <a:t>https://www.postgresql.org/docs/9.1/sql-altertable.html</a:t>
+            </a:r>
+          </a:p>
+        </p:txBody>
+      </p:sp>
+    </p:spTree>
+  </p:cSld>
+  <p:clrMapOvr>
+    <a:masterClrMapping/>
+  </p:clrMapOvr>
+</p:notes>
+</file>
+
+<file path=ppt/notesSlides/notesSlide28.xml><?xml version="1.0" encoding="utf-8"?>
+<p:notes xmlns:a="http://schemas.openxmlformats.org/drawingml/2006/main" xmlns:r="http://schemas.openxmlformats.org/officeDocument/2006/relationships" xmlns:p="http://schemas.openxmlformats.org/presentationml/2006/main" xmlns:m="http://schemas.openxmlformats.org/officeDocument/2006/math" xmlns:a14="http://schemas.microsoft.com/office/drawing/2010/main" showMasterSp="1" showMasterPhAnim="1">
+  <p:cSld>
+    <p:spTree>
+      <p:nvGrpSpPr>
+        <p:cNvPr id="1" name=""/>
+        <p:cNvGrpSpPr/>
+        <p:nvPr/>
+      </p:nvGrpSpPr>
+      <p:grpSpPr>
+        <a:xfrm>
+          <a:off x="0" y="0"/>
+          <a:ext cx="0" cy="0"/>
+          <a:chOff x="0" y="0"/>
+          <a:chExt cx="0" cy="0"/>
+        </a:xfrm>
+      </p:grpSpPr>
+      <p:sp>
+        <p:nvSpPr>
+          <p:cNvPr id="520" name="Shape 520"/>
+          <p:cNvSpPr/>
+          <p:nvPr>
+            <p:ph type="sldImg"/>
+          </p:nvPr>
+        </p:nvSpPr>
+        <p:spPr>
+          <a:prstGeom prst="rect">
+            <a:avLst/>
+          </a:prstGeom>
+        </p:spPr>
+        <p:txBody>
+          <a:bodyPr/>
+          <a:lstStyle/>
+          <a:p>
+            <a:pPr/>
+          </a:p>
+        </p:txBody>
+      </p:sp>
+      <p:sp>
+        <p:nvSpPr>
+          <p:cNvPr id="521" name="Shape 521"/>
+          <p:cNvSpPr/>
+          <p:nvPr>
+            <p:ph type="body" sz="quarter" idx="1"/>
+          </p:nvPr>
+        </p:nvSpPr>
+        <p:spPr>
+          <a:prstGeom prst="rect">
+            <a:avLst/>
+          </a:prstGeom>
+        </p:spPr>
+        <p:txBody>
+          <a:bodyPr/>
+          <a:lstStyle/>
+          <a:p>
+            <a:pPr/>
+            <a:r>
+              <a:rPr u="sng">
+                <a:hlinkClick r:id="rId3" invalidUrl="" action="" tgtFrame="" tooltip="" history="1" highlightClick="0" endSnd="0"/>
+              </a:rPr>
+              <a:t>https://www.postgresql.org/docs/9.1/sql-update.html</a:t>
+            </a:r>
+          </a:p>
+          <a:p>
+            <a:pPr/>
+            <a:r>
+              <a:t>https://www.postgresql.org/docs/10/sql-delete.html</a:t>
+            </a:r>
+          </a:p>
+        </p:txBody>
+      </p:sp>
+    </p:spTree>
+  </p:cSld>
+  <p:clrMapOvr>
+    <a:masterClrMapping/>
+  </p:clrMapOvr>
+</p:notes>
+</file>
+
+<file path=ppt/notesSlides/notesSlide29.xml><?xml version="1.0" encoding="utf-8"?>
+<p:notes xmlns:a="http://schemas.openxmlformats.org/drawingml/2006/main" xmlns:r="http://schemas.openxmlformats.org/officeDocument/2006/relationships" xmlns:p="http://schemas.openxmlformats.org/presentationml/2006/main" xmlns:m="http://schemas.openxmlformats.org/officeDocument/2006/math" xmlns:a14="http://schemas.microsoft.com/office/drawing/2010/main" showMasterSp="1" showMasterPhAnim="1">
+  <p:cSld>
+    <p:spTree>
+      <p:nvGrpSpPr>
+        <p:cNvPr id="1" name=""/>
+        <p:cNvGrpSpPr/>
+        <p:nvPr/>
+      </p:nvGrpSpPr>
+      <p:grpSpPr>
+        <a:xfrm>
+          <a:off x="0" y="0"/>
+          <a:ext cx="0" cy="0"/>
+          <a:chOff x="0" y="0"/>
+          <a:chExt cx="0" cy="0"/>
+        </a:xfrm>
+      </p:grpSpPr>
+      <p:sp>
+        <p:nvSpPr>
+          <p:cNvPr id="527" name="Shape 527"/>
+          <p:cNvSpPr/>
+          <p:nvPr>
+            <p:ph type="sldImg"/>
+          </p:nvPr>
+        </p:nvSpPr>
+        <p:spPr>
+          <a:prstGeom prst="rect">
+            <a:avLst/>
+          </a:prstGeom>
+        </p:spPr>
+        <p:txBody>
+          <a:bodyPr/>
+          <a:lstStyle/>
+          <a:p>
+            <a:pPr/>
+          </a:p>
+        </p:txBody>
+      </p:sp>
+      <p:sp>
+        <p:nvSpPr>
+          <p:cNvPr id="528" name="Shape 528"/>
+          <p:cNvSpPr/>
+          <p:nvPr>
+            <p:ph type="body" sz="quarter" idx="1"/>
+          </p:nvPr>
+        </p:nvSpPr>
+        <p:spPr>
+          <a:prstGeom prst="rect">
+            <a:avLst/>
+          </a:prstGeom>
+        </p:spPr>
+        <p:txBody>
+          <a:bodyPr/>
+          <a:lstStyle/>
+          <a:p>
+            <a:pPr defTabSz="584200">
+              <a:lnSpc>
+                <a:spcPct val="100000"/>
+              </a:lnSpc>
+              <a:defRPr sz="1900">
+                <a:solidFill>
+                  <a:srgbClr val="5A5F5E"/>
+                </a:solidFill>
+                <a:latin typeface="Monaco"/>
+                <a:ea typeface="Monaco"/>
+                <a:cs typeface="Monaco"/>
+                <a:sym typeface="Monaco"/>
+              </a:defRPr>
+            </a:pPr>
+            <a:r>
+              <a:t>1/ ALTER TABLE produit ADD prixventeht real;</a:t>
+            </a:r>
+          </a:p>
+          <a:p>
+            <a:pPr defTabSz="584200">
+              <a:lnSpc>
+                <a:spcPct val="100000"/>
+              </a:lnSpc>
+              <a:defRPr sz="1900">
+                <a:solidFill>
+                  <a:srgbClr val="5A5F5E"/>
+                </a:solidFill>
+                <a:latin typeface="Monaco"/>
+                <a:ea typeface="Monaco"/>
+                <a:cs typeface="Monaco"/>
+                <a:sym typeface="Monaco"/>
+              </a:defRPr>
+            </a:pPr>
+            <a:r>
+              <a:t>2/</a:t>
+            </a:r>
+          </a:p>
+          <a:p>
+            <a:pPr defTabSz="584200">
+              <a:lnSpc>
+                <a:spcPct val="100000"/>
+              </a:lnSpc>
+              <a:defRPr sz="1900">
+                <a:solidFill>
+                  <a:srgbClr val="5A5F5E"/>
+                </a:solidFill>
+                <a:latin typeface="Monaco"/>
+                <a:ea typeface="Monaco"/>
+                <a:cs typeface="Monaco"/>
+                <a:sym typeface="Monaco"/>
+              </a:defRPr>
+            </a:pPr>
+            <a:r>
+              <a:t>UPDATE produit SET prixventeht = 120 WHERE id = 1 OR id = 2;</a:t>
+            </a:r>
+          </a:p>
+          <a:p>
+            <a:pPr defTabSz="584200">
+              <a:lnSpc>
+                <a:spcPct val="100000"/>
+              </a:lnSpc>
+              <a:defRPr sz="1900">
+                <a:solidFill>
+                  <a:srgbClr val="5A5F5E"/>
+                </a:solidFill>
+                <a:latin typeface="Monaco"/>
+                <a:ea typeface="Monaco"/>
+                <a:cs typeface="Monaco"/>
+                <a:sym typeface="Monaco"/>
+              </a:defRPr>
+            </a:pPr>
+            <a:r>
+              <a:t>UPDATE produit SET prixventeht = 15 WHERE id = 3;</a:t>
+            </a:r>
+          </a:p>
+          <a:p>
+            <a:pPr defTabSz="584200">
+              <a:lnSpc>
+                <a:spcPct val="100000"/>
+              </a:lnSpc>
+              <a:defRPr sz="1900">
+                <a:solidFill>
+                  <a:srgbClr val="5A5F5E"/>
+                </a:solidFill>
+                <a:latin typeface="Monaco"/>
+                <a:ea typeface="Monaco"/>
+                <a:cs typeface="Monaco"/>
+                <a:sym typeface="Monaco"/>
+              </a:defRPr>
+            </a:pPr>
+            <a:r>
+              <a:t>UPDATE produit SET prixventeht = 30 WHERE id = 4;</a:t>
+            </a:r>
+          </a:p>
+          <a:p>
+            <a:pPr defTabSz="584200">
+              <a:lnSpc>
+                <a:spcPct val="100000"/>
+              </a:lnSpc>
+              <a:defRPr sz="1900">
+                <a:solidFill>
+                  <a:srgbClr val="5A5F5E"/>
+                </a:solidFill>
+                <a:latin typeface="Monaco"/>
+                <a:ea typeface="Monaco"/>
+                <a:cs typeface="Monaco"/>
+                <a:sym typeface="Monaco"/>
+              </a:defRPr>
+            </a:pPr>
+            <a:r>
+              <a:t>UPDATE produit SET prixventeht = 70 WHERE id = 5;</a:t>
             </a:r>
           </a:p>
         </p:txBody>
@@ -7202,12 +7551,12 @@
       </p:par>
     </p:tnLst>
     <p:bldLst>
+      <p:bldP build="whole" bldLvl="1" animBg="1" rev="0" advAuto="0" spid="188" grpId="2"/>
+      <p:bldP build="whole" bldLvl="1" animBg="1" rev="0" advAuto="0" spid="190" grpId="6"/>
+      <p:bldP build="whole" bldLvl="1" animBg="1" rev="0" advAuto="0" spid="186" grpId="5"/>
       <p:bldP build="whole" bldLvl="1" animBg="1" rev="0" advAuto="0" spid="182" grpId="1"/>
-      <p:bldP build="whole" bldLvl="1" animBg="1" rev="0" advAuto="0" spid="186" grpId="5"/>
-      <p:bldP build="whole" bldLvl="1" animBg="1" rev="0" advAuto="0" spid="190" grpId="6"/>
-      <p:bldP build="whole" bldLvl="1" animBg="1" rev="0" advAuto="0" spid="188" grpId="2"/>
+      <p:bldP build="whole" bldLvl="1" animBg="1" rev="0" advAuto="0" spid="184" grpId="3"/>
       <p:bldP build="whole" bldLvl="1" animBg="1" rev="0" advAuto="0" spid="189" grpId="4"/>
-      <p:bldP build="whole" bldLvl="1" animBg="1" rev="0" advAuto="0" spid="184" grpId="3"/>
     </p:bldLst>
   </p:timing>
 </p:sld>
@@ -7882,11 +8231,11 @@
     </p:tnLst>
     <p:bldLst>
       <p:bldP build="whole" bldLvl="1" animBg="1" rev="0" advAuto="0" spid="197" grpId="2"/>
+      <p:bldP build="whole" bldLvl="1" animBg="1" rev="0" advAuto="0" spid="194" grpId="1"/>
       <p:bldP build="whole" bldLvl="1" animBg="1" rev="0" advAuto="0" spid="196" grpId="4"/>
       <p:bldP build="whole" bldLvl="1" animBg="1" rev="0" advAuto="0" spid="196" grpId="5"/>
       <p:bldP build="whole" bldLvl="1" animBg="1" rev="0" advAuto="0" spid="198" grpId="6"/>
       <p:bldP build="whole" bldLvl="1" animBg="1" rev="0" advAuto="0" spid="195" grpId="3"/>
-      <p:bldP build="whole" bldLvl="1" animBg="1" rev="0" advAuto="0" spid="194" grpId="1"/>
     </p:bldLst>
   </p:timing>
 </p:sld>
@@ -11430,11 +11779,11 @@
       </p:par>
     </p:tnLst>
     <p:bldLst>
+      <p:bldP build="whole" bldLvl="1" animBg="1" rev="0" advAuto="0" spid="231" grpId="2"/>
+      <p:bldP build="whole" bldLvl="1" animBg="1" rev="0" advAuto="0" spid="229" grpId="5"/>
       <p:bldP build="whole" bldLvl="1" animBg="1" rev="0" advAuto="0" spid="230" grpId="1"/>
-      <p:bldP build="whole" bldLvl="1" animBg="1" rev="0" advAuto="0" spid="229" grpId="5"/>
+      <p:bldP build="whole" bldLvl="1" animBg="1" rev="0" advAuto="0" spid="228" grpId="4"/>
       <p:bldP build="whole" bldLvl="1" animBg="1" rev="0" advAuto="0" spid="234" grpId="9"/>
-      <p:bldP build="whole" bldLvl="1" animBg="1" rev="0" advAuto="0" spid="231" grpId="2"/>
-      <p:bldP build="whole" bldLvl="1" animBg="1" rev="0" advAuto="0" spid="228" grpId="4"/>
       <p:bldP build="whole" bldLvl="1" animBg="1" rev="0" advAuto="0" spid="233" grpId="3"/>
     </p:bldLst>
   </p:timing>
@@ -14172,16 +14521,16 @@
       </p:par>
     </p:tnLst>
     <p:bldLst>
-      <p:bldP build="whole" bldLvl="1" animBg="1" rev="0" advAuto="0" spid="249" grpId="6"/>
+      <p:bldP build="whole" bldLvl="1" animBg="1" rev="0" advAuto="0" spid="252" grpId="10"/>
+      <p:bldP build="whole" bldLvl="1" animBg="1" rev="0" advAuto="0" spid="247" grpId="4"/>
+      <p:bldP build="whole" bldLvl="1" animBg="1" rev="0" advAuto="0" spid="244" grpId="1"/>
+      <p:bldP build="whole" bldLvl="1" animBg="1" rev="0" advAuto="0" spid="250" grpId="8"/>
+      <p:bldP build="whole" bldLvl="1" animBg="1" rev="0" advAuto="0" spid="251" grpId="5"/>
       <p:bldP build="whole" bldLvl="1" animBg="1" rev="0" advAuto="0" spid="246" grpId="2"/>
       <p:bldP build="whole" bldLvl="1" animBg="1" rev="0" advAuto="0" spid="246" grpId="3"/>
+      <p:bldP build="whole" bldLvl="1" animBg="1" rev="0" advAuto="0" spid="250" grpId="9"/>
+      <p:bldP build="whole" bldLvl="1" animBg="1" rev="0" advAuto="0" spid="249" grpId="6"/>
       <p:bldP build="whole" bldLvl="1" animBg="1" rev="0" advAuto="0" spid="249" grpId="7"/>
-      <p:bldP build="whole" bldLvl="1" animBg="1" rev="0" advAuto="0" spid="250" grpId="8"/>
-      <p:bldP build="whole" bldLvl="1" animBg="1" rev="0" advAuto="0" spid="250" grpId="9"/>
-      <p:bldP build="whole" bldLvl="1" animBg="1" rev="0" advAuto="0" spid="244" grpId="1"/>
-      <p:bldP build="whole" bldLvl="1" animBg="1" rev="0" advAuto="0" spid="251" grpId="5"/>
-      <p:bldP build="whole" bldLvl="1" animBg="1" rev="0" advAuto="0" spid="247" grpId="4"/>
-      <p:bldP build="whole" bldLvl="1" animBg="1" rev="0" advAuto="0" spid="252" grpId="10"/>
     </p:bldLst>
   </p:timing>
 </p:sld>
@@ -14548,8 +14897,8 @@
       </p:par>
     </p:tnLst>
     <p:bldLst>
+      <p:bldP build="whole" bldLvl="1" animBg="1" rev="0" advAuto="0" spid="123" grpId="1"/>
       <p:bldP build="whole" bldLvl="1" animBg="1" rev="0" advAuto="0" spid="124" grpId="2"/>
-      <p:bldP build="whole" bldLvl="1" animBg="1" rev="0" advAuto="0" spid="123" grpId="1"/>
     </p:bldLst>
   </p:timing>
 </p:sld>
@@ -17631,13 +17980,13 @@
       </p:par>
     </p:tnLst>
     <p:bldLst>
+      <p:bldP build="whole" bldLvl="1" animBg="1" rev="0" advAuto="0" spid="269" grpId="4"/>
+      <p:bldP build="whole" bldLvl="1" animBg="1" rev="0" advAuto="0" spid="270" grpId="1"/>
+      <p:bldP build="whole" bldLvl="1" animBg="1" rev="0" advAuto="0" spid="267" grpId="5"/>
       <p:bldP build="whole" bldLvl="1" animBg="1" rev="0" advAuto="0" spid="267" grpId="6"/>
       <p:bldP build="whole" bldLvl="1" animBg="1" rev="0" advAuto="0" spid="263" grpId="2"/>
-      <p:bldP build="whole" bldLvl="1" animBg="1" rev="0" advAuto="0" spid="269" grpId="4"/>
       <p:bldP build="whole" bldLvl="1" animBg="1" rev="0" advAuto="0" spid="268" grpId="7"/>
       <p:bldP build="whole" bldLvl="1" animBg="1" rev="0" advAuto="0" spid="265" grpId="3"/>
-      <p:bldP build="whole" bldLvl="1" animBg="1" rev="0" advAuto="0" spid="267" grpId="5"/>
-      <p:bldP build="whole" bldLvl="1" animBg="1" rev="0" advAuto="0" spid="270" grpId="1"/>
     </p:bldLst>
   </p:timing>
 </p:sld>
@@ -18441,12 +18790,12 @@
       </p:par>
     </p:tnLst>
     <p:bldLst>
+      <p:bldP build="whole" bldLvl="1" animBg="1" rev="0" advAuto="0" spid="275" grpId="1"/>
+      <p:bldP build="whole" bldLvl="1" animBg="1" rev="0" advAuto="0" spid="281" grpId="3"/>
+      <p:bldP build="whole" bldLvl="1" animBg="1" rev="0" advAuto="0" spid="279" grpId="5"/>
       <p:bldP build="whole" bldLvl="1" animBg="1" rev="0" advAuto="0" spid="280" grpId="6"/>
-      <p:bldP build="whole" bldLvl="1" animBg="1" rev="0" advAuto="0" spid="275" grpId="1"/>
+      <p:bldP build="whole" bldLvl="1" animBg="1" rev="0" advAuto="0" spid="277" grpId="2"/>
       <p:bldP build="whole" bldLvl="1" animBg="1" rev="0" advAuto="0" spid="279" grpId="4"/>
-      <p:bldP build="whole" bldLvl="1" animBg="1" rev="0" advAuto="0" spid="279" grpId="5"/>
-      <p:bldP build="whole" bldLvl="1" animBg="1" rev="0" advAuto="0" spid="281" grpId="3"/>
-      <p:bldP build="whole" bldLvl="1" animBg="1" rev="0" advAuto="0" spid="277" grpId="2"/>
     </p:bldLst>
   </p:timing>
 </p:sld>
@@ -19370,11 +19719,11 @@
     </p:tnLst>
     <p:bldLst>
       <p:bldP build="whole" bldLvl="1" animBg="1" rev="0" advAuto="0" spid="291" grpId="6"/>
+      <p:bldP build="whole" bldLvl="1" animBg="1" rev="0" advAuto="0" spid="292" grpId="3"/>
       <p:bldP build="whole" bldLvl="1" animBg="1" rev="0" advAuto="0" spid="293" grpId="7"/>
       <p:bldP build="whole" bldLvl="1" animBg="1" rev="0" advAuto="0" spid="286" grpId="1"/>
       <p:bldP build="whole" bldLvl="1" animBg="1" rev="0" advAuto="0" spid="288" grpId="2"/>
       <p:bldP build="whole" bldLvl="1" animBg="1" rev="0" advAuto="0" spid="290" grpId="4"/>
-      <p:bldP build="whole" bldLvl="1" animBg="1" rev="0" advAuto="0" spid="292" grpId="3"/>
       <p:bldP build="whole" bldLvl="1" animBg="1" rev="0" advAuto="0" spid="290" grpId="5"/>
     </p:bldLst>
   </p:timing>
@@ -19885,9 +20234,9 @@
       </p:par>
     </p:tnLst>
     <p:bldLst>
-      <p:bldP build="whole" bldLvl="1" animBg="1" rev="0" advAuto="0" spid="300" grpId="2"/>
       <p:bldP build="whole" bldLvl="1" animBg="1" rev="0" advAuto="0" spid="302" grpId="3"/>
       <p:bldP build="whole" bldLvl="1" animBg="1" rev="0" advAuto="0" spid="299" grpId="1"/>
+      <p:bldP build="whole" bldLvl="1" animBg="1" rev="0" advAuto="0" spid="300" grpId="2"/>
     </p:bldLst>
   </p:timing>
 </p:sld>
@@ -21087,8 +21436,8 @@
       </p:par>
     </p:tnLst>
     <p:bldLst>
+      <p:bldP build="whole" bldLvl="1" animBg="1" rev="0" advAuto="0" spid="317" grpId="3"/>
       <p:bldP build="whole" bldLvl="1" animBg="1" rev="0" advAuto="0" spid="314" grpId="1"/>
-      <p:bldP build="whole" bldLvl="1" animBg="1" rev="0" advAuto="0" spid="317" grpId="3"/>
       <p:bldP build="whole" bldLvl="1" animBg="1" rev="0" advAuto="0" spid="315" grpId="2"/>
     </p:bldLst>
   </p:timing>
@@ -22798,11 +23147,11 @@
       </p:par>
     </p:tnLst>
     <p:bldLst>
+      <p:bldP build="whole" bldLvl="1" animBg="1" rev="0" advAuto="0" spid="128" grpId="1"/>
+      <p:bldP build="whole" bldLvl="1" animBg="1" rev="0" advAuto="0" spid="131" grpId="4"/>
       <p:bldP build="whole" bldLvl="1" animBg="1" rev="0" advAuto="0" spid="129" grpId="2"/>
+      <p:bldP build="whole" bldLvl="1" animBg="1" rev="0" advAuto="0" spid="133" grpId="5"/>
       <p:bldP build="whole" bldLvl="1" animBg="1" rev="0" advAuto="0" spid="130" grpId="3"/>
-      <p:bldP build="whole" bldLvl="1" animBg="1" rev="0" advAuto="0" spid="128" grpId="1"/>
-      <p:bldP build="whole" bldLvl="1" animBg="1" rev="0" advAuto="0" spid="133" grpId="5"/>
-      <p:bldP build="whole" bldLvl="1" animBg="1" rev="0" advAuto="0" spid="131" grpId="4"/>
     </p:bldLst>
   </p:timing>
 </p:sld>
@@ -24216,8 +24565,8 @@
       </p:par>
     </p:tnLst>
     <p:bldLst>
+      <p:bldP build="whole" bldLvl="1" animBg="1" rev="0" advAuto="0" spid="342" grpId="2"/>
       <p:bldP build="whole" bldLvl="1" animBg="1" rev="0" advAuto="0" spid="341" grpId="1"/>
-      <p:bldP build="whole" bldLvl="1" animBg="1" rev="0" advAuto="0" spid="342" grpId="2"/>
     </p:bldLst>
   </p:timing>
 </p:sld>
@@ -27295,9 +27644,9 @@
       </p:par>
     </p:tnLst>
     <p:bldLst>
-      <p:bldP build="whole" bldLvl="1" animBg="1" rev="0" advAuto="0" spid="388" grpId="4"/>
       <p:bldP build="whole" bldLvl="1" animBg="1" rev="0" advAuto="0" spid="387" grpId="3"/>
       <p:bldP build="whole" bldLvl="1" animBg="1" rev="0" advAuto="0" spid="386" grpId="2"/>
+      <p:bldP build="whole" bldLvl="1" animBg="1" rev="0" advAuto="0" spid="388" grpId="4"/>
     </p:bldLst>
   </p:timing>
 </p:sld>
@@ -30660,16 +31009,16 @@
       </p:par>
     </p:tnLst>
     <p:bldLst>
-      <p:bldP build="whole" bldLvl="1" animBg="1" rev="0" advAuto="0" spid="403" grpId="4"/>
-      <p:bldP build="whole" bldLvl="1" animBg="1" rev="0" advAuto="0" spid="402" grpId="10"/>
-      <p:bldP build="whole" bldLvl="1" animBg="1" rev="0" advAuto="0" spid="401" grpId="9"/>
-      <p:bldP build="whole" bldLvl="1" animBg="1" rev="0" advAuto="0" spid="398" grpId="6"/>
+      <p:bldP build="whole" bldLvl="1" animBg="1" rev="0" advAuto="0" spid="397" grpId="1"/>
       <p:bldP build="whole" bldLvl="1" animBg="1" rev="0" advAuto="0" spid="394" grpId="3"/>
       <p:bldP build="whole" bldLvl="1" animBg="1" rev="0" advAuto="0" spid="395" grpId="5"/>
+      <p:bldP build="whole" bldLvl="1" animBg="1" rev="0" advAuto="0" spid="398" grpId="6"/>
+      <p:bldP build="whole" bldLvl="1" animBg="1" rev="0" advAuto="0" spid="403" grpId="4"/>
       <p:bldP build="whole" bldLvl="1" animBg="1" rev="0" advAuto="0" spid="401" grpId="2"/>
       <p:bldP build="whole" bldLvl="1" animBg="1" rev="0" advAuto="0" spid="400" grpId="7"/>
       <p:bldP build="whole" bldLvl="1" animBg="1" rev="0" advAuto="0" spid="404" grpId="8"/>
-      <p:bldP build="whole" bldLvl="1" animBg="1" rev="0" advAuto="0" spid="397" grpId="1"/>
+      <p:bldP build="whole" bldLvl="1" animBg="1" rev="0" advAuto="0" spid="401" grpId="9"/>
+      <p:bldP build="whole" bldLvl="1" animBg="1" rev="0" advAuto="0" spid="402" grpId="10"/>
     </p:bldLst>
   </p:timing>
 </p:sld>
@@ -32322,12 +32671,12 @@
       </p:par>
     </p:tnLst>
     <p:bldLst>
+      <p:bldP build="whole" bldLvl="1" animBg="1" rev="0" advAuto="0" spid="138" grpId="6"/>
+      <p:bldP build="whole" bldLvl="1" animBg="1" rev="0" advAuto="0" spid="137" grpId="1"/>
       <p:bldP build="whole" bldLvl="1" animBg="1" rev="0" advAuto="0" spid="139" grpId="2"/>
+      <p:bldP build="whole" bldLvl="1" animBg="1" rev="0" advAuto="0" spid="137" grpId="3"/>
       <p:bldP build="whole" bldLvl="1" animBg="1" rev="0" advAuto="0" spid="139" grpId="4"/>
-      <p:bldP build="whole" bldLvl="1" animBg="1" rev="0" advAuto="0" spid="138" grpId="6"/>
       <p:bldP build="whole" bldLvl="1" animBg="1" rev="0" advAuto="0" spid="140" grpId="7"/>
-      <p:bldP build="whole" bldLvl="1" animBg="1" rev="0" advAuto="0" spid="137" grpId="1"/>
-      <p:bldP build="whole" bldLvl="1" animBg="1" rev="0" advAuto="0" spid="137" grpId="3"/>
     </p:bldLst>
   </p:timing>
 </p:sld>
@@ -33067,12 +33416,12 @@
       </p:par>
     </p:tnLst>
     <p:bldLst>
+      <p:bldP build="whole" bldLvl="1" animBg="1" rev="0" advAuto="0" spid="412" grpId="6"/>
       <p:bldP build="whole" bldLvl="1" animBg="1" rev="0" advAuto="0" spid="413" grpId="1"/>
       <p:bldP build="whole" bldLvl="1" animBg="1" rev="0" advAuto="0" spid="415" grpId="2"/>
       <p:bldP build="whole" bldLvl="1" animBg="1" rev="0" advAuto="0" spid="410" grpId="4"/>
       <p:bldP build="whole" bldLvl="1" animBg="1" rev="0" advAuto="0" spid="411" grpId="3"/>
       <p:bldP build="whole" bldLvl="1" animBg="1" rev="0" advAuto="0" spid="410" grpId="5"/>
-      <p:bldP build="whole" bldLvl="1" animBg="1" rev="0" advAuto="0" spid="412" grpId="6"/>
     </p:bldLst>
   </p:timing>
 </p:sld>
@@ -39471,10 +39820,10 @@
       </p:par>
     </p:tnLst>
     <p:bldLst>
+      <p:bldP build="whole" bldLvl="1" animBg="1" rev="0" advAuto="0" spid="147" grpId="6"/>
       <p:bldP build="whole" bldLvl="1" animBg="1" rev="0" advAuto="0" spid="145" grpId="1"/>
+      <p:bldP build="whole" bldLvl="1" animBg="1" rev="0" advAuto="0" spid="146" grpId="7"/>
       <p:bldP build="whole" bldLvl="1" animBg="1" rev="0" advAuto="0" spid="147" grpId="5"/>
-      <p:bldP build="whole" bldLvl="1" animBg="1" rev="0" advAuto="0" spid="147" grpId="6"/>
-      <p:bldP build="whole" bldLvl="1" animBg="1" rev="0" advAuto="0" spid="146" grpId="7"/>
     </p:bldLst>
   </p:timing>
 </p:sld>
@@ -41124,11 +41473,11 @@
       </p:par>
     </p:tnLst>
     <p:bldLst>
+      <p:bldP build="whole" bldLvl="1" animBg="1" rev="0" advAuto="0" spid="485" grpId="2"/>
       <p:bldP build="whole" bldLvl="1" animBg="1" rev="0" advAuto="0" spid="484" grpId="1"/>
       <p:bldP build="whole" bldLvl="1" animBg="1" rev="0" advAuto="0" spid="483" grpId="6"/>
+      <p:bldP build="whole" bldLvl="1" animBg="1" rev="0" advAuto="0" spid="485" grpId="5"/>
       <p:bldP build="whole" bldLvl="1" animBg="1" rev="0" advAuto="0" spid="484" grpId="4"/>
-      <p:bldP build="whole" bldLvl="1" animBg="1" rev="0" advAuto="0" spid="485" grpId="5"/>
-      <p:bldP build="whole" bldLvl="1" animBg="1" rev="0" advAuto="0" spid="485" grpId="2"/>
     </p:bldLst>
   </p:timing>
 </p:sld>
@@ -42233,6 +42582,3679 @@
 </p:sld>
 </file>
 
+<file path=ppt/slides/slide54.xml><?xml version="1.0" encoding="utf-8"?>
+<p:sld xmlns:a="http://schemas.openxmlformats.org/drawingml/2006/main" xmlns:r="http://schemas.openxmlformats.org/officeDocument/2006/relationships" xmlns:p="http://schemas.openxmlformats.org/presentationml/2006/main" xmlns:m="http://schemas.openxmlformats.org/officeDocument/2006/math" xmlns:a14="http://schemas.microsoft.com/office/drawing/2010/main" showMasterSp="1" showMasterPhAnim="1">
+  <p:cSld>
+    <p:spTree>
+      <p:nvGrpSpPr>
+        <p:cNvPr id="1" name=""/>
+        <p:cNvGrpSpPr/>
+        <p:nvPr/>
+      </p:nvGrpSpPr>
+      <p:grpSpPr>
+        <a:xfrm>
+          <a:off x="0" y="0"/>
+          <a:ext cx="0" cy="0"/>
+          <a:chOff x="0" y="0"/>
+          <a:chExt cx="0" cy="0"/>
+        </a:xfrm>
+      </p:grpSpPr>
+      <p:sp>
+        <p:nvSpPr>
+          <p:cNvPr id="499" name="Requêtage SQL"/>
+          <p:cNvSpPr txBox="1"/>
+          <p:nvPr/>
+        </p:nvSpPr>
+        <p:spPr>
+          <a:xfrm>
+            <a:off x="1270000" y="-12700"/>
+            <a:ext cx="10464800" cy="1282700"/>
+          </a:xfrm>
+          <a:prstGeom prst="rect">
+            <a:avLst/>
+          </a:prstGeom>
+          <a:ln w="12700">
+            <a:miter lim="400000"/>
+          </a:ln>
+          <a:extLst>
+            <a:ext uri="{C572A759-6A51-4108-AA02-DFA0A04FC94B}">
+              <ma14:wrappingTextBoxFlag xmlns:ma14="http://schemas.microsoft.com/office/mac/drawingml/2011/main" val="1"/>
+            </a:ext>
+          </a:extLst>
+        </p:spPr>
+        <p:txBody>
+          <a:bodyPr lIns="50800" tIns="50800" rIns="50800" bIns="50800" anchor="ctr">
+            <a:normAutofit fontScale="100000" lnSpcReduction="0"/>
+          </a:bodyPr>
+          <a:lstStyle>
+            <a:lvl1pPr>
+              <a:defRPr sz="2600"/>
+            </a:lvl1pPr>
+          </a:lstStyle>
+          <a:p>
+            <a:pPr/>
+            <a:r>
+              <a:t>Requêtage SQL</a:t>
+            </a:r>
+          </a:p>
+        </p:txBody>
+      </p:sp>
+      <p:sp>
+        <p:nvSpPr>
+          <p:cNvPr id="500" name="Modifier la structure d’une table"/>
+          <p:cNvSpPr txBox="1"/>
+          <p:nvPr/>
+        </p:nvSpPr>
+        <p:spPr>
+          <a:xfrm>
+            <a:off x="3561742" y="1499828"/>
+            <a:ext cx="5881316" cy="622301"/>
+          </a:xfrm>
+          <a:prstGeom prst="rect">
+            <a:avLst/>
+          </a:prstGeom>
+          <a:ln w="12700">
+            <a:miter lim="400000"/>
+          </a:ln>
+          <a:extLst>
+            <a:ext uri="{C572A759-6A51-4108-AA02-DFA0A04FC94B}">
+              <ma14:wrappingTextBoxFlag xmlns:ma14="http://schemas.microsoft.com/office/mac/drawingml/2011/main" val="1"/>
+            </a:ext>
+          </a:extLst>
+        </p:spPr>
+        <p:txBody>
+          <a:bodyPr wrap="none" lIns="50800" tIns="50800" rIns="50800" bIns="50800" anchor="ctr">
+            <a:spAutoFit/>
+          </a:bodyPr>
+          <a:lstStyle>
+            <a:lvl1pPr algn="l"/>
+          </a:lstStyle>
+          <a:p>
+            <a:pPr/>
+            <a:r>
+              <a:t>Modifier la structure d’une table</a:t>
+            </a:r>
+          </a:p>
+        </p:txBody>
+      </p:sp>
+      <p:sp>
+        <p:nvSpPr>
+          <p:cNvPr id="501" name="ALTER TABLE [table] [action];"/>
+          <p:cNvSpPr txBox="1"/>
+          <p:nvPr/>
+        </p:nvSpPr>
+        <p:spPr>
+          <a:xfrm>
+            <a:off x="427869" y="2629881"/>
+            <a:ext cx="12149062" cy="541810"/>
+          </a:xfrm>
+          <a:prstGeom prst="rect">
+            <a:avLst/>
+          </a:prstGeom>
+          <a:ln w="12700">
+            <a:miter lim="400000"/>
+          </a:ln>
+          <a:extLst>
+            <a:ext uri="{C572A759-6A51-4108-AA02-DFA0A04FC94B}">
+              <ma14:wrappingTextBoxFlag xmlns:ma14="http://schemas.microsoft.com/office/mac/drawingml/2011/main" val="1"/>
+            </a:ext>
+          </a:extLst>
+        </p:spPr>
+        <p:txBody>
+          <a:bodyPr lIns="50800" tIns="50800" rIns="50800" bIns="50800" anchor="b">
+            <a:spAutoFit/>
+          </a:bodyPr>
+          <a:lstStyle>
+            <a:lvl1pPr algn="l">
+              <a:defRPr sz="2800">
+                <a:solidFill>
+                  <a:srgbClr val="5A5F5E"/>
+                </a:solidFill>
+                <a:latin typeface="Monaco"/>
+                <a:ea typeface="Monaco"/>
+                <a:cs typeface="Monaco"/>
+                <a:sym typeface="Monaco"/>
+              </a:defRPr>
+            </a:lvl1pPr>
+          </a:lstStyle>
+          <a:p>
+            <a:pPr/>
+            <a:r>
+              <a:t>ALTER TABLE [table] [action];</a:t>
+            </a:r>
+          </a:p>
+        </p:txBody>
+      </p:sp>
+      <p:sp>
+        <p:nvSpPr>
+          <p:cNvPr id="502" name="Renommer une table"/>
+          <p:cNvSpPr txBox="1"/>
+          <p:nvPr/>
+        </p:nvSpPr>
+        <p:spPr>
+          <a:xfrm>
+            <a:off x="438170" y="2567717"/>
+            <a:ext cx="3929063" cy="622301"/>
+          </a:xfrm>
+          <a:prstGeom prst="rect">
+            <a:avLst/>
+          </a:prstGeom>
+          <a:ln w="12700">
+            <a:miter lim="400000"/>
+          </a:ln>
+          <a:extLst>
+            <a:ext uri="{C572A759-6A51-4108-AA02-DFA0A04FC94B}">
+              <ma14:wrappingTextBoxFlag xmlns:ma14="http://schemas.microsoft.com/office/mac/drawingml/2011/main" val="1"/>
+            </a:ext>
+          </a:extLst>
+        </p:spPr>
+        <p:txBody>
+          <a:bodyPr wrap="none" lIns="50800" tIns="50800" rIns="50800" bIns="50800" anchor="ctr">
+            <a:spAutoFit/>
+          </a:bodyPr>
+          <a:lstStyle>
+            <a:lvl1pPr algn="l"/>
+          </a:lstStyle>
+          <a:p>
+            <a:pPr/>
+            <a:r>
+              <a:t>Renommer une table</a:t>
+            </a:r>
+          </a:p>
+        </p:txBody>
+      </p:sp>
+      <p:sp>
+        <p:nvSpPr>
+          <p:cNvPr id="503" name="ALTER TABLE [table] RENAME TO [nom];"/>
+          <p:cNvSpPr txBox="1"/>
+          <p:nvPr/>
+        </p:nvSpPr>
+        <p:spPr>
+          <a:xfrm>
+            <a:off x="427869" y="3078977"/>
+            <a:ext cx="12149062" cy="541810"/>
+          </a:xfrm>
+          <a:prstGeom prst="rect">
+            <a:avLst/>
+          </a:prstGeom>
+          <a:ln w="12700">
+            <a:miter lim="400000"/>
+          </a:ln>
+          <a:extLst>
+            <a:ext uri="{C572A759-6A51-4108-AA02-DFA0A04FC94B}">
+              <ma14:wrappingTextBoxFlag xmlns:ma14="http://schemas.microsoft.com/office/mac/drawingml/2011/main" val="1"/>
+            </a:ext>
+          </a:extLst>
+        </p:spPr>
+        <p:txBody>
+          <a:bodyPr lIns="50800" tIns="50800" rIns="50800" bIns="50800" anchor="b">
+            <a:spAutoFit/>
+          </a:bodyPr>
+          <a:lstStyle>
+            <a:lvl1pPr algn="l">
+              <a:defRPr sz="2800">
+                <a:solidFill>
+                  <a:srgbClr val="5A5F5E"/>
+                </a:solidFill>
+                <a:latin typeface="Monaco"/>
+                <a:ea typeface="Monaco"/>
+                <a:cs typeface="Monaco"/>
+                <a:sym typeface="Monaco"/>
+              </a:defRPr>
+            </a:lvl1pPr>
+          </a:lstStyle>
+          <a:p>
+            <a:pPr/>
+            <a:r>
+              <a:t>ALTER TABLE [table] RENAME TO [nom];</a:t>
+            </a:r>
+          </a:p>
+        </p:txBody>
+      </p:sp>
+      <p:sp>
+        <p:nvSpPr>
+          <p:cNvPr id="504" name="Renommer une colonne"/>
+          <p:cNvSpPr txBox="1"/>
+          <p:nvPr/>
+        </p:nvSpPr>
+        <p:spPr>
+          <a:xfrm>
+            <a:off x="438170" y="3837717"/>
+            <a:ext cx="4504359" cy="622301"/>
+          </a:xfrm>
+          <a:prstGeom prst="rect">
+            <a:avLst/>
+          </a:prstGeom>
+          <a:ln w="12700">
+            <a:miter lim="400000"/>
+          </a:ln>
+          <a:extLst>
+            <a:ext uri="{C572A759-6A51-4108-AA02-DFA0A04FC94B}">
+              <ma14:wrappingTextBoxFlag xmlns:ma14="http://schemas.microsoft.com/office/mac/drawingml/2011/main" val="1"/>
+            </a:ext>
+          </a:extLst>
+        </p:spPr>
+        <p:txBody>
+          <a:bodyPr wrap="none" lIns="50800" tIns="50800" rIns="50800" bIns="50800" anchor="ctr">
+            <a:spAutoFit/>
+          </a:bodyPr>
+          <a:lstStyle>
+            <a:lvl1pPr algn="l"/>
+          </a:lstStyle>
+          <a:p>
+            <a:pPr/>
+            <a:r>
+              <a:t>Renommer une colonne</a:t>
+            </a:r>
+          </a:p>
+        </p:txBody>
+      </p:sp>
+      <p:sp>
+        <p:nvSpPr>
+          <p:cNvPr id="505" name="ALTER TABLE [table] RENAME [colonne] TO [nom];"/>
+          <p:cNvSpPr txBox="1"/>
+          <p:nvPr/>
+        </p:nvSpPr>
+        <p:spPr>
+          <a:xfrm>
+            <a:off x="427869" y="4348977"/>
+            <a:ext cx="12149062" cy="541810"/>
+          </a:xfrm>
+          <a:prstGeom prst="rect">
+            <a:avLst/>
+          </a:prstGeom>
+          <a:ln w="12700">
+            <a:miter lim="400000"/>
+          </a:ln>
+          <a:extLst>
+            <a:ext uri="{C572A759-6A51-4108-AA02-DFA0A04FC94B}">
+              <ma14:wrappingTextBoxFlag xmlns:ma14="http://schemas.microsoft.com/office/mac/drawingml/2011/main" val="1"/>
+            </a:ext>
+          </a:extLst>
+        </p:spPr>
+        <p:txBody>
+          <a:bodyPr lIns="50800" tIns="50800" rIns="50800" bIns="50800" anchor="b">
+            <a:spAutoFit/>
+          </a:bodyPr>
+          <a:lstStyle>
+            <a:lvl1pPr algn="l">
+              <a:defRPr sz="2800">
+                <a:solidFill>
+                  <a:srgbClr val="5A5F5E"/>
+                </a:solidFill>
+                <a:latin typeface="Monaco"/>
+                <a:ea typeface="Monaco"/>
+                <a:cs typeface="Monaco"/>
+                <a:sym typeface="Monaco"/>
+              </a:defRPr>
+            </a:lvl1pPr>
+          </a:lstStyle>
+          <a:p>
+            <a:pPr/>
+            <a:r>
+              <a:t>ALTER TABLE [table] RENAME [colonne] TO [nom];</a:t>
+            </a:r>
+          </a:p>
+        </p:txBody>
+      </p:sp>
+      <p:sp>
+        <p:nvSpPr>
+          <p:cNvPr id="506" name="Ajouter une colonne"/>
+          <p:cNvSpPr txBox="1"/>
+          <p:nvPr/>
+        </p:nvSpPr>
+        <p:spPr>
+          <a:xfrm>
+            <a:off x="438170" y="5107717"/>
+            <a:ext cx="3847134" cy="622301"/>
+          </a:xfrm>
+          <a:prstGeom prst="rect">
+            <a:avLst/>
+          </a:prstGeom>
+          <a:ln w="12700">
+            <a:miter lim="400000"/>
+          </a:ln>
+          <a:extLst>
+            <a:ext uri="{C572A759-6A51-4108-AA02-DFA0A04FC94B}">
+              <ma14:wrappingTextBoxFlag xmlns:ma14="http://schemas.microsoft.com/office/mac/drawingml/2011/main" val="1"/>
+            </a:ext>
+          </a:extLst>
+        </p:spPr>
+        <p:txBody>
+          <a:bodyPr wrap="none" lIns="50800" tIns="50800" rIns="50800" bIns="50800" anchor="ctr">
+            <a:spAutoFit/>
+          </a:bodyPr>
+          <a:lstStyle>
+            <a:lvl1pPr algn="l"/>
+          </a:lstStyle>
+          <a:p>
+            <a:pPr/>
+            <a:r>
+              <a:t>Ajouter une colonne</a:t>
+            </a:r>
+          </a:p>
+        </p:txBody>
+      </p:sp>
+      <p:sp>
+        <p:nvSpPr>
+          <p:cNvPr id="507" name="ALTER TABLE [table] ADD [colonne] [type] [contraintes];"/>
+          <p:cNvSpPr txBox="1"/>
+          <p:nvPr/>
+        </p:nvSpPr>
+        <p:spPr>
+          <a:xfrm>
+            <a:off x="427869" y="5618977"/>
+            <a:ext cx="12149062" cy="541810"/>
+          </a:xfrm>
+          <a:prstGeom prst="rect">
+            <a:avLst/>
+          </a:prstGeom>
+          <a:ln w="12700">
+            <a:miter lim="400000"/>
+          </a:ln>
+          <a:extLst>
+            <a:ext uri="{C572A759-6A51-4108-AA02-DFA0A04FC94B}">
+              <ma14:wrappingTextBoxFlag xmlns:ma14="http://schemas.microsoft.com/office/mac/drawingml/2011/main" val="1"/>
+            </a:ext>
+          </a:extLst>
+        </p:spPr>
+        <p:txBody>
+          <a:bodyPr lIns="50800" tIns="50800" rIns="50800" bIns="50800" anchor="b">
+            <a:spAutoFit/>
+          </a:bodyPr>
+          <a:lstStyle>
+            <a:lvl1pPr algn="l">
+              <a:defRPr sz="2800">
+                <a:solidFill>
+                  <a:srgbClr val="5A5F5E"/>
+                </a:solidFill>
+                <a:latin typeface="Monaco"/>
+                <a:ea typeface="Monaco"/>
+                <a:cs typeface="Monaco"/>
+                <a:sym typeface="Monaco"/>
+              </a:defRPr>
+            </a:lvl1pPr>
+          </a:lstStyle>
+          <a:p>
+            <a:pPr/>
+            <a:r>
+              <a:t>ALTER TABLE [table] ADD [colonne] [type] [contraintes];</a:t>
+            </a:r>
+          </a:p>
+        </p:txBody>
+      </p:sp>
+      <p:sp>
+        <p:nvSpPr>
+          <p:cNvPr id="508" name="Supprimer une colonne"/>
+          <p:cNvSpPr txBox="1"/>
+          <p:nvPr/>
+        </p:nvSpPr>
+        <p:spPr>
+          <a:xfrm>
+            <a:off x="438170" y="6377717"/>
+            <a:ext cx="4353224" cy="622301"/>
+          </a:xfrm>
+          <a:prstGeom prst="rect">
+            <a:avLst/>
+          </a:prstGeom>
+          <a:ln w="12700">
+            <a:miter lim="400000"/>
+          </a:ln>
+          <a:extLst>
+            <a:ext uri="{C572A759-6A51-4108-AA02-DFA0A04FC94B}">
+              <ma14:wrappingTextBoxFlag xmlns:ma14="http://schemas.microsoft.com/office/mac/drawingml/2011/main" val="1"/>
+            </a:ext>
+          </a:extLst>
+        </p:spPr>
+        <p:txBody>
+          <a:bodyPr wrap="none" lIns="50800" tIns="50800" rIns="50800" bIns="50800" anchor="ctr">
+            <a:spAutoFit/>
+          </a:bodyPr>
+          <a:lstStyle>
+            <a:lvl1pPr algn="l"/>
+          </a:lstStyle>
+          <a:p>
+            <a:pPr/>
+            <a:r>
+              <a:t>Supprimer une colonne</a:t>
+            </a:r>
+          </a:p>
+        </p:txBody>
+      </p:sp>
+      <p:sp>
+        <p:nvSpPr>
+          <p:cNvPr id="509" name="ALTER TABLE [table] DROP [colonne];"/>
+          <p:cNvSpPr txBox="1"/>
+          <p:nvPr/>
+        </p:nvSpPr>
+        <p:spPr>
+          <a:xfrm>
+            <a:off x="427869" y="6888977"/>
+            <a:ext cx="12149062" cy="541810"/>
+          </a:xfrm>
+          <a:prstGeom prst="rect">
+            <a:avLst/>
+          </a:prstGeom>
+          <a:ln w="12700">
+            <a:miter lim="400000"/>
+          </a:ln>
+          <a:extLst>
+            <a:ext uri="{C572A759-6A51-4108-AA02-DFA0A04FC94B}">
+              <ma14:wrappingTextBoxFlag xmlns:ma14="http://schemas.microsoft.com/office/mac/drawingml/2011/main" val="1"/>
+            </a:ext>
+          </a:extLst>
+        </p:spPr>
+        <p:txBody>
+          <a:bodyPr lIns="50800" tIns="50800" rIns="50800" bIns="50800" anchor="b">
+            <a:spAutoFit/>
+          </a:bodyPr>
+          <a:lstStyle>
+            <a:lvl1pPr algn="l">
+              <a:defRPr sz="2800">
+                <a:solidFill>
+                  <a:srgbClr val="5A5F5E"/>
+                </a:solidFill>
+                <a:latin typeface="Monaco"/>
+                <a:ea typeface="Monaco"/>
+                <a:cs typeface="Monaco"/>
+                <a:sym typeface="Monaco"/>
+              </a:defRPr>
+            </a:lvl1pPr>
+          </a:lstStyle>
+          <a:p>
+            <a:pPr/>
+            <a:r>
+              <a:t>ALTER TABLE [table] DROP [colonne];</a:t>
+            </a:r>
+          </a:p>
+        </p:txBody>
+      </p:sp>
+    </p:spTree>
+  </p:cSld>
+  <p:clrMapOvr>
+    <a:masterClrMapping/>
+  </p:clrMapOvr>
+  <p:transition xmlns:p14="http://schemas.microsoft.com/office/powerpoint/2010/main" spd="med" advClick="1"/>
+  <p:timing>
+    <p:tnLst>
+      <p:par>
+        <p:cTn id="1" nodeType="tmRoot" restart="never" dur="indefinite" fill="hold">
+          <p:childTnLst>
+            <p:seq concurrent="1" prevAc="none" nextAc="seek">
+              <p:cTn id="2" nodeType="mainSeq" dur="indefinite" fill="hold">
+                <p:childTnLst>
+                  <p:par>
+                    <p:cTn id="3" fill="hold">
+                      <p:stCondLst>
+                        <p:cond delay="indefinite"/>
+                      </p:stCondLst>
+                      <p:childTnLst>
+                        <p:par>
+                          <p:cTn id="4" fill="hold">
+                            <p:stCondLst>
+                              <p:cond delay="0"/>
+                            </p:stCondLst>
+                            <p:childTnLst>
+                              <p:par>
+                                <p:cTn id="5" presetClass="emph" nodeType="clickEffect" presetID="9" grpId="1" fill="hold">
+                                  <p:stCondLst>
+                                    <p:cond delay="0"/>
+                                  </p:stCondLst>
+                                  <p:childTnLst>
+                                    <p:set>
+                                      <p:cBhvr>
+                                        <p:cTn id="6" dur="indefinite" fill="hold"/>
+                                        <p:tgtEl>
+                                          <p:spTgt spid="501"/>
+                                        </p:tgtEl>
+                                        <p:attrNameLst>
+                                          <p:attrName>style.opacity</p:attrName>
+                                        </p:attrNameLst>
+                                      </p:cBhvr>
+                                      <p:to>
+                                        <p:strVal val="0.00"/>
+                                      </p:to>
+                                    </p:set>
+                                    <p:animEffect filter="image" prLst="opacity: 0.00; ">
+                                      <p:cBhvr>
+                                        <p:cTn id="7" dur="indefinite" fill="hold"/>
+                                        <p:tgtEl>
+                                          <p:spTgt spid="501"/>
+                                        </p:tgtEl>
+                                      </p:cBhvr>
+                                    </p:animEffect>
+                                  </p:childTnLst>
+                                </p:cTn>
+                              </p:par>
+                            </p:childTnLst>
+                          </p:cTn>
+                        </p:par>
+                        <p:par>
+                          <p:cTn id="8" fill="hold">
+                            <p:stCondLst>
+                              <p:cond delay="300"/>
+                            </p:stCondLst>
+                            <p:childTnLst>
+                              <p:par>
+                                <p:cTn id="9" presetClass="entr" nodeType="afterEffect" presetID="9" grpId="2" fill="hold">
+                                  <p:stCondLst>
+                                    <p:cond delay="0"/>
+                                  </p:stCondLst>
+                                  <p:iterate type="el" backwards="0">
+                                    <p:tmAbs val="0"/>
+                                  </p:iterate>
+                                  <p:childTnLst>
+                                    <p:set>
+                                      <p:cBhvr>
+                                        <p:cTn id="10" fill="hold"/>
+                                        <p:tgtEl>
+                                          <p:spTgt spid="502"/>
+                                        </p:tgtEl>
+                                        <p:attrNameLst>
+                                          <p:attrName>style.visibility</p:attrName>
+                                        </p:attrNameLst>
+                                      </p:cBhvr>
+                                      <p:to>
+                                        <p:strVal val="visible"/>
+                                      </p:to>
+                                    </p:set>
+                                    <p:animEffect filter="dissolve" transition="in">
+                                      <p:cBhvr>
+                                        <p:cTn id="11" dur="300"/>
+                                        <p:tgtEl>
+                                          <p:spTgt spid="502"/>
+                                        </p:tgtEl>
+                                      </p:cBhvr>
+                                    </p:animEffect>
+                                  </p:childTnLst>
+                                </p:cTn>
+                              </p:par>
+                            </p:childTnLst>
+                          </p:cTn>
+                        </p:par>
+                        <p:par>
+                          <p:cTn id="12" fill="hold">
+                            <p:stCondLst>
+                              <p:cond delay="600"/>
+                            </p:stCondLst>
+                            <p:childTnLst>
+                              <p:par>
+                                <p:cTn id="13" presetClass="entr" nodeType="afterEffect" presetID="9" grpId="3" fill="hold">
+                                  <p:stCondLst>
+                                    <p:cond delay="0"/>
+                                  </p:stCondLst>
+                                  <p:iterate type="el" backwards="0">
+                                    <p:tmAbs val="0"/>
+                                  </p:iterate>
+                                  <p:childTnLst>
+                                    <p:set>
+                                      <p:cBhvr>
+                                        <p:cTn id="14" fill="hold"/>
+                                        <p:tgtEl>
+                                          <p:spTgt spid="503"/>
+                                        </p:tgtEl>
+                                        <p:attrNameLst>
+                                          <p:attrName>style.visibility</p:attrName>
+                                        </p:attrNameLst>
+                                      </p:cBhvr>
+                                      <p:to>
+                                        <p:strVal val="visible"/>
+                                      </p:to>
+                                    </p:set>
+                                    <p:animEffect filter="dissolve" transition="in">
+                                      <p:cBhvr>
+                                        <p:cTn id="15" dur="300"/>
+                                        <p:tgtEl>
+                                          <p:spTgt spid="503"/>
+                                        </p:tgtEl>
+                                      </p:cBhvr>
+                                    </p:animEffect>
+                                  </p:childTnLst>
+                                </p:cTn>
+                              </p:par>
+                            </p:childTnLst>
+                          </p:cTn>
+                        </p:par>
+                        <p:par>
+                          <p:cTn id="16" fill="hold">
+                            <p:stCondLst>
+                              <p:cond delay="900"/>
+                            </p:stCondLst>
+                            <p:childTnLst>
+                              <p:par>
+                                <p:cTn id="17" presetClass="entr" nodeType="afterEffect" presetID="9" grpId="4" fill="hold">
+                                  <p:stCondLst>
+                                    <p:cond delay="0"/>
+                                  </p:stCondLst>
+                                  <p:iterate type="el" backwards="0">
+                                    <p:tmAbs val="0"/>
+                                  </p:iterate>
+                                  <p:childTnLst>
+                                    <p:set>
+                                      <p:cBhvr>
+                                        <p:cTn id="18" fill="hold"/>
+                                        <p:tgtEl>
+                                          <p:spTgt spid="504"/>
+                                        </p:tgtEl>
+                                        <p:attrNameLst>
+                                          <p:attrName>style.visibility</p:attrName>
+                                        </p:attrNameLst>
+                                      </p:cBhvr>
+                                      <p:to>
+                                        <p:strVal val="visible"/>
+                                      </p:to>
+                                    </p:set>
+                                    <p:animEffect filter="dissolve" transition="in">
+                                      <p:cBhvr>
+                                        <p:cTn id="19" dur="300"/>
+                                        <p:tgtEl>
+                                          <p:spTgt spid="504"/>
+                                        </p:tgtEl>
+                                      </p:cBhvr>
+                                    </p:animEffect>
+                                  </p:childTnLst>
+                                </p:cTn>
+                              </p:par>
+                            </p:childTnLst>
+                          </p:cTn>
+                        </p:par>
+                        <p:par>
+                          <p:cTn id="20" fill="hold">
+                            <p:stCondLst>
+                              <p:cond delay="1200"/>
+                            </p:stCondLst>
+                            <p:childTnLst>
+                              <p:par>
+                                <p:cTn id="21" presetClass="entr" nodeType="afterEffect" presetID="9" grpId="5" fill="hold">
+                                  <p:stCondLst>
+                                    <p:cond delay="0"/>
+                                  </p:stCondLst>
+                                  <p:iterate type="el" backwards="0">
+                                    <p:tmAbs val="0"/>
+                                  </p:iterate>
+                                  <p:childTnLst>
+                                    <p:set>
+                                      <p:cBhvr>
+                                        <p:cTn id="22" fill="hold"/>
+                                        <p:tgtEl>
+                                          <p:spTgt spid="505"/>
+                                        </p:tgtEl>
+                                        <p:attrNameLst>
+                                          <p:attrName>style.visibility</p:attrName>
+                                        </p:attrNameLst>
+                                      </p:cBhvr>
+                                      <p:to>
+                                        <p:strVal val="visible"/>
+                                      </p:to>
+                                    </p:set>
+                                    <p:animEffect filter="dissolve" transition="in">
+                                      <p:cBhvr>
+                                        <p:cTn id="23" dur="300"/>
+                                        <p:tgtEl>
+                                          <p:spTgt spid="505"/>
+                                        </p:tgtEl>
+                                      </p:cBhvr>
+                                    </p:animEffect>
+                                  </p:childTnLst>
+                                </p:cTn>
+                              </p:par>
+                            </p:childTnLst>
+                          </p:cTn>
+                        </p:par>
+                        <p:par>
+                          <p:cTn id="24" fill="hold">
+                            <p:stCondLst>
+                              <p:cond delay="1500"/>
+                            </p:stCondLst>
+                            <p:childTnLst>
+                              <p:par>
+                                <p:cTn id="25" presetClass="entr" nodeType="afterEffect" presetID="9" grpId="6" fill="hold">
+                                  <p:stCondLst>
+                                    <p:cond delay="0"/>
+                                  </p:stCondLst>
+                                  <p:iterate type="el" backwards="0">
+                                    <p:tmAbs val="0"/>
+                                  </p:iterate>
+                                  <p:childTnLst>
+                                    <p:set>
+                                      <p:cBhvr>
+                                        <p:cTn id="26" fill="hold"/>
+                                        <p:tgtEl>
+                                          <p:spTgt spid="506"/>
+                                        </p:tgtEl>
+                                        <p:attrNameLst>
+                                          <p:attrName>style.visibility</p:attrName>
+                                        </p:attrNameLst>
+                                      </p:cBhvr>
+                                      <p:to>
+                                        <p:strVal val="visible"/>
+                                      </p:to>
+                                    </p:set>
+                                    <p:animEffect filter="dissolve" transition="in">
+                                      <p:cBhvr>
+                                        <p:cTn id="27" dur="300"/>
+                                        <p:tgtEl>
+                                          <p:spTgt spid="506"/>
+                                        </p:tgtEl>
+                                      </p:cBhvr>
+                                    </p:animEffect>
+                                  </p:childTnLst>
+                                </p:cTn>
+                              </p:par>
+                            </p:childTnLst>
+                          </p:cTn>
+                        </p:par>
+                        <p:par>
+                          <p:cTn id="28" fill="hold">
+                            <p:stCondLst>
+                              <p:cond delay="1800"/>
+                            </p:stCondLst>
+                            <p:childTnLst>
+                              <p:par>
+                                <p:cTn id="29" presetClass="entr" nodeType="afterEffect" presetID="9" grpId="7" fill="hold">
+                                  <p:stCondLst>
+                                    <p:cond delay="0"/>
+                                  </p:stCondLst>
+                                  <p:iterate type="el" backwards="0">
+                                    <p:tmAbs val="0"/>
+                                  </p:iterate>
+                                  <p:childTnLst>
+                                    <p:set>
+                                      <p:cBhvr>
+                                        <p:cTn id="30" fill="hold"/>
+                                        <p:tgtEl>
+                                          <p:spTgt spid="507"/>
+                                        </p:tgtEl>
+                                        <p:attrNameLst>
+                                          <p:attrName>style.visibility</p:attrName>
+                                        </p:attrNameLst>
+                                      </p:cBhvr>
+                                      <p:to>
+                                        <p:strVal val="visible"/>
+                                      </p:to>
+                                    </p:set>
+                                    <p:animEffect filter="dissolve" transition="in">
+                                      <p:cBhvr>
+                                        <p:cTn id="31" dur="300"/>
+                                        <p:tgtEl>
+                                          <p:spTgt spid="507"/>
+                                        </p:tgtEl>
+                                      </p:cBhvr>
+                                    </p:animEffect>
+                                  </p:childTnLst>
+                                </p:cTn>
+                              </p:par>
+                            </p:childTnLst>
+                          </p:cTn>
+                        </p:par>
+                        <p:par>
+                          <p:cTn id="32" fill="hold">
+                            <p:stCondLst>
+                              <p:cond delay="2100"/>
+                            </p:stCondLst>
+                            <p:childTnLst>
+                              <p:par>
+                                <p:cTn id="33" presetClass="entr" nodeType="afterEffect" presetID="9" grpId="8" fill="hold">
+                                  <p:stCondLst>
+                                    <p:cond delay="0"/>
+                                  </p:stCondLst>
+                                  <p:iterate type="el" backwards="0">
+                                    <p:tmAbs val="0"/>
+                                  </p:iterate>
+                                  <p:childTnLst>
+                                    <p:set>
+                                      <p:cBhvr>
+                                        <p:cTn id="34" fill="hold"/>
+                                        <p:tgtEl>
+                                          <p:spTgt spid="508"/>
+                                        </p:tgtEl>
+                                        <p:attrNameLst>
+                                          <p:attrName>style.visibility</p:attrName>
+                                        </p:attrNameLst>
+                                      </p:cBhvr>
+                                      <p:to>
+                                        <p:strVal val="visible"/>
+                                      </p:to>
+                                    </p:set>
+                                    <p:animEffect filter="dissolve" transition="in">
+                                      <p:cBhvr>
+                                        <p:cTn id="35" dur="300"/>
+                                        <p:tgtEl>
+                                          <p:spTgt spid="508"/>
+                                        </p:tgtEl>
+                                      </p:cBhvr>
+                                    </p:animEffect>
+                                  </p:childTnLst>
+                                </p:cTn>
+                              </p:par>
+                            </p:childTnLst>
+                          </p:cTn>
+                        </p:par>
+                        <p:par>
+                          <p:cTn id="36" fill="hold">
+                            <p:stCondLst>
+                              <p:cond delay="2400"/>
+                            </p:stCondLst>
+                            <p:childTnLst>
+                              <p:par>
+                                <p:cTn id="37" presetClass="entr" nodeType="afterEffect" presetID="9" grpId="9" fill="hold">
+                                  <p:stCondLst>
+                                    <p:cond delay="0"/>
+                                  </p:stCondLst>
+                                  <p:iterate type="el" backwards="0">
+                                    <p:tmAbs val="0"/>
+                                  </p:iterate>
+                                  <p:childTnLst>
+                                    <p:set>
+                                      <p:cBhvr>
+                                        <p:cTn id="38" fill="hold"/>
+                                        <p:tgtEl>
+                                          <p:spTgt spid="509"/>
+                                        </p:tgtEl>
+                                        <p:attrNameLst>
+                                          <p:attrName>style.visibility</p:attrName>
+                                        </p:attrNameLst>
+                                      </p:cBhvr>
+                                      <p:to>
+                                        <p:strVal val="visible"/>
+                                      </p:to>
+                                    </p:set>
+                                    <p:animEffect filter="dissolve" transition="in">
+                                      <p:cBhvr>
+                                        <p:cTn id="39" dur="300"/>
+                                        <p:tgtEl>
+                                          <p:spTgt spid="509"/>
+                                        </p:tgtEl>
+                                      </p:cBhvr>
+                                    </p:animEffect>
+                                  </p:childTnLst>
+                                </p:cTn>
+                              </p:par>
+                            </p:childTnLst>
+                          </p:cTn>
+                        </p:par>
+                      </p:childTnLst>
+                    </p:cTn>
+                  </p:par>
+                </p:childTnLst>
+              </p:cTn>
+              <p:prevCondLst>
+                <p:cond evt="onPrev">
+                  <p:tgtEl>
+                    <p:sldTgt/>
+                  </p:tgtEl>
+                </p:cond>
+              </p:prevCondLst>
+              <p:nextCondLst>
+                <p:cond evt="onNext">
+                  <p:tgtEl>
+                    <p:sldTgt/>
+                  </p:tgtEl>
+                </p:cond>
+              </p:nextCondLst>
+            </p:seq>
+          </p:childTnLst>
+        </p:cTn>
+      </p:par>
+    </p:tnLst>
+    <p:bldLst>
+      <p:bldP build="whole" bldLvl="1" animBg="1" rev="0" advAuto="0" spid="507" grpId="7"/>
+      <p:bldP build="whole" bldLvl="1" animBg="1" rev="0" advAuto="0" spid="508" grpId="8"/>
+      <p:bldP build="whole" bldLvl="1" animBg="1" rev="0" advAuto="0" spid="505" grpId="5"/>
+      <p:bldP build="whole" bldLvl="1" animBg="1" rev="0" advAuto="0" spid="503" grpId="3"/>
+      <p:bldP build="whole" bldLvl="1" animBg="1" rev="0" advAuto="0" spid="509" grpId="9"/>
+      <p:bldP build="whole" bldLvl="1" animBg="1" rev="0" advAuto="0" spid="506" grpId="6"/>
+      <p:bldP build="whole" bldLvl="1" animBg="1" rev="0" advAuto="0" spid="502" grpId="2"/>
+      <p:bldP build="whole" bldLvl="1" animBg="1" rev="0" advAuto="0" spid="504" grpId="4"/>
+      <p:bldP build="whole" bldLvl="1" animBg="1" rev="0" advAuto="0" spid="501" grpId="1"/>
+    </p:bldLst>
+  </p:timing>
+</p:sld>
+</file>
+
+<file path=ppt/slides/slide55.xml><?xml version="1.0" encoding="utf-8"?>
+<p:sld xmlns:a="http://schemas.openxmlformats.org/drawingml/2006/main" xmlns:r="http://schemas.openxmlformats.org/officeDocument/2006/relationships" xmlns:p="http://schemas.openxmlformats.org/presentationml/2006/main" xmlns:m="http://schemas.openxmlformats.org/officeDocument/2006/math" xmlns:a14="http://schemas.microsoft.com/office/drawing/2010/main" showMasterSp="1" showMasterPhAnim="1">
+  <p:cSld>
+    <p:spTree>
+      <p:nvGrpSpPr>
+        <p:cNvPr id="1" name=""/>
+        <p:cNvGrpSpPr/>
+        <p:nvPr/>
+      </p:nvGrpSpPr>
+      <p:grpSpPr>
+        <a:xfrm>
+          <a:off x="0" y="0"/>
+          <a:ext cx="0" cy="0"/>
+          <a:chOff x="0" y="0"/>
+          <a:chExt cx="0" cy="0"/>
+        </a:xfrm>
+      </p:grpSpPr>
+      <p:sp>
+        <p:nvSpPr>
+          <p:cNvPr id="513" name="Requêtage SQL"/>
+          <p:cNvSpPr txBox="1"/>
+          <p:nvPr/>
+        </p:nvSpPr>
+        <p:spPr>
+          <a:xfrm>
+            <a:off x="1270000" y="-12700"/>
+            <a:ext cx="10464800" cy="1282700"/>
+          </a:xfrm>
+          <a:prstGeom prst="rect">
+            <a:avLst/>
+          </a:prstGeom>
+          <a:ln w="12700">
+            <a:miter lim="400000"/>
+          </a:ln>
+          <a:extLst>
+            <a:ext uri="{C572A759-6A51-4108-AA02-DFA0A04FC94B}">
+              <ma14:wrappingTextBoxFlag xmlns:ma14="http://schemas.microsoft.com/office/mac/drawingml/2011/main" val="1"/>
+            </a:ext>
+          </a:extLst>
+        </p:spPr>
+        <p:txBody>
+          <a:bodyPr lIns="50800" tIns="50800" rIns="50800" bIns="50800" anchor="ctr">
+            <a:normAutofit fontScale="100000" lnSpcReduction="0"/>
+          </a:bodyPr>
+          <a:lstStyle>
+            <a:lvl1pPr>
+              <a:defRPr sz="2600"/>
+            </a:lvl1pPr>
+          </a:lstStyle>
+          <a:p>
+            <a:pPr/>
+            <a:r>
+              <a:t>Requêtage SQL</a:t>
+            </a:r>
+          </a:p>
+        </p:txBody>
+      </p:sp>
+      <p:sp>
+        <p:nvSpPr>
+          <p:cNvPr id="514" name="Modifier un enregistrement"/>
+          <p:cNvSpPr txBox="1"/>
+          <p:nvPr/>
+        </p:nvSpPr>
+        <p:spPr>
+          <a:xfrm>
+            <a:off x="3987018" y="1499828"/>
+            <a:ext cx="5030764" cy="622301"/>
+          </a:xfrm>
+          <a:prstGeom prst="rect">
+            <a:avLst/>
+          </a:prstGeom>
+          <a:ln w="12700">
+            <a:miter lim="400000"/>
+          </a:ln>
+          <a:extLst>
+            <a:ext uri="{C572A759-6A51-4108-AA02-DFA0A04FC94B}">
+              <ma14:wrappingTextBoxFlag xmlns:ma14="http://schemas.microsoft.com/office/mac/drawingml/2011/main" val="1"/>
+            </a:ext>
+          </a:extLst>
+        </p:spPr>
+        <p:txBody>
+          <a:bodyPr wrap="none" lIns="50800" tIns="50800" rIns="50800" bIns="50800" anchor="ctr">
+            <a:spAutoFit/>
+          </a:bodyPr>
+          <a:lstStyle/>
+          <a:p>
+            <a:pPr/>
+            <a:r>
+              <a:t>Modifier un enregistrement</a:t>
+            </a:r>
+          </a:p>
+        </p:txBody>
+      </p:sp>
+      <p:sp>
+        <p:nvSpPr>
+          <p:cNvPr id="515" name="UPDATE [table]…"/>
+          <p:cNvSpPr txBox="1"/>
+          <p:nvPr/>
+        </p:nvSpPr>
+        <p:spPr>
+          <a:xfrm>
+            <a:off x="427869" y="2363182"/>
+            <a:ext cx="12149062" cy="1951509"/>
+          </a:xfrm>
+          <a:prstGeom prst="rect">
+            <a:avLst/>
+          </a:prstGeom>
+          <a:ln w="12700">
+            <a:miter lim="400000"/>
+          </a:ln>
+          <a:extLst>
+            <a:ext uri="{C572A759-6A51-4108-AA02-DFA0A04FC94B}">
+              <ma14:wrappingTextBoxFlag xmlns:ma14="http://schemas.microsoft.com/office/mac/drawingml/2011/main" val="1"/>
+            </a:ext>
+          </a:extLst>
+        </p:spPr>
+        <p:txBody>
+          <a:bodyPr lIns="50800" tIns="50800" rIns="50800" bIns="50800" anchor="b">
+            <a:spAutoFit/>
+          </a:bodyPr>
+          <a:lstStyle/>
+          <a:p>
+            <a:pPr algn="l">
+              <a:defRPr sz="2800">
+                <a:solidFill>
+                  <a:srgbClr val="5A5F5E"/>
+                </a:solidFill>
+                <a:latin typeface="Monaco"/>
+                <a:ea typeface="Monaco"/>
+                <a:cs typeface="Monaco"/>
+                <a:sym typeface="Monaco"/>
+              </a:defRPr>
+            </a:pPr>
+            <a:r>
+              <a:t>UPDATE [table]</a:t>
+            </a:r>
+          </a:p>
+          <a:p>
+            <a:pPr algn="l">
+              <a:defRPr sz="2800">
+                <a:solidFill>
+                  <a:srgbClr val="5A5F5E"/>
+                </a:solidFill>
+                <a:latin typeface="Monaco"/>
+                <a:ea typeface="Monaco"/>
+                <a:cs typeface="Monaco"/>
+                <a:sym typeface="Monaco"/>
+              </a:defRPr>
+            </a:pPr>
+            <a:r>
+              <a:t>SET [colonne1] = [valeur1], [colonne2] = [valeur2]</a:t>
+            </a:r>
+          </a:p>
+          <a:p>
+            <a:pPr algn="l">
+              <a:defRPr sz="2800">
+                <a:solidFill>
+                  <a:srgbClr val="5A5F5E"/>
+                </a:solidFill>
+                <a:latin typeface="Monaco"/>
+                <a:ea typeface="Monaco"/>
+                <a:cs typeface="Monaco"/>
+                <a:sym typeface="Monaco"/>
+              </a:defRPr>
+            </a:pPr>
+            <a:r>
+              <a:rPr>
+                <a:solidFill>
+                  <a:srgbClr val="808785"/>
+                </a:solidFill>
+              </a:rPr>
+              <a:t>WHERE [colonne3] = [valeur3]</a:t>
+            </a:r>
+            <a:endParaRPr>
+              <a:solidFill>
+                <a:srgbClr val="808785"/>
+              </a:solidFill>
+            </a:endParaRPr>
+          </a:p>
+          <a:p>
+            <a:pPr algn="l">
+              <a:defRPr sz="2800">
+                <a:solidFill>
+                  <a:srgbClr val="5A5F5E"/>
+                </a:solidFill>
+                <a:latin typeface="Monaco"/>
+                <a:ea typeface="Monaco"/>
+                <a:cs typeface="Monaco"/>
+                <a:sym typeface="Monaco"/>
+              </a:defRPr>
+            </a:pPr>
+            <a:r>
+              <a:rPr>
+                <a:solidFill>
+                  <a:srgbClr val="808785"/>
+                </a:solidFill>
+              </a:rPr>
+              <a:t>AND [colonne4] = [valeur4]</a:t>
+            </a:r>
+            <a:r>
+              <a:t>;</a:t>
+            </a:r>
+          </a:p>
+        </p:txBody>
+      </p:sp>
+      <p:sp>
+        <p:nvSpPr>
+          <p:cNvPr id="516" name="UPDATE user…"/>
+          <p:cNvSpPr txBox="1"/>
+          <p:nvPr/>
+        </p:nvSpPr>
+        <p:spPr>
+          <a:xfrm>
+            <a:off x="427869" y="2363182"/>
+            <a:ext cx="12149062" cy="1481609"/>
+          </a:xfrm>
+          <a:prstGeom prst="rect">
+            <a:avLst/>
+          </a:prstGeom>
+          <a:ln w="12700">
+            <a:miter lim="400000"/>
+          </a:ln>
+          <a:extLst>
+            <a:ext uri="{C572A759-6A51-4108-AA02-DFA0A04FC94B}">
+              <ma14:wrappingTextBoxFlag xmlns:ma14="http://schemas.microsoft.com/office/mac/drawingml/2011/main" val="1"/>
+            </a:ext>
+          </a:extLst>
+        </p:spPr>
+        <p:txBody>
+          <a:bodyPr lIns="50800" tIns="50800" rIns="50800" bIns="50800" anchor="b">
+            <a:spAutoFit/>
+          </a:bodyPr>
+          <a:lstStyle/>
+          <a:p>
+            <a:pPr algn="l">
+              <a:defRPr sz="2800">
+                <a:solidFill>
+                  <a:srgbClr val="5A5F5E"/>
+                </a:solidFill>
+                <a:latin typeface="Monaco"/>
+                <a:ea typeface="Monaco"/>
+                <a:cs typeface="Monaco"/>
+                <a:sym typeface="Monaco"/>
+              </a:defRPr>
+            </a:pPr>
+            <a:r>
+              <a:t>UPDATE user</a:t>
+            </a:r>
+          </a:p>
+          <a:p>
+            <a:pPr algn="l">
+              <a:defRPr sz="2800">
+                <a:solidFill>
+                  <a:srgbClr val="5A5F5E"/>
+                </a:solidFill>
+                <a:latin typeface="Monaco"/>
+                <a:ea typeface="Monaco"/>
+                <a:cs typeface="Monaco"/>
+                <a:sym typeface="Monaco"/>
+              </a:defRPr>
+            </a:pPr>
+            <a:r>
+              <a:t>SET nom = 'Coualan'</a:t>
+            </a:r>
+          </a:p>
+          <a:p>
+            <a:pPr algn="l">
+              <a:defRPr sz="2800">
+                <a:solidFill>
+                  <a:srgbClr val="5A5F5E"/>
+                </a:solidFill>
+                <a:latin typeface="Monaco"/>
+                <a:ea typeface="Monaco"/>
+                <a:cs typeface="Monaco"/>
+                <a:sym typeface="Monaco"/>
+              </a:defRPr>
+            </a:pPr>
+            <a:r>
+              <a:t>WHERE id = 8;</a:t>
+            </a:r>
+          </a:p>
+        </p:txBody>
+      </p:sp>
+      <p:sp>
+        <p:nvSpPr>
+          <p:cNvPr id="517" name="Supprimer un enregistrement"/>
+          <p:cNvSpPr txBox="1"/>
+          <p:nvPr/>
+        </p:nvSpPr>
+        <p:spPr>
+          <a:xfrm>
+            <a:off x="3804964" y="4547827"/>
+            <a:ext cx="5394872" cy="622301"/>
+          </a:xfrm>
+          <a:prstGeom prst="rect">
+            <a:avLst/>
+          </a:prstGeom>
+          <a:ln w="12700">
+            <a:miter lim="400000"/>
+          </a:ln>
+          <a:extLst>
+            <a:ext uri="{C572A759-6A51-4108-AA02-DFA0A04FC94B}">
+              <ma14:wrappingTextBoxFlag xmlns:ma14="http://schemas.microsoft.com/office/mac/drawingml/2011/main" val="1"/>
+            </a:ext>
+          </a:extLst>
+        </p:spPr>
+        <p:txBody>
+          <a:bodyPr wrap="none" lIns="50800" tIns="50800" rIns="50800" bIns="50800" anchor="ctr">
+            <a:spAutoFit/>
+          </a:bodyPr>
+          <a:lstStyle/>
+          <a:p>
+            <a:pPr/>
+            <a:r>
+              <a:t>Supprimer un enregistrement</a:t>
+            </a:r>
+          </a:p>
+        </p:txBody>
+      </p:sp>
+      <p:sp>
+        <p:nvSpPr>
+          <p:cNvPr id="518" name="DELETE FROM [table]…"/>
+          <p:cNvSpPr txBox="1"/>
+          <p:nvPr/>
+        </p:nvSpPr>
+        <p:spPr>
+          <a:xfrm>
+            <a:off x="427869" y="5627082"/>
+            <a:ext cx="12149062" cy="1481609"/>
+          </a:xfrm>
+          <a:prstGeom prst="rect">
+            <a:avLst/>
+          </a:prstGeom>
+          <a:ln w="12700">
+            <a:miter lim="400000"/>
+          </a:ln>
+          <a:extLst>
+            <a:ext uri="{C572A759-6A51-4108-AA02-DFA0A04FC94B}">
+              <ma14:wrappingTextBoxFlag xmlns:ma14="http://schemas.microsoft.com/office/mac/drawingml/2011/main" val="1"/>
+            </a:ext>
+          </a:extLst>
+        </p:spPr>
+        <p:txBody>
+          <a:bodyPr lIns="50800" tIns="50800" rIns="50800" bIns="50800" anchor="b">
+            <a:spAutoFit/>
+          </a:bodyPr>
+          <a:lstStyle/>
+          <a:p>
+            <a:pPr algn="l">
+              <a:defRPr sz="2800">
+                <a:solidFill>
+                  <a:srgbClr val="5A5F5E"/>
+                </a:solidFill>
+                <a:latin typeface="Monaco"/>
+                <a:ea typeface="Monaco"/>
+                <a:cs typeface="Monaco"/>
+                <a:sym typeface="Monaco"/>
+              </a:defRPr>
+            </a:pPr>
+            <a:r>
+              <a:t>DELETE FROM [table]</a:t>
+            </a:r>
+          </a:p>
+          <a:p>
+            <a:pPr algn="l">
+              <a:defRPr sz="2800">
+                <a:solidFill>
+                  <a:srgbClr val="5A5F5E"/>
+                </a:solidFill>
+                <a:latin typeface="Monaco"/>
+                <a:ea typeface="Monaco"/>
+                <a:cs typeface="Monaco"/>
+                <a:sym typeface="Monaco"/>
+              </a:defRPr>
+            </a:pPr>
+            <a:r>
+              <a:t>WHERE [colonne1] = [valeur1]</a:t>
+            </a:r>
+          </a:p>
+          <a:p>
+            <a:pPr algn="l">
+              <a:defRPr sz="2800">
+                <a:solidFill>
+                  <a:srgbClr val="5A5F5E"/>
+                </a:solidFill>
+                <a:latin typeface="Monaco"/>
+                <a:ea typeface="Monaco"/>
+                <a:cs typeface="Monaco"/>
+                <a:sym typeface="Monaco"/>
+              </a:defRPr>
+            </a:pPr>
+            <a:r>
+              <a:rPr>
+                <a:solidFill>
+                  <a:srgbClr val="808785"/>
+                </a:solidFill>
+              </a:rPr>
+              <a:t>AND [colonne2] = [valeur2]</a:t>
+            </a:r>
+            <a:r>
+              <a:t>;</a:t>
+            </a:r>
+          </a:p>
+        </p:txBody>
+      </p:sp>
+      <p:sp>
+        <p:nvSpPr>
+          <p:cNvPr id="519" name="DELETE FROM user…"/>
+          <p:cNvSpPr txBox="1"/>
+          <p:nvPr/>
+        </p:nvSpPr>
+        <p:spPr>
+          <a:xfrm>
+            <a:off x="427869" y="5627082"/>
+            <a:ext cx="12149062" cy="1011709"/>
+          </a:xfrm>
+          <a:prstGeom prst="rect">
+            <a:avLst/>
+          </a:prstGeom>
+          <a:ln w="12700">
+            <a:miter lim="400000"/>
+          </a:ln>
+          <a:extLst>
+            <a:ext uri="{C572A759-6A51-4108-AA02-DFA0A04FC94B}">
+              <ma14:wrappingTextBoxFlag xmlns:ma14="http://schemas.microsoft.com/office/mac/drawingml/2011/main" val="1"/>
+            </a:ext>
+          </a:extLst>
+        </p:spPr>
+        <p:txBody>
+          <a:bodyPr lIns="50800" tIns="50800" rIns="50800" bIns="50800" anchor="b">
+            <a:spAutoFit/>
+          </a:bodyPr>
+          <a:lstStyle/>
+          <a:p>
+            <a:pPr algn="l">
+              <a:defRPr sz="2800">
+                <a:solidFill>
+                  <a:srgbClr val="5A5F5E"/>
+                </a:solidFill>
+                <a:latin typeface="Monaco"/>
+                <a:ea typeface="Monaco"/>
+                <a:cs typeface="Monaco"/>
+                <a:sym typeface="Monaco"/>
+              </a:defRPr>
+            </a:pPr>
+            <a:r>
+              <a:t>DELETE FROM user</a:t>
+            </a:r>
+          </a:p>
+          <a:p>
+            <a:pPr algn="l">
+              <a:defRPr sz="2800">
+                <a:solidFill>
+                  <a:srgbClr val="5A5F5E"/>
+                </a:solidFill>
+                <a:latin typeface="Monaco"/>
+                <a:ea typeface="Monaco"/>
+                <a:cs typeface="Monaco"/>
+                <a:sym typeface="Monaco"/>
+              </a:defRPr>
+            </a:pPr>
+            <a:r>
+              <a:t>WHERE disabled = 1;</a:t>
+            </a:r>
+          </a:p>
+        </p:txBody>
+      </p:sp>
+    </p:spTree>
+  </p:cSld>
+  <p:clrMapOvr>
+    <a:masterClrMapping/>
+  </p:clrMapOvr>
+  <p:transition xmlns:p14="http://schemas.microsoft.com/office/powerpoint/2010/main" spd="med" advClick="1"/>
+  <p:timing>
+    <p:tnLst>
+      <p:par>
+        <p:cTn id="1" nodeType="tmRoot" restart="never" dur="indefinite" fill="hold">
+          <p:childTnLst>
+            <p:seq concurrent="1" prevAc="none" nextAc="seek">
+              <p:cTn id="2" nodeType="mainSeq" dur="indefinite" fill="hold">
+                <p:childTnLst>
+                  <p:par>
+                    <p:cTn id="3" fill="hold">
+                      <p:stCondLst>
+                        <p:cond delay="indefinite"/>
+                      </p:stCondLst>
+                      <p:childTnLst>
+                        <p:par>
+                          <p:cTn id="4" fill="hold">
+                            <p:stCondLst>
+                              <p:cond delay="0"/>
+                            </p:stCondLst>
+                            <p:childTnLst>
+                              <p:par>
+                                <p:cTn id="5" presetClass="emph" nodeType="clickEffect" presetID="9" grpId="1" fill="hold">
+                                  <p:stCondLst>
+                                    <p:cond delay="0"/>
+                                  </p:stCondLst>
+                                  <p:childTnLst>
+                                    <p:set>
+                                      <p:cBhvr>
+                                        <p:cTn id="6" dur="indefinite" fill="hold"/>
+                                        <p:tgtEl>
+                                          <p:spTgt spid="515"/>
+                                        </p:tgtEl>
+                                        <p:attrNameLst>
+                                          <p:attrName>style.opacity</p:attrName>
+                                        </p:attrNameLst>
+                                      </p:cBhvr>
+                                      <p:to>
+                                        <p:strVal val="0.00"/>
+                                      </p:to>
+                                    </p:set>
+                                    <p:animEffect filter="image" prLst="opacity: 0.00; ">
+                                      <p:cBhvr>
+                                        <p:cTn id="7" dur="indefinite" fill="hold"/>
+                                        <p:tgtEl>
+                                          <p:spTgt spid="515"/>
+                                        </p:tgtEl>
+                                      </p:cBhvr>
+                                    </p:animEffect>
+                                  </p:childTnLst>
+                                </p:cTn>
+                              </p:par>
+                            </p:childTnLst>
+                          </p:cTn>
+                        </p:par>
+                        <p:par>
+                          <p:cTn id="8" fill="hold">
+                            <p:stCondLst>
+                              <p:cond delay="300"/>
+                            </p:stCondLst>
+                            <p:childTnLst>
+                              <p:par>
+                                <p:cTn id="9" presetClass="entr" nodeType="afterEffect" presetID="9" grpId="2" fill="hold">
+                                  <p:stCondLst>
+                                    <p:cond delay="0"/>
+                                  </p:stCondLst>
+                                  <p:iterate type="el" backwards="0">
+                                    <p:tmAbs val="0"/>
+                                  </p:iterate>
+                                  <p:childTnLst>
+                                    <p:set>
+                                      <p:cBhvr>
+                                        <p:cTn id="10" fill="hold"/>
+                                        <p:tgtEl>
+                                          <p:spTgt spid="516"/>
+                                        </p:tgtEl>
+                                        <p:attrNameLst>
+                                          <p:attrName>style.visibility</p:attrName>
+                                        </p:attrNameLst>
+                                      </p:cBhvr>
+                                      <p:to>
+                                        <p:strVal val="visible"/>
+                                      </p:to>
+                                    </p:set>
+                                    <p:animEffect filter="dissolve" transition="in">
+                                      <p:cBhvr>
+                                        <p:cTn id="11" dur="300"/>
+                                        <p:tgtEl>
+                                          <p:spTgt spid="516"/>
+                                        </p:tgtEl>
+                                      </p:cBhvr>
+                                    </p:animEffect>
+                                  </p:childTnLst>
+                                </p:cTn>
+                              </p:par>
+                            </p:childTnLst>
+                          </p:cTn>
+                        </p:par>
+                      </p:childTnLst>
+                    </p:cTn>
+                  </p:par>
+                  <p:par>
+                    <p:cTn id="12" fill="hold">
+                      <p:stCondLst>
+                        <p:cond delay="indefinite"/>
+                      </p:stCondLst>
+                      <p:childTnLst>
+                        <p:par>
+                          <p:cTn id="13" fill="hold">
+                            <p:stCondLst>
+                              <p:cond delay="0"/>
+                            </p:stCondLst>
+                            <p:childTnLst>
+                              <p:par>
+                                <p:cTn id="14" presetClass="entr" nodeType="clickEffect" presetID="9" grpId="3" fill="hold">
+                                  <p:stCondLst>
+                                    <p:cond delay="0"/>
+                                  </p:stCondLst>
+                                  <p:iterate type="el" backwards="0">
+                                    <p:tmAbs val="0"/>
+                                  </p:iterate>
+                                  <p:childTnLst>
+                                    <p:set>
+                                      <p:cBhvr>
+                                        <p:cTn id="15" fill="hold"/>
+                                        <p:tgtEl>
+                                          <p:spTgt spid="517"/>
+                                        </p:tgtEl>
+                                        <p:attrNameLst>
+                                          <p:attrName>style.visibility</p:attrName>
+                                        </p:attrNameLst>
+                                      </p:cBhvr>
+                                      <p:to>
+                                        <p:strVal val="visible"/>
+                                      </p:to>
+                                    </p:set>
+                                    <p:animEffect filter="dissolve" transition="in">
+                                      <p:cBhvr>
+                                        <p:cTn id="16" dur="300"/>
+                                        <p:tgtEl>
+                                          <p:spTgt spid="517"/>
+                                        </p:tgtEl>
+                                      </p:cBhvr>
+                                    </p:animEffect>
+                                  </p:childTnLst>
+                                </p:cTn>
+                              </p:par>
+                            </p:childTnLst>
+                          </p:cTn>
+                        </p:par>
+                        <p:par>
+                          <p:cTn id="17" fill="hold">
+                            <p:stCondLst>
+                              <p:cond delay="300"/>
+                            </p:stCondLst>
+                            <p:childTnLst>
+                              <p:par>
+                                <p:cTn id="18" presetClass="entr" nodeType="afterEffect" presetID="9" grpId="4" fill="hold">
+                                  <p:stCondLst>
+                                    <p:cond delay="0"/>
+                                  </p:stCondLst>
+                                  <p:iterate type="el" backwards="0">
+                                    <p:tmAbs val="0"/>
+                                  </p:iterate>
+                                  <p:childTnLst>
+                                    <p:set>
+                                      <p:cBhvr>
+                                        <p:cTn id="19" fill="hold"/>
+                                        <p:tgtEl>
+                                          <p:spTgt spid="518"/>
+                                        </p:tgtEl>
+                                        <p:attrNameLst>
+                                          <p:attrName>style.visibility</p:attrName>
+                                        </p:attrNameLst>
+                                      </p:cBhvr>
+                                      <p:to>
+                                        <p:strVal val="visible"/>
+                                      </p:to>
+                                    </p:set>
+                                    <p:animEffect filter="dissolve" transition="in">
+                                      <p:cBhvr>
+                                        <p:cTn id="20" dur="300"/>
+                                        <p:tgtEl>
+                                          <p:spTgt spid="518"/>
+                                        </p:tgtEl>
+                                      </p:cBhvr>
+                                    </p:animEffect>
+                                  </p:childTnLst>
+                                </p:cTn>
+                              </p:par>
+                            </p:childTnLst>
+                          </p:cTn>
+                        </p:par>
+                      </p:childTnLst>
+                    </p:cTn>
+                  </p:par>
+                  <p:par>
+                    <p:cTn id="21" fill="hold">
+                      <p:stCondLst>
+                        <p:cond delay="indefinite"/>
+                      </p:stCondLst>
+                      <p:childTnLst>
+                        <p:par>
+                          <p:cTn id="22" fill="hold">
+                            <p:stCondLst>
+                              <p:cond delay="0"/>
+                            </p:stCondLst>
+                            <p:childTnLst>
+                              <p:par>
+                                <p:cTn id="23" presetClass="emph" nodeType="clickEffect" presetID="9" grpId="5" fill="hold">
+                                  <p:stCondLst>
+                                    <p:cond delay="0"/>
+                                  </p:stCondLst>
+                                  <p:childTnLst>
+                                    <p:set>
+                                      <p:cBhvr>
+                                        <p:cTn id="24" dur="indefinite" fill="hold"/>
+                                        <p:tgtEl>
+                                          <p:spTgt spid="518"/>
+                                        </p:tgtEl>
+                                        <p:attrNameLst>
+                                          <p:attrName>style.opacity</p:attrName>
+                                        </p:attrNameLst>
+                                      </p:cBhvr>
+                                      <p:to>
+                                        <p:strVal val="0.00"/>
+                                      </p:to>
+                                    </p:set>
+                                    <p:animEffect filter="image" prLst="opacity: 0.00; ">
+                                      <p:cBhvr>
+                                        <p:cTn id="25" dur="indefinite" fill="hold"/>
+                                        <p:tgtEl>
+                                          <p:spTgt spid="518"/>
+                                        </p:tgtEl>
+                                      </p:cBhvr>
+                                    </p:animEffect>
+                                  </p:childTnLst>
+                                </p:cTn>
+                              </p:par>
+                            </p:childTnLst>
+                          </p:cTn>
+                        </p:par>
+                        <p:par>
+                          <p:cTn id="26" fill="hold">
+                            <p:stCondLst>
+                              <p:cond delay="300"/>
+                            </p:stCondLst>
+                            <p:childTnLst>
+                              <p:par>
+                                <p:cTn id="27" presetClass="entr" nodeType="afterEffect" presetID="9" grpId="6" fill="hold">
+                                  <p:stCondLst>
+                                    <p:cond delay="0"/>
+                                  </p:stCondLst>
+                                  <p:iterate type="el" backwards="0">
+                                    <p:tmAbs val="0"/>
+                                  </p:iterate>
+                                  <p:childTnLst>
+                                    <p:set>
+                                      <p:cBhvr>
+                                        <p:cTn id="28" fill="hold"/>
+                                        <p:tgtEl>
+                                          <p:spTgt spid="519"/>
+                                        </p:tgtEl>
+                                        <p:attrNameLst>
+                                          <p:attrName>style.visibility</p:attrName>
+                                        </p:attrNameLst>
+                                      </p:cBhvr>
+                                      <p:to>
+                                        <p:strVal val="visible"/>
+                                      </p:to>
+                                    </p:set>
+                                    <p:animEffect filter="dissolve" transition="in">
+                                      <p:cBhvr>
+                                        <p:cTn id="29" dur="300"/>
+                                        <p:tgtEl>
+                                          <p:spTgt spid="519"/>
+                                        </p:tgtEl>
+                                      </p:cBhvr>
+                                    </p:animEffect>
+                                  </p:childTnLst>
+                                </p:cTn>
+                              </p:par>
+                            </p:childTnLst>
+                          </p:cTn>
+                        </p:par>
+                      </p:childTnLst>
+                    </p:cTn>
+                  </p:par>
+                </p:childTnLst>
+              </p:cTn>
+              <p:prevCondLst>
+                <p:cond evt="onPrev">
+                  <p:tgtEl>
+                    <p:sldTgt/>
+                  </p:tgtEl>
+                </p:cond>
+              </p:prevCondLst>
+              <p:nextCondLst>
+                <p:cond evt="onNext">
+                  <p:tgtEl>
+                    <p:sldTgt/>
+                  </p:tgtEl>
+                </p:cond>
+              </p:nextCondLst>
+            </p:seq>
+          </p:childTnLst>
+        </p:cTn>
+      </p:par>
+    </p:tnLst>
+    <p:bldLst>
+      <p:bldP build="whole" bldLvl="1" animBg="1" rev="0" advAuto="0" spid="519" grpId="6"/>
+      <p:bldP build="whole" bldLvl="1" animBg="1" rev="0" advAuto="0" spid="517" grpId="3"/>
+      <p:bldP build="whole" bldLvl="1" animBg="1" rev="0" advAuto="0" spid="518" grpId="4"/>
+      <p:bldP build="whole" bldLvl="1" animBg="1" rev="0" advAuto="0" spid="515" grpId="1"/>
+      <p:bldP build="whole" bldLvl="1" animBg="1" rev="0" advAuto="0" spid="516" grpId="2"/>
+      <p:bldP build="whole" bldLvl="1" animBg="1" rev="0" advAuto="0" spid="518" grpId="5"/>
+    </p:bldLst>
+  </p:timing>
+</p:sld>
+</file>
+
+<file path=ppt/slides/slide56.xml><?xml version="1.0" encoding="utf-8"?>
+<p:sld xmlns:a="http://schemas.openxmlformats.org/drawingml/2006/main" xmlns:r="http://schemas.openxmlformats.org/officeDocument/2006/relationships" xmlns:p="http://schemas.openxmlformats.org/presentationml/2006/main" xmlns:m="http://schemas.openxmlformats.org/officeDocument/2006/math" xmlns:a14="http://schemas.microsoft.com/office/drawing/2010/main" showMasterSp="1" showMasterPhAnim="1">
+  <p:cSld>
+    <p:spTree>
+      <p:nvGrpSpPr>
+        <p:cNvPr id="1" name=""/>
+        <p:cNvGrpSpPr/>
+        <p:nvPr/>
+      </p:nvGrpSpPr>
+      <p:grpSpPr>
+        <a:xfrm>
+          <a:off x="0" y="0"/>
+          <a:ext cx="0" cy="0"/>
+          <a:chOff x="0" y="0"/>
+          <a:chExt cx="0" cy="0"/>
+        </a:xfrm>
+      </p:grpSpPr>
+      <p:sp>
+        <p:nvSpPr>
+          <p:cNvPr id="523" name="Requêtage SQL"/>
+          <p:cNvSpPr txBox="1"/>
+          <p:nvPr/>
+        </p:nvSpPr>
+        <p:spPr>
+          <a:xfrm>
+            <a:off x="1270000" y="-12700"/>
+            <a:ext cx="10464800" cy="1282700"/>
+          </a:xfrm>
+          <a:prstGeom prst="rect">
+            <a:avLst/>
+          </a:prstGeom>
+          <a:ln w="12700">
+            <a:miter lim="400000"/>
+          </a:ln>
+          <a:extLst>
+            <a:ext uri="{C572A759-6A51-4108-AA02-DFA0A04FC94B}">
+              <ma14:wrappingTextBoxFlag xmlns:ma14="http://schemas.microsoft.com/office/mac/drawingml/2011/main" val="1"/>
+            </a:ext>
+          </a:extLst>
+        </p:spPr>
+        <p:txBody>
+          <a:bodyPr lIns="50800" tIns="50800" rIns="50800" bIns="50800" anchor="ctr">
+            <a:normAutofit fontScale="100000" lnSpcReduction="0"/>
+          </a:bodyPr>
+          <a:lstStyle>
+            <a:lvl1pPr>
+              <a:defRPr sz="2600"/>
+            </a:lvl1pPr>
+          </a:lstStyle>
+          <a:p>
+            <a:pPr/>
+            <a:r>
+              <a:t>Requêtage SQL</a:t>
+            </a:r>
+          </a:p>
+        </p:txBody>
+      </p:sp>
+      <p:sp>
+        <p:nvSpPr>
+          <p:cNvPr id="524" name="Modifier la table Produit pour y ajouter la colonne :…"/>
+          <p:cNvSpPr txBox="1"/>
+          <p:nvPr/>
+        </p:nvSpPr>
+        <p:spPr>
+          <a:xfrm>
+            <a:off x="508502" y="2627078"/>
+            <a:ext cx="9469488" cy="2209801"/>
+          </a:xfrm>
+          <a:prstGeom prst="rect">
+            <a:avLst/>
+          </a:prstGeom>
+          <a:ln w="12700">
+            <a:miter lim="400000"/>
+          </a:ln>
+          <a:extLst>
+            <a:ext uri="{C572A759-6A51-4108-AA02-DFA0A04FC94B}">
+              <ma14:wrappingTextBoxFlag xmlns:ma14="http://schemas.microsoft.com/office/mac/drawingml/2011/main" val="1"/>
+            </a:ext>
+          </a:extLst>
+        </p:spPr>
+        <p:txBody>
+          <a:bodyPr wrap="none" lIns="50800" tIns="50800" rIns="50800" bIns="50800" anchor="ctr">
+            <a:spAutoFit/>
+          </a:bodyPr>
+          <a:lstStyle/>
+          <a:p>
+            <a:pPr algn="l"/>
+            <a:r>
+              <a:t>Modifier la table Produit pour y ajouter la colonne :</a:t>
+            </a:r>
+          </a:p>
+          <a:p>
+            <a:pPr algn="l"/>
+            <a:r>
+              <a:t>- </a:t>
+            </a:r>
+            <a:r>
+              <a:rPr>
+                <a:latin typeface="Gill Sans SemiBold"/>
+                <a:ea typeface="Gill Sans SemiBold"/>
+                <a:cs typeface="Gill Sans SemiBold"/>
+                <a:sym typeface="Gill Sans SemiBold"/>
+              </a:rPr>
+              <a:t>prixventeht</a:t>
+            </a:r>
+            <a:r>
+              <a:t> de type </a:t>
+            </a:r>
+            <a:r>
+              <a:rPr>
+                <a:latin typeface="Gill Sans SemiBold"/>
+                <a:ea typeface="Gill Sans SemiBold"/>
+                <a:cs typeface="Gill Sans SemiBold"/>
+                <a:sym typeface="Gill Sans SemiBold"/>
+              </a:rPr>
+              <a:t>real</a:t>
+            </a:r>
+            <a:r>
+              <a:t>.</a:t>
+            </a:r>
+          </a:p>
+          <a:p>
+            <a:pPr algn="l"/>
+          </a:p>
+          <a:p>
+            <a:pPr algn="l"/>
+            <a:r>
+              <a:t>Ajoutez ensuite les données manquantes :</a:t>
+            </a:r>
+          </a:p>
+        </p:txBody>
+      </p:sp>
+      <p:graphicFrame>
+        <p:nvGraphicFramePr>
+          <p:cNvPr id="525" name="Tableau"/>
+          <p:cNvGraphicFramePr/>
+          <p:nvPr/>
+        </p:nvGraphicFramePr>
+        <p:xfrm>
+          <a:off x="535434" y="5307115"/>
+          <a:ext cx="11468101" cy="8216901"/>
+        </p:xfrm>
+        <a:graphic xmlns:a="http://schemas.openxmlformats.org/drawingml/2006/main">
+          <a:graphicData uri="http://schemas.openxmlformats.org/drawingml/2006/table">
+            <a:tbl>
+              <a:tblPr firstCol="0" firstRow="0" lastCol="0" lastRow="0" bandCol="0" bandRow="1" rtl="0">
+                <a:tableStyleId>{CF821DB8-F4EB-4A41-A1BA-3FCAFE7338EE}</a:tableStyleId>
+              </a:tblPr>
+              <a:tblGrid>
+                <a:gridCol w="666214"/>
+                <a:gridCol w="882951"/>
+                <a:gridCol w="3720069"/>
+              </a:tblGrid>
+              <a:tr h="546100">
+                <a:tc>
+                  <a:txBody>
+                    <a:bodyPr/>
+                    <a:lstStyle/>
+                    <a:p>
+                      <a:pPr algn="l">
+                        <a:defRPr>
+                          <a:solidFill>
+                            <a:srgbClr val="000000"/>
+                          </a:solidFill>
+                        </a:defRPr>
+                      </a:pPr>
+                      <a:r>
+                        <a:rPr sz="3000">
+                          <a:solidFill>
+                            <a:srgbClr val="5A5F5E"/>
+                          </a:solidFill>
+                          <a:latin typeface="Gill Sans SemiBold"/>
+                          <a:ea typeface="Gill Sans SemiBold"/>
+                          <a:cs typeface="Gill Sans SemiBold"/>
+                          <a:sym typeface="Gill Sans SemiBold"/>
+                        </a:rPr>
+                        <a:t>id</a:t>
+                      </a:r>
+                    </a:p>
+                  </a:txBody>
+                  <a:tcPr marL="50800" marR="50800" marT="50800" marB="50800" anchor="t" anchorCtr="0" horzOverflow="overflow">
+                    <a:lnL w="12700">
+                      <a:solidFill>
+                        <a:srgbClr val="5A5F5E"/>
+                      </a:solidFill>
+                      <a:miter lim="400000"/>
+                    </a:lnL>
+                    <a:lnR w="12700">
+                      <a:solidFill>
+                        <a:srgbClr val="5A5F5E"/>
+                      </a:solidFill>
+                      <a:miter lim="400000"/>
+                    </a:lnR>
+                    <a:lnT w="12700">
+                      <a:solidFill>
+                        <a:srgbClr val="5A5F5E"/>
+                      </a:solidFill>
+                      <a:miter lim="400000"/>
+                    </a:lnT>
+                    <a:lnB w="12700">
+                      <a:solidFill>
+                        <a:srgbClr val="5A5F5E"/>
+                      </a:solidFill>
+                      <a:miter lim="400000"/>
+                    </a:lnB>
+                    <a:solidFill>
+                      <a:srgbClr val="B4B4B4"/>
+                    </a:solidFill>
+                  </a:tcPr>
+                </a:tc>
+                <a:tc>
+                  <a:txBody>
+                    <a:bodyPr/>
+                    <a:lstStyle/>
+                    <a:p>
+                      <a:pPr>
+                        <a:defRPr>
+                          <a:solidFill>
+                            <a:srgbClr val="000000"/>
+                          </a:solidFill>
+                        </a:defRPr>
+                      </a:pPr>
+                      <a:r>
+                        <a:rPr sz="3000">
+                          <a:solidFill>
+                            <a:srgbClr val="5A5F5E"/>
+                          </a:solidFill>
+                          <a:latin typeface="Gill Sans SemiBold"/>
+                          <a:ea typeface="Gill Sans SemiBold"/>
+                          <a:cs typeface="Gill Sans SemiBold"/>
+                          <a:sym typeface="Gill Sans SemiBold"/>
+                        </a:rPr>
+                        <a:t>…</a:t>
+                      </a:r>
+                    </a:p>
+                  </a:txBody>
+                  <a:tcPr marL="50800" marR="50800" marT="50800" marB="50800" anchor="t" anchorCtr="0" horzOverflow="overflow">
+                    <a:lnL w="12700">
+                      <a:solidFill>
+                        <a:srgbClr val="5A5F5E"/>
+                      </a:solidFill>
+                      <a:miter lim="400000"/>
+                    </a:lnL>
+                    <a:lnR w="12700">
+                      <a:solidFill>
+                        <a:srgbClr val="5A5F5E"/>
+                      </a:solidFill>
+                      <a:miter lim="400000"/>
+                    </a:lnR>
+                    <a:lnT w="12700">
+                      <a:solidFill>
+                        <a:srgbClr val="5A5F5E"/>
+                      </a:solidFill>
+                      <a:miter lim="400000"/>
+                    </a:lnT>
+                    <a:lnB w="12700">
+                      <a:solidFill>
+                        <a:srgbClr val="5A5F5E"/>
+                      </a:solidFill>
+                      <a:miter lim="400000"/>
+                    </a:lnB>
+                    <a:solidFill>
+                      <a:srgbClr val="B4B4B4"/>
+                    </a:solidFill>
+                  </a:tcPr>
+                </a:tc>
+                <a:tc>
+                  <a:txBody>
+                    <a:bodyPr/>
+                    <a:lstStyle/>
+                    <a:p>
+                      <a:pPr algn="l">
+                        <a:defRPr>
+                          <a:solidFill>
+                            <a:srgbClr val="000000"/>
+                          </a:solidFill>
+                        </a:defRPr>
+                      </a:pPr>
+                      <a:r>
+                        <a:rPr sz="3000">
+                          <a:solidFill>
+                            <a:srgbClr val="5A5F5E"/>
+                          </a:solidFill>
+                          <a:latin typeface="Gill Sans SemiBold"/>
+                          <a:ea typeface="Gill Sans SemiBold"/>
+                          <a:cs typeface="Gill Sans SemiBold"/>
+                          <a:sym typeface="Gill Sans SemiBold"/>
+                        </a:rPr>
+                        <a:t>prixventeht</a:t>
+                      </a:r>
+                    </a:p>
+                  </a:txBody>
+                  <a:tcPr marL="50800" marR="50800" marT="50800" marB="50800" anchor="t" anchorCtr="0" horzOverflow="overflow">
+                    <a:lnL w="12700">
+                      <a:solidFill>
+                        <a:srgbClr val="5A5F5E"/>
+                      </a:solidFill>
+                      <a:miter lim="400000"/>
+                    </a:lnL>
+                    <a:lnR w="12700">
+                      <a:solidFill>
+                        <a:srgbClr val="5A5F5E"/>
+                      </a:solidFill>
+                      <a:miter lim="400000"/>
+                    </a:lnR>
+                    <a:lnT w="12700">
+                      <a:solidFill>
+                        <a:srgbClr val="5A5F5E"/>
+                      </a:solidFill>
+                      <a:miter lim="400000"/>
+                    </a:lnT>
+                    <a:lnB w="12700">
+                      <a:solidFill>
+                        <a:srgbClr val="5A5F5E"/>
+                      </a:solidFill>
+                      <a:miter lim="400000"/>
+                    </a:lnB>
+                    <a:solidFill>
+                      <a:srgbClr val="B4B4B4"/>
+                    </a:solidFill>
+                  </a:tcPr>
+                </a:tc>
+              </a:tr>
+              <a:tr h="546100">
+                <a:tc>
+                  <a:txBody>
+                    <a:bodyPr/>
+                    <a:lstStyle/>
+                    <a:p>
+                      <a:pPr algn="l">
+                        <a:defRPr>
+                          <a:solidFill>
+                            <a:srgbClr val="000000"/>
+                          </a:solidFill>
+                        </a:defRPr>
+                      </a:pPr>
+                      <a:r>
+                        <a:rPr sz="3000">
+                          <a:solidFill>
+                            <a:srgbClr val="5A5F5E"/>
+                          </a:solidFill>
+                        </a:rPr>
+                        <a:t>1</a:t>
+                      </a:r>
+                    </a:p>
+                  </a:txBody>
+                  <a:tcPr marL="50800" marR="50800" marT="50800" marB="50800" anchor="t" anchorCtr="0" horzOverflow="overflow">
+                    <a:lnL w="12700">
+                      <a:solidFill>
+                        <a:srgbClr val="5A5F5E"/>
+                      </a:solidFill>
+                      <a:miter lim="400000"/>
+                    </a:lnL>
+                    <a:lnR w="12700">
+                      <a:solidFill>
+                        <a:srgbClr val="5A5F5E"/>
+                      </a:solidFill>
+                      <a:miter lim="400000"/>
+                    </a:lnR>
+                    <a:lnT w="12700">
+                      <a:solidFill>
+                        <a:srgbClr val="5A5F5E"/>
+                      </a:solidFill>
+                      <a:miter lim="400000"/>
+                    </a:lnT>
+                    <a:lnB w="0">
+                      <a:miter lim="400000"/>
+                    </a:lnB>
+                  </a:tcPr>
+                </a:tc>
+                <a:tc>
+                  <a:txBody>
+                    <a:bodyPr/>
+                    <a:lstStyle/>
+                    <a:p>
+                      <a:pPr algn="l">
+                        <a:defRPr sz="3000"/>
+                      </a:pPr>
+                    </a:p>
+                  </a:txBody>
+                  <a:tcPr marL="50800" marR="50800" marT="50800" marB="50800" anchor="t" anchorCtr="0" horzOverflow="overflow">
+                    <a:lnL w="12700">
+                      <a:solidFill>
+                        <a:srgbClr val="5A5F5E"/>
+                      </a:solidFill>
+                      <a:miter lim="400000"/>
+                    </a:lnL>
+                    <a:lnR w="12700">
+                      <a:solidFill>
+                        <a:srgbClr val="5A5F5E"/>
+                      </a:solidFill>
+                      <a:miter lim="400000"/>
+                    </a:lnR>
+                    <a:lnT w="12700">
+                      <a:solidFill>
+                        <a:srgbClr val="5A5F5E"/>
+                      </a:solidFill>
+                      <a:miter lim="400000"/>
+                    </a:lnT>
+                    <a:lnB w="0">
+                      <a:miter lim="400000"/>
+                    </a:lnB>
+                  </a:tcPr>
+                </a:tc>
+                <a:tc>
+                  <a:txBody>
+                    <a:bodyPr/>
+                    <a:lstStyle/>
+                    <a:p>
+                      <a:pPr algn="l">
+                        <a:defRPr>
+                          <a:solidFill>
+                            <a:srgbClr val="000000"/>
+                          </a:solidFill>
+                        </a:defRPr>
+                      </a:pPr>
+                      <a:r>
+                        <a:rPr sz="3000">
+                          <a:solidFill>
+                            <a:srgbClr val="5A5F5E"/>
+                          </a:solidFill>
+                        </a:rPr>
+                        <a:t>120</a:t>
+                      </a:r>
+                    </a:p>
+                  </a:txBody>
+                  <a:tcPr marL="50800" marR="50800" marT="50800" marB="50800" anchor="t" anchorCtr="0" horzOverflow="overflow">
+                    <a:lnL w="12700">
+                      <a:solidFill>
+                        <a:srgbClr val="5A5F5E"/>
+                      </a:solidFill>
+                      <a:miter lim="400000"/>
+                    </a:lnL>
+                    <a:lnR w="12700">
+                      <a:solidFill>
+                        <a:srgbClr val="5A5F5E"/>
+                      </a:solidFill>
+                      <a:miter lim="400000"/>
+                    </a:lnR>
+                    <a:lnT w="12700">
+                      <a:solidFill>
+                        <a:srgbClr val="5A5F5E"/>
+                      </a:solidFill>
+                      <a:miter lim="400000"/>
+                    </a:lnT>
+                    <a:lnB w="0">
+                      <a:miter lim="400000"/>
+                    </a:lnB>
+                  </a:tcPr>
+                </a:tc>
+              </a:tr>
+              <a:tr h="546100">
+                <a:tc>
+                  <a:txBody>
+                    <a:bodyPr/>
+                    <a:lstStyle/>
+                    <a:p>
+                      <a:pPr algn="l">
+                        <a:defRPr>
+                          <a:solidFill>
+                            <a:srgbClr val="000000"/>
+                          </a:solidFill>
+                        </a:defRPr>
+                      </a:pPr>
+                      <a:r>
+                        <a:rPr sz="3000">
+                          <a:solidFill>
+                            <a:srgbClr val="5A5F5E"/>
+                          </a:solidFill>
+                        </a:rPr>
+                        <a:t>2</a:t>
+                      </a:r>
+                    </a:p>
+                  </a:txBody>
+                  <a:tcPr marL="50800" marR="50800" marT="50800" marB="50800" anchor="t" anchorCtr="0" horzOverflow="overflow">
+                    <a:lnL w="12700">
+                      <a:solidFill>
+                        <a:srgbClr val="5A5F5E"/>
+                      </a:solidFill>
+                      <a:miter lim="400000"/>
+                    </a:lnL>
+                    <a:lnR w="12700">
+                      <a:solidFill>
+                        <a:srgbClr val="5A5F5E"/>
+                      </a:solidFill>
+                      <a:miter lim="400000"/>
+                    </a:lnR>
+                    <a:lnT w="0">
+                      <a:miter lim="400000"/>
+                    </a:lnT>
+                    <a:lnB w="0">
+                      <a:miter lim="400000"/>
+                    </a:lnB>
+                  </a:tcPr>
+                </a:tc>
+                <a:tc>
+                  <a:txBody>
+                    <a:bodyPr/>
+                    <a:lstStyle/>
+                    <a:p>
+                      <a:pPr algn="l">
+                        <a:defRPr sz="3000"/>
+                      </a:pPr>
+                    </a:p>
+                  </a:txBody>
+                  <a:tcPr marL="50800" marR="50800" marT="50800" marB="50800" anchor="t" anchorCtr="0" horzOverflow="overflow">
+                    <a:lnL w="12700">
+                      <a:solidFill>
+                        <a:srgbClr val="5A5F5E"/>
+                      </a:solidFill>
+                      <a:miter lim="400000"/>
+                    </a:lnL>
+                    <a:lnR w="12700">
+                      <a:solidFill>
+                        <a:srgbClr val="5A5F5E"/>
+                      </a:solidFill>
+                      <a:miter lim="400000"/>
+                    </a:lnR>
+                    <a:lnT w="0">
+                      <a:miter lim="400000"/>
+                    </a:lnT>
+                    <a:lnB w="0">
+                      <a:miter lim="400000"/>
+                    </a:lnB>
+                  </a:tcPr>
+                </a:tc>
+                <a:tc>
+                  <a:txBody>
+                    <a:bodyPr/>
+                    <a:lstStyle/>
+                    <a:p>
+                      <a:pPr algn="l">
+                        <a:defRPr>
+                          <a:solidFill>
+                            <a:srgbClr val="000000"/>
+                          </a:solidFill>
+                        </a:defRPr>
+                      </a:pPr>
+                      <a:r>
+                        <a:rPr sz="3000">
+                          <a:solidFill>
+                            <a:srgbClr val="5A5F5E"/>
+                          </a:solidFill>
+                        </a:rPr>
+                        <a:t>120</a:t>
+                      </a:r>
+                    </a:p>
+                  </a:txBody>
+                  <a:tcPr marL="50800" marR="50800" marT="50800" marB="50800" anchor="t" anchorCtr="0" horzOverflow="overflow">
+                    <a:lnL w="12700">
+                      <a:solidFill>
+                        <a:srgbClr val="5A5F5E"/>
+                      </a:solidFill>
+                      <a:miter lim="400000"/>
+                    </a:lnL>
+                    <a:lnR w="12700">
+                      <a:solidFill>
+                        <a:srgbClr val="5A5F5E"/>
+                      </a:solidFill>
+                      <a:miter lim="400000"/>
+                    </a:lnR>
+                    <a:lnT w="0">
+                      <a:miter lim="400000"/>
+                    </a:lnT>
+                    <a:lnB w="0">
+                      <a:miter lim="400000"/>
+                    </a:lnB>
+                  </a:tcPr>
+                </a:tc>
+              </a:tr>
+              <a:tr h="546100">
+                <a:tc>
+                  <a:txBody>
+                    <a:bodyPr/>
+                    <a:lstStyle/>
+                    <a:p>
+                      <a:pPr algn="l">
+                        <a:defRPr>
+                          <a:solidFill>
+                            <a:srgbClr val="000000"/>
+                          </a:solidFill>
+                        </a:defRPr>
+                      </a:pPr>
+                      <a:r>
+                        <a:rPr sz="3000">
+                          <a:solidFill>
+                            <a:srgbClr val="5A5F5E"/>
+                          </a:solidFill>
+                        </a:rPr>
+                        <a:t>3</a:t>
+                      </a:r>
+                    </a:p>
+                  </a:txBody>
+                  <a:tcPr marL="50800" marR="50800" marT="50800" marB="50800" anchor="t" anchorCtr="0" horzOverflow="overflow">
+                    <a:lnL w="12700">
+                      <a:solidFill>
+                        <a:srgbClr val="5A5F5E"/>
+                      </a:solidFill>
+                      <a:miter lim="400000"/>
+                    </a:lnL>
+                    <a:lnR w="12700">
+                      <a:solidFill>
+                        <a:srgbClr val="5A5F5E"/>
+                      </a:solidFill>
+                      <a:miter lim="400000"/>
+                    </a:lnR>
+                    <a:lnT w="0">
+                      <a:miter lim="400000"/>
+                    </a:lnT>
+                    <a:lnB w="0">
+                      <a:miter lim="400000"/>
+                    </a:lnB>
+                  </a:tcPr>
+                </a:tc>
+                <a:tc>
+                  <a:txBody>
+                    <a:bodyPr/>
+                    <a:lstStyle/>
+                    <a:p>
+                      <a:pPr algn="l">
+                        <a:defRPr sz="3000"/>
+                      </a:pPr>
+                    </a:p>
+                  </a:txBody>
+                  <a:tcPr marL="50800" marR="50800" marT="50800" marB="50800" anchor="t" anchorCtr="0" horzOverflow="overflow">
+                    <a:lnL w="12700">
+                      <a:solidFill>
+                        <a:srgbClr val="5A5F5E"/>
+                      </a:solidFill>
+                      <a:miter lim="400000"/>
+                    </a:lnL>
+                    <a:lnR w="12700">
+                      <a:solidFill>
+                        <a:srgbClr val="5A5F5E"/>
+                      </a:solidFill>
+                      <a:miter lim="400000"/>
+                    </a:lnR>
+                    <a:lnT w="0">
+                      <a:miter lim="400000"/>
+                    </a:lnT>
+                    <a:lnB w="0">
+                      <a:miter lim="400000"/>
+                    </a:lnB>
+                  </a:tcPr>
+                </a:tc>
+                <a:tc>
+                  <a:txBody>
+                    <a:bodyPr/>
+                    <a:lstStyle/>
+                    <a:p>
+                      <a:pPr algn="l">
+                        <a:defRPr>
+                          <a:solidFill>
+                            <a:srgbClr val="000000"/>
+                          </a:solidFill>
+                        </a:defRPr>
+                      </a:pPr>
+                      <a:r>
+                        <a:rPr sz="3000">
+                          <a:solidFill>
+                            <a:srgbClr val="5A5F5E"/>
+                          </a:solidFill>
+                        </a:rPr>
+                        <a:t>15</a:t>
+                      </a:r>
+                    </a:p>
+                  </a:txBody>
+                  <a:tcPr marL="50800" marR="50800" marT="50800" marB="50800" anchor="t" anchorCtr="0" horzOverflow="overflow">
+                    <a:lnL w="12700">
+                      <a:solidFill>
+                        <a:srgbClr val="5A5F5E"/>
+                      </a:solidFill>
+                      <a:miter lim="400000"/>
+                    </a:lnL>
+                    <a:lnR w="12700">
+                      <a:solidFill>
+                        <a:srgbClr val="5A5F5E"/>
+                      </a:solidFill>
+                      <a:miter lim="400000"/>
+                    </a:lnR>
+                    <a:lnT w="0">
+                      <a:miter lim="400000"/>
+                    </a:lnT>
+                    <a:lnB w="0">
+                      <a:miter lim="400000"/>
+                    </a:lnB>
+                  </a:tcPr>
+                </a:tc>
+              </a:tr>
+              <a:tr h="546100">
+                <a:tc>
+                  <a:txBody>
+                    <a:bodyPr/>
+                    <a:lstStyle/>
+                    <a:p>
+                      <a:pPr algn="l">
+                        <a:defRPr>
+                          <a:solidFill>
+                            <a:srgbClr val="000000"/>
+                          </a:solidFill>
+                        </a:defRPr>
+                      </a:pPr>
+                      <a:r>
+                        <a:rPr sz="3000">
+                          <a:solidFill>
+                            <a:srgbClr val="5A5F5E"/>
+                          </a:solidFill>
+                        </a:rPr>
+                        <a:t>4</a:t>
+                      </a:r>
+                    </a:p>
+                  </a:txBody>
+                  <a:tcPr marL="50800" marR="50800" marT="50800" marB="50800" anchor="t" anchorCtr="0" horzOverflow="overflow">
+                    <a:lnL w="12700">
+                      <a:solidFill>
+                        <a:srgbClr val="5A5F5E"/>
+                      </a:solidFill>
+                      <a:miter lim="400000"/>
+                    </a:lnL>
+                    <a:lnR w="12700">
+                      <a:solidFill>
+                        <a:srgbClr val="5A5F5E"/>
+                      </a:solidFill>
+                      <a:miter lim="400000"/>
+                    </a:lnR>
+                    <a:lnT w="0">
+                      <a:miter lim="400000"/>
+                    </a:lnT>
+                    <a:lnB w="0">
+                      <a:miter lim="400000"/>
+                    </a:lnB>
+                  </a:tcPr>
+                </a:tc>
+                <a:tc>
+                  <a:txBody>
+                    <a:bodyPr/>
+                    <a:lstStyle/>
+                    <a:p>
+                      <a:pPr algn="l">
+                        <a:defRPr sz="3000"/>
+                      </a:pPr>
+                    </a:p>
+                  </a:txBody>
+                  <a:tcPr marL="50800" marR="50800" marT="50800" marB="50800" anchor="t" anchorCtr="0" horzOverflow="overflow">
+                    <a:lnL w="12700">
+                      <a:solidFill>
+                        <a:srgbClr val="5A5F5E"/>
+                      </a:solidFill>
+                      <a:miter lim="400000"/>
+                    </a:lnL>
+                    <a:lnR w="12700">
+                      <a:solidFill>
+                        <a:srgbClr val="5A5F5E"/>
+                      </a:solidFill>
+                      <a:miter lim="400000"/>
+                    </a:lnR>
+                    <a:lnT w="0">
+                      <a:miter lim="400000"/>
+                    </a:lnT>
+                    <a:lnB w="0">
+                      <a:miter lim="400000"/>
+                    </a:lnB>
+                  </a:tcPr>
+                </a:tc>
+                <a:tc>
+                  <a:txBody>
+                    <a:bodyPr/>
+                    <a:lstStyle/>
+                    <a:p>
+                      <a:pPr algn="l">
+                        <a:defRPr>
+                          <a:solidFill>
+                            <a:srgbClr val="000000"/>
+                          </a:solidFill>
+                        </a:defRPr>
+                      </a:pPr>
+                      <a:r>
+                        <a:rPr sz="3000">
+                          <a:solidFill>
+                            <a:srgbClr val="5A5F5E"/>
+                          </a:solidFill>
+                        </a:rPr>
+                        <a:t>30</a:t>
+                      </a:r>
+                    </a:p>
+                  </a:txBody>
+                  <a:tcPr marL="50800" marR="50800" marT="50800" marB="50800" anchor="t" anchorCtr="0" horzOverflow="overflow">
+                    <a:lnL w="12700">
+                      <a:solidFill>
+                        <a:srgbClr val="5A5F5E"/>
+                      </a:solidFill>
+                      <a:miter lim="400000"/>
+                    </a:lnL>
+                    <a:lnR w="12700">
+                      <a:solidFill>
+                        <a:srgbClr val="5A5F5E"/>
+                      </a:solidFill>
+                      <a:miter lim="400000"/>
+                    </a:lnR>
+                    <a:lnT w="0">
+                      <a:miter lim="400000"/>
+                    </a:lnT>
+                    <a:lnB w="0">
+                      <a:miter lim="400000"/>
+                    </a:lnB>
+                  </a:tcPr>
+                </a:tc>
+              </a:tr>
+              <a:tr h="546100">
+                <a:tc>
+                  <a:txBody>
+                    <a:bodyPr/>
+                    <a:lstStyle/>
+                    <a:p>
+                      <a:pPr algn="l">
+                        <a:defRPr>
+                          <a:solidFill>
+                            <a:srgbClr val="000000"/>
+                          </a:solidFill>
+                        </a:defRPr>
+                      </a:pPr>
+                      <a:r>
+                        <a:rPr sz="3000">
+                          <a:solidFill>
+                            <a:srgbClr val="5A5F5E"/>
+                          </a:solidFill>
+                        </a:rPr>
+                        <a:t>5</a:t>
+                      </a:r>
+                    </a:p>
+                  </a:txBody>
+                  <a:tcPr marL="50800" marR="50800" marT="50800" marB="50800" anchor="t" anchorCtr="0" horzOverflow="overflow">
+                    <a:lnL w="12700">
+                      <a:solidFill>
+                        <a:srgbClr val="5A5F5E"/>
+                      </a:solidFill>
+                      <a:miter lim="400000"/>
+                    </a:lnL>
+                    <a:lnR w="12700">
+                      <a:solidFill>
+                        <a:srgbClr val="5A5F5E"/>
+                      </a:solidFill>
+                      <a:miter lim="400000"/>
+                    </a:lnR>
+                    <a:lnT w="0">
+                      <a:miter lim="400000"/>
+                    </a:lnT>
+                    <a:lnB w="12700">
+                      <a:solidFill>
+                        <a:srgbClr val="5A5F5E"/>
+                      </a:solidFill>
+                      <a:miter lim="400000"/>
+                    </a:lnB>
+                  </a:tcPr>
+                </a:tc>
+                <a:tc>
+                  <a:txBody>
+                    <a:bodyPr/>
+                    <a:lstStyle/>
+                    <a:p>
+                      <a:pPr algn="l">
+                        <a:defRPr sz="3000"/>
+                      </a:pPr>
+                    </a:p>
+                  </a:txBody>
+                  <a:tcPr marL="50800" marR="50800" marT="50800" marB="50800" anchor="t" anchorCtr="0" horzOverflow="overflow">
+                    <a:lnL w="12700">
+                      <a:solidFill>
+                        <a:srgbClr val="5A5F5E"/>
+                      </a:solidFill>
+                      <a:miter lim="400000"/>
+                    </a:lnL>
+                    <a:lnR w="12700">
+                      <a:solidFill>
+                        <a:srgbClr val="5A5F5E"/>
+                      </a:solidFill>
+                      <a:miter lim="400000"/>
+                    </a:lnR>
+                    <a:lnT w="0">
+                      <a:miter lim="400000"/>
+                    </a:lnT>
+                    <a:lnB w="12700">
+                      <a:solidFill>
+                        <a:srgbClr val="5A5F5E"/>
+                      </a:solidFill>
+                      <a:miter lim="400000"/>
+                    </a:lnB>
+                  </a:tcPr>
+                </a:tc>
+                <a:tc>
+                  <a:txBody>
+                    <a:bodyPr/>
+                    <a:lstStyle/>
+                    <a:p>
+                      <a:pPr algn="l">
+                        <a:defRPr>
+                          <a:solidFill>
+                            <a:srgbClr val="000000"/>
+                          </a:solidFill>
+                        </a:defRPr>
+                      </a:pPr>
+                      <a:r>
+                        <a:rPr sz="3000">
+                          <a:solidFill>
+                            <a:srgbClr val="5A5F5E"/>
+                          </a:solidFill>
+                        </a:rPr>
+                        <a:t>70</a:t>
+                      </a:r>
+                    </a:p>
+                  </a:txBody>
+                  <a:tcPr marL="50800" marR="50800" marT="50800" marB="50800" anchor="t" anchorCtr="0" horzOverflow="overflow">
+                    <a:lnL w="12700">
+                      <a:solidFill>
+                        <a:srgbClr val="5A5F5E"/>
+                      </a:solidFill>
+                      <a:miter lim="400000"/>
+                    </a:lnL>
+                    <a:lnR w="12700">
+                      <a:solidFill>
+                        <a:srgbClr val="5A5F5E"/>
+                      </a:solidFill>
+                      <a:miter lim="400000"/>
+                    </a:lnR>
+                    <a:lnT w="0">
+                      <a:miter lim="400000"/>
+                    </a:lnT>
+                    <a:lnB w="12700">
+                      <a:solidFill>
+                        <a:srgbClr val="5A5F5E"/>
+                      </a:solidFill>
+                      <a:miter lim="400000"/>
+                    </a:lnB>
+                  </a:tcPr>
+                </a:tc>
+              </a:tr>
+            </a:tbl>
+          </a:graphicData>
+        </a:graphic>
+      </p:graphicFrame>
+      <p:sp>
+        <p:nvSpPr>
+          <p:cNvPr id="526" name="Un peu de pratique"/>
+          <p:cNvSpPr txBox="1"/>
+          <p:nvPr/>
+        </p:nvSpPr>
+        <p:spPr>
+          <a:xfrm>
+            <a:off x="4672930" y="1510389"/>
+            <a:ext cx="3658940" cy="622301"/>
+          </a:xfrm>
+          <a:prstGeom prst="rect">
+            <a:avLst/>
+          </a:prstGeom>
+          <a:ln w="12700">
+            <a:miter lim="400000"/>
+          </a:ln>
+          <a:extLst>
+            <a:ext uri="{C572A759-6A51-4108-AA02-DFA0A04FC94B}">
+              <ma14:wrappingTextBoxFlag xmlns:ma14="http://schemas.microsoft.com/office/mac/drawingml/2011/main" val="1"/>
+            </a:ext>
+          </a:extLst>
+        </p:spPr>
+        <p:txBody>
+          <a:bodyPr wrap="none" lIns="50800" tIns="50800" rIns="50800" bIns="50800" anchor="ctr">
+            <a:spAutoFit/>
+          </a:bodyPr>
+          <a:lstStyle>
+            <a:lvl1pPr algn="l"/>
+          </a:lstStyle>
+          <a:p>
+            <a:pPr/>
+            <a:r>
+              <a:t>Un peu de pratique</a:t>
+            </a:r>
+          </a:p>
+        </p:txBody>
+      </p:sp>
+    </p:spTree>
+  </p:cSld>
+  <p:clrMapOvr>
+    <a:masterClrMapping/>
+  </p:clrMapOvr>
+  <p:transition xmlns:p14="http://schemas.microsoft.com/office/powerpoint/2010/main" spd="med" advClick="1"/>
+</p:sld>
+</file>
+
+<file path=ppt/slides/slide57.xml><?xml version="1.0" encoding="utf-8"?>
+<p:sld xmlns:a="http://schemas.openxmlformats.org/drawingml/2006/main" xmlns:r="http://schemas.openxmlformats.org/officeDocument/2006/relationships" xmlns:p="http://schemas.openxmlformats.org/presentationml/2006/main" xmlns:m="http://schemas.openxmlformats.org/officeDocument/2006/math" xmlns:a14="http://schemas.microsoft.com/office/drawing/2010/main" showMasterSp="1" showMasterPhAnim="1">
+  <p:cSld>
+    <p:spTree>
+      <p:nvGrpSpPr>
+        <p:cNvPr id="1" name=""/>
+        <p:cNvGrpSpPr/>
+        <p:nvPr/>
+      </p:nvGrpSpPr>
+      <p:grpSpPr>
+        <a:xfrm>
+          <a:off x="0" y="0"/>
+          <a:ext cx="0" cy="0"/>
+          <a:chOff x="0" y="0"/>
+          <a:chExt cx="0" cy="0"/>
+        </a:xfrm>
+      </p:grpSpPr>
+      <p:sp>
+        <p:nvSpPr>
+          <p:cNvPr id="530" name="Requêtage SQL"/>
+          <p:cNvSpPr txBox="1"/>
+          <p:nvPr/>
+        </p:nvSpPr>
+        <p:spPr>
+          <a:xfrm>
+            <a:off x="1270000" y="-12700"/>
+            <a:ext cx="10464800" cy="1282700"/>
+          </a:xfrm>
+          <a:prstGeom prst="rect">
+            <a:avLst/>
+          </a:prstGeom>
+          <a:ln w="12700">
+            <a:miter lim="400000"/>
+          </a:ln>
+          <a:extLst>
+            <a:ext uri="{C572A759-6A51-4108-AA02-DFA0A04FC94B}">
+              <ma14:wrappingTextBoxFlag xmlns:ma14="http://schemas.microsoft.com/office/mac/drawingml/2011/main" val="1"/>
+            </a:ext>
+          </a:extLst>
+        </p:spPr>
+        <p:txBody>
+          <a:bodyPr lIns="50800" tIns="50800" rIns="50800" bIns="50800" anchor="ctr">
+            <a:normAutofit fontScale="100000" lnSpcReduction="0"/>
+          </a:bodyPr>
+          <a:lstStyle>
+            <a:lvl1pPr>
+              <a:defRPr sz="2600"/>
+            </a:lvl1pPr>
+          </a:lstStyle>
+          <a:p>
+            <a:pPr/>
+            <a:r>
+              <a:t>Requêtage SQL</a:t>
+            </a:r>
+          </a:p>
+        </p:txBody>
+      </p:sp>
+      <p:sp>
+        <p:nvSpPr>
+          <p:cNvPr id="531" name="Un peu de pratique"/>
+          <p:cNvSpPr txBox="1"/>
+          <p:nvPr/>
+        </p:nvSpPr>
+        <p:spPr>
+          <a:xfrm>
+            <a:off x="4672930" y="1732851"/>
+            <a:ext cx="3658940" cy="622301"/>
+          </a:xfrm>
+          <a:prstGeom prst="rect">
+            <a:avLst/>
+          </a:prstGeom>
+          <a:ln w="12700">
+            <a:miter lim="400000"/>
+          </a:ln>
+          <a:extLst>
+            <a:ext uri="{C572A759-6A51-4108-AA02-DFA0A04FC94B}">
+              <ma14:wrappingTextBoxFlag xmlns:ma14="http://schemas.microsoft.com/office/mac/drawingml/2011/main" val="1"/>
+            </a:ext>
+          </a:extLst>
+        </p:spPr>
+        <p:txBody>
+          <a:bodyPr wrap="none" lIns="50800" tIns="50800" rIns="50800" bIns="50800" anchor="ctr">
+            <a:spAutoFit/>
+          </a:bodyPr>
+          <a:lstStyle>
+            <a:lvl1pPr algn="l"/>
+          </a:lstStyle>
+          <a:p>
+            <a:pPr/>
+            <a:r>
+              <a:t>Un peu de pratique</a:t>
+            </a:r>
+          </a:p>
+        </p:txBody>
+      </p:sp>
+      <p:sp>
+        <p:nvSpPr>
+          <p:cNvPr id="532" name="http://bit.ly/postgresql-57"/>
+          <p:cNvSpPr txBox="1"/>
+          <p:nvPr/>
+        </p:nvSpPr>
+        <p:spPr>
+          <a:xfrm>
+            <a:off x="4095737" y="4552950"/>
+            <a:ext cx="4813326" cy="647701"/>
+          </a:xfrm>
+          <a:prstGeom prst="rect">
+            <a:avLst/>
+          </a:prstGeom>
+          <a:ln w="12700">
+            <a:miter lim="400000"/>
+          </a:ln>
+          <a:extLst>
+            <a:ext uri="{C572A759-6A51-4108-AA02-DFA0A04FC94B}">
+              <ma14:wrappingTextBoxFlag xmlns:ma14="http://schemas.microsoft.com/office/mac/drawingml/2011/main" val="1"/>
+            </a:ext>
+          </a:extLst>
+        </p:spPr>
+        <p:txBody>
+          <a:bodyPr wrap="none" lIns="50800" tIns="50800" rIns="50800" bIns="50800" anchor="ctr">
+            <a:spAutoFit/>
+          </a:bodyPr>
+          <a:lstStyle/>
+          <a:p>
+            <a:pPr/>
+            <a:r>
+              <a:t>http://bit.ly/</a:t>
+            </a:r>
+            <a:r>
+              <a:rPr>
+                <a:latin typeface="Gill Sans SemiBold"/>
+                <a:ea typeface="Gill Sans SemiBold"/>
+                <a:cs typeface="Gill Sans SemiBold"/>
+                <a:sym typeface="Gill Sans SemiBold"/>
+              </a:rPr>
+              <a:t>postgresql-57</a:t>
+            </a:r>
+          </a:p>
+        </p:txBody>
+      </p:sp>
+    </p:spTree>
+  </p:cSld>
+  <p:clrMapOvr>
+    <a:masterClrMapping/>
+  </p:clrMapOvr>
+  <p:transition xmlns:p14="http://schemas.microsoft.com/office/powerpoint/2010/main" spd="med" advClick="1"/>
+</p:sld>
+</file>
+
+<file path=ppt/slides/slide58.xml><?xml version="1.0" encoding="utf-8"?>
+<p:sld xmlns:a="http://schemas.openxmlformats.org/drawingml/2006/main" xmlns:r="http://schemas.openxmlformats.org/officeDocument/2006/relationships" xmlns:p="http://schemas.openxmlformats.org/presentationml/2006/main" xmlns:m="http://schemas.openxmlformats.org/officeDocument/2006/math" xmlns:a14="http://schemas.microsoft.com/office/drawing/2010/main" showMasterSp="1" showMasterPhAnim="1">
+  <p:cSld>
+    <p:spTree>
+      <p:nvGrpSpPr>
+        <p:cNvPr id="1" name=""/>
+        <p:cNvGrpSpPr/>
+        <p:nvPr/>
+      </p:nvGrpSpPr>
+      <p:grpSpPr>
+        <a:xfrm>
+          <a:off x="0" y="0"/>
+          <a:ext cx="0" cy="0"/>
+          <a:chOff x="0" y="0"/>
+          <a:chExt cx="0" cy="0"/>
+        </a:xfrm>
+      </p:grpSpPr>
+      <p:sp>
+        <p:nvSpPr>
+          <p:cNvPr id="534" name="Requêtage SQL"/>
+          <p:cNvSpPr txBox="1"/>
+          <p:nvPr/>
+        </p:nvSpPr>
+        <p:spPr>
+          <a:xfrm>
+            <a:off x="1270000" y="-12700"/>
+            <a:ext cx="10464800" cy="1282700"/>
+          </a:xfrm>
+          <a:prstGeom prst="rect">
+            <a:avLst/>
+          </a:prstGeom>
+          <a:ln w="12700">
+            <a:miter lim="400000"/>
+          </a:ln>
+          <a:extLst>
+            <a:ext uri="{C572A759-6A51-4108-AA02-DFA0A04FC94B}">
+              <ma14:wrappingTextBoxFlag xmlns:ma14="http://schemas.microsoft.com/office/mac/drawingml/2011/main" val="1"/>
+            </a:ext>
+          </a:extLst>
+        </p:spPr>
+        <p:txBody>
+          <a:bodyPr lIns="50800" tIns="50800" rIns="50800" bIns="50800" anchor="ctr">
+            <a:normAutofit fontScale="100000" lnSpcReduction="0"/>
+          </a:bodyPr>
+          <a:lstStyle>
+            <a:lvl1pPr>
+              <a:defRPr sz="2600"/>
+            </a:lvl1pPr>
+          </a:lstStyle>
+          <a:p>
+            <a:pPr/>
+            <a:r>
+              <a:t>Requêtage SQL</a:t>
+            </a:r>
+          </a:p>
+        </p:txBody>
+      </p:sp>
+      <p:sp>
+        <p:nvSpPr>
+          <p:cNvPr id="535" name="Les triggers"/>
+          <p:cNvSpPr txBox="1"/>
+          <p:nvPr/>
+        </p:nvSpPr>
+        <p:spPr>
+          <a:xfrm>
+            <a:off x="5419452" y="1528017"/>
+            <a:ext cx="2165896" cy="622301"/>
+          </a:xfrm>
+          <a:prstGeom prst="rect">
+            <a:avLst/>
+          </a:prstGeom>
+          <a:ln w="12700">
+            <a:miter lim="400000"/>
+          </a:ln>
+          <a:extLst>
+            <a:ext uri="{C572A759-6A51-4108-AA02-DFA0A04FC94B}">
+              <ma14:wrappingTextBoxFlag xmlns:ma14="http://schemas.microsoft.com/office/mac/drawingml/2011/main" val="1"/>
+            </a:ext>
+          </a:extLst>
+        </p:spPr>
+        <p:txBody>
+          <a:bodyPr wrap="none" lIns="50800" tIns="50800" rIns="50800" bIns="50800" anchor="ctr">
+            <a:spAutoFit/>
+          </a:bodyPr>
+          <a:lstStyle>
+            <a:lvl1pPr algn="l"/>
+          </a:lstStyle>
+          <a:p>
+            <a:pPr/>
+            <a:r>
+              <a:t>Les triggers</a:t>
+            </a:r>
+          </a:p>
+        </p:txBody>
+      </p:sp>
+      <p:sp>
+        <p:nvSpPr>
+          <p:cNvPr id="536" name="Callbacks au sein d’une base de données"/>
+          <p:cNvSpPr txBox="1"/>
+          <p:nvPr/>
+        </p:nvSpPr>
+        <p:spPr>
+          <a:xfrm>
+            <a:off x="514609" y="2895506"/>
+            <a:ext cx="7410079" cy="622301"/>
+          </a:xfrm>
+          <a:prstGeom prst="rect">
+            <a:avLst/>
+          </a:prstGeom>
+          <a:ln w="12700">
+            <a:miter lim="400000"/>
+          </a:ln>
+          <a:extLst>
+            <a:ext uri="{C572A759-6A51-4108-AA02-DFA0A04FC94B}">
+              <ma14:wrappingTextBoxFlag xmlns:ma14="http://schemas.microsoft.com/office/mac/drawingml/2011/main" val="1"/>
+            </a:ext>
+          </a:extLst>
+        </p:spPr>
+        <p:txBody>
+          <a:bodyPr wrap="none" lIns="50800" tIns="50800" rIns="50800" bIns="50800" anchor="ctr">
+            <a:spAutoFit/>
+          </a:bodyPr>
+          <a:lstStyle>
+            <a:lvl1pPr algn="l"/>
+          </a:lstStyle>
+          <a:p>
+            <a:pPr/>
+            <a:r>
+              <a:t>Callbacks au sein d’une base de données</a:t>
+            </a:r>
+          </a:p>
+        </p:txBody>
+      </p:sp>
+      <p:sp>
+        <p:nvSpPr>
+          <p:cNvPr id="537" name="S’exécute AVANT ou APRÈS une action :…"/>
+          <p:cNvSpPr txBox="1"/>
+          <p:nvPr/>
+        </p:nvSpPr>
+        <p:spPr>
+          <a:xfrm>
+            <a:off x="556893" y="4038599"/>
+            <a:ext cx="7658994" cy="2184401"/>
+          </a:xfrm>
+          <a:prstGeom prst="rect">
+            <a:avLst/>
+          </a:prstGeom>
+          <a:ln w="12700">
+            <a:miter lim="400000"/>
+          </a:ln>
+          <a:extLst>
+            <a:ext uri="{C572A759-6A51-4108-AA02-DFA0A04FC94B}">
+              <ma14:wrappingTextBoxFlag xmlns:ma14="http://schemas.microsoft.com/office/mac/drawingml/2011/main" val="1"/>
+            </a:ext>
+          </a:extLst>
+        </p:spPr>
+        <p:txBody>
+          <a:bodyPr wrap="none" lIns="50800" tIns="50800" rIns="50800" bIns="50800" anchor="ctr">
+            <a:spAutoFit/>
+          </a:bodyPr>
+          <a:lstStyle/>
+          <a:p>
+            <a:pPr algn="l"/>
+            <a:r>
+              <a:t>S’exécute AVANT ou APRÈS une action :</a:t>
+            </a:r>
+          </a:p>
+          <a:p>
+            <a:pPr marL="407504" indent="-407504" algn="l">
+              <a:buClr>
+                <a:srgbClr val="535353"/>
+              </a:buClr>
+              <a:buSzPct val="82000"/>
+              <a:buChar char="-"/>
+            </a:pPr>
+            <a:r>
+              <a:t>INSERT</a:t>
+            </a:r>
+          </a:p>
+          <a:p>
+            <a:pPr marL="407504" indent="-407504" algn="l">
+              <a:buClr>
+                <a:srgbClr val="535353"/>
+              </a:buClr>
+              <a:buSzPct val="82000"/>
+              <a:buChar char="-"/>
+            </a:pPr>
+            <a:r>
+              <a:t>UPDATE</a:t>
+            </a:r>
+          </a:p>
+          <a:p>
+            <a:pPr marL="407504" indent="-407504" algn="l">
+              <a:buClr>
+                <a:srgbClr val="535353"/>
+              </a:buClr>
+              <a:buSzPct val="82000"/>
+              <a:buChar char="-"/>
+            </a:pPr>
+            <a:r>
+              <a:t>DELETE</a:t>
+            </a:r>
+          </a:p>
+        </p:txBody>
+      </p:sp>
+      <p:sp>
+        <p:nvSpPr>
+          <p:cNvPr id="538" name="⚠️ Les triggers sont automatiquement supprimés lorsque la table à laquelle ils sont associés est supprimée"/>
+          <p:cNvSpPr txBox="1"/>
+          <p:nvPr/>
+        </p:nvSpPr>
+        <p:spPr>
+          <a:xfrm>
+            <a:off x="523727" y="7967928"/>
+            <a:ext cx="11562553" cy="977901"/>
+          </a:xfrm>
+          <a:prstGeom prst="rect">
+            <a:avLst/>
+          </a:prstGeom>
+          <a:ln w="12700">
+            <a:miter lim="400000"/>
+          </a:ln>
+          <a:extLst>
+            <a:ext uri="{C572A759-6A51-4108-AA02-DFA0A04FC94B}">
+              <ma14:wrappingTextBoxFlag xmlns:ma14="http://schemas.microsoft.com/office/mac/drawingml/2011/main" val="1"/>
+            </a:ext>
+          </a:extLst>
+        </p:spPr>
+        <p:txBody>
+          <a:bodyPr lIns="50800" tIns="50800" rIns="50800" bIns="50800" anchor="ctr">
+            <a:spAutoFit/>
+          </a:bodyPr>
+          <a:lstStyle>
+            <a:lvl1pPr algn="l">
+              <a:spcBef>
+                <a:spcPts val="3800"/>
+              </a:spcBef>
+              <a:defRPr sz="2800"/>
+            </a:lvl1pPr>
+          </a:lstStyle>
+          <a:p>
+            <a:pPr/>
+            <a:r>
+              <a:t>⚠️ Les triggers sont automatiquement supprimés lorsque la table à laquelle ils sont associés est supprimée</a:t>
+            </a:r>
+          </a:p>
+        </p:txBody>
+      </p:sp>
+      <p:sp>
+        <p:nvSpPr>
+          <p:cNvPr id="539" name="Un trigger est une fonction associée à une table"/>
+          <p:cNvSpPr txBox="1"/>
+          <p:nvPr/>
+        </p:nvSpPr>
+        <p:spPr>
+          <a:xfrm>
+            <a:off x="548803" y="6743793"/>
+            <a:ext cx="8680550" cy="622301"/>
+          </a:xfrm>
+          <a:prstGeom prst="rect">
+            <a:avLst/>
+          </a:prstGeom>
+          <a:ln w="12700">
+            <a:miter lim="400000"/>
+          </a:ln>
+          <a:extLst>
+            <a:ext uri="{C572A759-6A51-4108-AA02-DFA0A04FC94B}">
+              <ma14:wrappingTextBoxFlag xmlns:ma14="http://schemas.microsoft.com/office/mac/drawingml/2011/main" val="1"/>
+            </a:ext>
+          </a:extLst>
+        </p:spPr>
+        <p:txBody>
+          <a:bodyPr wrap="none" lIns="50800" tIns="50800" rIns="50800" bIns="50800" anchor="ctr">
+            <a:spAutoFit/>
+          </a:bodyPr>
+          <a:lstStyle/>
+          <a:p>
+            <a:pPr/>
+            <a:r>
+              <a:t>Un trigger est une </a:t>
+            </a:r>
+            <a:r>
+              <a:rPr u="sng"/>
+              <a:t>fonction</a:t>
+            </a:r>
+            <a:r>
+              <a:t> associée à une table</a:t>
+            </a:r>
+          </a:p>
+        </p:txBody>
+      </p:sp>
+    </p:spTree>
+  </p:cSld>
+  <p:clrMapOvr>
+    <a:masterClrMapping/>
+  </p:clrMapOvr>
+  <p:transition xmlns:p14="http://schemas.microsoft.com/office/powerpoint/2010/main" spd="med" advClick="1"/>
+  <p:timing>
+    <p:tnLst>
+      <p:par>
+        <p:cTn id="1" nodeType="tmRoot" restart="never" dur="indefinite" fill="hold">
+          <p:childTnLst>
+            <p:seq concurrent="1" prevAc="none" nextAc="seek">
+              <p:cTn id="2" nodeType="mainSeq" dur="indefinite" fill="hold">
+                <p:childTnLst>
+                  <p:par>
+                    <p:cTn id="3" fill="hold">
+                      <p:stCondLst>
+                        <p:cond delay="indefinite"/>
+                      </p:stCondLst>
+                      <p:childTnLst>
+                        <p:par>
+                          <p:cTn id="4" fill="hold">
+                            <p:stCondLst>
+                              <p:cond delay="0"/>
+                            </p:stCondLst>
+                            <p:childTnLst>
+                              <p:par>
+                                <p:cTn id="5" presetClass="entr" nodeType="clickEffect" presetID="9" grpId="1" fill="hold">
+                                  <p:stCondLst>
+                                    <p:cond delay="0"/>
+                                  </p:stCondLst>
+                                  <p:iterate type="el" backwards="0">
+                                    <p:tmAbs val="0"/>
+                                  </p:iterate>
+                                  <p:childTnLst>
+                                    <p:set>
+                                      <p:cBhvr>
+                                        <p:cTn id="6" fill="hold"/>
+                                        <p:tgtEl>
+                                          <p:spTgt spid="536"/>
+                                        </p:tgtEl>
+                                        <p:attrNameLst>
+                                          <p:attrName>style.visibility</p:attrName>
+                                        </p:attrNameLst>
+                                      </p:cBhvr>
+                                      <p:to>
+                                        <p:strVal val="visible"/>
+                                      </p:to>
+                                    </p:set>
+                                    <p:animEffect filter="dissolve" transition="in">
+                                      <p:cBhvr>
+                                        <p:cTn id="7" dur="300"/>
+                                        <p:tgtEl>
+                                          <p:spTgt spid="536"/>
+                                        </p:tgtEl>
+                                      </p:cBhvr>
+                                    </p:animEffect>
+                                  </p:childTnLst>
+                                </p:cTn>
+                              </p:par>
+                            </p:childTnLst>
+                          </p:cTn>
+                        </p:par>
+                      </p:childTnLst>
+                    </p:cTn>
+                  </p:par>
+                  <p:par>
+                    <p:cTn id="8" fill="hold">
+                      <p:stCondLst>
+                        <p:cond delay="indefinite"/>
+                      </p:stCondLst>
+                      <p:childTnLst>
+                        <p:par>
+                          <p:cTn id="9" fill="hold">
+                            <p:stCondLst>
+                              <p:cond delay="0"/>
+                            </p:stCondLst>
+                            <p:childTnLst>
+                              <p:par>
+                                <p:cTn id="10" presetClass="entr" nodeType="clickEffect" presetID="9" grpId="2" fill="hold">
+                                  <p:stCondLst>
+                                    <p:cond delay="0"/>
+                                  </p:stCondLst>
+                                  <p:iterate type="el" backwards="0">
+                                    <p:tmAbs val="0"/>
+                                  </p:iterate>
+                                  <p:childTnLst>
+                                    <p:set>
+                                      <p:cBhvr>
+                                        <p:cTn id="11" fill="hold"/>
+                                        <p:tgtEl>
+                                          <p:spTgt spid="537"/>
+                                        </p:tgtEl>
+                                        <p:attrNameLst>
+                                          <p:attrName>style.visibility</p:attrName>
+                                        </p:attrNameLst>
+                                      </p:cBhvr>
+                                      <p:to>
+                                        <p:strVal val="visible"/>
+                                      </p:to>
+                                    </p:set>
+                                    <p:animEffect filter="dissolve" transition="in">
+                                      <p:cBhvr>
+                                        <p:cTn id="12" dur="300"/>
+                                        <p:tgtEl>
+                                          <p:spTgt spid="537"/>
+                                        </p:tgtEl>
+                                      </p:cBhvr>
+                                    </p:animEffect>
+                                  </p:childTnLst>
+                                </p:cTn>
+                              </p:par>
+                            </p:childTnLst>
+                          </p:cTn>
+                        </p:par>
+                      </p:childTnLst>
+                    </p:cTn>
+                  </p:par>
+                  <p:par>
+                    <p:cTn id="13" fill="hold">
+                      <p:stCondLst>
+                        <p:cond delay="indefinite"/>
+                      </p:stCondLst>
+                      <p:childTnLst>
+                        <p:par>
+                          <p:cTn id="14" fill="hold">
+                            <p:stCondLst>
+                              <p:cond delay="0"/>
+                            </p:stCondLst>
+                            <p:childTnLst>
+                              <p:par>
+                                <p:cTn id="15" presetClass="entr" nodeType="clickEffect" presetID="9" grpId="3" fill="hold">
+                                  <p:stCondLst>
+                                    <p:cond delay="0"/>
+                                  </p:stCondLst>
+                                  <p:iterate type="el" backwards="0">
+                                    <p:tmAbs val="0"/>
+                                  </p:iterate>
+                                  <p:childTnLst>
+                                    <p:set>
+                                      <p:cBhvr>
+                                        <p:cTn id="16" fill="hold"/>
+                                        <p:tgtEl>
+                                          <p:spTgt spid="539"/>
+                                        </p:tgtEl>
+                                        <p:attrNameLst>
+                                          <p:attrName>style.visibility</p:attrName>
+                                        </p:attrNameLst>
+                                      </p:cBhvr>
+                                      <p:to>
+                                        <p:strVal val="visible"/>
+                                      </p:to>
+                                    </p:set>
+                                    <p:animEffect filter="dissolve" transition="in">
+                                      <p:cBhvr>
+                                        <p:cTn id="17" dur="300"/>
+                                        <p:tgtEl>
+                                          <p:spTgt spid="539"/>
+                                        </p:tgtEl>
+                                      </p:cBhvr>
+                                    </p:animEffect>
+                                  </p:childTnLst>
+                                </p:cTn>
+                              </p:par>
+                            </p:childTnLst>
+                          </p:cTn>
+                        </p:par>
+                      </p:childTnLst>
+                    </p:cTn>
+                  </p:par>
+                  <p:par>
+                    <p:cTn id="18" fill="hold">
+                      <p:stCondLst>
+                        <p:cond delay="indefinite"/>
+                      </p:stCondLst>
+                      <p:childTnLst>
+                        <p:par>
+                          <p:cTn id="19" fill="hold">
+                            <p:stCondLst>
+                              <p:cond delay="0"/>
+                            </p:stCondLst>
+                            <p:childTnLst>
+                              <p:par>
+                                <p:cTn id="20" presetClass="entr" nodeType="clickEffect" presetID="9" grpId="4" fill="hold">
+                                  <p:stCondLst>
+                                    <p:cond delay="0"/>
+                                  </p:stCondLst>
+                                  <p:iterate type="el" backwards="0">
+                                    <p:tmAbs val="0"/>
+                                  </p:iterate>
+                                  <p:childTnLst>
+                                    <p:set>
+                                      <p:cBhvr>
+                                        <p:cTn id="21" fill="hold"/>
+                                        <p:tgtEl>
+                                          <p:spTgt spid="538"/>
+                                        </p:tgtEl>
+                                        <p:attrNameLst>
+                                          <p:attrName>style.visibility</p:attrName>
+                                        </p:attrNameLst>
+                                      </p:cBhvr>
+                                      <p:to>
+                                        <p:strVal val="visible"/>
+                                      </p:to>
+                                    </p:set>
+                                    <p:animEffect filter="dissolve" transition="in">
+                                      <p:cBhvr>
+                                        <p:cTn id="22" dur="300"/>
+                                        <p:tgtEl>
+                                          <p:spTgt spid="538"/>
+                                        </p:tgtEl>
+                                      </p:cBhvr>
+                                    </p:animEffect>
+                                  </p:childTnLst>
+                                </p:cTn>
+                              </p:par>
+                            </p:childTnLst>
+                          </p:cTn>
+                        </p:par>
+                      </p:childTnLst>
+                    </p:cTn>
+                  </p:par>
+                </p:childTnLst>
+              </p:cTn>
+              <p:prevCondLst>
+                <p:cond evt="onPrev">
+                  <p:tgtEl>
+                    <p:sldTgt/>
+                  </p:tgtEl>
+                </p:cond>
+              </p:prevCondLst>
+              <p:nextCondLst>
+                <p:cond evt="onNext">
+                  <p:tgtEl>
+                    <p:sldTgt/>
+                  </p:tgtEl>
+                </p:cond>
+              </p:nextCondLst>
+            </p:seq>
+          </p:childTnLst>
+        </p:cTn>
+      </p:par>
+    </p:tnLst>
+    <p:bldLst>
+      <p:bldP build="whole" bldLvl="1" animBg="1" rev="0" advAuto="0" spid="537" grpId="2"/>
+      <p:bldP build="whole" bldLvl="1" animBg="1" rev="0" advAuto="0" spid="538" grpId="4"/>
+      <p:bldP build="whole" bldLvl="1" animBg="1" rev="0" advAuto="0" spid="536" grpId="1"/>
+      <p:bldP build="whole" bldLvl="1" animBg="1" rev="0" advAuto="0" spid="539" grpId="3"/>
+    </p:bldLst>
+  </p:timing>
+</p:sld>
+</file>
+
+<file path=ppt/slides/slide59.xml><?xml version="1.0" encoding="utf-8"?>
+<p:sld xmlns:a="http://schemas.openxmlformats.org/drawingml/2006/main" xmlns:r="http://schemas.openxmlformats.org/officeDocument/2006/relationships" xmlns:p="http://schemas.openxmlformats.org/presentationml/2006/main" xmlns:m="http://schemas.openxmlformats.org/officeDocument/2006/math" xmlns:a14="http://schemas.microsoft.com/office/drawing/2010/main" showMasterSp="1" showMasterPhAnim="1">
+  <p:cSld>
+    <p:spTree>
+      <p:nvGrpSpPr>
+        <p:cNvPr id="1" name=""/>
+        <p:cNvGrpSpPr/>
+        <p:nvPr/>
+      </p:nvGrpSpPr>
+      <p:grpSpPr>
+        <a:xfrm>
+          <a:off x="0" y="0"/>
+          <a:ext cx="0" cy="0"/>
+          <a:chOff x="0" y="0"/>
+          <a:chExt cx="0" cy="0"/>
+        </a:xfrm>
+      </p:grpSpPr>
+      <p:sp>
+        <p:nvSpPr>
+          <p:cNvPr id="541" name="Requêtage SQL"/>
+          <p:cNvSpPr txBox="1"/>
+          <p:nvPr/>
+        </p:nvSpPr>
+        <p:spPr>
+          <a:xfrm>
+            <a:off x="1270000" y="-12700"/>
+            <a:ext cx="10464800" cy="1282700"/>
+          </a:xfrm>
+          <a:prstGeom prst="rect">
+            <a:avLst/>
+          </a:prstGeom>
+          <a:ln w="12700">
+            <a:miter lim="400000"/>
+          </a:ln>
+          <a:extLst>
+            <a:ext uri="{C572A759-6A51-4108-AA02-DFA0A04FC94B}">
+              <ma14:wrappingTextBoxFlag xmlns:ma14="http://schemas.microsoft.com/office/mac/drawingml/2011/main" val="1"/>
+            </a:ext>
+          </a:extLst>
+        </p:spPr>
+        <p:txBody>
+          <a:bodyPr lIns="50800" tIns="50800" rIns="50800" bIns="50800" anchor="ctr">
+            <a:normAutofit fontScale="100000" lnSpcReduction="0"/>
+          </a:bodyPr>
+          <a:lstStyle>
+            <a:lvl1pPr>
+              <a:defRPr sz="2600"/>
+            </a:lvl1pPr>
+          </a:lstStyle>
+          <a:p>
+            <a:pPr/>
+            <a:r>
+              <a:t>Requêtage SQL</a:t>
+            </a:r>
+          </a:p>
+        </p:txBody>
+      </p:sp>
+      <p:sp>
+        <p:nvSpPr>
+          <p:cNvPr id="542" name="Les triggers"/>
+          <p:cNvSpPr txBox="1"/>
+          <p:nvPr/>
+        </p:nvSpPr>
+        <p:spPr>
+          <a:xfrm>
+            <a:off x="5419452" y="1528017"/>
+            <a:ext cx="2165896" cy="622301"/>
+          </a:xfrm>
+          <a:prstGeom prst="rect">
+            <a:avLst/>
+          </a:prstGeom>
+          <a:ln w="12700">
+            <a:miter lim="400000"/>
+          </a:ln>
+          <a:extLst>
+            <a:ext uri="{C572A759-6A51-4108-AA02-DFA0A04FC94B}">
+              <ma14:wrappingTextBoxFlag xmlns:ma14="http://schemas.microsoft.com/office/mac/drawingml/2011/main" val="1"/>
+            </a:ext>
+          </a:extLst>
+        </p:spPr>
+        <p:txBody>
+          <a:bodyPr wrap="none" lIns="50800" tIns="50800" rIns="50800" bIns="50800" anchor="ctr">
+            <a:spAutoFit/>
+          </a:bodyPr>
+          <a:lstStyle>
+            <a:lvl1pPr algn="l"/>
+          </a:lstStyle>
+          <a:p>
+            <a:pPr/>
+            <a:r>
+              <a:t>Les triggers</a:t>
+            </a:r>
+          </a:p>
+        </p:txBody>
+      </p:sp>
+      <p:sp>
+        <p:nvSpPr>
+          <p:cNvPr id="543" name="Etape 1 : déterminer un besoin à automatiser…"/>
+          <p:cNvSpPr txBox="1"/>
+          <p:nvPr/>
+        </p:nvSpPr>
+        <p:spPr>
+          <a:xfrm>
+            <a:off x="2330449" y="3524249"/>
+            <a:ext cx="8400382" cy="2705101"/>
+          </a:xfrm>
+          <a:prstGeom prst="rect">
+            <a:avLst/>
+          </a:prstGeom>
+          <a:ln w="12700">
+            <a:miter lim="400000"/>
+          </a:ln>
+          <a:extLst>
+            <a:ext uri="{C572A759-6A51-4108-AA02-DFA0A04FC94B}">
+              <ma14:wrappingTextBoxFlag xmlns:ma14="http://schemas.microsoft.com/office/mac/drawingml/2011/main" val="1"/>
+            </a:ext>
+          </a:extLst>
+        </p:spPr>
+        <p:txBody>
+          <a:bodyPr wrap="none" lIns="50800" tIns="50800" rIns="50800" bIns="50800" anchor="ctr">
+            <a:spAutoFit/>
+          </a:bodyPr>
+          <a:lstStyle/>
+          <a:p>
+            <a:pPr algn="l"/>
+            <a:r>
+              <a:rPr i="1">
+                <a:latin typeface="Gill Sans"/>
+                <a:ea typeface="Gill Sans"/>
+                <a:cs typeface="Gill Sans"/>
+                <a:sym typeface="Gill Sans"/>
+              </a:rPr>
+              <a:t>Etape 1 :</a:t>
+            </a:r>
+            <a:r>
+              <a:t> déterminer un besoin à automatiser</a:t>
+            </a:r>
+          </a:p>
+          <a:p>
+            <a:pPr algn="l"/>
+          </a:p>
+          <a:p>
+            <a:pPr algn="l"/>
+            <a:r>
+              <a:rPr i="1">
+                <a:latin typeface="Gill Sans"/>
+                <a:ea typeface="Gill Sans"/>
+                <a:cs typeface="Gill Sans"/>
+                <a:sym typeface="Gill Sans"/>
+              </a:rPr>
+              <a:t>Etape 2 :</a:t>
+            </a:r>
+            <a:r>
+              <a:t> créer une fonction</a:t>
+            </a:r>
+          </a:p>
+          <a:p>
+            <a:pPr algn="l"/>
+          </a:p>
+          <a:p>
+            <a:pPr algn="l"/>
+            <a:r>
+              <a:rPr i="1">
+                <a:latin typeface="Gill Sans"/>
+                <a:ea typeface="Gill Sans"/>
+                <a:cs typeface="Gill Sans"/>
+                <a:sym typeface="Gill Sans"/>
+              </a:rPr>
+              <a:t>Etape 3 :</a:t>
+            </a:r>
+            <a:r>
+              <a:t> définir la fonction comme un trier</a:t>
+            </a:r>
+          </a:p>
+        </p:txBody>
+      </p:sp>
+    </p:spTree>
+  </p:cSld>
+  <p:clrMapOvr>
+    <a:masterClrMapping/>
+  </p:clrMapOvr>
+  <p:transition xmlns:p14="http://schemas.microsoft.com/office/powerpoint/2010/main" spd="med" advClick="1"/>
+  <p:timing>
+    <p:tnLst>
+      <p:par>
+        <p:cTn id="1" nodeType="tmRoot" restart="never" dur="indefinite" fill="hold">
+          <p:childTnLst>
+            <p:seq concurrent="1" prevAc="none" nextAc="seek">
+              <p:cTn id="2" nodeType="mainSeq" dur="indefinite" fill="hold">
+                <p:childTnLst>
+                  <p:par>
+                    <p:cTn id="3" fill="hold">
+                      <p:stCondLst>
+                        <p:cond delay="indefinite"/>
+                      </p:stCondLst>
+                      <p:childTnLst>
+                        <p:par>
+                          <p:cTn id="4" fill="hold">
+                            <p:stCondLst>
+                              <p:cond delay="0"/>
+                            </p:stCondLst>
+                            <p:childTnLst>
+                              <p:par>
+                                <p:cTn id="5" presetClass="entr" nodeType="clickEffect" presetID="9" grpId="1" fill="hold">
+                                  <p:stCondLst>
+                                    <p:cond delay="0"/>
+                                  </p:stCondLst>
+                                  <p:iterate type="el" backwards="0">
+                                    <p:tmAbs val="0"/>
+                                  </p:iterate>
+                                  <p:childTnLst>
+                                    <p:set>
+                                      <p:cBhvr>
+                                        <p:cTn id="6" fill="hold"/>
+                                        <p:tgtEl>
+                                          <p:spTgt spid="543"/>
+                                        </p:tgtEl>
+                                        <p:attrNameLst>
+                                          <p:attrName>style.visibility</p:attrName>
+                                        </p:attrNameLst>
+                                      </p:cBhvr>
+                                      <p:to>
+                                        <p:strVal val="visible"/>
+                                      </p:to>
+                                    </p:set>
+                                    <p:animEffect filter="dissolve" transition="in">
+                                      <p:cBhvr>
+                                        <p:cTn id="7" dur="300"/>
+                                        <p:tgtEl>
+                                          <p:spTgt spid="543"/>
+                                        </p:tgtEl>
+                                      </p:cBhvr>
+                                    </p:animEffect>
+                                  </p:childTnLst>
+                                </p:cTn>
+                              </p:par>
+                            </p:childTnLst>
+                          </p:cTn>
+                        </p:par>
+                      </p:childTnLst>
+                    </p:cTn>
+                  </p:par>
+                </p:childTnLst>
+              </p:cTn>
+              <p:prevCondLst>
+                <p:cond evt="onPrev">
+                  <p:tgtEl>
+                    <p:sldTgt/>
+                  </p:tgtEl>
+                </p:cond>
+              </p:prevCondLst>
+              <p:nextCondLst>
+                <p:cond evt="onNext">
+                  <p:tgtEl>
+                    <p:sldTgt/>
+                  </p:tgtEl>
+                </p:cond>
+              </p:nextCondLst>
+            </p:seq>
+          </p:childTnLst>
+        </p:cTn>
+      </p:par>
+    </p:tnLst>
+    <p:bldLst>
+      <p:bldP build="whole" bldLvl="1" animBg="1" rev="0" advAuto="0" spid="543" grpId="1"/>
+    </p:bldLst>
+  </p:timing>
+</p:sld>
+</file>
+
 <file path=ppt/slides/slide6.xml><?xml version="1.0" encoding="utf-8"?>
 <p:sld xmlns:a="http://schemas.openxmlformats.org/drawingml/2006/main" xmlns:r="http://schemas.openxmlformats.org/officeDocument/2006/relationships" xmlns:p="http://schemas.openxmlformats.org/presentationml/2006/main" xmlns:m="http://schemas.openxmlformats.org/officeDocument/2006/math" xmlns:a14="http://schemas.microsoft.com/office/drawing/2010/main" showMasterSp="1" showMasterPhAnim="1">
   <p:cSld>
@@ -42270,6 +46292,2788 @@
             <a:pPr/>
             <a:r>
               <a:t>Postgresql</a:t>
+            </a:r>
+          </a:p>
+        </p:txBody>
+      </p:sp>
+    </p:spTree>
+  </p:cSld>
+  <p:clrMapOvr>
+    <a:masterClrMapping/>
+  </p:clrMapOvr>
+  <p:transition xmlns:p14="http://schemas.microsoft.com/office/powerpoint/2010/main" spd="med" advClick="1"/>
+</p:sld>
+</file>
+
+<file path=ppt/slides/slide60.xml><?xml version="1.0" encoding="utf-8"?>
+<p:sld xmlns:a="http://schemas.openxmlformats.org/drawingml/2006/main" xmlns:r="http://schemas.openxmlformats.org/officeDocument/2006/relationships" xmlns:p="http://schemas.openxmlformats.org/presentationml/2006/main" xmlns:m="http://schemas.openxmlformats.org/officeDocument/2006/math" xmlns:a14="http://schemas.microsoft.com/office/drawing/2010/main" showMasterSp="1" showMasterPhAnim="1">
+  <p:cSld>
+    <p:spTree>
+      <p:nvGrpSpPr>
+        <p:cNvPr id="1" name=""/>
+        <p:cNvGrpSpPr/>
+        <p:nvPr/>
+      </p:nvGrpSpPr>
+      <p:grpSpPr>
+        <a:xfrm>
+          <a:off x="0" y="0"/>
+          <a:ext cx="0" cy="0"/>
+          <a:chOff x="0" y="0"/>
+          <a:chExt cx="0" cy="0"/>
+        </a:xfrm>
+      </p:grpSpPr>
+      <p:sp>
+        <p:nvSpPr>
+          <p:cNvPr id="545" name="Requêtage SQL"/>
+          <p:cNvSpPr txBox="1"/>
+          <p:nvPr/>
+        </p:nvSpPr>
+        <p:spPr>
+          <a:xfrm>
+            <a:off x="1270000" y="-12700"/>
+            <a:ext cx="10464800" cy="1282700"/>
+          </a:xfrm>
+          <a:prstGeom prst="rect">
+            <a:avLst/>
+          </a:prstGeom>
+          <a:ln w="12700">
+            <a:miter lim="400000"/>
+          </a:ln>
+          <a:extLst>
+            <a:ext uri="{C572A759-6A51-4108-AA02-DFA0A04FC94B}">
+              <ma14:wrappingTextBoxFlag xmlns:ma14="http://schemas.microsoft.com/office/mac/drawingml/2011/main" val="1"/>
+            </a:ext>
+          </a:extLst>
+        </p:spPr>
+        <p:txBody>
+          <a:bodyPr lIns="50800" tIns="50800" rIns="50800" bIns="50800" anchor="ctr">
+            <a:normAutofit fontScale="100000" lnSpcReduction="0"/>
+          </a:bodyPr>
+          <a:lstStyle>
+            <a:lvl1pPr>
+              <a:defRPr sz="2600"/>
+            </a:lvl1pPr>
+          </a:lstStyle>
+          <a:p>
+            <a:pPr/>
+            <a:r>
+              <a:t>Requêtage SQL</a:t>
+            </a:r>
+          </a:p>
+        </p:txBody>
+      </p:sp>
+      <p:sp>
+        <p:nvSpPr>
+          <p:cNvPr id="546" name="Les instructions de la fonction"/>
+          <p:cNvSpPr txBox="1"/>
+          <p:nvPr/>
+        </p:nvSpPr>
+        <p:spPr>
+          <a:xfrm>
+            <a:off x="3768576" y="1468408"/>
+            <a:ext cx="5467648" cy="622301"/>
+          </a:xfrm>
+          <a:prstGeom prst="rect">
+            <a:avLst/>
+          </a:prstGeom>
+          <a:ln w="12700">
+            <a:miter lim="400000"/>
+          </a:ln>
+          <a:extLst>
+            <a:ext uri="{C572A759-6A51-4108-AA02-DFA0A04FC94B}">
+              <ma14:wrappingTextBoxFlag xmlns:ma14="http://schemas.microsoft.com/office/mac/drawingml/2011/main" val="1"/>
+            </a:ext>
+          </a:extLst>
+        </p:spPr>
+        <p:txBody>
+          <a:bodyPr wrap="none" lIns="50800" tIns="50800" rIns="50800" bIns="50800" anchor="ctr">
+            <a:spAutoFit/>
+          </a:bodyPr>
+          <a:lstStyle/>
+          <a:p>
+            <a:pPr/>
+            <a:r>
+              <a:t>Les instructions de la fonction</a:t>
+            </a:r>
+          </a:p>
+        </p:txBody>
+      </p:sp>
+      <p:graphicFrame>
+        <p:nvGraphicFramePr>
+          <p:cNvPr id="547" name="Tableau"/>
+          <p:cNvGraphicFramePr/>
+          <p:nvPr/>
+        </p:nvGraphicFramePr>
+        <p:xfrm>
+          <a:off x="588638" y="2317734"/>
+          <a:ext cx="11468101" cy="8216901"/>
+        </p:xfrm>
+        <a:graphic xmlns:a="http://schemas.openxmlformats.org/drawingml/2006/main">
+          <a:graphicData uri="http://schemas.openxmlformats.org/drawingml/2006/table">
+            <a:tbl>
+              <a:tblPr firstCol="0" firstRow="0" lastCol="0" lastRow="0" bandCol="0" bandRow="0" rtl="0">
+                <a:tableStyleId>{4C3C2611-4C71-4FC5-86AE-919BDF0F9419}</a:tableStyleId>
+              </a:tblPr>
+              <a:tblGrid>
+                <a:gridCol w="5369744"/>
+                <a:gridCol w="6457778"/>
+              </a:tblGrid>
+              <a:tr h="508000">
+                <a:tc>
+                  <a:txBody>
+                    <a:bodyPr/>
+                    <a:lstStyle/>
+                    <a:p>
+                      <a:pPr algn="l">
+                        <a:defRPr>
+                          <a:solidFill>
+                            <a:srgbClr val="000000"/>
+                          </a:solidFill>
+                        </a:defRPr>
+                      </a:pPr>
+                      <a:r>
+                        <a:rPr sz="2400">
+                          <a:solidFill>
+                            <a:srgbClr val="5A5F5E"/>
+                          </a:solidFill>
+                          <a:latin typeface="Monaco"/>
+                          <a:ea typeface="Monaco"/>
+                          <a:cs typeface="Monaco"/>
+                          <a:sym typeface="Monaco"/>
+                        </a:rPr>
+                        <a:t>CREATE [OR REPLACE] FUNCTION</a:t>
+                      </a:r>
+                    </a:p>
+                  </a:txBody>
+                  <a:tcPr marL="50800" marR="50800" marT="50800" marB="50800" anchor="t" anchorCtr="0" horzOverflow="overflow">
+                    <a:lnL w="0">
+                      <a:miter lim="400000"/>
+                    </a:lnL>
+                    <a:lnR w="0">
+                      <a:miter lim="400000"/>
+                    </a:lnR>
+                    <a:lnT w="12700">
+                      <a:solidFill>
+                        <a:srgbClr val="5A5F5E"/>
+                      </a:solidFill>
+                      <a:miter lim="400000"/>
+                    </a:lnT>
+                    <a:lnB w="12700">
+                      <a:solidFill>
+                        <a:srgbClr val="5A5F5E"/>
+                      </a:solidFill>
+                      <a:miter lim="400000"/>
+                    </a:lnB>
+                  </a:tcPr>
+                </a:tc>
+                <a:tc>
+                  <a:txBody>
+                    <a:bodyPr/>
+                    <a:lstStyle/>
+                    <a:p>
+                      <a:pPr algn="l">
+                        <a:defRPr sz="2900"/>
+                      </a:pPr>
+                      <a:r>
+                        <a:t>Création d’une fonction.</a:t>
+                      </a:r>
+                      <a:br/>
+                      <a:r>
+                        <a:t>L’instruction </a:t>
+                      </a:r>
+                      <a:r>
+                        <a:rPr i="1">
+                          <a:latin typeface="Gill Sans"/>
+                          <a:ea typeface="Gill Sans"/>
+                          <a:cs typeface="Gill Sans"/>
+                          <a:sym typeface="Gill Sans"/>
+                        </a:rPr>
+                        <a:t>OR REPLACE</a:t>
+                      </a:r>
+                      <a:r>
+                        <a:t> est facultative.</a:t>
+                      </a:r>
+                    </a:p>
+                  </a:txBody>
+                  <a:tcPr marL="50800" marR="50800" marT="50800" marB="50800" anchor="t" anchorCtr="0" horzOverflow="overflow">
+                    <a:lnL w="0">
+                      <a:miter lim="400000"/>
+                    </a:lnL>
+                    <a:lnR w="0">
+                      <a:miter lim="400000"/>
+                    </a:lnR>
+                    <a:lnT w="12700">
+                      <a:solidFill>
+                        <a:srgbClr val="5A5F5E"/>
+                      </a:solidFill>
+                      <a:miter lim="400000"/>
+                    </a:lnT>
+                    <a:lnB w="12700">
+                      <a:solidFill>
+                        <a:srgbClr val="5A5F5E"/>
+                      </a:solidFill>
+                      <a:miter lim="400000"/>
+                    </a:lnB>
+                  </a:tcPr>
+                </a:tc>
+              </a:tr>
+              <a:tr h="508000">
+                <a:tc>
+                  <a:txBody>
+                    <a:bodyPr/>
+                    <a:lstStyle/>
+                    <a:p>
+                      <a:pPr algn="l">
+                        <a:defRPr>
+                          <a:solidFill>
+                            <a:srgbClr val="000000"/>
+                          </a:solidFill>
+                        </a:defRPr>
+                      </a:pPr>
+                      <a:r>
+                        <a:rPr sz="2400">
+                          <a:solidFill>
+                            <a:srgbClr val="5A5F5E"/>
+                          </a:solidFill>
+                          <a:latin typeface="Monaco"/>
+                          <a:ea typeface="Monaco"/>
+                          <a:cs typeface="Monaco"/>
+                          <a:sym typeface="Monaco"/>
+                        </a:rPr>
+                        <a:t>RETURNS datatype AS var</a:t>
+                      </a:r>
+                    </a:p>
+                  </a:txBody>
+                  <a:tcPr marL="50800" marR="50800" marT="50800" marB="50800" anchor="t" anchorCtr="0" horzOverflow="overflow">
+                    <a:lnL w="0">
+                      <a:miter lim="400000"/>
+                    </a:lnL>
+                    <a:lnR w="0">
+                      <a:miter lim="400000"/>
+                    </a:lnR>
+                    <a:lnT w="12700">
+                      <a:solidFill>
+                        <a:srgbClr val="5A5F5E"/>
+                      </a:solidFill>
+                      <a:miter lim="400000"/>
+                    </a:lnT>
+                    <a:lnB w="12700">
+                      <a:solidFill>
+                        <a:srgbClr val="5A5F5E"/>
+                      </a:solidFill>
+                      <a:miter lim="400000"/>
+                    </a:lnB>
+                  </a:tcPr>
+                </a:tc>
+                <a:tc>
+                  <a:txBody>
+                    <a:bodyPr/>
+                    <a:lstStyle/>
+                    <a:p>
+                      <a:pPr algn="l">
+                        <a:defRPr>
+                          <a:solidFill>
+                            <a:srgbClr val="000000"/>
+                          </a:solidFill>
+                        </a:defRPr>
+                      </a:pPr>
+                      <a:r>
+                        <a:rPr sz="2900">
+                          <a:solidFill>
+                            <a:srgbClr val="5A5F5E"/>
+                          </a:solidFill>
+                        </a:rPr>
+                        <a:t>Spécifie le format de donnée que la fonction va retourner et dans quelle variable ce sera stocké.</a:t>
+                      </a:r>
+                    </a:p>
+                  </a:txBody>
+                  <a:tcPr marL="50800" marR="50800" marT="50800" marB="50800" anchor="t" anchorCtr="0" horzOverflow="overflow">
+                    <a:lnL w="0">
+                      <a:miter lim="400000"/>
+                    </a:lnL>
+                    <a:lnR w="0">
+                      <a:miter lim="400000"/>
+                    </a:lnR>
+                    <a:lnT w="12700">
+                      <a:solidFill>
+                        <a:srgbClr val="5A5F5E"/>
+                      </a:solidFill>
+                      <a:miter lim="400000"/>
+                    </a:lnT>
+                    <a:lnB w="12700">
+                      <a:solidFill>
+                        <a:srgbClr val="5A5F5E"/>
+                      </a:solidFill>
+                      <a:miter lim="400000"/>
+                    </a:lnB>
+                  </a:tcPr>
+                </a:tc>
+              </a:tr>
+              <a:tr h="508000">
+                <a:tc>
+                  <a:txBody>
+                    <a:bodyPr/>
+                    <a:lstStyle/>
+                    <a:p>
+                      <a:pPr algn="l">
+                        <a:defRPr>
+                          <a:solidFill>
+                            <a:srgbClr val="000000"/>
+                          </a:solidFill>
+                        </a:defRPr>
+                      </a:pPr>
+                      <a:r>
+                        <a:rPr sz="2400">
+                          <a:solidFill>
+                            <a:srgbClr val="5A5F5E"/>
+                          </a:solidFill>
+                          <a:latin typeface="Monaco"/>
+                          <a:ea typeface="Monaco"/>
+                          <a:cs typeface="Monaco"/>
+                          <a:sym typeface="Monaco"/>
+                        </a:rPr>
+                        <a:t>BEGIN</a:t>
+                      </a:r>
+                    </a:p>
+                  </a:txBody>
+                  <a:tcPr marL="50800" marR="50800" marT="50800" marB="50800" anchor="t" anchorCtr="0" horzOverflow="overflow">
+                    <a:lnL w="0">
+                      <a:miter lim="400000"/>
+                    </a:lnL>
+                    <a:lnR w="0">
+                      <a:miter lim="400000"/>
+                    </a:lnR>
+                    <a:lnT w="12700">
+                      <a:solidFill>
+                        <a:srgbClr val="5A5F5E"/>
+                      </a:solidFill>
+                      <a:miter lim="400000"/>
+                    </a:lnT>
+                    <a:lnB w="12700">
+                      <a:solidFill>
+                        <a:srgbClr val="5A5F5E"/>
+                      </a:solidFill>
+                      <a:miter lim="400000"/>
+                    </a:lnB>
+                  </a:tcPr>
+                </a:tc>
+                <a:tc>
+                  <a:txBody>
+                    <a:bodyPr/>
+                    <a:lstStyle/>
+                    <a:p>
+                      <a:pPr algn="l">
+                        <a:defRPr>
+                          <a:solidFill>
+                            <a:srgbClr val="000000"/>
+                          </a:solidFill>
+                        </a:defRPr>
+                      </a:pPr>
+                      <a:r>
+                        <a:rPr sz="2900">
+                          <a:solidFill>
+                            <a:srgbClr val="5A5F5E"/>
+                          </a:solidFill>
+                        </a:rPr>
+                        <a:t>Début des instructions de la fonction.</a:t>
+                      </a:r>
+                    </a:p>
+                  </a:txBody>
+                  <a:tcPr marL="50800" marR="50800" marT="50800" marB="50800" anchor="t" anchorCtr="0" horzOverflow="overflow">
+                    <a:lnL w="0">
+                      <a:miter lim="400000"/>
+                    </a:lnL>
+                    <a:lnR w="0">
+                      <a:miter lim="400000"/>
+                    </a:lnR>
+                    <a:lnT w="12700">
+                      <a:solidFill>
+                        <a:srgbClr val="5A5F5E"/>
+                      </a:solidFill>
+                      <a:miter lim="400000"/>
+                    </a:lnT>
+                    <a:lnB w="12700">
+                      <a:solidFill>
+                        <a:srgbClr val="5A5F5E"/>
+                      </a:solidFill>
+                      <a:miter lim="400000"/>
+                    </a:lnB>
+                  </a:tcPr>
+                </a:tc>
+              </a:tr>
+              <a:tr h="508000">
+                <a:tc>
+                  <a:txBody>
+                    <a:bodyPr/>
+                    <a:lstStyle/>
+                    <a:p>
+                      <a:pPr algn="l">
+                        <a:defRPr>
+                          <a:solidFill>
+                            <a:srgbClr val="000000"/>
+                          </a:solidFill>
+                        </a:defRPr>
+                      </a:pPr>
+                      <a:r>
+                        <a:rPr sz="2400">
+                          <a:solidFill>
+                            <a:srgbClr val="5A5F5E"/>
+                          </a:solidFill>
+                          <a:latin typeface="Monaco"/>
+                          <a:ea typeface="Monaco"/>
+                          <a:cs typeface="Monaco"/>
+                          <a:sym typeface="Monaco"/>
+                        </a:rPr>
+                        <a:t>END</a:t>
+                      </a:r>
+                    </a:p>
+                  </a:txBody>
+                  <a:tcPr marL="50800" marR="50800" marT="50800" marB="50800" anchor="t" anchorCtr="0" horzOverflow="overflow">
+                    <a:lnL w="0">
+                      <a:miter lim="400000"/>
+                    </a:lnL>
+                    <a:lnR w="0">
+                      <a:miter lim="400000"/>
+                    </a:lnR>
+                    <a:lnT w="12700">
+                      <a:solidFill>
+                        <a:srgbClr val="5A5F5E"/>
+                      </a:solidFill>
+                      <a:miter lim="400000"/>
+                    </a:lnT>
+                    <a:lnB w="12700">
+                      <a:solidFill>
+                        <a:srgbClr val="5A5F5E"/>
+                      </a:solidFill>
+                      <a:miter lim="400000"/>
+                    </a:lnB>
+                  </a:tcPr>
+                </a:tc>
+                <a:tc>
+                  <a:txBody>
+                    <a:bodyPr/>
+                    <a:lstStyle/>
+                    <a:p>
+                      <a:pPr algn="l">
+                        <a:defRPr>
+                          <a:solidFill>
+                            <a:srgbClr val="000000"/>
+                          </a:solidFill>
+                        </a:defRPr>
+                      </a:pPr>
+                      <a:r>
+                        <a:rPr sz="2900">
+                          <a:solidFill>
+                            <a:srgbClr val="5A5F5E"/>
+                          </a:solidFill>
+                        </a:rPr>
+                        <a:t>Fin des instructions de la fonction.</a:t>
+                      </a:r>
+                    </a:p>
+                  </a:txBody>
+                  <a:tcPr marL="50800" marR="50800" marT="50800" marB="50800" anchor="t" anchorCtr="0" horzOverflow="overflow">
+                    <a:lnL w="0">
+                      <a:miter lim="400000"/>
+                    </a:lnL>
+                    <a:lnR w="0">
+                      <a:miter lim="400000"/>
+                    </a:lnR>
+                    <a:lnT w="12700">
+                      <a:solidFill>
+                        <a:srgbClr val="5A5F5E"/>
+                      </a:solidFill>
+                      <a:miter lim="400000"/>
+                    </a:lnT>
+                    <a:lnB w="12700">
+                      <a:solidFill>
+                        <a:srgbClr val="5A5F5E"/>
+                      </a:solidFill>
+                      <a:miter lim="400000"/>
+                    </a:lnB>
+                  </a:tcPr>
+                </a:tc>
+              </a:tr>
+              <a:tr h="508000">
+                <a:tc>
+                  <a:txBody>
+                    <a:bodyPr/>
+                    <a:lstStyle/>
+                    <a:p>
+                      <a:pPr algn="l">
+                        <a:defRPr>
+                          <a:solidFill>
+                            <a:srgbClr val="000000"/>
+                          </a:solidFill>
+                        </a:defRPr>
+                      </a:pPr>
+                      <a:r>
+                        <a:rPr sz="2400">
+                          <a:solidFill>
+                            <a:srgbClr val="5A5F5E"/>
+                          </a:solidFill>
+                          <a:latin typeface="Monaco"/>
+                          <a:ea typeface="Monaco"/>
+                          <a:cs typeface="Monaco"/>
+                          <a:sym typeface="Monaco"/>
+                        </a:rPr>
+                        <a:t>RETURN</a:t>
+                      </a:r>
+                    </a:p>
+                  </a:txBody>
+                  <a:tcPr marL="50800" marR="50800" marT="50800" marB="50800" anchor="t" anchorCtr="0" horzOverflow="overflow">
+                    <a:lnL w="0">
+                      <a:miter lim="400000"/>
+                    </a:lnL>
+                    <a:lnR w="0">
+                      <a:miter lim="400000"/>
+                    </a:lnR>
+                    <a:lnT w="12700">
+                      <a:solidFill>
+                        <a:srgbClr val="5A5F5E"/>
+                      </a:solidFill>
+                      <a:miter lim="400000"/>
+                    </a:lnT>
+                    <a:lnB w="12700">
+                      <a:solidFill>
+                        <a:srgbClr val="5A5F5E"/>
+                      </a:solidFill>
+                      <a:miter lim="400000"/>
+                    </a:lnB>
+                  </a:tcPr>
+                </a:tc>
+                <a:tc>
+                  <a:txBody>
+                    <a:bodyPr/>
+                    <a:lstStyle/>
+                    <a:p>
+                      <a:pPr algn="l">
+                        <a:defRPr>
+                          <a:solidFill>
+                            <a:srgbClr val="000000"/>
+                          </a:solidFill>
+                        </a:defRPr>
+                      </a:pPr>
+                      <a:r>
+                        <a:rPr sz="2900">
+                          <a:solidFill>
+                            <a:srgbClr val="5A5F5E"/>
+                          </a:solidFill>
+                        </a:rPr>
+                        <a:t>Une fonction doit obligatoirement retourner quelque chose.</a:t>
+                      </a:r>
+                    </a:p>
+                  </a:txBody>
+                  <a:tcPr marL="50800" marR="50800" marT="50800" marB="50800" anchor="t" anchorCtr="0" horzOverflow="overflow">
+                    <a:lnL w="0">
+                      <a:miter lim="400000"/>
+                    </a:lnL>
+                    <a:lnR w="0">
+                      <a:miter lim="400000"/>
+                    </a:lnR>
+                    <a:lnT w="12700">
+                      <a:solidFill>
+                        <a:srgbClr val="5A5F5E"/>
+                      </a:solidFill>
+                      <a:miter lim="400000"/>
+                    </a:lnT>
+                    <a:lnB w="12700">
+                      <a:solidFill>
+                        <a:srgbClr val="5A5F5E"/>
+                      </a:solidFill>
+                      <a:miter lim="400000"/>
+                    </a:lnB>
+                  </a:tcPr>
+                </a:tc>
+              </a:tr>
+              <a:tr h="508000">
+                <a:tc>
+                  <a:txBody>
+                    <a:bodyPr/>
+                    <a:lstStyle/>
+                    <a:p>
+                      <a:pPr algn="l">
+                        <a:defRPr>
+                          <a:solidFill>
+                            <a:srgbClr val="000000"/>
+                          </a:solidFill>
+                        </a:defRPr>
+                      </a:pPr>
+                      <a:r>
+                        <a:rPr sz="2400">
+                          <a:solidFill>
+                            <a:srgbClr val="5A5F5E"/>
+                          </a:solidFill>
+                          <a:latin typeface="Monaco"/>
+                          <a:ea typeface="Monaco"/>
+                          <a:cs typeface="Monaco"/>
+                          <a:sym typeface="Monaco"/>
+                        </a:rPr>
+                        <a:t>LANGUAGE plpgsql</a:t>
+                      </a:r>
+                    </a:p>
+                  </a:txBody>
+                  <a:tcPr marL="50800" marR="50800" marT="50800" marB="50800" anchor="t" anchorCtr="0" horzOverflow="overflow">
+                    <a:lnL w="0">
+                      <a:miter lim="400000"/>
+                    </a:lnL>
+                    <a:lnR w="0">
+                      <a:miter lim="400000"/>
+                    </a:lnR>
+                    <a:lnT w="12700">
+                      <a:solidFill>
+                        <a:srgbClr val="5A5F5E"/>
+                      </a:solidFill>
+                      <a:miter lim="400000"/>
+                    </a:lnT>
+                    <a:lnB w="12700">
+                      <a:solidFill>
+                        <a:srgbClr val="5A5F5E"/>
+                      </a:solidFill>
+                      <a:miter lim="400000"/>
+                    </a:lnB>
+                  </a:tcPr>
+                </a:tc>
+                <a:tc>
+                  <a:txBody>
+                    <a:bodyPr/>
+                    <a:lstStyle/>
+                    <a:p>
+                      <a:pPr algn="l">
+                        <a:defRPr>
+                          <a:solidFill>
+                            <a:srgbClr val="000000"/>
+                          </a:solidFill>
+                        </a:defRPr>
+                      </a:pPr>
+                      <a:r>
+                        <a:rPr sz="2900">
+                          <a:solidFill>
+                            <a:srgbClr val="5A5F5E"/>
+                          </a:solidFill>
+                        </a:rPr>
+                        <a:t>En fin de fonction, il faut spécifier dans quel language la fonction est rédigé (plpgsql correspond à du Postgresql). Plusieurs langage sont disponibles comme C ou SQL.</a:t>
+                      </a:r>
+                    </a:p>
+                  </a:txBody>
+                  <a:tcPr marL="50800" marR="50800" marT="50800" marB="50800" anchor="t" anchorCtr="0" horzOverflow="overflow">
+                    <a:lnL w="0">
+                      <a:miter lim="400000"/>
+                    </a:lnL>
+                    <a:lnR w="0">
+                      <a:miter lim="400000"/>
+                    </a:lnR>
+                    <a:lnT w="12700">
+                      <a:solidFill>
+                        <a:srgbClr val="5A5F5E"/>
+                      </a:solidFill>
+                      <a:miter lim="400000"/>
+                    </a:lnT>
+                    <a:lnB w="12700">
+                      <a:solidFill>
+                        <a:srgbClr val="5A5F5E"/>
+                      </a:solidFill>
+                      <a:miter lim="400000"/>
+                    </a:lnB>
+                  </a:tcPr>
+                </a:tc>
+              </a:tr>
+            </a:tbl>
+          </a:graphicData>
+        </a:graphic>
+      </p:graphicFrame>
+    </p:spTree>
+  </p:cSld>
+  <p:clrMapOvr>
+    <a:masterClrMapping/>
+  </p:clrMapOvr>
+  <p:transition xmlns:p14="http://schemas.microsoft.com/office/powerpoint/2010/main" spd="med" advClick="1"/>
+  <p:timing>
+    <p:tnLst>
+      <p:par>
+        <p:cTn id="1" nodeType="tmRoot" restart="never" dur="indefinite" fill="hold">
+          <p:childTnLst>
+            <p:seq concurrent="1" prevAc="none" nextAc="seek">
+              <p:cTn id="2" nodeType="mainSeq" dur="indefinite" fill="hold">
+                <p:childTnLst>
+                  <p:par>
+                    <p:cTn id="3" fill="hold">
+                      <p:stCondLst>
+                        <p:cond delay="indefinite"/>
+                        <p:cond evt="onBegin">
+                          <p:tn val="2"/>
+                        </p:cond>
+                      </p:stCondLst>
+                      <p:childTnLst>
+                        <p:par>
+                          <p:cTn id="4" fill="hold">
+                            <p:stCondLst>
+                              <p:cond delay="0"/>
+                            </p:stCondLst>
+                            <p:childTnLst>
+                              <p:par>
+                                <p:cTn id="5" presetClass="entr" nodeType="afterEffect" presetID="9" grpId="1" fill="hold">
+                                  <p:stCondLst>
+                                    <p:cond delay="0"/>
+                                  </p:stCondLst>
+                                  <p:iterate type="el" backwards="0">
+                                    <p:tmAbs val="0"/>
+                                  </p:iterate>
+                                  <p:childTnLst>
+                                    <p:set>
+                                      <p:cBhvr>
+                                        <p:cTn id="6" fill="hold"/>
+                                        <p:tgtEl>
+                                          <p:spTgt spid="547"/>
+                                        </p:tgtEl>
+                                        <p:attrNameLst>
+                                          <p:attrName>style.visibility</p:attrName>
+                                        </p:attrNameLst>
+                                      </p:cBhvr>
+                                      <p:to>
+                                        <p:strVal val="visible"/>
+                                      </p:to>
+                                    </p:set>
+                                    <p:animEffect filter="dissolve" transition="in">
+                                      <p:cBhvr>
+                                        <p:cTn id="7" dur="300"/>
+                                        <p:tgtEl>
+                                          <p:spTgt spid="547"/>
+                                        </p:tgtEl>
+                                      </p:cBhvr>
+                                    </p:animEffect>
+                                  </p:childTnLst>
+                                </p:cTn>
+                              </p:par>
+                            </p:childTnLst>
+                          </p:cTn>
+                        </p:par>
+                      </p:childTnLst>
+                    </p:cTn>
+                  </p:par>
+                </p:childTnLst>
+              </p:cTn>
+              <p:prevCondLst>
+                <p:cond evt="onPrev">
+                  <p:tgtEl>
+                    <p:sldTgt/>
+                  </p:tgtEl>
+                </p:cond>
+              </p:prevCondLst>
+              <p:nextCondLst>
+                <p:cond evt="onNext">
+                  <p:tgtEl>
+                    <p:sldTgt/>
+                  </p:tgtEl>
+                </p:cond>
+              </p:nextCondLst>
+            </p:seq>
+          </p:childTnLst>
+        </p:cTn>
+      </p:par>
+    </p:tnLst>
+    <p:bldLst>
+      <p:bldP build="whole" bldLvl="1" animBg="1" rev="0" advAuto="0" spid="547" grpId="1"/>
+    </p:bldLst>
+  </p:timing>
+</p:sld>
+</file>
+
+<file path=ppt/slides/slide61.xml><?xml version="1.0" encoding="utf-8"?>
+<p:sld xmlns:a="http://schemas.openxmlformats.org/drawingml/2006/main" xmlns:r="http://schemas.openxmlformats.org/officeDocument/2006/relationships" xmlns:p="http://schemas.openxmlformats.org/presentationml/2006/main" xmlns:m="http://schemas.openxmlformats.org/officeDocument/2006/math" xmlns:a14="http://schemas.microsoft.com/office/drawing/2010/main" showMasterSp="1" showMasterPhAnim="1">
+  <p:cSld>
+    <p:spTree>
+      <p:nvGrpSpPr>
+        <p:cNvPr id="1" name=""/>
+        <p:cNvGrpSpPr/>
+        <p:nvPr/>
+      </p:nvGrpSpPr>
+      <p:grpSpPr>
+        <a:xfrm>
+          <a:off x="0" y="0"/>
+          <a:ext cx="0" cy="0"/>
+          <a:chOff x="0" y="0"/>
+          <a:chExt cx="0" cy="0"/>
+        </a:xfrm>
+      </p:grpSpPr>
+      <p:sp>
+        <p:nvSpPr>
+          <p:cNvPr id="549" name="Requêtage SQL"/>
+          <p:cNvSpPr txBox="1"/>
+          <p:nvPr/>
+        </p:nvSpPr>
+        <p:spPr>
+          <a:xfrm>
+            <a:off x="1270000" y="-12700"/>
+            <a:ext cx="10464800" cy="1282700"/>
+          </a:xfrm>
+          <a:prstGeom prst="rect">
+            <a:avLst/>
+          </a:prstGeom>
+          <a:ln w="12700">
+            <a:miter lim="400000"/>
+          </a:ln>
+          <a:extLst>
+            <a:ext uri="{C572A759-6A51-4108-AA02-DFA0A04FC94B}">
+              <ma14:wrappingTextBoxFlag xmlns:ma14="http://schemas.microsoft.com/office/mac/drawingml/2011/main" val="1"/>
+            </a:ext>
+          </a:extLst>
+        </p:spPr>
+        <p:txBody>
+          <a:bodyPr lIns="50800" tIns="50800" rIns="50800" bIns="50800" anchor="ctr">
+            <a:normAutofit fontScale="100000" lnSpcReduction="0"/>
+          </a:bodyPr>
+          <a:lstStyle>
+            <a:lvl1pPr>
+              <a:defRPr sz="2600"/>
+            </a:lvl1pPr>
+          </a:lstStyle>
+          <a:p>
+            <a:pPr/>
+            <a:r>
+              <a:t>Requêtage SQL</a:t>
+            </a:r>
+          </a:p>
+        </p:txBody>
+      </p:sp>
+      <p:sp>
+        <p:nvSpPr>
+          <p:cNvPr id="550" name="Création de la fonction"/>
+          <p:cNvSpPr txBox="1"/>
+          <p:nvPr/>
+        </p:nvSpPr>
+        <p:spPr>
+          <a:xfrm>
+            <a:off x="4370437" y="1499828"/>
+            <a:ext cx="4263926" cy="622301"/>
+          </a:xfrm>
+          <a:prstGeom prst="rect">
+            <a:avLst/>
+          </a:prstGeom>
+          <a:ln w="12700">
+            <a:miter lim="400000"/>
+          </a:ln>
+          <a:extLst>
+            <a:ext uri="{C572A759-6A51-4108-AA02-DFA0A04FC94B}">
+              <ma14:wrappingTextBoxFlag xmlns:ma14="http://schemas.microsoft.com/office/mac/drawingml/2011/main" val="1"/>
+            </a:ext>
+          </a:extLst>
+        </p:spPr>
+        <p:txBody>
+          <a:bodyPr wrap="none" lIns="50800" tIns="50800" rIns="50800" bIns="50800" anchor="ctr">
+            <a:spAutoFit/>
+          </a:bodyPr>
+          <a:lstStyle/>
+          <a:p>
+            <a:pPr/>
+            <a:r>
+              <a:t>Création de la fonction</a:t>
+            </a:r>
+          </a:p>
+        </p:txBody>
+      </p:sp>
+      <p:sp>
+        <p:nvSpPr>
+          <p:cNvPr id="551" name="CREATE OR REPLACE FUNCTION [nom_fonction]()…"/>
+          <p:cNvSpPr txBox="1"/>
+          <p:nvPr/>
+        </p:nvSpPr>
+        <p:spPr>
+          <a:xfrm>
+            <a:off x="427869" y="2698418"/>
+            <a:ext cx="12149062" cy="3361209"/>
+          </a:xfrm>
+          <a:prstGeom prst="rect">
+            <a:avLst/>
+          </a:prstGeom>
+          <a:ln w="12700">
+            <a:miter lim="400000"/>
+          </a:ln>
+          <a:extLst>
+            <a:ext uri="{C572A759-6A51-4108-AA02-DFA0A04FC94B}">
+              <ma14:wrappingTextBoxFlag xmlns:ma14="http://schemas.microsoft.com/office/mac/drawingml/2011/main" val="1"/>
+            </a:ext>
+          </a:extLst>
+        </p:spPr>
+        <p:txBody>
+          <a:bodyPr lIns="50800" tIns="50800" rIns="50800" bIns="50800">
+            <a:spAutoFit/>
+          </a:bodyPr>
+          <a:lstStyle/>
+          <a:p>
+            <a:pPr algn="l">
+              <a:defRPr sz="2800">
+                <a:solidFill>
+                  <a:srgbClr val="5A5F5E"/>
+                </a:solidFill>
+                <a:latin typeface="Monaco"/>
+                <a:ea typeface="Monaco"/>
+                <a:cs typeface="Monaco"/>
+                <a:sym typeface="Monaco"/>
+              </a:defRPr>
+            </a:pPr>
+            <a:r>
+              <a:t>CREATE OR REPLACE FUNCTION [nom_fonction]()</a:t>
+            </a:r>
+          </a:p>
+          <a:p>
+            <a:pPr algn="l">
+              <a:defRPr sz="2800">
+                <a:solidFill>
+                  <a:srgbClr val="5A5F5E"/>
+                </a:solidFill>
+                <a:latin typeface="Monaco"/>
+                <a:ea typeface="Monaco"/>
+                <a:cs typeface="Monaco"/>
+                <a:sym typeface="Monaco"/>
+              </a:defRPr>
+            </a:pPr>
+            <a:r>
+              <a:t>RETURNS [type_sortie] AS [variable]</a:t>
+            </a:r>
+          </a:p>
+          <a:p>
+            <a:pPr algn="l">
+              <a:defRPr sz="2800">
+                <a:solidFill>
+                  <a:srgbClr val="5A5F5E"/>
+                </a:solidFill>
+                <a:latin typeface="Monaco"/>
+                <a:ea typeface="Monaco"/>
+                <a:cs typeface="Monaco"/>
+                <a:sym typeface="Monaco"/>
+              </a:defRPr>
+            </a:pPr>
+            <a:r>
+              <a:t>BEGIN</a:t>
+            </a:r>
+          </a:p>
+          <a:p>
+            <a:pPr algn="l">
+              <a:defRPr sz="2800">
+                <a:solidFill>
+                  <a:srgbClr val="5A5F5E"/>
+                </a:solidFill>
+                <a:latin typeface="Monaco"/>
+                <a:ea typeface="Monaco"/>
+                <a:cs typeface="Monaco"/>
+                <a:sym typeface="Monaco"/>
+              </a:defRPr>
+            </a:pPr>
+            <a:r>
+              <a:t>    [instructions]</a:t>
+            </a:r>
+          </a:p>
+          <a:p>
+            <a:pPr algn="l">
+              <a:defRPr sz="2800">
+                <a:solidFill>
+                  <a:srgbClr val="5A5F5E"/>
+                </a:solidFill>
+                <a:latin typeface="Monaco"/>
+                <a:ea typeface="Monaco"/>
+                <a:cs typeface="Monaco"/>
+                <a:sym typeface="Monaco"/>
+              </a:defRPr>
+            </a:pPr>
+            <a:r>
+              <a:t>    RETURN [donnée];</a:t>
+            </a:r>
+          </a:p>
+          <a:p>
+            <a:pPr algn="l">
+              <a:defRPr sz="2800">
+                <a:solidFill>
+                  <a:srgbClr val="5A5F5E"/>
+                </a:solidFill>
+                <a:latin typeface="Monaco"/>
+                <a:ea typeface="Monaco"/>
+                <a:cs typeface="Monaco"/>
+                <a:sym typeface="Monaco"/>
+              </a:defRPr>
+            </a:pPr>
+            <a:r>
+              <a:t>END;</a:t>
+            </a:r>
+          </a:p>
+          <a:p>
+            <a:pPr algn="l">
+              <a:defRPr sz="2800">
+                <a:solidFill>
+                  <a:srgbClr val="5A5F5E"/>
+                </a:solidFill>
+                <a:latin typeface="Monaco"/>
+                <a:ea typeface="Monaco"/>
+                <a:cs typeface="Monaco"/>
+                <a:sym typeface="Monaco"/>
+              </a:defRPr>
+            </a:pPr>
+            <a:r>
+              <a:t>[variable] LANGUAGE [language];</a:t>
+            </a:r>
+          </a:p>
+        </p:txBody>
+      </p:sp>
+      <p:sp>
+        <p:nvSpPr>
+          <p:cNvPr id="552" name="CREATE OR REPLACE FUNCTION save_visits()…"/>
+          <p:cNvSpPr txBox="1"/>
+          <p:nvPr/>
+        </p:nvSpPr>
+        <p:spPr>
+          <a:xfrm>
+            <a:off x="427869" y="2698418"/>
+            <a:ext cx="12149062" cy="3831109"/>
+          </a:xfrm>
+          <a:prstGeom prst="rect">
+            <a:avLst/>
+          </a:prstGeom>
+          <a:ln w="12700">
+            <a:miter lim="400000"/>
+          </a:ln>
+          <a:extLst>
+            <a:ext uri="{C572A759-6A51-4108-AA02-DFA0A04FC94B}">
+              <ma14:wrappingTextBoxFlag xmlns:ma14="http://schemas.microsoft.com/office/mac/drawingml/2011/main" val="1"/>
+            </a:ext>
+          </a:extLst>
+        </p:spPr>
+        <p:txBody>
+          <a:bodyPr lIns="50800" tIns="50800" rIns="50800" bIns="50800">
+            <a:spAutoFit/>
+          </a:bodyPr>
+          <a:lstStyle/>
+          <a:p>
+            <a:pPr algn="l">
+              <a:defRPr sz="2800">
+                <a:solidFill>
+                  <a:srgbClr val="5A5F5E"/>
+                </a:solidFill>
+                <a:latin typeface="Monaco"/>
+                <a:ea typeface="Monaco"/>
+                <a:cs typeface="Monaco"/>
+                <a:sym typeface="Monaco"/>
+              </a:defRPr>
+            </a:pPr>
+            <a:r>
+              <a:t>CREATE OR REPLACE FUNCTION save_visits()</a:t>
+            </a:r>
+          </a:p>
+          <a:p>
+            <a:pPr algn="l">
+              <a:defRPr sz="2800">
+                <a:solidFill>
+                  <a:srgbClr val="5A5F5E"/>
+                </a:solidFill>
+                <a:latin typeface="Monaco"/>
+                <a:ea typeface="Monaco"/>
+                <a:cs typeface="Monaco"/>
+                <a:sym typeface="Monaco"/>
+              </a:defRPr>
+            </a:pPr>
+            <a:r>
+              <a:t>RETURNS TRIGGER AS $save_visits$</a:t>
+            </a:r>
+          </a:p>
+          <a:p>
+            <a:pPr algn="l">
+              <a:defRPr sz="2800">
+                <a:solidFill>
+                  <a:srgbClr val="5A5F5E"/>
+                </a:solidFill>
+                <a:latin typeface="Monaco"/>
+                <a:ea typeface="Monaco"/>
+                <a:cs typeface="Monaco"/>
+                <a:sym typeface="Monaco"/>
+              </a:defRPr>
+            </a:pPr>
+            <a:r>
+              <a:t>BEGIN</a:t>
+            </a:r>
+          </a:p>
+          <a:p>
+            <a:pPr algn="l">
+              <a:defRPr sz="2800">
+                <a:solidFill>
+                  <a:srgbClr val="5A5F5E"/>
+                </a:solidFill>
+                <a:latin typeface="Monaco"/>
+                <a:ea typeface="Monaco"/>
+                <a:cs typeface="Monaco"/>
+                <a:sym typeface="Monaco"/>
+              </a:defRPr>
+            </a:pPr>
+            <a:r>
+              <a:t>    INSERT INTO logs_connexion(id_user, visit_date)</a:t>
+            </a:r>
+          </a:p>
+          <a:p>
+            <a:pPr algn="l">
+              <a:defRPr sz="2800">
+                <a:solidFill>
+                  <a:srgbClr val="5A5F5E"/>
+                </a:solidFill>
+                <a:latin typeface="Monaco"/>
+                <a:ea typeface="Monaco"/>
+                <a:cs typeface="Monaco"/>
+                <a:sym typeface="Monaco"/>
+              </a:defRPr>
+            </a:pPr>
+            <a:r>
+              <a:t>    VALUES(NEW.id, current_date);</a:t>
+            </a:r>
+          </a:p>
+          <a:p>
+            <a:pPr algn="l">
+              <a:defRPr sz="2800">
+                <a:solidFill>
+                  <a:srgbClr val="5A5F5E"/>
+                </a:solidFill>
+                <a:latin typeface="Monaco"/>
+                <a:ea typeface="Monaco"/>
+                <a:cs typeface="Monaco"/>
+                <a:sym typeface="Monaco"/>
+              </a:defRPr>
+            </a:pPr>
+            <a:r>
+              <a:t>    RETURN NEW;</a:t>
+            </a:r>
+          </a:p>
+          <a:p>
+            <a:pPr algn="l">
+              <a:defRPr sz="2800">
+                <a:solidFill>
+                  <a:srgbClr val="5A5F5E"/>
+                </a:solidFill>
+                <a:latin typeface="Monaco"/>
+                <a:ea typeface="Monaco"/>
+                <a:cs typeface="Monaco"/>
+                <a:sym typeface="Monaco"/>
+              </a:defRPr>
+            </a:pPr>
+            <a:r>
+              <a:t>END;</a:t>
+            </a:r>
+          </a:p>
+          <a:p>
+            <a:pPr algn="l">
+              <a:defRPr sz="2800">
+                <a:solidFill>
+                  <a:srgbClr val="5A5F5E"/>
+                </a:solidFill>
+                <a:latin typeface="Monaco"/>
+                <a:ea typeface="Monaco"/>
+                <a:cs typeface="Monaco"/>
+                <a:sym typeface="Monaco"/>
+              </a:defRPr>
+            </a:pPr>
+            <a:r>
+              <a:t>$save_visits$ LANGUAGE plpgsql;</a:t>
+            </a:r>
+          </a:p>
+        </p:txBody>
+      </p:sp>
+    </p:spTree>
+  </p:cSld>
+  <p:clrMapOvr>
+    <a:masterClrMapping/>
+  </p:clrMapOvr>
+  <p:transition xmlns:p14="http://schemas.microsoft.com/office/powerpoint/2010/main" spd="med" advClick="1"/>
+  <p:timing>
+    <p:tnLst>
+      <p:par>
+        <p:cTn id="1" nodeType="tmRoot" restart="never" dur="indefinite" fill="hold">
+          <p:childTnLst>
+            <p:seq concurrent="1" prevAc="none" nextAc="seek">
+              <p:cTn id="2" nodeType="mainSeq" dur="indefinite" fill="hold">
+                <p:childTnLst>
+                  <p:par>
+                    <p:cTn id="3" fill="hold">
+                      <p:stCondLst>
+                        <p:cond delay="indefinite"/>
+                      </p:stCondLst>
+                      <p:childTnLst>
+                        <p:par>
+                          <p:cTn id="4" fill="hold">
+                            <p:stCondLst>
+                              <p:cond delay="0"/>
+                            </p:stCondLst>
+                            <p:childTnLst>
+                              <p:par>
+                                <p:cTn id="5" presetClass="emph" nodeType="clickEffect" presetID="9" grpId="1" fill="hold">
+                                  <p:stCondLst>
+                                    <p:cond delay="0"/>
+                                  </p:stCondLst>
+                                  <p:childTnLst>
+                                    <p:set>
+                                      <p:cBhvr>
+                                        <p:cTn id="6" dur="indefinite" fill="hold"/>
+                                        <p:tgtEl>
+                                          <p:spTgt spid="551"/>
+                                        </p:tgtEl>
+                                        <p:attrNameLst>
+                                          <p:attrName>style.opacity</p:attrName>
+                                        </p:attrNameLst>
+                                      </p:cBhvr>
+                                      <p:to>
+                                        <p:strVal val="0.00"/>
+                                      </p:to>
+                                    </p:set>
+                                    <p:animEffect filter="image" prLst="opacity: 0.00; ">
+                                      <p:cBhvr>
+                                        <p:cTn id="7" dur="indefinite" fill="hold"/>
+                                        <p:tgtEl>
+                                          <p:spTgt spid="551"/>
+                                        </p:tgtEl>
+                                      </p:cBhvr>
+                                    </p:animEffect>
+                                  </p:childTnLst>
+                                </p:cTn>
+                              </p:par>
+                            </p:childTnLst>
+                          </p:cTn>
+                        </p:par>
+                        <p:par>
+                          <p:cTn id="8" fill="hold">
+                            <p:stCondLst>
+                              <p:cond delay="300"/>
+                            </p:stCondLst>
+                            <p:childTnLst>
+                              <p:par>
+                                <p:cTn id="9" presetClass="entr" nodeType="afterEffect" presetID="9" grpId="2" fill="hold">
+                                  <p:stCondLst>
+                                    <p:cond delay="0"/>
+                                  </p:stCondLst>
+                                  <p:iterate type="el" backwards="0">
+                                    <p:tmAbs val="0"/>
+                                  </p:iterate>
+                                  <p:childTnLst>
+                                    <p:set>
+                                      <p:cBhvr>
+                                        <p:cTn id="10" fill="hold"/>
+                                        <p:tgtEl>
+                                          <p:spTgt spid="552"/>
+                                        </p:tgtEl>
+                                        <p:attrNameLst>
+                                          <p:attrName>style.visibility</p:attrName>
+                                        </p:attrNameLst>
+                                      </p:cBhvr>
+                                      <p:to>
+                                        <p:strVal val="visible"/>
+                                      </p:to>
+                                    </p:set>
+                                    <p:animEffect filter="dissolve" transition="in">
+                                      <p:cBhvr>
+                                        <p:cTn id="11" dur="300"/>
+                                        <p:tgtEl>
+                                          <p:spTgt spid="552"/>
+                                        </p:tgtEl>
+                                      </p:cBhvr>
+                                    </p:animEffect>
+                                  </p:childTnLst>
+                                </p:cTn>
+                              </p:par>
+                            </p:childTnLst>
+                          </p:cTn>
+                        </p:par>
+                      </p:childTnLst>
+                    </p:cTn>
+                  </p:par>
+                </p:childTnLst>
+              </p:cTn>
+              <p:prevCondLst>
+                <p:cond evt="onPrev">
+                  <p:tgtEl>
+                    <p:sldTgt/>
+                  </p:tgtEl>
+                </p:cond>
+              </p:prevCondLst>
+              <p:nextCondLst>
+                <p:cond evt="onNext">
+                  <p:tgtEl>
+                    <p:sldTgt/>
+                  </p:tgtEl>
+                </p:cond>
+              </p:nextCondLst>
+            </p:seq>
+          </p:childTnLst>
+        </p:cTn>
+      </p:par>
+    </p:tnLst>
+    <p:bldLst>
+      <p:bldP build="whole" bldLvl="1" animBg="1" rev="0" advAuto="0" spid="552" grpId="2"/>
+      <p:bldP build="whole" bldLvl="1" animBg="1" rev="0" advAuto="0" spid="551" grpId="1"/>
+    </p:bldLst>
+  </p:timing>
+</p:sld>
+</file>
+
+<file path=ppt/slides/slide62.xml><?xml version="1.0" encoding="utf-8"?>
+<p:sld xmlns:a="http://schemas.openxmlformats.org/drawingml/2006/main" xmlns:r="http://schemas.openxmlformats.org/officeDocument/2006/relationships" xmlns:p="http://schemas.openxmlformats.org/presentationml/2006/main" xmlns:m="http://schemas.openxmlformats.org/officeDocument/2006/math" xmlns:a14="http://schemas.microsoft.com/office/drawing/2010/main" showMasterSp="1" showMasterPhAnim="1">
+  <p:cSld>
+    <p:spTree>
+      <p:nvGrpSpPr>
+        <p:cNvPr id="1" name=""/>
+        <p:cNvGrpSpPr/>
+        <p:nvPr/>
+      </p:nvGrpSpPr>
+      <p:grpSpPr>
+        <a:xfrm>
+          <a:off x="0" y="0"/>
+          <a:ext cx="0" cy="0"/>
+          <a:chOff x="0" y="0"/>
+          <a:chExt cx="0" cy="0"/>
+        </a:xfrm>
+      </p:grpSpPr>
+      <p:sp>
+        <p:nvSpPr>
+          <p:cNvPr id="554" name="Requêtage SQL"/>
+          <p:cNvSpPr txBox="1"/>
+          <p:nvPr/>
+        </p:nvSpPr>
+        <p:spPr>
+          <a:xfrm>
+            <a:off x="1270000" y="-12700"/>
+            <a:ext cx="10464800" cy="1282700"/>
+          </a:xfrm>
+          <a:prstGeom prst="rect">
+            <a:avLst/>
+          </a:prstGeom>
+          <a:ln w="12700">
+            <a:miter lim="400000"/>
+          </a:ln>
+          <a:extLst>
+            <a:ext uri="{C572A759-6A51-4108-AA02-DFA0A04FC94B}">
+              <ma14:wrappingTextBoxFlag xmlns:ma14="http://schemas.microsoft.com/office/mac/drawingml/2011/main" val="1"/>
+            </a:ext>
+          </a:extLst>
+        </p:spPr>
+        <p:txBody>
+          <a:bodyPr lIns="50800" tIns="50800" rIns="50800" bIns="50800" anchor="ctr">
+            <a:normAutofit fontScale="100000" lnSpcReduction="0"/>
+          </a:bodyPr>
+          <a:lstStyle>
+            <a:lvl1pPr>
+              <a:defRPr sz="2600"/>
+            </a:lvl1pPr>
+          </a:lstStyle>
+          <a:p>
+            <a:pPr/>
+            <a:r>
+              <a:t>Requêtage SQL</a:t>
+            </a:r>
+          </a:p>
+        </p:txBody>
+      </p:sp>
+      <p:sp>
+        <p:nvSpPr>
+          <p:cNvPr id="555" name="Les instructions du trigger"/>
+          <p:cNvSpPr txBox="1"/>
+          <p:nvPr/>
+        </p:nvSpPr>
+        <p:spPr>
+          <a:xfrm>
+            <a:off x="4127437" y="1468408"/>
+            <a:ext cx="4749925" cy="622301"/>
+          </a:xfrm>
+          <a:prstGeom prst="rect">
+            <a:avLst/>
+          </a:prstGeom>
+          <a:ln w="12700">
+            <a:miter lim="400000"/>
+          </a:ln>
+          <a:extLst>
+            <a:ext uri="{C572A759-6A51-4108-AA02-DFA0A04FC94B}">
+              <ma14:wrappingTextBoxFlag xmlns:ma14="http://schemas.microsoft.com/office/mac/drawingml/2011/main" val="1"/>
+            </a:ext>
+          </a:extLst>
+        </p:spPr>
+        <p:txBody>
+          <a:bodyPr wrap="none" lIns="50800" tIns="50800" rIns="50800" bIns="50800" anchor="ctr">
+            <a:spAutoFit/>
+          </a:bodyPr>
+          <a:lstStyle/>
+          <a:p>
+            <a:pPr/>
+            <a:r>
+              <a:t>Les instructions du trigger</a:t>
+            </a:r>
+          </a:p>
+        </p:txBody>
+      </p:sp>
+      <p:graphicFrame>
+        <p:nvGraphicFramePr>
+          <p:cNvPr id="556" name="Tableau"/>
+          <p:cNvGraphicFramePr/>
+          <p:nvPr/>
+        </p:nvGraphicFramePr>
+        <p:xfrm>
+          <a:off x="588638" y="2317734"/>
+          <a:ext cx="11468101" cy="8216901"/>
+        </p:xfrm>
+        <a:graphic xmlns:a="http://schemas.openxmlformats.org/drawingml/2006/main">
+          <a:graphicData uri="http://schemas.openxmlformats.org/drawingml/2006/table">
+            <a:tbl>
+              <a:tblPr firstCol="0" firstRow="0" lastCol="0" lastRow="0" bandCol="0" bandRow="0" rtl="0">
+                <a:tableStyleId>{4C3C2611-4C71-4FC5-86AE-919BDF0F9419}</a:tableStyleId>
+              </a:tblPr>
+              <a:tblGrid>
+                <a:gridCol w="4739057"/>
+                <a:gridCol w="7088465"/>
+              </a:tblGrid>
+              <a:tr h="508000">
+                <a:tc>
+                  <a:txBody>
+                    <a:bodyPr/>
+                    <a:lstStyle/>
+                    <a:p>
+                      <a:pPr algn="l">
+                        <a:defRPr>
+                          <a:solidFill>
+                            <a:srgbClr val="000000"/>
+                          </a:solidFill>
+                        </a:defRPr>
+                      </a:pPr>
+                      <a:r>
+                        <a:rPr sz="2600">
+                          <a:solidFill>
+                            <a:srgbClr val="5A5F5E"/>
+                          </a:solidFill>
+                          <a:latin typeface="Monaco"/>
+                          <a:ea typeface="Monaco"/>
+                          <a:cs typeface="Monaco"/>
+                          <a:sym typeface="Monaco"/>
+                        </a:rPr>
+                        <a:t>OF</a:t>
+                      </a:r>
+                    </a:p>
+                  </a:txBody>
+                  <a:tcPr marL="50800" marR="50800" marT="50800" marB="50800" anchor="t" anchorCtr="0" horzOverflow="overflow">
+                    <a:lnL w="0">
+                      <a:miter lim="400000"/>
+                    </a:lnL>
+                    <a:lnR w="0">
+                      <a:miter lim="400000"/>
+                    </a:lnR>
+                    <a:lnT w="12700">
+                      <a:solidFill>
+                        <a:srgbClr val="5A5F5E"/>
+                      </a:solidFill>
+                      <a:miter lim="400000"/>
+                    </a:lnT>
+                    <a:lnB w="12700">
+                      <a:solidFill>
+                        <a:srgbClr val="5A5F5E"/>
+                      </a:solidFill>
+                      <a:miter lim="400000"/>
+                    </a:lnB>
+                  </a:tcPr>
+                </a:tc>
+                <a:tc>
+                  <a:txBody>
+                    <a:bodyPr/>
+                    <a:lstStyle/>
+                    <a:p>
+                      <a:pPr algn="l">
+                        <a:defRPr>
+                          <a:solidFill>
+                            <a:srgbClr val="000000"/>
+                          </a:solidFill>
+                        </a:defRPr>
+                      </a:pPr>
+                      <a:r>
+                        <a:rPr sz="3000">
+                          <a:solidFill>
+                            <a:srgbClr val="5A5F5E"/>
+                          </a:solidFill>
+                        </a:rPr>
+                        <a:t>Permet de spécifier sur quelle colonne le trigger doit écouter l’évènement. +Cet argument est faculatatif.</a:t>
+                      </a:r>
+                    </a:p>
+                  </a:txBody>
+                  <a:tcPr marL="50800" marR="50800" marT="50800" marB="50800" anchor="t" anchorCtr="0" horzOverflow="overflow">
+                    <a:lnL w="0">
+                      <a:miter lim="400000"/>
+                    </a:lnL>
+                    <a:lnR w="0">
+                      <a:miter lim="400000"/>
+                    </a:lnR>
+                    <a:lnT w="12700">
+                      <a:solidFill>
+                        <a:srgbClr val="5A5F5E"/>
+                      </a:solidFill>
+                      <a:miter lim="400000"/>
+                    </a:lnT>
+                    <a:lnB w="12700">
+                      <a:solidFill>
+                        <a:srgbClr val="5A5F5E"/>
+                      </a:solidFill>
+                      <a:miter lim="400000"/>
+                    </a:lnB>
+                  </a:tcPr>
+                </a:tc>
+              </a:tr>
+              <a:tr h="508000">
+                <a:tc>
+                  <a:txBody>
+                    <a:bodyPr/>
+                    <a:lstStyle/>
+                    <a:p>
+                      <a:pPr algn="l">
+                        <a:defRPr>
+                          <a:solidFill>
+                            <a:srgbClr val="000000"/>
+                          </a:solidFill>
+                        </a:defRPr>
+                      </a:pPr>
+                      <a:r>
+                        <a:rPr sz="2600">
+                          <a:solidFill>
+                            <a:srgbClr val="5A5F5E"/>
+                          </a:solidFill>
+                          <a:latin typeface="Monaco"/>
+                          <a:ea typeface="Monaco"/>
+                          <a:cs typeface="Monaco"/>
+                          <a:sym typeface="Monaco"/>
+                        </a:rPr>
+                        <a:t>ON</a:t>
+                      </a:r>
+                    </a:p>
+                  </a:txBody>
+                  <a:tcPr marL="50800" marR="50800" marT="50800" marB="50800" anchor="t" anchorCtr="0" horzOverflow="overflow">
+                    <a:lnL w="0">
+                      <a:miter lim="400000"/>
+                    </a:lnL>
+                    <a:lnR w="0">
+                      <a:miter lim="400000"/>
+                    </a:lnR>
+                    <a:lnT w="12700">
+                      <a:solidFill>
+                        <a:srgbClr val="5A5F5E"/>
+                      </a:solidFill>
+                      <a:miter lim="400000"/>
+                    </a:lnT>
+                    <a:lnB w="12700">
+                      <a:solidFill>
+                        <a:srgbClr val="5A5F5E"/>
+                      </a:solidFill>
+                      <a:miter lim="400000"/>
+                    </a:lnB>
+                  </a:tcPr>
+                </a:tc>
+                <a:tc>
+                  <a:txBody>
+                    <a:bodyPr/>
+                    <a:lstStyle/>
+                    <a:p>
+                      <a:pPr algn="l">
+                        <a:defRPr>
+                          <a:solidFill>
+                            <a:srgbClr val="000000"/>
+                          </a:solidFill>
+                        </a:defRPr>
+                      </a:pPr>
+                      <a:r>
+                        <a:rPr sz="3000">
+                          <a:solidFill>
+                            <a:srgbClr val="5A5F5E"/>
+                          </a:solidFill>
+                        </a:rPr>
+                        <a:t>Spécifie la table sur laquelle le trigger écoutera l’évènement.</a:t>
+                      </a:r>
+                    </a:p>
+                  </a:txBody>
+                  <a:tcPr marL="50800" marR="50800" marT="50800" marB="50800" anchor="t" anchorCtr="0" horzOverflow="overflow">
+                    <a:lnL w="0">
+                      <a:miter lim="400000"/>
+                    </a:lnL>
+                    <a:lnR w="0">
+                      <a:miter lim="400000"/>
+                    </a:lnR>
+                    <a:lnT w="12700">
+                      <a:solidFill>
+                        <a:srgbClr val="5A5F5E"/>
+                      </a:solidFill>
+                      <a:miter lim="400000"/>
+                    </a:lnT>
+                    <a:lnB w="12700">
+                      <a:solidFill>
+                        <a:srgbClr val="5A5F5E"/>
+                      </a:solidFill>
+                      <a:miter lim="400000"/>
+                    </a:lnB>
+                  </a:tcPr>
+                </a:tc>
+              </a:tr>
+              <a:tr h="508000">
+                <a:tc>
+                  <a:txBody>
+                    <a:bodyPr/>
+                    <a:lstStyle/>
+                    <a:p>
+                      <a:pPr algn="l">
+                        <a:defRPr>
+                          <a:solidFill>
+                            <a:srgbClr val="000000"/>
+                          </a:solidFill>
+                        </a:defRPr>
+                      </a:pPr>
+                      <a:r>
+                        <a:rPr sz="2600">
+                          <a:solidFill>
+                            <a:srgbClr val="5A5F5E"/>
+                          </a:solidFill>
+                          <a:latin typeface="Monaco"/>
+                          <a:ea typeface="Monaco"/>
+                          <a:cs typeface="Monaco"/>
+                          <a:sym typeface="Monaco"/>
+                        </a:rPr>
+                        <a:t>FOR EACH ROW</a:t>
+                      </a:r>
+                    </a:p>
+                  </a:txBody>
+                  <a:tcPr marL="50800" marR="50800" marT="50800" marB="50800" anchor="t" anchorCtr="0" horzOverflow="overflow">
+                    <a:lnL w="0">
+                      <a:miter lim="400000"/>
+                    </a:lnL>
+                    <a:lnR w="0">
+                      <a:miter lim="400000"/>
+                    </a:lnR>
+                    <a:lnT w="12700">
+                      <a:solidFill>
+                        <a:srgbClr val="5A5F5E"/>
+                      </a:solidFill>
+                      <a:miter lim="400000"/>
+                    </a:lnT>
+                    <a:lnB w="12700">
+                      <a:solidFill>
+                        <a:srgbClr val="5A5F5E"/>
+                      </a:solidFill>
+                      <a:miter lim="400000"/>
+                    </a:lnB>
+                  </a:tcPr>
+                </a:tc>
+                <a:tc>
+                  <a:txBody>
+                    <a:bodyPr/>
+                    <a:lstStyle/>
+                    <a:p>
+                      <a:pPr algn="l">
+                        <a:defRPr>
+                          <a:solidFill>
+                            <a:srgbClr val="000000"/>
+                          </a:solidFill>
+                        </a:defRPr>
+                      </a:pPr>
+                      <a:r>
+                        <a:rPr sz="3000">
+                          <a:solidFill>
+                            <a:srgbClr val="5A5F5E"/>
+                          </a:solidFill>
+                        </a:rPr>
+                        <a:t>Le trigger sera exécuté pour chaque ligne impactée par l’action (insert, update, delete)</a:t>
+                      </a:r>
+                    </a:p>
+                  </a:txBody>
+                  <a:tcPr marL="50800" marR="50800" marT="50800" marB="50800" anchor="t" anchorCtr="0" horzOverflow="overflow">
+                    <a:lnL w="0">
+                      <a:miter lim="400000"/>
+                    </a:lnL>
+                    <a:lnR w="0">
+                      <a:miter lim="400000"/>
+                    </a:lnR>
+                    <a:lnT w="12700">
+                      <a:solidFill>
+                        <a:srgbClr val="5A5F5E"/>
+                      </a:solidFill>
+                      <a:miter lim="400000"/>
+                    </a:lnT>
+                    <a:lnB w="12700">
+                      <a:solidFill>
+                        <a:srgbClr val="5A5F5E"/>
+                      </a:solidFill>
+                      <a:miter lim="400000"/>
+                    </a:lnB>
+                  </a:tcPr>
+                </a:tc>
+              </a:tr>
+              <a:tr h="508000">
+                <a:tc>
+                  <a:txBody>
+                    <a:bodyPr/>
+                    <a:lstStyle/>
+                    <a:p>
+                      <a:pPr algn="l">
+                        <a:defRPr>
+                          <a:solidFill>
+                            <a:srgbClr val="000000"/>
+                          </a:solidFill>
+                        </a:defRPr>
+                      </a:pPr>
+                      <a:r>
+                        <a:rPr sz="2600">
+                          <a:solidFill>
+                            <a:srgbClr val="5A5F5E"/>
+                          </a:solidFill>
+                          <a:latin typeface="Monaco"/>
+                          <a:ea typeface="Monaco"/>
+                          <a:cs typeface="Monaco"/>
+                          <a:sym typeface="Monaco"/>
+                        </a:rPr>
+                        <a:t>FOR EACH STATEMENT</a:t>
+                      </a:r>
+                    </a:p>
+                  </a:txBody>
+                  <a:tcPr marL="50800" marR="50800" marT="50800" marB="50800" anchor="t" anchorCtr="0" horzOverflow="overflow">
+                    <a:lnL w="0">
+                      <a:miter lim="400000"/>
+                    </a:lnL>
+                    <a:lnR w="0">
+                      <a:miter lim="400000"/>
+                    </a:lnR>
+                    <a:lnT w="12700">
+                      <a:solidFill>
+                        <a:srgbClr val="5A5F5E"/>
+                      </a:solidFill>
+                      <a:miter lim="400000"/>
+                    </a:lnT>
+                    <a:lnB w="12700">
+                      <a:solidFill>
+                        <a:srgbClr val="5A5F5E"/>
+                      </a:solidFill>
+                      <a:miter lim="400000"/>
+                    </a:lnB>
+                  </a:tcPr>
+                </a:tc>
+                <a:tc>
+                  <a:txBody>
+                    <a:bodyPr/>
+                    <a:lstStyle/>
+                    <a:p>
+                      <a:pPr algn="l">
+                        <a:defRPr>
+                          <a:solidFill>
+                            <a:srgbClr val="000000"/>
+                          </a:solidFill>
+                        </a:defRPr>
+                      </a:pPr>
+                      <a:r>
+                        <a:rPr sz="3000">
+                          <a:solidFill>
+                            <a:srgbClr val="5A5F5E"/>
+                          </a:solidFill>
+                        </a:rPr>
+                        <a:t>S’exécute une seule fois par opération, même si cette opération impacte plusieurs lignes.</a:t>
+                      </a:r>
+                    </a:p>
+                  </a:txBody>
+                  <a:tcPr marL="50800" marR="50800" marT="50800" marB="50800" anchor="t" anchorCtr="0" horzOverflow="overflow">
+                    <a:lnL w="0">
+                      <a:miter lim="400000"/>
+                    </a:lnL>
+                    <a:lnR w="0">
+                      <a:miter lim="400000"/>
+                    </a:lnR>
+                    <a:lnT w="12700">
+                      <a:solidFill>
+                        <a:srgbClr val="5A5F5E"/>
+                      </a:solidFill>
+                      <a:miter lim="400000"/>
+                    </a:lnT>
+                    <a:lnB w="12700">
+                      <a:solidFill>
+                        <a:srgbClr val="5A5F5E"/>
+                      </a:solidFill>
+                      <a:miter lim="400000"/>
+                    </a:lnB>
+                  </a:tcPr>
+                </a:tc>
+              </a:tr>
+              <a:tr h="508000">
+                <a:tc>
+                  <a:txBody>
+                    <a:bodyPr/>
+                    <a:lstStyle/>
+                    <a:p>
+                      <a:pPr algn="l">
+                        <a:defRPr>
+                          <a:solidFill>
+                            <a:srgbClr val="000000"/>
+                          </a:solidFill>
+                        </a:defRPr>
+                      </a:pPr>
+                      <a:r>
+                        <a:rPr sz="2600">
+                          <a:solidFill>
+                            <a:srgbClr val="5A5F5E"/>
+                          </a:solidFill>
+                          <a:latin typeface="Monaco"/>
+                          <a:ea typeface="Monaco"/>
+                          <a:cs typeface="Monaco"/>
+                          <a:sym typeface="Monaco"/>
+                        </a:rPr>
+                        <a:t>NEW</a:t>
+                      </a:r>
+                    </a:p>
+                  </a:txBody>
+                  <a:tcPr marL="50800" marR="50800" marT="50800" marB="50800" anchor="t" anchorCtr="0" horzOverflow="overflow">
+                    <a:lnL w="0">
+                      <a:miter lim="400000"/>
+                    </a:lnL>
+                    <a:lnR w="0">
+                      <a:miter lim="400000"/>
+                    </a:lnR>
+                    <a:lnT w="12700">
+                      <a:solidFill>
+                        <a:srgbClr val="5A5F5E"/>
+                      </a:solidFill>
+                      <a:miter lim="400000"/>
+                    </a:lnT>
+                    <a:lnB w="12700">
+                      <a:solidFill>
+                        <a:srgbClr val="5A5F5E"/>
+                      </a:solidFill>
+                      <a:miter lim="400000"/>
+                    </a:lnB>
+                  </a:tcPr>
+                </a:tc>
+                <a:tc>
+                  <a:txBody>
+                    <a:bodyPr/>
+                    <a:lstStyle/>
+                    <a:p>
+                      <a:pPr algn="l">
+                        <a:defRPr>
+                          <a:solidFill>
+                            <a:srgbClr val="000000"/>
+                          </a:solidFill>
+                        </a:defRPr>
+                      </a:pPr>
+                      <a:r>
+                        <a:rPr sz="3000">
+                          <a:solidFill>
+                            <a:srgbClr val="5A5F5E"/>
+                          </a:solidFill>
+                        </a:rPr>
+                        <a:t>Possède la ligne venant d’être ajoutée, modifiée ou supprimée</a:t>
+                      </a:r>
+                    </a:p>
+                  </a:txBody>
+                  <a:tcPr marL="50800" marR="50800" marT="50800" marB="50800" anchor="t" anchorCtr="0" horzOverflow="overflow">
+                    <a:lnL w="0">
+                      <a:miter lim="400000"/>
+                    </a:lnL>
+                    <a:lnR w="0">
+                      <a:miter lim="400000"/>
+                    </a:lnR>
+                    <a:lnT w="12700">
+                      <a:solidFill>
+                        <a:srgbClr val="5A5F5E"/>
+                      </a:solidFill>
+                      <a:miter lim="400000"/>
+                    </a:lnT>
+                    <a:lnB w="12700">
+                      <a:solidFill>
+                        <a:srgbClr val="5A5F5E"/>
+                      </a:solidFill>
+                      <a:miter lim="400000"/>
+                    </a:lnB>
+                  </a:tcPr>
+                </a:tc>
+              </a:tr>
+              <a:tr h="508000">
+                <a:tc>
+                  <a:txBody>
+                    <a:bodyPr/>
+                    <a:lstStyle/>
+                    <a:p>
+                      <a:pPr algn="l">
+                        <a:defRPr>
+                          <a:solidFill>
+                            <a:srgbClr val="000000"/>
+                          </a:solidFill>
+                        </a:defRPr>
+                      </a:pPr>
+                      <a:r>
+                        <a:rPr sz="2800">
+                          <a:solidFill>
+                            <a:srgbClr val="5A5F5E"/>
+                          </a:solidFill>
+                          <a:latin typeface="Monaco"/>
+                          <a:ea typeface="Monaco"/>
+                          <a:cs typeface="Monaco"/>
+                          <a:sym typeface="Monaco"/>
+                        </a:rPr>
+                        <a:t>EXECUTE PROCEDURE</a:t>
+                      </a:r>
+                    </a:p>
+                  </a:txBody>
+                  <a:tcPr marL="50800" marR="50800" marT="50800" marB="50800" anchor="t" anchorCtr="0" horzOverflow="overflow">
+                    <a:lnL w="0">
+                      <a:miter lim="400000"/>
+                    </a:lnL>
+                    <a:lnR w="0">
+                      <a:miter lim="400000"/>
+                    </a:lnR>
+                    <a:lnT w="12700">
+                      <a:solidFill>
+                        <a:srgbClr val="5A5F5E"/>
+                      </a:solidFill>
+                      <a:miter lim="400000"/>
+                    </a:lnT>
+                    <a:lnB w="12700">
+                      <a:solidFill>
+                        <a:srgbClr val="5A5F5E"/>
+                      </a:solidFill>
+                      <a:miter lim="400000"/>
+                    </a:lnB>
+                  </a:tcPr>
+                </a:tc>
+                <a:tc>
+                  <a:txBody>
+                    <a:bodyPr/>
+                    <a:lstStyle/>
+                    <a:p>
+                      <a:pPr algn="l">
+                        <a:defRPr>
+                          <a:solidFill>
+                            <a:srgbClr val="000000"/>
+                          </a:solidFill>
+                        </a:defRPr>
+                      </a:pPr>
+                      <a:r>
+                        <a:rPr sz="3000">
+                          <a:solidFill>
+                            <a:srgbClr val="5A5F5E"/>
+                          </a:solidFill>
+                        </a:rPr>
+                        <a:t>Permet de spécifier la fonction à exécuter par le trigger</a:t>
+                      </a:r>
+                    </a:p>
+                  </a:txBody>
+                  <a:tcPr marL="50800" marR="50800" marT="50800" marB="50800" anchor="t" anchorCtr="0" horzOverflow="overflow">
+                    <a:lnL w="0">
+                      <a:miter lim="400000"/>
+                    </a:lnL>
+                    <a:lnR w="0">
+                      <a:miter lim="400000"/>
+                    </a:lnR>
+                    <a:lnT w="12700">
+                      <a:solidFill>
+                        <a:srgbClr val="5A5F5E"/>
+                      </a:solidFill>
+                      <a:miter lim="400000"/>
+                    </a:lnT>
+                    <a:lnB w="12700">
+                      <a:solidFill>
+                        <a:srgbClr val="5A5F5E"/>
+                      </a:solidFill>
+                      <a:miter lim="400000"/>
+                    </a:lnB>
+                  </a:tcPr>
+                </a:tc>
+              </a:tr>
+            </a:tbl>
+          </a:graphicData>
+        </a:graphic>
+      </p:graphicFrame>
+    </p:spTree>
+  </p:cSld>
+  <p:clrMapOvr>
+    <a:masterClrMapping/>
+  </p:clrMapOvr>
+  <p:transition xmlns:p14="http://schemas.microsoft.com/office/powerpoint/2010/main" spd="med" advClick="1"/>
+  <p:timing>
+    <p:tnLst>
+      <p:par>
+        <p:cTn id="1" nodeType="tmRoot" restart="never" dur="indefinite" fill="hold">
+          <p:childTnLst>
+            <p:seq concurrent="1" prevAc="none" nextAc="seek">
+              <p:cTn id="2" nodeType="mainSeq" dur="indefinite" fill="hold">
+                <p:childTnLst>
+                  <p:par>
+                    <p:cTn id="3" fill="hold">
+                      <p:stCondLst>
+                        <p:cond delay="indefinite"/>
+                        <p:cond evt="onBegin">
+                          <p:tn val="2"/>
+                        </p:cond>
+                      </p:stCondLst>
+                      <p:childTnLst>
+                        <p:par>
+                          <p:cTn id="4" fill="hold">
+                            <p:stCondLst>
+                              <p:cond delay="0"/>
+                            </p:stCondLst>
+                            <p:childTnLst>
+                              <p:par>
+                                <p:cTn id="5" presetClass="entr" nodeType="afterEffect" presetID="9" grpId="1" fill="hold">
+                                  <p:stCondLst>
+                                    <p:cond delay="0"/>
+                                  </p:stCondLst>
+                                  <p:iterate type="el" backwards="0">
+                                    <p:tmAbs val="0"/>
+                                  </p:iterate>
+                                  <p:childTnLst>
+                                    <p:set>
+                                      <p:cBhvr>
+                                        <p:cTn id="6" fill="hold"/>
+                                        <p:tgtEl>
+                                          <p:spTgt spid="556"/>
+                                        </p:tgtEl>
+                                        <p:attrNameLst>
+                                          <p:attrName>style.visibility</p:attrName>
+                                        </p:attrNameLst>
+                                      </p:cBhvr>
+                                      <p:to>
+                                        <p:strVal val="visible"/>
+                                      </p:to>
+                                    </p:set>
+                                    <p:animEffect filter="dissolve" transition="in">
+                                      <p:cBhvr>
+                                        <p:cTn id="7" dur="300"/>
+                                        <p:tgtEl>
+                                          <p:spTgt spid="556"/>
+                                        </p:tgtEl>
+                                      </p:cBhvr>
+                                    </p:animEffect>
+                                  </p:childTnLst>
+                                </p:cTn>
+                              </p:par>
+                            </p:childTnLst>
+                          </p:cTn>
+                        </p:par>
+                      </p:childTnLst>
+                    </p:cTn>
+                  </p:par>
+                </p:childTnLst>
+              </p:cTn>
+              <p:prevCondLst>
+                <p:cond evt="onPrev">
+                  <p:tgtEl>
+                    <p:sldTgt/>
+                  </p:tgtEl>
+                </p:cond>
+              </p:prevCondLst>
+              <p:nextCondLst>
+                <p:cond evt="onNext">
+                  <p:tgtEl>
+                    <p:sldTgt/>
+                  </p:tgtEl>
+                </p:cond>
+              </p:nextCondLst>
+            </p:seq>
+          </p:childTnLst>
+        </p:cTn>
+      </p:par>
+    </p:tnLst>
+    <p:bldLst>
+      <p:bldP build="whole" bldLvl="1" animBg="1" rev="0" advAuto="0" spid="556" grpId="1"/>
+    </p:bldLst>
+  </p:timing>
+</p:sld>
+</file>
+
+<file path=ppt/slides/slide63.xml><?xml version="1.0" encoding="utf-8"?>
+<p:sld xmlns:a="http://schemas.openxmlformats.org/drawingml/2006/main" xmlns:r="http://schemas.openxmlformats.org/officeDocument/2006/relationships" xmlns:p="http://schemas.openxmlformats.org/presentationml/2006/main" xmlns:m="http://schemas.openxmlformats.org/officeDocument/2006/math" xmlns:a14="http://schemas.microsoft.com/office/drawing/2010/main" showMasterSp="1" showMasterPhAnim="1">
+  <p:cSld>
+    <p:spTree>
+      <p:nvGrpSpPr>
+        <p:cNvPr id="1" name=""/>
+        <p:cNvGrpSpPr/>
+        <p:nvPr/>
+      </p:nvGrpSpPr>
+      <p:grpSpPr>
+        <a:xfrm>
+          <a:off x="0" y="0"/>
+          <a:ext cx="0" cy="0"/>
+          <a:chOff x="0" y="0"/>
+          <a:chExt cx="0" cy="0"/>
+        </a:xfrm>
+      </p:grpSpPr>
+      <p:sp>
+        <p:nvSpPr>
+          <p:cNvPr id="558" name="Requêtage SQL"/>
+          <p:cNvSpPr txBox="1"/>
+          <p:nvPr/>
+        </p:nvSpPr>
+        <p:spPr>
+          <a:xfrm>
+            <a:off x="1270000" y="-12700"/>
+            <a:ext cx="10464800" cy="1282700"/>
+          </a:xfrm>
+          <a:prstGeom prst="rect">
+            <a:avLst/>
+          </a:prstGeom>
+          <a:ln w="12700">
+            <a:miter lim="400000"/>
+          </a:ln>
+          <a:extLst>
+            <a:ext uri="{C572A759-6A51-4108-AA02-DFA0A04FC94B}">
+              <ma14:wrappingTextBoxFlag xmlns:ma14="http://schemas.microsoft.com/office/mac/drawingml/2011/main" val="1"/>
+            </a:ext>
+          </a:extLst>
+        </p:spPr>
+        <p:txBody>
+          <a:bodyPr lIns="50800" tIns="50800" rIns="50800" bIns="50800" anchor="ctr">
+            <a:normAutofit fontScale="100000" lnSpcReduction="0"/>
+          </a:bodyPr>
+          <a:lstStyle>
+            <a:lvl1pPr>
+              <a:defRPr sz="2600"/>
+            </a:lvl1pPr>
+          </a:lstStyle>
+          <a:p>
+            <a:pPr/>
+            <a:r>
+              <a:t>Requêtage SQL</a:t>
+            </a:r>
+          </a:p>
+        </p:txBody>
+      </p:sp>
+      <p:sp>
+        <p:nvSpPr>
+          <p:cNvPr id="559" name="Création du trigger"/>
+          <p:cNvSpPr txBox="1"/>
+          <p:nvPr/>
+        </p:nvSpPr>
+        <p:spPr>
+          <a:xfrm>
+            <a:off x="4729298" y="1485733"/>
+            <a:ext cx="3546204" cy="622301"/>
+          </a:xfrm>
+          <a:prstGeom prst="rect">
+            <a:avLst/>
+          </a:prstGeom>
+          <a:ln w="12700">
+            <a:miter lim="400000"/>
+          </a:ln>
+          <a:extLst>
+            <a:ext uri="{C572A759-6A51-4108-AA02-DFA0A04FC94B}">
+              <ma14:wrappingTextBoxFlag xmlns:ma14="http://schemas.microsoft.com/office/mac/drawingml/2011/main" val="1"/>
+            </a:ext>
+          </a:extLst>
+        </p:spPr>
+        <p:txBody>
+          <a:bodyPr wrap="none" lIns="50800" tIns="50800" rIns="50800" bIns="50800" anchor="ctr">
+            <a:spAutoFit/>
+          </a:bodyPr>
+          <a:lstStyle/>
+          <a:p>
+            <a:pPr/>
+            <a:r>
+              <a:t>Création du trigger</a:t>
+            </a:r>
+          </a:p>
+        </p:txBody>
+      </p:sp>
+      <p:sp>
+        <p:nvSpPr>
+          <p:cNvPr id="560" name="CREATE TRIGGER [nom] [quand] [évènement] (OF [colonne])…"/>
+          <p:cNvSpPr txBox="1"/>
+          <p:nvPr/>
+        </p:nvSpPr>
+        <p:spPr>
+          <a:xfrm>
+            <a:off x="427869" y="2698418"/>
+            <a:ext cx="12149062" cy="1951509"/>
+          </a:xfrm>
+          <a:prstGeom prst="rect">
+            <a:avLst/>
+          </a:prstGeom>
+          <a:ln w="12700">
+            <a:miter lim="400000"/>
+          </a:ln>
+          <a:extLst>
+            <a:ext uri="{C572A759-6A51-4108-AA02-DFA0A04FC94B}">
+              <ma14:wrappingTextBoxFlag xmlns:ma14="http://schemas.microsoft.com/office/mac/drawingml/2011/main" val="1"/>
+            </a:ext>
+          </a:extLst>
+        </p:spPr>
+        <p:txBody>
+          <a:bodyPr lIns="50800" tIns="50800" rIns="50800" bIns="50800">
+            <a:spAutoFit/>
+          </a:bodyPr>
+          <a:lstStyle/>
+          <a:p>
+            <a:pPr algn="l">
+              <a:defRPr sz="2800">
+                <a:solidFill>
+                  <a:srgbClr val="5A5F5E"/>
+                </a:solidFill>
+                <a:latin typeface="Monaco"/>
+                <a:ea typeface="Monaco"/>
+                <a:cs typeface="Monaco"/>
+                <a:sym typeface="Monaco"/>
+              </a:defRPr>
+            </a:pPr>
+            <a:r>
+              <a:t>CREATE TRIGGER [nom] [quand] [évènement] (OF [colonne])</a:t>
+            </a:r>
+          </a:p>
+          <a:p>
+            <a:pPr algn="l">
+              <a:defRPr sz="2800">
+                <a:solidFill>
+                  <a:srgbClr val="5A5F5E"/>
+                </a:solidFill>
+                <a:latin typeface="Monaco"/>
+                <a:ea typeface="Monaco"/>
+                <a:cs typeface="Monaco"/>
+                <a:sym typeface="Monaco"/>
+              </a:defRPr>
+            </a:pPr>
+            <a:r>
+              <a:t>ON [table]</a:t>
+            </a:r>
+          </a:p>
+          <a:p>
+            <a:pPr algn="l">
+              <a:defRPr sz="2800">
+                <a:solidFill>
+                  <a:srgbClr val="5A5F5E"/>
+                </a:solidFill>
+                <a:latin typeface="Monaco"/>
+                <a:ea typeface="Monaco"/>
+                <a:cs typeface="Monaco"/>
+                <a:sym typeface="Monaco"/>
+              </a:defRPr>
+            </a:pPr>
+            <a:r>
+              <a:t>[FOR EACH ROW | FOR EACH STATEMENT]</a:t>
+            </a:r>
+          </a:p>
+          <a:p>
+            <a:pPr algn="l">
+              <a:defRPr sz="2800">
+                <a:solidFill>
+                  <a:srgbClr val="5A5F5E"/>
+                </a:solidFill>
+                <a:latin typeface="Monaco"/>
+                <a:ea typeface="Monaco"/>
+                <a:cs typeface="Monaco"/>
+                <a:sym typeface="Monaco"/>
+              </a:defRPr>
+            </a:pPr>
+            <a:r>
+              <a:t>EXECUTE PROCEDURE [nom_fonction]();</a:t>
+            </a:r>
+          </a:p>
+        </p:txBody>
+      </p:sp>
+      <p:sp>
+        <p:nvSpPr>
+          <p:cNvPr id="561" name="CREATE TRIGGER visits_history AFTER UPDATE OF last_login…"/>
+          <p:cNvSpPr txBox="1"/>
+          <p:nvPr/>
+        </p:nvSpPr>
+        <p:spPr>
+          <a:xfrm>
+            <a:off x="427869" y="2704070"/>
+            <a:ext cx="12149063" cy="1951510"/>
+          </a:xfrm>
+          <a:prstGeom prst="rect">
+            <a:avLst/>
+          </a:prstGeom>
+          <a:ln w="12700">
+            <a:miter lim="400000"/>
+          </a:ln>
+          <a:extLst>
+            <a:ext uri="{C572A759-6A51-4108-AA02-DFA0A04FC94B}">
+              <ma14:wrappingTextBoxFlag xmlns:ma14="http://schemas.microsoft.com/office/mac/drawingml/2011/main" val="1"/>
+            </a:ext>
+          </a:extLst>
+        </p:spPr>
+        <p:txBody>
+          <a:bodyPr lIns="50800" tIns="50800" rIns="50800" bIns="50800">
+            <a:spAutoFit/>
+          </a:bodyPr>
+          <a:lstStyle/>
+          <a:p>
+            <a:pPr algn="l">
+              <a:defRPr sz="2800">
+                <a:solidFill>
+                  <a:srgbClr val="5A5F5E"/>
+                </a:solidFill>
+                <a:latin typeface="Monaco"/>
+                <a:ea typeface="Monaco"/>
+                <a:cs typeface="Monaco"/>
+                <a:sym typeface="Monaco"/>
+              </a:defRPr>
+            </a:pPr>
+            <a:r>
+              <a:t>CREATE TRIGGER visits_history AFTER UPDATE OF last_login</a:t>
+            </a:r>
+          </a:p>
+          <a:p>
+            <a:pPr algn="l">
+              <a:defRPr sz="2800">
+                <a:solidFill>
+                  <a:srgbClr val="5A5F5E"/>
+                </a:solidFill>
+                <a:latin typeface="Monaco"/>
+                <a:ea typeface="Monaco"/>
+                <a:cs typeface="Monaco"/>
+                <a:sym typeface="Monaco"/>
+              </a:defRPr>
+            </a:pPr>
+            <a:r>
+              <a:t>ON user</a:t>
+            </a:r>
+          </a:p>
+          <a:p>
+            <a:pPr algn="l">
+              <a:defRPr sz="2800">
+                <a:solidFill>
+                  <a:srgbClr val="5A5F5E"/>
+                </a:solidFill>
+                <a:latin typeface="Monaco"/>
+                <a:ea typeface="Monaco"/>
+                <a:cs typeface="Monaco"/>
+                <a:sym typeface="Monaco"/>
+              </a:defRPr>
+            </a:pPr>
+            <a:r>
+              <a:t>FOR EACH ROW</a:t>
+            </a:r>
+          </a:p>
+          <a:p>
+            <a:pPr algn="l">
+              <a:defRPr sz="2800">
+                <a:solidFill>
+                  <a:srgbClr val="5A5F5E"/>
+                </a:solidFill>
+                <a:latin typeface="Monaco"/>
+                <a:ea typeface="Monaco"/>
+                <a:cs typeface="Monaco"/>
+                <a:sym typeface="Monaco"/>
+              </a:defRPr>
+            </a:pPr>
+            <a:r>
+              <a:t>EXECUTE PROCEDURE save_visits();</a:t>
+            </a:r>
+          </a:p>
+        </p:txBody>
+      </p:sp>
+      <p:sp>
+        <p:nvSpPr>
+          <p:cNvPr id="562" name="Ce trigger sera exécuté à chaque fois que user.last_login sera mise à jour.…"/>
+          <p:cNvSpPr txBox="1"/>
+          <p:nvPr/>
+        </p:nvSpPr>
+        <p:spPr>
+          <a:xfrm>
+            <a:off x="422257" y="5560872"/>
+            <a:ext cx="11108076" cy="2705101"/>
+          </a:xfrm>
+          <a:prstGeom prst="rect">
+            <a:avLst/>
+          </a:prstGeom>
+          <a:ln w="12700">
+            <a:miter lim="400000"/>
+          </a:ln>
+          <a:extLst>
+            <a:ext uri="{C572A759-6A51-4108-AA02-DFA0A04FC94B}">
+              <ma14:wrappingTextBoxFlag xmlns:ma14="http://schemas.microsoft.com/office/mac/drawingml/2011/main" val="1"/>
+            </a:ext>
+          </a:extLst>
+        </p:spPr>
+        <p:txBody>
+          <a:bodyPr lIns="50800" tIns="50800" rIns="50800" bIns="50800" anchor="ctr">
+            <a:spAutoFit/>
+          </a:bodyPr>
+          <a:lstStyle/>
+          <a:p>
+            <a:pPr algn="l"/>
+            <a:r>
+              <a:t>Ce trigger sera exécuté à chaque fois que </a:t>
+            </a:r>
+            <a:r>
+              <a:rPr i="1">
+                <a:latin typeface="Gill Sans"/>
+                <a:ea typeface="Gill Sans"/>
+                <a:cs typeface="Gill Sans"/>
+                <a:sym typeface="Gill Sans"/>
+              </a:rPr>
+              <a:t>user.last_login</a:t>
+            </a:r>
+            <a:r>
+              <a:t> sera mise à jour.</a:t>
+            </a:r>
+          </a:p>
+          <a:p>
+            <a:pPr algn="l"/>
+            <a:r>
+              <a:t>Il fera appel à la fonction </a:t>
+            </a:r>
+            <a:r>
+              <a:rPr i="1">
+                <a:latin typeface="Gill Sans"/>
+                <a:ea typeface="Gill Sans"/>
+                <a:cs typeface="Gill Sans"/>
+                <a:sym typeface="Gill Sans"/>
+              </a:rPr>
+              <a:t>save_visits()</a:t>
+            </a:r>
+            <a:r>
+              <a:t> qui, elle, ajoutera dans la table </a:t>
+            </a:r>
+            <a:r>
+              <a:rPr i="1">
+                <a:latin typeface="Gill Sans"/>
+                <a:ea typeface="Gill Sans"/>
+                <a:cs typeface="Gill Sans"/>
+                <a:sym typeface="Gill Sans"/>
+              </a:rPr>
+              <a:t>logs_connexion</a:t>
+            </a:r>
+            <a:r>
+              <a:t> une nouvelle donnée reprenant l’</a:t>
+            </a:r>
+            <a:r>
+              <a:rPr i="1">
+                <a:latin typeface="Gill Sans"/>
+                <a:ea typeface="Gill Sans"/>
+                <a:cs typeface="Gill Sans"/>
+                <a:sym typeface="Gill Sans"/>
+              </a:rPr>
+              <a:t>id</a:t>
+            </a:r>
+            <a:r>
+              <a:t> de l’utilisateur venant d’être mis à jour.</a:t>
+            </a:r>
+          </a:p>
+        </p:txBody>
+      </p:sp>
+    </p:spTree>
+  </p:cSld>
+  <p:clrMapOvr>
+    <a:masterClrMapping/>
+  </p:clrMapOvr>
+  <p:transition xmlns:p14="http://schemas.microsoft.com/office/powerpoint/2010/main" spd="med" advClick="1"/>
+  <p:timing>
+    <p:tnLst>
+      <p:par>
+        <p:cTn id="1" nodeType="tmRoot" restart="never" dur="indefinite" fill="hold">
+          <p:childTnLst>
+            <p:seq concurrent="1" prevAc="none" nextAc="seek">
+              <p:cTn id="2" nodeType="mainSeq" dur="indefinite" fill="hold">
+                <p:childTnLst>
+                  <p:par>
+                    <p:cTn id="3" fill="hold">
+                      <p:stCondLst>
+                        <p:cond delay="indefinite"/>
+                      </p:stCondLst>
+                      <p:childTnLst>
+                        <p:par>
+                          <p:cTn id="4" fill="hold">
+                            <p:stCondLst>
+                              <p:cond delay="0"/>
+                            </p:stCondLst>
+                            <p:childTnLst>
+                              <p:par>
+                                <p:cTn id="5" presetClass="emph" nodeType="clickEffect" presetID="9" grpId="1" fill="hold">
+                                  <p:stCondLst>
+                                    <p:cond delay="0"/>
+                                  </p:stCondLst>
+                                  <p:childTnLst>
+                                    <p:set>
+                                      <p:cBhvr>
+                                        <p:cTn id="6" dur="indefinite" fill="hold"/>
+                                        <p:tgtEl>
+                                          <p:spTgt spid="560"/>
+                                        </p:tgtEl>
+                                        <p:attrNameLst>
+                                          <p:attrName>style.opacity</p:attrName>
+                                        </p:attrNameLst>
+                                      </p:cBhvr>
+                                      <p:to>
+                                        <p:strVal val="0.00"/>
+                                      </p:to>
+                                    </p:set>
+                                    <p:animEffect filter="image" prLst="opacity: 0.00; ">
+                                      <p:cBhvr>
+                                        <p:cTn id="7" dur="indefinite" fill="hold"/>
+                                        <p:tgtEl>
+                                          <p:spTgt spid="560"/>
+                                        </p:tgtEl>
+                                      </p:cBhvr>
+                                    </p:animEffect>
+                                  </p:childTnLst>
+                                </p:cTn>
+                              </p:par>
+                            </p:childTnLst>
+                          </p:cTn>
+                        </p:par>
+                        <p:par>
+                          <p:cTn id="8" fill="hold">
+                            <p:stCondLst>
+                              <p:cond delay="300"/>
+                            </p:stCondLst>
+                            <p:childTnLst>
+                              <p:par>
+                                <p:cTn id="9" presetClass="entr" nodeType="afterEffect" presetID="9" grpId="2" fill="hold">
+                                  <p:stCondLst>
+                                    <p:cond delay="0"/>
+                                  </p:stCondLst>
+                                  <p:iterate type="el" backwards="0">
+                                    <p:tmAbs val="0"/>
+                                  </p:iterate>
+                                  <p:childTnLst>
+                                    <p:set>
+                                      <p:cBhvr>
+                                        <p:cTn id="10" fill="hold"/>
+                                        <p:tgtEl>
+                                          <p:spTgt spid="561"/>
+                                        </p:tgtEl>
+                                        <p:attrNameLst>
+                                          <p:attrName>style.visibility</p:attrName>
+                                        </p:attrNameLst>
+                                      </p:cBhvr>
+                                      <p:to>
+                                        <p:strVal val="visible"/>
+                                      </p:to>
+                                    </p:set>
+                                    <p:animEffect filter="dissolve" transition="in">
+                                      <p:cBhvr>
+                                        <p:cTn id="11" dur="300"/>
+                                        <p:tgtEl>
+                                          <p:spTgt spid="561"/>
+                                        </p:tgtEl>
+                                      </p:cBhvr>
+                                    </p:animEffect>
+                                  </p:childTnLst>
+                                </p:cTn>
+                              </p:par>
+                            </p:childTnLst>
+                          </p:cTn>
+                        </p:par>
+                      </p:childTnLst>
+                    </p:cTn>
+                  </p:par>
+                  <p:par>
+                    <p:cTn id="12" fill="hold">
+                      <p:stCondLst>
+                        <p:cond delay="indefinite"/>
+                      </p:stCondLst>
+                      <p:childTnLst>
+                        <p:par>
+                          <p:cTn id="13" fill="hold">
+                            <p:stCondLst>
+                              <p:cond delay="0"/>
+                            </p:stCondLst>
+                            <p:childTnLst>
+                              <p:par>
+                                <p:cTn id="14" presetClass="entr" nodeType="clickEffect" presetID="9" grpId="3" fill="hold">
+                                  <p:stCondLst>
+                                    <p:cond delay="0"/>
+                                  </p:stCondLst>
+                                  <p:iterate type="el" backwards="0">
+                                    <p:tmAbs val="0"/>
+                                  </p:iterate>
+                                  <p:childTnLst>
+                                    <p:set>
+                                      <p:cBhvr>
+                                        <p:cTn id="15" fill="hold"/>
+                                        <p:tgtEl>
+                                          <p:spTgt spid="562"/>
+                                        </p:tgtEl>
+                                        <p:attrNameLst>
+                                          <p:attrName>style.visibility</p:attrName>
+                                        </p:attrNameLst>
+                                      </p:cBhvr>
+                                      <p:to>
+                                        <p:strVal val="visible"/>
+                                      </p:to>
+                                    </p:set>
+                                    <p:animEffect filter="dissolve" transition="in">
+                                      <p:cBhvr>
+                                        <p:cTn id="16" dur="300"/>
+                                        <p:tgtEl>
+                                          <p:spTgt spid="562"/>
+                                        </p:tgtEl>
+                                      </p:cBhvr>
+                                    </p:animEffect>
+                                  </p:childTnLst>
+                                </p:cTn>
+                              </p:par>
+                            </p:childTnLst>
+                          </p:cTn>
+                        </p:par>
+                      </p:childTnLst>
+                    </p:cTn>
+                  </p:par>
+                </p:childTnLst>
+              </p:cTn>
+              <p:prevCondLst>
+                <p:cond evt="onPrev">
+                  <p:tgtEl>
+                    <p:sldTgt/>
+                  </p:tgtEl>
+                </p:cond>
+              </p:prevCondLst>
+              <p:nextCondLst>
+                <p:cond evt="onNext">
+                  <p:tgtEl>
+                    <p:sldTgt/>
+                  </p:tgtEl>
+                </p:cond>
+              </p:nextCondLst>
+            </p:seq>
+          </p:childTnLst>
+        </p:cTn>
+      </p:par>
+    </p:tnLst>
+    <p:bldLst>
+      <p:bldP build="whole" bldLvl="1" animBg="1" rev="0" advAuto="0" spid="561" grpId="2"/>
+      <p:bldP build="whole" bldLvl="1" animBg="1" rev="0" advAuto="0" spid="562" grpId="3"/>
+      <p:bldP build="whole" bldLvl="1" animBg="1" rev="0" advAuto="0" spid="560" grpId="1"/>
+    </p:bldLst>
+  </p:timing>
+</p:sld>
+</file>
+
+<file path=ppt/slides/slide64.xml><?xml version="1.0" encoding="utf-8"?>
+<p:sld xmlns:a="http://schemas.openxmlformats.org/drawingml/2006/main" xmlns:r="http://schemas.openxmlformats.org/officeDocument/2006/relationships" xmlns:p="http://schemas.openxmlformats.org/presentationml/2006/main" xmlns:m="http://schemas.openxmlformats.org/officeDocument/2006/math" xmlns:a14="http://schemas.microsoft.com/office/drawing/2010/main" showMasterSp="1" showMasterPhAnim="1">
+  <p:cSld>
+    <p:spTree>
+      <p:nvGrpSpPr>
+        <p:cNvPr id="1" name=""/>
+        <p:cNvGrpSpPr/>
+        <p:nvPr/>
+      </p:nvGrpSpPr>
+      <p:grpSpPr>
+        <a:xfrm>
+          <a:off x="0" y="0"/>
+          <a:ext cx="0" cy="0"/>
+          <a:chOff x="0" y="0"/>
+          <a:chExt cx="0" cy="0"/>
+        </a:xfrm>
+      </p:grpSpPr>
+      <p:sp>
+        <p:nvSpPr>
+          <p:cNvPr id="564" name="Requêtage SQL"/>
+          <p:cNvSpPr txBox="1"/>
+          <p:nvPr/>
+        </p:nvSpPr>
+        <p:spPr>
+          <a:xfrm>
+            <a:off x="1270000" y="-12700"/>
+            <a:ext cx="10464800" cy="1282700"/>
+          </a:xfrm>
+          <a:prstGeom prst="rect">
+            <a:avLst/>
+          </a:prstGeom>
+          <a:ln w="12700">
+            <a:miter lim="400000"/>
+          </a:ln>
+          <a:extLst>
+            <a:ext uri="{C572A759-6A51-4108-AA02-DFA0A04FC94B}">
+              <ma14:wrappingTextBoxFlag xmlns:ma14="http://schemas.microsoft.com/office/mac/drawingml/2011/main" val="1"/>
+            </a:ext>
+          </a:extLst>
+        </p:spPr>
+        <p:txBody>
+          <a:bodyPr lIns="50800" tIns="50800" rIns="50800" bIns="50800" anchor="ctr">
+            <a:normAutofit fontScale="100000" lnSpcReduction="0"/>
+          </a:bodyPr>
+          <a:lstStyle>
+            <a:lvl1pPr>
+              <a:defRPr sz="2600"/>
+            </a:lvl1pPr>
+          </a:lstStyle>
+          <a:p>
+            <a:pPr/>
+            <a:r>
+              <a:t>Requêtage SQL</a:t>
+            </a:r>
+          </a:p>
+        </p:txBody>
+      </p:sp>
+      <p:sp>
+        <p:nvSpPr>
+          <p:cNvPr id="565" name="Créer un trigger permettant de mettre à jour le stock dans la table produit à chaque fois qu’un produit est ajouté à une commande.…"/>
+          <p:cNvSpPr txBox="1"/>
+          <p:nvPr/>
+        </p:nvSpPr>
+        <p:spPr>
+          <a:xfrm>
+            <a:off x="397954" y="2859477"/>
+            <a:ext cx="12316719" cy="3746501"/>
+          </a:xfrm>
+          <a:prstGeom prst="rect">
+            <a:avLst/>
+          </a:prstGeom>
+          <a:ln w="12700">
+            <a:miter lim="400000"/>
+          </a:ln>
+          <a:extLst>
+            <a:ext uri="{C572A759-6A51-4108-AA02-DFA0A04FC94B}">
+              <ma14:wrappingTextBoxFlag xmlns:ma14="http://schemas.microsoft.com/office/mac/drawingml/2011/main" val="1"/>
+            </a:ext>
+          </a:extLst>
+        </p:spPr>
+        <p:txBody>
+          <a:bodyPr wrap="none" lIns="50800" tIns="50800" rIns="50800" bIns="50800" anchor="ctr">
+            <a:spAutoFit/>
+          </a:bodyPr>
+          <a:lstStyle/>
+          <a:p>
+            <a:pPr algn="l"/>
+            <a:r>
+              <a:t>Créer un trigger permettant de mettre à jour le stock dans la table produit à chaque fois qu’un produit est ajouté à une commande.</a:t>
+            </a:r>
+          </a:p>
+          <a:p>
+            <a:pPr algn="l"/>
+          </a:p>
+          <a:p>
+            <a:pPr algn="l"/>
+            <a:r>
+              <a:t>Exemple :</a:t>
+            </a:r>
+          </a:p>
+          <a:p>
+            <a:pPr algn="l"/>
+            <a:r>
+              <a:t>Si le produit 2 possède 10 produits en stock et qu’un internaute en achète 2, il faut que le stock dans la table produit passe automatiquement à 8.</a:t>
+            </a:r>
+          </a:p>
+        </p:txBody>
+      </p:sp>
+      <p:sp>
+        <p:nvSpPr>
+          <p:cNvPr id="566" name="Un peu de pratique"/>
+          <p:cNvSpPr txBox="1"/>
+          <p:nvPr/>
+        </p:nvSpPr>
+        <p:spPr>
+          <a:xfrm>
+            <a:off x="4672930" y="1510389"/>
+            <a:ext cx="3658940" cy="622301"/>
+          </a:xfrm>
+          <a:prstGeom prst="rect">
+            <a:avLst/>
+          </a:prstGeom>
+          <a:ln w="12700">
+            <a:miter lim="400000"/>
+          </a:ln>
+          <a:extLst>
+            <a:ext uri="{C572A759-6A51-4108-AA02-DFA0A04FC94B}">
+              <ma14:wrappingTextBoxFlag xmlns:ma14="http://schemas.microsoft.com/office/mac/drawingml/2011/main" val="1"/>
+            </a:ext>
+          </a:extLst>
+        </p:spPr>
+        <p:txBody>
+          <a:bodyPr wrap="none" lIns="50800" tIns="50800" rIns="50800" bIns="50800" anchor="ctr">
+            <a:spAutoFit/>
+          </a:bodyPr>
+          <a:lstStyle>
+            <a:lvl1pPr algn="l"/>
+          </a:lstStyle>
+          <a:p>
+            <a:pPr/>
+            <a:r>
+              <a:t>Un peu de pratique</a:t>
             </a:r>
           </a:p>
         </p:txBody>
@@ -43632,10 +50436,10 @@
       </p:par>
     </p:tnLst>
     <p:bldLst>
+      <p:bldP build="whole" bldLvl="1" animBg="1" rev="0" advAuto="0" spid="159" grpId="4"/>
       <p:bldP build="whole" bldLvl="1" animBg="1" rev="0" advAuto="0" spid="158" grpId="3"/>
       <p:bldP build="whole" bldLvl="1" animBg="1" rev="0" advAuto="0" spid="156" grpId="1"/>
       <p:bldP build="whole" bldLvl="1" animBg="1" rev="0" advAuto="0" spid="156" grpId="2"/>
-      <p:bldP build="whole" bldLvl="1" animBg="1" rev="0" advAuto="0" spid="159" grpId="4"/>
     </p:bldLst>
   </p:timing>
 </p:sld>
@@ -44389,12 +51193,12 @@
       </p:par>
     </p:tnLst>
     <p:bldLst>
+      <p:bldP build="whole" bldLvl="1" animBg="1" rev="0" advAuto="0" spid="170" grpId="7"/>
       <p:bldP build="whole" bldLvl="1" animBg="1" rev="0" advAuto="0" spid="165" grpId="2"/>
+      <p:bldP build="whole" bldLvl="1" animBg="1" rev="0" advAuto="0" spid="166" grpId="4"/>
+      <p:bldP build="whole" bldLvl="1" animBg="1" rev="0" advAuto="0" spid="169" grpId="5"/>
+      <p:bldP build="whole" bldLvl="1" animBg="1" rev="0" advAuto="0" spid="167" grpId="6"/>
       <p:bldP build="whole" bldLvl="1" animBg="1" rev="0" advAuto="0" spid="168" grpId="3"/>
-      <p:bldP build="whole" bldLvl="1" animBg="1" rev="0" advAuto="0" spid="166" grpId="4"/>
-      <p:bldP build="whole" bldLvl="1" animBg="1" rev="0" advAuto="0" spid="167" grpId="6"/>
-      <p:bldP build="whole" bldLvl="1" animBg="1" rev="0" advAuto="0" spid="170" grpId="7"/>
-      <p:bldP build="whole" bldLvl="1" animBg="1" rev="0" advAuto="0" spid="169" grpId="5"/>
     </p:bldLst>
   </p:timing>
 </p:sld>
